--- a/trunk/project/latex/media/media.pptx
+++ b/trunk/project/latex/media/media.pptx
@@ -3294,7 +3294,7 @@
                       <a:pPr algn="ctr"/>
                       <a:r>
                         <a:rPr lang="en-US" sz="2000"/>
-                        <a:t>0.5 V</a:t>
+                        <a:t>1.0 V</a:t>
                       </a:r>
                     </a:p>
                   </a:txBody>
@@ -3661,7 +3661,7 @@
                       </a:pPr>
                       <a:r>
                         <a:rPr lang="en-US" sz="2000"/>
-                        <a:t>16 nano</a:t>
+                        <a:t>10 nano</a:t>
                       </a:r>
                       <a:r>
                         <a:rPr lang="en-US" sz="2000" baseline="0"/>
@@ -3837,7 +3837,7 @@
                       </a:pPr>
                       <a:r>
                         <a:rPr lang="en-US" sz="2000"/>
-                        <a:t>25 nano sec</a:t>
+                        <a:t>8 nano sec</a:t>
                       </a:r>
                     </a:p>
                   </a:txBody>
@@ -4049,7 +4049,7 @@
                       </a:pPr>
                       <a:r>
                         <a:rPr lang="en-US" sz="2000"/>
-                        <a:t>5 V / μ sec</a:t>
+                        <a:t>100 V / μ sec</a:t>
                       </a:r>
                     </a:p>
                   </a:txBody>
@@ -4261,7 +4261,7 @@
                       </a:pPr>
                       <a:r>
                         <a:rPr lang="en-US" sz="2000"/>
-                        <a:t>66</a:t>
+                        <a:t>166</a:t>
                       </a:r>
                       <a:r>
                         <a:rPr lang="en-US" sz="2000" baseline="0"/>
@@ -4445,7 +4445,7 @@
                       <a:pPr algn="ctr"/>
                       <a:r>
                         <a:rPr lang="en-US" sz="2000"/>
-                        <a:t>2.4 mW</a:t>
+                        <a:t>2.5 mW</a:t>
                       </a:r>
                     </a:p>
                   </a:txBody>
@@ -4722,7 +4722,7 @@
                       <a:pPr algn="ctr"/>
                       <a:r>
                         <a:rPr lang="en-US" sz="2000"/>
-                        <a:t>Max. Input (+200 mV)</a:t>
+                        <a:t>Max. Input</a:t>
                       </a:r>
                     </a:p>
                   </a:txBody>
@@ -4878,7 +4878,7 @@
                       <a:pPr algn="ctr"/>
                       <a:r>
                         <a:rPr lang="en-US" sz="2000"/>
-                        <a:t>Min. Input (-200 mV)</a:t>
+                        <a:t>Min. Input</a:t>
                       </a:r>
                     </a:p>
                   </a:txBody>
@@ -5251,7 +5251,7 @@
                       <a:pPr algn="ctr"/>
                       <a:r>
                         <a:rPr lang="en-US" sz="2000"/>
-                        <a:t>0°C to 50°C</a:t>
+                        <a:t>10°C to 45°C</a:t>
                       </a:r>
                     </a:p>
                   </a:txBody>
@@ -5672,7 +5672,7 @@
       </p:grpSpPr>
       <p:pic>
         <p:nvPicPr>
-          <p:cNvPr id="4" name="Picture 3" descr="Screen Shot 2013-05-02 at 4.35.23 PM.png"/>
+          <p:cNvPr id="6" name="Picture 5" descr="nxxxeg.png"/>
           <p:cNvPicPr>
             <a:picLocks noChangeAspect="1"/>
           </p:cNvPicPr>
@@ -5686,8 +5686,8 @@
         </p:blipFill>
         <p:spPr>
           <a:xfrm>
-            <a:off x="255660" y="659476"/>
-            <a:ext cx="8673914" cy="4361051"/>
+            <a:off x="944563" y="218155"/>
+            <a:ext cx="7429500" cy="5486400"/>
           </a:xfrm>
           <a:prstGeom prst="rect">
             <a:avLst/>
@@ -5696,14 +5696,14 @@
       </p:pic>
       <p:cxnSp>
         <p:nvCxnSpPr>
-          <p:cNvPr id="5" name="Straight Arrow Connector 4"/>
+          <p:cNvPr id="7" name="Straight Arrow Connector 6"/>
           <p:cNvCxnSpPr/>
           <p:nvPr/>
         </p:nvCxnSpPr>
         <p:spPr>
           <a:xfrm>
-            <a:off x="3793678" y="3587230"/>
-            <a:ext cx="1443246" cy="1588"/>
+            <a:off x="2630833" y="3743913"/>
+            <a:ext cx="2317442" cy="1588"/>
           </a:xfrm>
           <a:prstGeom prst="straightConnector1">
             <a:avLst/>
@@ -7289,7 +7289,7 @@
             <a:pPr algn="r"/>
             <a:r>
               <a:rPr lang="en-US"/>
-              <a:t>5 Volt VIN</a:t>
+              <a:t>5.0 Volt VIN</a:t>
             </a:r>
           </a:p>
         </p:txBody>
@@ -7500,7 +7500,7 @@
           <a:p>
             <a:r>
               <a:rPr lang="en-US"/>
-              <a:t>2.5 Volt VOUT</a:t>
+              <a:t>VOUT</a:t>
             </a:r>
           </a:p>
         </p:txBody>
@@ -8938,14 +8938,14 @@
             <a:pPr algn="ctr"/>
             <a:r>
               <a:rPr lang="en-US"/>
-              <a:t>R1: 50 kΩ</a:t>
+              <a:t>R1: 1 kΩ</a:t>
             </a:r>
           </a:p>
           <a:p>
             <a:pPr algn="ctr"/>
             <a:r>
               <a:rPr lang="en-US"/>
-              <a:t>R2: 1 kΩ</a:t>
+              <a:t>R2: 1.9 kΩ</a:t>
             </a:r>
           </a:p>
           <a:p>
@@ -8977,7 +8977,7 @@
             <a:pPr algn="ctr"/>
             <a:r>
               <a:rPr lang="en-US"/>
-              <a:t>1 kΩ</a:t>
+              <a:t>0.1 kΩ</a:t>
             </a:r>
           </a:p>
         </p:txBody>
@@ -9060,11 +9060,7 @@
             <a:pPr algn="ctr"/>
             <a:r>
               <a:rPr lang="en-US"/>
-              <a:t>5</a:t>
-            </a:r>
-            <a:r>
-              <a:rPr lang="en-US"/>
-              <a:t> kΩ</a:t>
+              <a:t>5 kΩ</a:t>
             </a:r>
           </a:p>
         </p:txBody>
@@ -9094,14 +9090,14 @@
             <a:pPr algn="ctr"/>
             <a:r>
               <a:rPr lang="en-US"/>
-              <a:t>R1: 50 kΩ</a:t>
+              <a:t>R1: 20 kΩ</a:t>
             </a:r>
           </a:p>
           <a:p>
             <a:pPr algn="ctr"/>
             <a:r>
               <a:rPr lang="en-US"/>
-              <a:t>R2: 50 kΩ</a:t>
+              <a:t>R2: 20 kΩ</a:t>
             </a:r>
           </a:p>
           <a:p>
@@ -9133,7 +9129,11 @@
             <a:pPr algn="ctr"/>
             <a:r>
               <a:rPr lang="en-US"/>
-              <a:t>25 kΩ</a:t>
+              <a:t>10</a:t>
+            </a:r>
+            <a:r>
+              <a:rPr lang="en-US"/>
+              <a:t> kΩ</a:t>
             </a:r>
           </a:p>
         </p:txBody>
@@ -9249,9 +9249,9 @@
           <p:nvPr/>
         </p:nvCxnSpPr>
         <p:spPr>
-          <a:xfrm rot="16200000" flipH="1">
-            <a:off x="3620523" y="2836767"/>
-            <a:ext cx="948348" cy="799971"/>
+          <a:xfrm>
+            <a:off x="3463797" y="2622392"/>
+            <a:ext cx="1088613" cy="1088533"/>
           </a:xfrm>
           <a:prstGeom prst="line">
             <a:avLst/>
@@ -9304,7 +9304,7 @@
       </p:grpSpPr>
       <p:pic>
         <p:nvPicPr>
-          <p:cNvPr id="8" name="Picture 7" descr="Screen Shot 2013-05-02 at 4.35.03 PM.png"/>
+          <p:cNvPr id="4" name="Picture 3" descr="pxxxos.png"/>
           <p:cNvPicPr>
             <a:picLocks noChangeAspect="1"/>
           </p:cNvPicPr>
@@ -9318,8 +9318,8 @@
         </p:blipFill>
         <p:spPr>
           <a:xfrm>
-            <a:off x="305143" y="227205"/>
-            <a:ext cx="8067447" cy="4168182"/>
+            <a:off x="1063625" y="403225"/>
+            <a:ext cx="7454900" cy="5511800"/>
           </a:xfrm>
           <a:prstGeom prst="rect">
             <a:avLst/>
@@ -9328,14 +9328,14 @@
       </p:pic>
       <p:cxnSp>
         <p:nvCxnSpPr>
-          <p:cNvPr id="9" name="Straight Arrow Connector 8"/>
+          <p:cNvPr id="5" name="Straight Arrow Connector 4"/>
           <p:cNvCxnSpPr/>
           <p:nvPr/>
         </p:nvCxnSpPr>
         <p:spPr>
           <a:xfrm>
-            <a:off x="1467988" y="3066112"/>
-            <a:ext cx="5987413" cy="1588"/>
+            <a:off x="1764886" y="3100686"/>
+            <a:ext cx="2276205" cy="1588"/>
           </a:xfrm>
           <a:prstGeom prst="straightConnector1">
             <a:avLst/>

--- a/trunk/project/latex/media/media.pptx
+++ b/trunk/project/latex/media/media.pptx
@@ -6,16 +6,19 @@
   </p:sldMasterIdLst>
   <p:sldIdLst>
     <p:sldId id="279" r:id="rId2"/>
-    <p:sldId id="280" r:id="rId3"/>
-    <p:sldId id="286" r:id="rId4"/>
-    <p:sldId id="287" r:id="rId5"/>
-    <p:sldId id="281" r:id="rId6"/>
-    <p:sldId id="282" r:id="rId7"/>
-    <p:sldId id="292" r:id="rId8"/>
-    <p:sldId id="293" r:id="rId9"/>
-    <p:sldId id="294" r:id="rId10"/>
-    <p:sldId id="295" r:id="rId11"/>
-    <p:sldId id="296" r:id="rId12"/>
+    <p:sldId id="299" r:id="rId3"/>
+    <p:sldId id="280" r:id="rId4"/>
+    <p:sldId id="286" r:id="rId5"/>
+    <p:sldId id="287" r:id="rId6"/>
+    <p:sldId id="281" r:id="rId7"/>
+    <p:sldId id="282" r:id="rId8"/>
+    <p:sldId id="292" r:id="rId9"/>
+    <p:sldId id="293" r:id="rId10"/>
+    <p:sldId id="294" r:id="rId11"/>
+    <p:sldId id="295" r:id="rId12"/>
+    <p:sldId id="296" r:id="rId13"/>
+    <p:sldId id="297" r:id="rId14"/>
+    <p:sldId id="298" r:id="rId15"/>
   </p:sldIdLst>
   <p:sldSz cx="9144000" cy="6858000" type="screen4x3"/>
   <p:notesSz cx="6858000" cy="9144000"/>
@@ -299,7 +302,7 @@
             <a:fld id="{A6C8FF31-B0BB-0A47-A98F-CEECB421E15E}" type="datetimeFigureOut">
               <a:rPr lang="en-US" smtClean="0"/>
               <a:pPr/>
-              <a:t>5/2/13</a:t>
+              <a:t>5/3/13</a:t>
             </a:fld>
             <a:endParaRPr lang="en-US"/>
           </a:p>
@@ -466,7 +469,7 @@
             <a:fld id="{A6C8FF31-B0BB-0A47-A98F-CEECB421E15E}" type="datetimeFigureOut">
               <a:rPr lang="en-US" smtClean="0"/>
               <a:pPr/>
-              <a:t>5/2/13</a:t>
+              <a:t>5/3/13</a:t>
             </a:fld>
             <a:endParaRPr lang="en-US"/>
           </a:p>
@@ -643,7 +646,7 @@
             <a:fld id="{A6C8FF31-B0BB-0A47-A98F-CEECB421E15E}" type="datetimeFigureOut">
               <a:rPr lang="en-US" smtClean="0"/>
               <a:pPr/>
-              <a:t>5/2/13</a:t>
+              <a:t>5/3/13</a:t>
             </a:fld>
             <a:endParaRPr lang="en-US"/>
           </a:p>
@@ -810,7 +813,7 @@
             <a:fld id="{A6C8FF31-B0BB-0A47-A98F-CEECB421E15E}" type="datetimeFigureOut">
               <a:rPr lang="en-US" smtClean="0"/>
               <a:pPr/>
-              <a:t>5/2/13</a:t>
+              <a:t>5/3/13</a:t>
             </a:fld>
             <a:endParaRPr lang="en-US"/>
           </a:p>
@@ -1053,7 +1056,7 @@
             <a:fld id="{A6C8FF31-B0BB-0A47-A98F-CEECB421E15E}" type="datetimeFigureOut">
               <a:rPr lang="en-US" smtClean="0"/>
               <a:pPr/>
-              <a:t>5/2/13</a:t>
+              <a:t>5/3/13</a:t>
             </a:fld>
             <a:endParaRPr lang="en-US"/>
           </a:p>
@@ -1338,7 +1341,7 @@
             <a:fld id="{A6C8FF31-B0BB-0A47-A98F-CEECB421E15E}" type="datetimeFigureOut">
               <a:rPr lang="en-US" smtClean="0"/>
               <a:pPr/>
-              <a:t>5/2/13</a:t>
+              <a:t>5/3/13</a:t>
             </a:fld>
             <a:endParaRPr lang="en-US"/>
           </a:p>
@@ -1757,7 +1760,7 @@
             <a:fld id="{A6C8FF31-B0BB-0A47-A98F-CEECB421E15E}" type="datetimeFigureOut">
               <a:rPr lang="en-US" smtClean="0"/>
               <a:pPr/>
-              <a:t>5/2/13</a:t>
+              <a:t>5/3/13</a:t>
             </a:fld>
             <a:endParaRPr lang="en-US"/>
           </a:p>
@@ -1872,7 +1875,7 @@
             <a:fld id="{A6C8FF31-B0BB-0A47-A98F-CEECB421E15E}" type="datetimeFigureOut">
               <a:rPr lang="en-US" smtClean="0"/>
               <a:pPr/>
-              <a:t>5/2/13</a:t>
+              <a:t>5/3/13</a:t>
             </a:fld>
             <a:endParaRPr lang="en-US"/>
           </a:p>
@@ -1964,7 +1967,7 @@
             <a:fld id="{A6C8FF31-B0BB-0A47-A98F-CEECB421E15E}" type="datetimeFigureOut">
               <a:rPr lang="en-US" smtClean="0"/>
               <a:pPr/>
-              <a:t>5/2/13</a:t>
+              <a:t>5/3/13</a:t>
             </a:fld>
             <a:endParaRPr lang="en-US"/>
           </a:p>
@@ -2238,7 +2241,7 @@
             <a:fld id="{A6C8FF31-B0BB-0A47-A98F-CEECB421E15E}" type="datetimeFigureOut">
               <a:rPr lang="en-US" smtClean="0"/>
               <a:pPr/>
-              <a:t>5/2/13</a:t>
+              <a:t>5/3/13</a:t>
             </a:fld>
             <a:endParaRPr lang="en-US"/>
           </a:p>
@@ -2488,7 +2491,7 @@
             <a:fld id="{A6C8FF31-B0BB-0A47-A98F-CEECB421E15E}" type="datetimeFigureOut">
               <a:rPr lang="en-US" smtClean="0"/>
               <a:pPr/>
-              <a:t>5/2/13</a:t>
+              <a:t>5/3/13</a:t>
             </a:fld>
             <a:endParaRPr lang="en-US"/>
           </a:p>
@@ -2698,7 +2701,7 @@
             <a:fld id="{A6C8FF31-B0BB-0A47-A98F-CEECB421E15E}" type="datetimeFigureOut">
               <a:rPr lang="en-US" smtClean="0"/>
               <a:pPr/>
-              <a:t>5/2/13</a:t>
+              <a:t>5/3/13</a:t>
             </a:fld>
             <a:endParaRPr lang="en-US"/>
           </a:p>
@@ -4598,6 +4601,14 @@
                     <a:lstStyle/>
                     <a:p>
                       <a:pPr algn="ctr"/>
+                      <a:r>
+                        <a:rPr lang="en-US" sz="2000"/>
+                        <a:t>0.33 mm</a:t>
+                      </a:r>
+                      <a:r>
+                        <a:rPr lang="en-US" sz="2000" baseline="30000"/>
+                        <a:t>2</a:t>
+                      </a:r>
                       <a:endParaRPr lang="en-US" sz="2000"/>
                     </a:p>
                   </a:txBody>
@@ -5672,7 +5683,7 @@
       </p:grpSpPr>
       <p:pic>
         <p:nvPicPr>
-          <p:cNvPr id="6" name="Picture 5" descr="nxxxeg.png"/>
+          <p:cNvPr id="4" name="Picture 3" descr="pxxxos.png"/>
           <p:cNvPicPr>
             <a:picLocks noChangeAspect="1"/>
           </p:cNvPicPr>
@@ -5686,8 +5697,8 @@
         </p:blipFill>
         <p:spPr>
           <a:xfrm>
-            <a:off x="944563" y="218155"/>
-            <a:ext cx="7429500" cy="5486400"/>
+            <a:off x="1063625" y="403225"/>
+            <a:ext cx="7454900" cy="5511800"/>
           </a:xfrm>
           <a:prstGeom prst="rect">
             <a:avLst/>
@@ -5696,14 +5707,14 @@
       </p:pic>
       <p:cxnSp>
         <p:nvCxnSpPr>
-          <p:cNvPr id="7" name="Straight Arrow Connector 6"/>
+          <p:cNvPr id="5" name="Straight Arrow Connector 4"/>
           <p:cNvCxnSpPr/>
           <p:nvPr/>
         </p:nvCxnSpPr>
         <p:spPr>
           <a:xfrm>
-            <a:off x="2630833" y="3743913"/>
-            <a:ext cx="2317442" cy="1588"/>
+            <a:off x="1764886" y="3100686"/>
+            <a:ext cx="2276205" cy="1588"/>
           </a:xfrm>
           <a:prstGeom prst="straightConnector1">
             <a:avLst/>
@@ -5758,7 +5769,7 @@
       </p:grpSpPr>
       <p:pic>
         <p:nvPicPr>
-          <p:cNvPr id="4" name="Picture 3" descr="Screen Shot 2013-05-02 at 5.03.46 PM.png"/>
+          <p:cNvPr id="6" name="Picture 5" descr="nxxxeg.png"/>
           <p:cNvPicPr>
             <a:picLocks noChangeAspect="1"/>
           </p:cNvPicPr>
@@ -5772,14 +5783,76 @@
         </p:blipFill>
         <p:spPr>
           <a:xfrm>
-            <a:off x="4197787" y="1935793"/>
-            <a:ext cx="4005430" cy="3304709"/>
+            <a:off x="944563" y="218155"/>
+            <a:ext cx="7429500" cy="5486400"/>
           </a:xfrm>
           <a:prstGeom prst="rect">
             <a:avLst/>
           </a:prstGeom>
         </p:spPr>
       </p:pic>
+      <p:cxnSp>
+        <p:nvCxnSpPr>
+          <p:cNvPr id="7" name="Straight Arrow Connector 6"/>
+          <p:cNvCxnSpPr/>
+          <p:nvPr/>
+        </p:nvCxnSpPr>
+        <p:spPr>
+          <a:xfrm>
+            <a:off x="2630833" y="3743913"/>
+            <a:ext cx="2317442" cy="1588"/>
+          </a:xfrm>
+          <a:prstGeom prst="straightConnector1">
+            <a:avLst/>
+          </a:prstGeom>
+          <a:ln>
+            <a:solidFill>
+              <a:srgbClr val="FF0000"/>
+            </a:solidFill>
+            <a:headEnd type="arrow"/>
+            <a:tailEnd type="arrow"/>
+          </a:ln>
+        </p:spPr>
+        <p:style>
+          <a:lnRef idx="2">
+            <a:schemeClr val="accent1"/>
+          </a:lnRef>
+          <a:fillRef idx="0">
+            <a:schemeClr val="accent1"/>
+          </a:fillRef>
+          <a:effectRef idx="1">
+            <a:schemeClr val="accent1"/>
+          </a:effectRef>
+          <a:fontRef idx="minor">
+            <a:schemeClr val="tx1"/>
+          </a:fontRef>
+        </p:style>
+      </p:cxnSp>
+    </p:spTree>
+  </p:cSld>
+  <p:clrMapOvr>
+    <a:masterClrMapping/>
+  </p:clrMapOvr>
+</p:sld>
+</file>
+
+<file path=ppt/slides/slide12.xml><?xml version="1.0" encoding="utf-8"?>
+<p:sld xmlns:a="http://schemas.openxmlformats.org/drawingml/2006/main" xmlns:r="http://schemas.openxmlformats.org/officeDocument/2006/relationships" xmlns:mc="http://schemas.openxmlformats.org/markup-compatibility/2006" xmlns:mv="urn:schemas-microsoft-com:mac:vml" xmlns:p="http://schemas.openxmlformats.org/presentationml/2006/main" mc:Ignorable="mv" mc:PreserveAttributes="mv:*">
+  <p:cSld>
+    <p:spTree>
+      <p:nvGrpSpPr>
+        <p:cNvPr id="1" name=""/>
+        <p:cNvGrpSpPr/>
+        <p:nvPr/>
+      </p:nvGrpSpPr>
+      <p:grpSpPr>
+        <a:xfrm>
+          <a:off x="0" y="0"/>
+          <a:ext cx="0" cy="0"/>
+          <a:chOff x="0" y="0"/>
+          <a:chExt cx="0" cy="0"/>
+        </a:xfrm>
+      </p:grpSpPr>
       <p:pic>
         <p:nvPicPr>
           <p:cNvPr id="5" name="Picture 4" descr="Screen Shot 2013-05-02 at 5.03.46 PM.png"/>
@@ -5798,6 +5871,200 @@
           <a:xfrm>
             <a:off x="159368" y="1935792"/>
             <a:ext cx="4005431" cy="3304710"/>
+          </a:xfrm>
+          <a:prstGeom prst="rect">
+            <a:avLst/>
+          </a:prstGeom>
+        </p:spPr>
+      </p:pic>
+      <p:pic>
+        <p:nvPicPr>
+          <p:cNvPr id="6" name="Picture 5" descr="lay_op.png"/>
+          <p:cNvPicPr>
+            <a:picLocks noChangeAspect="1"/>
+          </p:cNvPicPr>
+          <p:nvPr/>
+        </p:nvPicPr>
+        <p:blipFill>
+          <a:blip r:embed="rId3"/>
+          <a:stretch>
+            <a:fillRect/>
+          </a:stretch>
+        </p:blipFill>
+        <p:spPr>
+          <a:xfrm rot="16200000">
+            <a:off x="4583739" y="1607522"/>
+            <a:ext cx="3304710" cy="3961250"/>
+          </a:xfrm>
+          <a:prstGeom prst="rect">
+            <a:avLst/>
+          </a:prstGeom>
+        </p:spPr>
+      </p:pic>
+    </p:spTree>
+  </p:cSld>
+  <p:clrMapOvr>
+    <a:masterClrMapping/>
+  </p:clrMapOvr>
+</p:sld>
+</file>
+
+<file path=ppt/slides/slide13.xml><?xml version="1.0" encoding="utf-8"?>
+<p:sld xmlns:a="http://schemas.openxmlformats.org/drawingml/2006/main" xmlns:r="http://schemas.openxmlformats.org/officeDocument/2006/relationships" xmlns:mc="http://schemas.openxmlformats.org/markup-compatibility/2006" xmlns:mv="urn:schemas-microsoft-com:mac:vml" xmlns:p="http://schemas.openxmlformats.org/presentationml/2006/main" mc:Ignorable="mv" mc:PreserveAttributes="mv:*">
+  <p:cSld>
+    <p:spTree>
+      <p:nvGrpSpPr>
+        <p:cNvPr id="1" name=""/>
+        <p:cNvGrpSpPr/>
+        <p:nvPr/>
+      </p:nvGrpSpPr>
+      <p:grpSpPr>
+        <a:xfrm>
+          <a:off x="0" y="0"/>
+          <a:ext cx="0" cy="0"/>
+          <a:chOff x="0" y="0"/>
+          <a:chExt cx="0" cy="0"/>
+        </a:xfrm>
+      </p:grpSpPr>
+      <p:pic>
+        <p:nvPicPr>
+          <p:cNvPr id="4" name="Picture 3" descr="r1.png"/>
+          <p:cNvPicPr>
+            <a:picLocks noChangeAspect="1"/>
+          </p:cNvPicPr>
+          <p:nvPr/>
+        </p:nvPicPr>
+        <p:blipFill>
+          <a:blip r:embed="rId2"/>
+          <a:stretch>
+            <a:fillRect/>
+          </a:stretch>
+        </p:blipFill>
+        <p:spPr>
+          <a:xfrm>
+            <a:off x="1212641" y="531449"/>
+            <a:ext cx="5194300" cy="1841500"/>
+          </a:xfrm>
+          <a:prstGeom prst="rect">
+            <a:avLst/>
+          </a:prstGeom>
+        </p:spPr>
+      </p:pic>
+      <p:pic>
+        <p:nvPicPr>
+          <p:cNvPr id="5" name="Picture 4" descr="r2.png"/>
+          <p:cNvPicPr>
+            <a:picLocks noChangeAspect="1"/>
+          </p:cNvPicPr>
+          <p:nvPr/>
+        </p:nvPicPr>
+        <p:blipFill>
+          <a:blip r:embed="rId3"/>
+          <a:stretch>
+            <a:fillRect/>
+          </a:stretch>
+        </p:blipFill>
+        <p:spPr>
+          <a:xfrm>
+            <a:off x="1212641" y="2588838"/>
+            <a:ext cx="3860800" cy="2374900"/>
+          </a:xfrm>
+          <a:prstGeom prst="rect">
+            <a:avLst/>
+          </a:prstGeom>
+        </p:spPr>
+      </p:pic>
+      <p:pic>
+        <p:nvPicPr>
+          <p:cNvPr id="6" name="Picture 5" descr="r3.png"/>
+          <p:cNvPicPr>
+            <a:picLocks noChangeAspect="1"/>
+          </p:cNvPicPr>
+          <p:nvPr/>
+        </p:nvPicPr>
+        <p:blipFill>
+          <a:blip r:embed="rId4"/>
+          <a:stretch>
+            <a:fillRect/>
+          </a:stretch>
+        </p:blipFill>
+        <p:spPr>
+          <a:xfrm>
+            <a:off x="1212641" y="5145977"/>
+            <a:ext cx="2616200" cy="1600200"/>
+          </a:xfrm>
+          <a:prstGeom prst="rect">
+            <a:avLst/>
+          </a:prstGeom>
+        </p:spPr>
+      </p:pic>
+    </p:spTree>
+  </p:cSld>
+  <p:clrMapOvr>
+    <a:masterClrMapping/>
+  </p:clrMapOvr>
+</p:sld>
+</file>
+
+<file path=ppt/slides/slide14.xml><?xml version="1.0" encoding="utf-8"?>
+<p:sld xmlns:a="http://schemas.openxmlformats.org/drawingml/2006/main" xmlns:r="http://schemas.openxmlformats.org/officeDocument/2006/relationships" xmlns:mc="http://schemas.openxmlformats.org/markup-compatibility/2006" xmlns:mv="urn:schemas-microsoft-com:mac:vml" xmlns:p="http://schemas.openxmlformats.org/presentationml/2006/main" mc:Ignorable="mv" mc:PreserveAttributes="mv:*">
+  <p:cSld>
+    <p:spTree>
+      <p:nvGrpSpPr>
+        <p:cNvPr id="1" name=""/>
+        <p:cNvGrpSpPr/>
+        <p:nvPr/>
+      </p:nvGrpSpPr>
+      <p:grpSpPr>
+        <a:xfrm>
+          <a:off x="0" y="0"/>
+          <a:ext cx="0" cy="0"/>
+          <a:chOff x="0" y="0"/>
+          <a:chExt cx="0" cy="0"/>
+        </a:xfrm>
+      </p:grpSpPr>
+      <p:pic>
+        <p:nvPicPr>
+          <p:cNvPr id="4" name="Picture 3" descr="Screen Shot 2013-05-03 at 3.10.52 PM.png"/>
+          <p:cNvPicPr>
+            <a:picLocks noChangeAspect="1"/>
+          </p:cNvPicPr>
+          <p:nvPr/>
+        </p:nvPicPr>
+        <p:blipFill>
+          <a:blip r:embed="rId2"/>
+          <a:stretch>
+            <a:fillRect/>
+          </a:stretch>
+        </p:blipFill>
+        <p:spPr>
+          <a:xfrm>
+            <a:off x="2386284" y="1629377"/>
+            <a:ext cx="3669067" cy="4823606"/>
+          </a:xfrm>
+          <a:prstGeom prst="rect">
+            <a:avLst/>
+          </a:prstGeom>
+        </p:spPr>
+      </p:pic>
+      <p:pic>
+        <p:nvPicPr>
+          <p:cNvPr id="5" name="Picture 4" descr="Screen Shot 2013-05-03 at 3.10.13 PM.png"/>
+          <p:cNvPicPr>
+            <a:picLocks noChangeAspect="1"/>
+          </p:cNvPicPr>
+          <p:nvPr/>
+        </p:nvPicPr>
+        <p:blipFill>
+          <a:blip r:embed="rId3"/>
+          <a:stretch>
+            <a:fillRect/>
+          </a:stretch>
+        </p:blipFill>
+        <p:spPr>
+          <a:xfrm>
+            <a:off x="717202" y="948920"/>
+            <a:ext cx="8051800" cy="228600"/>
           </a:xfrm>
           <a:prstGeom prst="rect">
             <a:avLst/>
@@ -5831,71 +6098,28 @@
       </p:grpSpPr>
       <p:pic>
         <p:nvPicPr>
-          <p:cNvPr id="4" name="Picture 3" descr="schematics.png"/>
+          <p:cNvPr id="4" name="Picture 3" descr="lay_final.png"/>
           <p:cNvPicPr>
             <a:picLocks noChangeAspect="1"/>
           </p:cNvPicPr>
           <p:nvPr/>
         </p:nvPicPr>
         <p:blipFill>
-          <a:blip r:embed="rId3"/>
+          <a:blip r:embed="rId2"/>
           <a:stretch>
             <a:fillRect/>
           </a:stretch>
         </p:blipFill>
         <p:spPr>
           <a:xfrm>
-            <a:off x="0" y="0"/>
-            <a:ext cx="9144000" cy="6858000"/>
+            <a:off x="2850366" y="1878554"/>
+            <a:ext cx="2996846" cy="2360348"/>
           </a:xfrm>
           <a:prstGeom prst="rect">
             <a:avLst/>
           </a:prstGeom>
         </p:spPr>
       </p:pic>
-      <p:sp>
-        <p:nvSpPr>
-          <p:cNvPr id="3" name="TextBox 2"/>
-          <p:cNvSpPr txBox="1"/>
-          <p:nvPr/>
-        </p:nvSpPr>
-        <p:spPr>
-          <a:xfrm>
-            <a:off x="-1" y="0"/>
-            <a:ext cx="9144001" cy="646331"/>
-          </a:xfrm>
-          <a:prstGeom prst="rect">
-            <a:avLst/>
-          </a:prstGeom>
-          <a:noFill/>
-        </p:spPr>
-        <p:txBody>
-          <a:bodyPr wrap="square" rtlCol="0">
-            <a:spAutoFit/>
-          </a:bodyPr>
-          <a:lstStyle/>
-          <a:p>
-            <a:pPr algn="ctr"/>
-            <a:r>
-              <a:rPr lang="en-US" sz="3600" b="1">
-                <a:solidFill>
-                  <a:schemeClr val="bg1"/>
-                </a:solidFill>
-                <a:effectLst>
-                  <a:outerShdw blurRad="50800" dist="38100" dir="2700000">
-                    <a:srgbClr val="000000">
-                      <a:alpha val="43000"/>
-                    </a:srgbClr>
-                  </a:outerShdw>
-                </a:effectLst>
-                <a:latin typeface="Helvetica Neue"/>
-                <a:cs typeface="Helvetica Neue"/>
-              </a:rPr>
-              <a:t>First Control System Attempt: PID</a:t>
-            </a:r>
-          </a:p>
-        </p:txBody>
-      </p:sp>
       <p:cxnSp>
         <p:nvCxnSpPr>
           <p:cNvPr id="6" name="Straight Arrow Connector 5"/>
@@ -5903,85 +6127,15 @@
           <p:nvPr/>
         </p:nvCxnSpPr>
         <p:spPr>
-          <a:xfrm rot="10800000">
-            <a:off x="6316111" y="2797243"/>
-            <a:ext cx="446533" cy="1589"/>
+          <a:xfrm>
+            <a:off x="2850366" y="4444866"/>
+            <a:ext cx="2996846" cy="1588"/>
           </a:xfrm>
           <a:prstGeom prst="straightConnector1">
             <a:avLst/>
           </a:prstGeom>
           <a:ln>
-            <a:tailEnd type="arrow"/>
-          </a:ln>
-        </p:spPr>
-        <p:style>
-          <a:lnRef idx="2">
-            <a:schemeClr val="accent1"/>
-          </a:lnRef>
-          <a:fillRef idx="0">
-            <a:schemeClr val="accent1"/>
-          </a:fillRef>
-          <a:effectRef idx="1">
-            <a:schemeClr val="accent1"/>
-          </a:effectRef>
-          <a:fontRef idx="minor">
-            <a:schemeClr val="tx1"/>
-          </a:fontRef>
-        </p:style>
-      </p:cxnSp>
-      <p:sp>
-        <p:nvSpPr>
-          <p:cNvPr id="7" name="Oval 6"/>
-          <p:cNvSpPr/>
-          <p:nvPr/>
-        </p:nvSpPr>
-        <p:spPr>
-          <a:xfrm>
-            <a:off x="5648091" y="2464821"/>
-            <a:ext cx="668017" cy="668017"/>
-          </a:xfrm>
-          <a:prstGeom prst="ellipse">
-            <a:avLst/>
-          </a:prstGeom>
-        </p:spPr>
-        <p:style>
-          <a:lnRef idx="1">
-            <a:schemeClr val="accent1"/>
-          </a:lnRef>
-          <a:fillRef idx="3">
-            <a:schemeClr val="accent1"/>
-          </a:fillRef>
-          <a:effectRef idx="2">
-            <a:schemeClr val="accent1"/>
-          </a:effectRef>
-          <a:fontRef idx="minor">
-            <a:schemeClr val="lt1"/>
-          </a:fontRef>
-        </p:style>
-        <p:txBody>
-          <a:bodyPr rtlCol="0" anchor="ctr"/>
-          <a:lstStyle/>
-          <a:p>
-            <a:pPr algn="ctr"/>
-            <a:endParaRPr lang="en-US"/>
-          </a:p>
-        </p:txBody>
-      </p:sp>
-      <p:cxnSp>
-        <p:nvCxnSpPr>
-          <p:cNvPr id="10" name="Straight Arrow Connector 9"/>
-          <p:cNvCxnSpPr/>
-          <p:nvPr/>
-        </p:nvCxnSpPr>
-        <p:spPr>
-          <a:xfrm rot="5400000" flipH="1" flipV="1">
-            <a:off x="5572642" y="3538172"/>
-            <a:ext cx="810668" cy="1588"/>
-          </a:xfrm>
-          <a:prstGeom prst="straightConnector1">
-            <a:avLst/>
-          </a:prstGeom>
-          <a:ln>
+            <a:headEnd type="arrow"/>
             <a:tailEnd type="arrow"/>
           </a:ln>
         </p:spPr>
@@ -6002,19 +6156,20 @@
       </p:cxnSp>
       <p:cxnSp>
         <p:nvCxnSpPr>
-          <p:cNvPr id="12" name="Straight Arrow Connector 11"/>
+          <p:cNvPr id="7" name="Straight Arrow Connector 6"/>
           <p:cNvCxnSpPr/>
           <p:nvPr/>
         </p:nvCxnSpPr>
         <p:spPr>
-          <a:xfrm rot="10800000" flipV="1">
-            <a:off x="4426646" y="2789238"/>
-            <a:ext cx="1221446" cy="9592"/>
+          <a:xfrm rot="5400000" flipH="1" flipV="1">
+            <a:off x="1475399" y="3058728"/>
+            <a:ext cx="2360348" cy="1"/>
           </a:xfrm>
           <a:prstGeom prst="straightConnector1">
             <a:avLst/>
           </a:prstGeom>
           <a:ln>
+            <a:headEnd type="arrow"/>
             <a:tailEnd type="arrow"/>
           </a:ln>
         </p:spPr>
@@ -6033,548 +6188,16 @@
           </a:fontRef>
         </p:style>
       </p:cxnSp>
-      <p:cxnSp>
-        <p:nvCxnSpPr>
-          <p:cNvPr id="15" name="Straight Connector 14"/>
-          <p:cNvCxnSpPr/>
-          <p:nvPr/>
-        </p:nvCxnSpPr>
-        <p:spPr>
-          <a:xfrm rot="5400000">
-            <a:off x="4753554" y="2365038"/>
-            <a:ext cx="856049" cy="1588"/>
-          </a:xfrm>
-          <a:prstGeom prst="line">
-            <a:avLst/>
-          </a:prstGeom>
-        </p:spPr>
-        <p:style>
-          <a:lnRef idx="2">
-            <a:schemeClr val="accent1"/>
-          </a:lnRef>
-          <a:fillRef idx="0">
-            <a:schemeClr val="accent1"/>
-          </a:fillRef>
-          <a:effectRef idx="1">
-            <a:schemeClr val="accent1"/>
-          </a:effectRef>
-          <a:fontRef idx="minor">
-            <a:schemeClr val="tx1"/>
-          </a:fontRef>
-        </p:style>
-      </p:cxnSp>
-      <p:cxnSp>
-        <p:nvCxnSpPr>
-          <p:cNvPr id="18" name="Straight Connector 17"/>
-          <p:cNvCxnSpPr/>
-          <p:nvPr/>
-        </p:nvCxnSpPr>
-        <p:spPr>
-          <a:xfrm rot="5400000">
-            <a:off x="4751965" y="3220294"/>
-            <a:ext cx="856049" cy="1588"/>
-          </a:xfrm>
-          <a:prstGeom prst="line">
-            <a:avLst/>
-          </a:prstGeom>
-        </p:spPr>
-        <p:style>
-          <a:lnRef idx="2">
-            <a:schemeClr val="accent1"/>
-          </a:lnRef>
-          <a:fillRef idx="0">
-            <a:schemeClr val="accent1"/>
-          </a:fillRef>
-          <a:effectRef idx="1">
-            <a:schemeClr val="accent1"/>
-          </a:effectRef>
-          <a:fontRef idx="minor">
-            <a:schemeClr val="tx1"/>
-          </a:fontRef>
-        </p:style>
-      </p:cxnSp>
-      <p:cxnSp>
-        <p:nvCxnSpPr>
-          <p:cNvPr id="19" name="Straight Arrow Connector 18"/>
-          <p:cNvCxnSpPr/>
-          <p:nvPr/>
-        </p:nvCxnSpPr>
-        <p:spPr>
-          <a:xfrm rot="10800000" flipV="1">
-            <a:off x="4426647" y="1926040"/>
-            <a:ext cx="752551" cy="15946"/>
-          </a:xfrm>
-          <a:prstGeom prst="straightConnector1">
-            <a:avLst/>
-          </a:prstGeom>
-          <a:ln>
-            <a:tailEnd type="arrow"/>
-          </a:ln>
-        </p:spPr>
-        <p:style>
-          <a:lnRef idx="2">
-            <a:schemeClr val="accent1"/>
-          </a:lnRef>
-          <a:fillRef idx="0">
-            <a:schemeClr val="accent1"/>
-          </a:fillRef>
-          <a:effectRef idx="1">
-            <a:schemeClr val="accent1"/>
-          </a:effectRef>
-          <a:fontRef idx="minor">
-            <a:schemeClr val="tx1"/>
-          </a:fontRef>
-        </p:style>
-      </p:cxnSp>
-      <p:cxnSp>
-        <p:nvCxnSpPr>
-          <p:cNvPr id="20" name="Straight Arrow Connector 19"/>
-          <p:cNvCxnSpPr/>
-          <p:nvPr/>
-        </p:nvCxnSpPr>
-        <p:spPr>
-          <a:xfrm rot="10800000">
-            <a:off x="4426648" y="3645290"/>
-            <a:ext cx="752549" cy="1"/>
-          </a:xfrm>
-          <a:prstGeom prst="straightConnector1">
-            <a:avLst/>
-          </a:prstGeom>
-          <a:ln>
-            <a:tailEnd type="arrow"/>
-          </a:ln>
-        </p:spPr>
-        <p:style>
-          <a:lnRef idx="2">
-            <a:schemeClr val="accent1"/>
-          </a:lnRef>
-          <a:fillRef idx="0">
-            <a:schemeClr val="accent1"/>
-          </a:fillRef>
-          <a:effectRef idx="1">
-            <a:schemeClr val="accent1"/>
-          </a:effectRef>
-          <a:fontRef idx="minor">
-            <a:schemeClr val="tx1"/>
-          </a:fontRef>
-        </p:style>
-      </p:cxnSp>
-      <p:sp>
-        <p:nvSpPr>
-          <p:cNvPr id="21" name="Rounded Rectangle 20"/>
-          <p:cNvSpPr/>
-          <p:nvPr/>
-        </p:nvSpPr>
-        <p:spPr>
-          <a:xfrm>
-            <a:off x="3677027" y="1656136"/>
-            <a:ext cx="749619" cy="552516"/>
-          </a:xfrm>
-          <a:prstGeom prst="roundRect">
-            <a:avLst/>
-          </a:prstGeom>
-        </p:spPr>
-        <p:style>
-          <a:lnRef idx="1">
-            <a:schemeClr val="accent1"/>
-          </a:lnRef>
-          <a:fillRef idx="3">
-            <a:schemeClr val="accent1"/>
-          </a:fillRef>
-          <a:effectRef idx="2">
-            <a:schemeClr val="accent1"/>
-          </a:effectRef>
-          <a:fontRef idx="minor">
-            <a:schemeClr val="lt1"/>
-          </a:fontRef>
-        </p:style>
-        <p:txBody>
-          <a:bodyPr rtlCol="0" anchor="b"/>
-          <a:lstStyle/>
-          <a:p>
-            <a:pPr algn="ctr"/>
-            <a:r>
-              <a:rPr lang="en-US" sz="3200" b="1">
-                <a:solidFill>
-                  <a:schemeClr val="tx1"/>
-                </a:solidFill>
-              </a:rPr>
-              <a:t>K</a:t>
-            </a:r>
-            <a:r>
-              <a:rPr lang="en-US" sz="3200" b="1" baseline="-25000">
-                <a:solidFill>
-                  <a:schemeClr val="tx1"/>
-                </a:solidFill>
-              </a:rPr>
-              <a:t>P</a:t>
-            </a:r>
-            <a:endParaRPr lang="en-US" sz="3200" b="1">
-              <a:solidFill>
-                <a:schemeClr val="tx1"/>
-              </a:solidFill>
-            </a:endParaRPr>
-          </a:p>
-        </p:txBody>
-      </p:sp>
-      <p:cxnSp>
-        <p:nvCxnSpPr>
-          <p:cNvPr id="29" name="Straight Arrow Connector 28"/>
-          <p:cNvCxnSpPr/>
-          <p:nvPr/>
-        </p:nvCxnSpPr>
-        <p:spPr>
-          <a:xfrm rot="10800000">
-            <a:off x="2629642" y="2786062"/>
-            <a:ext cx="1047386" cy="1588"/>
-          </a:xfrm>
-          <a:prstGeom prst="straightConnector1">
-            <a:avLst/>
-          </a:prstGeom>
-          <a:ln>
-            <a:tailEnd type="arrow"/>
-          </a:ln>
-        </p:spPr>
-        <p:style>
-          <a:lnRef idx="2">
-            <a:schemeClr val="accent1"/>
-          </a:lnRef>
-          <a:fillRef idx="0">
-            <a:schemeClr val="accent1"/>
-          </a:fillRef>
-          <a:effectRef idx="1">
-            <a:schemeClr val="accent1"/>
-          </a:effectRef>
-          <a:fontRef idx="minor">
-            <a:schemeClr val="tx1"/>
-          </a:fontRef>
-        </p:style>
-      </p:cxnSp>
-      <p:cxnSp>
-        <p:nvCxnSpPr>
-          <p:cNvPr id="30" name="Straight Arrow Connector 29"/>
-          <p:cNvCxnSpPr/>
-          <p:nvPr/>
-        </p:nvCxnSpPr>
-        <p:spPr>
-          <a:xfrm rot="16200000" flipH="1">
-            <a:off x="2029300" y="2189839"/>
-            <a:ext cx="524423" cy="2"/>
-          </a:xfrm>
-          <a:prstGeom prst="straightConnector1">
-            <a:avLst/>
-          </a:prstGeom>
-          <a:ln>
-            <a:tailEnd type="arrow"/>
-          </a:ln>
-        </p:spPr>
-        <p:style>
-          <a:lnRef idx="2">
-            <a:schemeClr val="accent1"/>
-          </a:lnRef>
-          <a:fillRef idx="0">
-            <a:schemeClr val="accent1"/>
-          </a:fillRef>
-          <a:effectRef idx="1">
-            <a:schemeClr val="accent1"/>
-          </a:effectRef>
-          <a:fontRef idx="minor">
-            <a:schemeClr val="tx1"/>
-          </a:fontRef>
-        </p:style>
-      </p:cxnSp>
-      <p:cxnSp>
-        <p:nvCxnSpPr>
-          <p:cNvPr id="31" name="Straight Arrow Connector 30"/>
-          <p:cNvCxnSpPr>
-            <a:endCxn id="38" idx="4"/>
-          </p:cNvCxnSpPr>
-          <p:nvPr/>
-        </p:nvCxnSpPr>
-        <p:spPr>
-          <a:xfrm rot="5400000" flipH="1" flipV="1">
-            <a:off x="2032229" y="3381091"/>
-            <a:ext cx="522042" cy="1588"/>
-          </a:xfrm>
-          <a:prstGeom prst="straightConnector1">
-            <a:avLst/>
-          </a:prstGeom>
-          <a:ln>
-            <a:tailEnd type="arrow"/>
-          </a:ln>
-        </p:spPr>
-        <p:style>
-          <a:lnRef idx="2">
-            <a:schemeClr val="accent1"/>
-          </a:lnRef>
-          <a:fillRef idx="0">
-            <a:schemeClr val="accent1"/>
-          </a:fillRef>
-          <a:effectRef idx="1">
-            <a:schemeClr val="accent1"/>
-          </a:effectRef>
-          <a:fontRef idx="minor">
-            <a:schemeClr val="tx1"/>
-          </a:fontRef>
-        </p:style>
-      </p:cxnSp>
-      <p:sp>
-        <p:nvSpPr>
-          <p:cNvPr id="38" name="Oval 37"/>
-          <p:cNvSpPr/>
-          <p:nvPr/>
-        </p:nvSpPr>
-        <p:spPr>
-          <a:xfrm>
-            <a:off x="1959241" y="2452053"/>
-            <a:ext cx="668017" cy="668017"/>
-          </a:xfrm>
-          <a:prstGeom prst="ellipse">
-            <a:avLst/>
-          </a:prstGeom>
-        </p:spPr>
-        <p:style>
-          <a:lnRef idx="1">
-            <a:schemeClr val="accent1"/>
-          </a:lnRef>
-          <a:fillRef idx="3">
-            <a:schemeClr val="accent1"/>
-          </a:fillRef>
-          <a:effectRef idx="2">
-            <a:schemeClr val="accent1"/>
-          </a:effectRef>
-          <a:fontRef idx="minor">
-            <a:schemeClr val="lt1"/>
-          </a:fontRef>
-        </p:style>
-        <p:txBody>
-          <a:bodyPr rtlCol="0" anchor="ctr"/>
-          <a:lstStyle/>
-          <a:p>
-            <a:pPr algn="ctr"/>
-            <a:endParaRPr lang="en-US"/>
-          </a:p>
-        </p:txBody>
-      </p:sp>
-      <p:cxnSp>
-        <p:nvCxnSpPr>
-          <p:cNvPr id="39" name="Straight Connector 38"/>
-          <p:cNvCxnSpPr/>
-          <p:nvPr/>
-        </p:nvCxnSpPr>
-        <p:spPr>
-          <a:xfrm>
-            <a:off x="2291510" y="1926040"/>
-            <a:ext cx="1387900" cy="1588"/>
-          </a:xfrm>
-          <a:prstGeom prst="line">
-            <a:avLst/>
-          </a:prstGeom>
-        </p:spPr>
-        <p:style>
-          <a:lnRef idx="2">
-            <a:schemeClr val="accent1"/>
-          </a:lnRef>
-          <a:fillRef idx="0">
-            <a:schemeClr val="accent1"/>
-          </a:fillRef>
-          <a:effectRef idx="1">
-            <a:schemeClr val="accent1"/>
-          </a:effectRef>
-          <a:fontRef idx="minor">
-            <a:schemeClr val="tx1"/>
-          </a:fontRef>
-        </p:style>
-      </p:cxnSp>
-      <p:cxnSp>
-        <p:nvCxnSpPr>
-          <p:cNvPr id="43" name="Straight Connector 42"/>
-          <p:cNvCxnSpPr/>
-          <p:nvPr/>
-        </p:nvCxnSpPr>
-        <p:spPr>
-          <a:xfrm>
-            <a:off x="2289127" y="3643701"/>
-            <a:ext cx="1387900" cy="1588"/>
-          </a:xfrm>
-          <a:prstGeom prst="line">
-            <a:avLst/>
-          </a:prstGeom>
-        </p:spPr>
-        <p:style>
-          <a:lnRef idx="2">
-            <a:schemeClr val="accent1"/>
-          </a:lnRef>
-          <a:fillRef idx="0">
-            <a:schemeClr val="accent1"/>
-          </a:fillRef>
-          <a:effectRef idx="1">
-            <a:schemeClr val="accent1"/>
-          </a:effectRef>
-          <a:fontRef idx="minor">
-            <a:schemeClr val="tx1"/>
-          </a:fontRef>
-        </p:style>
-      </p:cxnSp>
-      <p:cxnSp>
-        <p:nvCxnSpPr>
-          <p:cNvPr id="44" name="Straight Arrow Connector 43"/>
-          <p:cNvCxnSpPr/>
-          <p:nvPr/>
-        </p:nvCxnSpPr>
-        <p:spPr>
-          <a:xfrm rot="10800000">
-            <a:off x="911855" y="2784474"/>
-            <a:ext cx="1047386" cy="1588"/>
-          </a:xfrm>
-          <a:prstGeom prst="straightConnector1">
-            <a:avLst/>
-          </a:prstGeom>
-          <a:ln>
-            <a:tailEnd type="arrow"/>
-          </a:ln>
-        </p:spPr>
-        <p:style>
-          <a:lnRef idx="2">
-            <a:schemeClr val="accent1"/>
-          </a:lnRef>
-          <a:fillRef idx="0">
-            <a:schemeClr val="accent1"/>
-          </a:fillRef>
-          <a:effectRef idx="1">
-            <a:schemeClr val="accent1"/>
-          </a:effectRef>
-          <a:fontRef idx="minor">
-            <a:schemeClr val="tx1"/>
-          </a:fontRef>
-        </p:style>
-      </p:cxnSp>
-      <p:sp>
-        <p:nvSpPr>
-          <p:cNvPr id="45" name="Rounded Rectangle 44"/>
-          <p:cNvSpPr/>
-          <p:nvPr/>
-        </p:nvSpPr>
-        <p:spPr>
-          <a:xfrm>
-            <a:off x="3677027" y="2508216"/>
-            <a:ext cx="749619" cy="552516"/>
-          </a:xfrm>
-          <a:prstGeom prst="roundRect">
-            <a:avLst/>
-          </a:prstGeom>
-        </p:spPr>
-        <p:style>
-          <a:lnRef idx="1">
-            <a:schemeClr val="accent1"/>
-          </a:lnRef>
-          <a:fillRef idx="3">
-            <a:schemeClr val="accent1"/>
-          </a:fillRef>
-          <a:effectRef idx="2">
-            <a:schemeClr val="accent1"/>
-          </a:effectRef>
-          <a:fontRef idx="minor">
-            <a:schemeClr val="lt1"/>
-          </a:fontRef>
-        </p:style>
-        <p:txBody>
-          <a:bodyPr rtlCol="0" anchor="b"/>
-          <a:lstStyle/>
-          <a:p>
-            <a:pPr algn="ctr"/>
-            <a:endParaRPr lang="en-US" sz="3200" b="1"/>
-          </a:p>
-        </p:txBody>
-      </p:sp>
-      <p:sp>
-        <p:nvSpPr>
-          <p:cNvPr id="46" name="Rounded Rectangle 45"/>
-          <p:cNvSpPr/>
-          <p:nvPr/>
-        </p:nvSpPr>
-        <p:spPr>
-          <a:xfrm>
-            <a:off x="3679410" y="3383780"/>
-            <a:ext cx="747236" cy="552516"/>
-          </a:xfrm>
-          <a:prstGeom prst="roundRect">
-            <a:avLst/>
-          </a:prstGeom>
-        </p:spPr>
-        <p:style>
-          <a:lnRef idx="1">
-            <a:schemeClr val="accent1"/>
-          </a:lnRef>
-          <a:fillRef idx="3">
-            <a:schemeClr val="accent1"/>
-          </a:fillRef>
-          <a:effectRef idx="2">
-            <a:schemeClr val="accent1"/>
-          </a:effectRef>
-          <a:fontRef idx="minor">
-            <a:schemeClr val="lt1"/>
-          </a:fontRef>
-        </p:style>
-        <p:txBody>
-          <a:bodyPr rtlCol="0" anchor="b"/>
-          <a:lstStyle/>
-          <a:p>
-            <a:pPr algn="ctr"/>
-            <a:endParaRPr lang="en-US" sz="3200" b="1"/>
-          </a:p>
-        </p:txBody>
-      </p:sp>
-      <p:graphicFrame>
-        <p:nvGraphicFramePr>
-          <p:cNvPr id="47" name="Object 46"/>
-          <p:cNvGraphicFramePr>
-            <a:graphicFrameLocks noChangeAspect="1"/>
-          </p:cNvGraphicFramePr>
-          <p:nvPr/>
-        </p:nvGraphicFramePr>
-        <p:xfrm>
-          <a:off x="3903210" y="2508216"/>
-          <a:ext cx="523436" cy="552516"/>
-        </p:xfrm>
-        <a:graphic>
-          <a:graphicData uri="http://schemas.openxmlformats.org/presentationml/2006/ole">
-            <p:oleObj spid="_x0000_s17410" name="Equation" r:id="rId4" imgW="228600" imgH="241300" progId="Equation.3">
-              <p:embed/>
-            </p:oleObj>
-          </a:graphicData>
-        </a:graphic>
-      </p:graphicFrame>
-      <p:graphicFrame>
-        <p:nvGraphicFramePr>
-          <p:cNvPr id="17411" name="Object 3"/>
-          <p:cNvGraphicFramePr>
-            <a:graphicFrameLocks noChangeAspect="1"/>
-          </p:cNvGraphicFramePr>
-          <p:nvPr/>
-        </p:nvGraphicFramePr>
-        <p:xfrm>
-          <a:off x="3903210" y="3382860"/>
-          <a:ext cx="299872" cy="561440"/>
-        </p:xfrm>
-        <a:graphic>
-          <a:graphicData uri="http://schemas.openxmlformats.org/presentationml/2006/ole">
-            <p:oleObj spid="_x0000_s17411" name="Equation" r:id="rId5" imgW="190500" imgH="355600" progId="Equation.3">
-              <p:embed/>
-            </p:oleObj>
-          </a:graphicData>
-        </a:graphic>
-      </p:graphicFrame>
-      <p:sp>
-        <p:nvSpPr>
-          <p:cNvPr id="48" name="TextBox 47"/>
+      <p:sp>
+        <p:nvSpPr>
+          <p:cNvPr id="11" name="TextBox 10"/>
           <p:cNvSpPr txBox="1"/>
           <p:nvPr/>
         </p:nvSpPr>
         <p:spPr>
           <a:xfrm>
-            <a:off x="5765356" y="2608998"/>
-            <a:ext cx="440145" cy="707886"/>
+            <a:off x="1665917" y="2866541"/>
+            <a:ext cx="1014896" cy="369332"/>
           </a:xfrm>
           <a:prstGeom prst="rect">
             <a:avLst/>
@@ -6588,22 +6211,22 @@
           <a:lstStyle/>
           <a:p>
             <a:r>
-              <a:rPr lang="en-US" sz="4000"/>
-              <a:t>+</a:t>
-            </a:r>
-          </a:p>
-        </p:txBody>
-      </p:sp>
-      <p:sp>
-        <p:nvSpPr>
-          <p:cNvPr id="49" name="TextBox 48"/>
+              <a:rPr lang="en-US"/>
+              <a:t>0.51 mm</a:t>
+            </a:r>
+          </a:p>
+        </p:txBody>
+      </p:sp>
+      <p:sp>
+        <p:nvSpPr>
+          <p:cNvPr id="12" name="TextBox 11"/>
           <p:cNvSpPr txBox="1"/>
           <p:nvPr/>
         </p:nvSpPr>
         <p:spPr>
           <a:xfrm>
-            <a:off x="5987017" y="2253355"/>
-            <a:ext cx="396676" cy="923330"/>
+            <a:off x="3764641" y="4444866"/>
+            <a:ext cx="1014896" cy="369332"/>
           </a:xfrm>
           <a:prstGeom prst="rect">
             <a:avLst/>
@@ -6617,266 +6240,8 @@
           <a:lstStyle/>
           <a:p>
             <a:r>
-              <a:rPr lang="en-US" sz="5400"/>
-              <a:t>-</a:t>
-            </a:r>
-          </a:p>
-        </p:txBody>
-      </p:sp>
-      <p:sp>
-        <p:nvSpPr>
-          <p:cNvPr id="50" name="TextBox 49"/>
-          <p:cNvSpPr txBox="1"/>
-          <p:nvPr/>
-        </p:nvSpPr>
-        <p:spPr>
-          <a:xfrm>
-            <a:off x="2085548" y="2587336"/>
-            <a:ext cx="440145" cy="707886"/>
-          </a:xfrm>
-          <a:prstGeom prst="rect">
-            <a:avLst/>
-          </a:prstGeom>
-          <a:noFill/>
-        </p:spPr>
-        <p:txBody>
-          <a:bodyPr wrap="none" rtlCol="0">
-            <a:spAutoFit/>
-          </a:bodyPr>
-          <a:lstStyle/>
-          <a:p>
-            <a:r>
-              <a:rPr lang="en-US" sz="4000"/>
-              <a:t>+</a:t>
-            </a:r>
-          </a:p>
-        </p:txBody>
-      </p:sp>
-      <p:sp>
-        <p:nvSpPr>
-          <p:cNvPr id="51" name="TextBox 50"/>
-          <p:cNvSpPr txBox="1"/>
-          <p:nvPr/>
-        </p:nvSpPr>
-        <p:spPr>
-          <a:xfrm>
-            <a:off x="2294044" y="2352846"/>
-            <a:ext cx="440145" cy="707886"/>
-          </a:xfrm>
-          <a:prstGeom prst="rect">
-            <a:avLst/>
-          </a:prstGeom>
-          <a:noFill/>
-        </p:spPr>
-        <p:txBody>
-          <a:bodyPr wrap="none" rtlCol="0">
-            <a:spAutoFit/>
-          </a:bodyPr>
-          <a:lstStyle/>
-          <a:p>
-            <a:r>
-              <a:rPr lang="en-US" sz="4000"/>
-              <a:t>+</a:t>
-            </a:r>
-          </a:p>
-        </p:txBody>
-      </p:sp>
-      <p:sp>
-        <p:nvSpPr>
-          <p:cNvPr id="52" name="TextBox 51"/>
-          <p:cNvSpPr txBox="1"/>
-          <p:nvPr/>
-        </p:nvSpPr>
-        <p:spPr>
-          <a:xfrm>
-            <a:off x="2069054" y="2154273"/>
-            <a:ext cx="440145" cy="707886"/>
-          </a:xfrm>
-          <a:prstGeom prst="rect">
-            <a:avLst/>
-          </a:prstGeom>
-          <a:noFill/>
-        </p:spPr>
-        <p:txBody>
-          <a:bodyPr wrap="none" rtlCol="0">
-            <a:spAutoFit/>
-          </a:bodyPr>
-          <a:lstStyle/>
-          <a:p>
-            <a:r>
-              <a:rPr lang="en-US" sz="4000"/>
-              <a:t>+</a:t>
-            </a:r>
-          </a:p>
-        </p:txBody>
-      </p:sp>
-      <p:sp>
-        <p:nvSpPr>
-          <p:cNvPr id="53" name="TextBox 52"/>
-          <p:cNvSpPr txBox="1"/>
-          <p:nvPr/>
-        </p:nvSpPr>
-        <p:spPr>
-          <a:xfrm>
-            <a:off x="272156" y="2414401"/>
-            <a:ext cx="731691" cy="707886"/>
-          </a:xfrm>
-          <a:prstGeom prst="rect">
-            <a:avLst/>
-          </a:prstGeom>
-          <a:noFill/>
-        </p:spPr>
-        <p:txBody>
-          <a:bodyPr wrap="none" rtlCol="0">
-            <a:spAutoFit/>
-          </a:bodyPr>
-          <a:lstStyle/>
-          <a:p>
-            <a:r>
-              <a:rPr lang="en-US" sz="2000"/>
-              <a:t>Gate</a:t>
-            </a:r>
-          </a:p>
-          <a:p>
-            <a:r>
-              <a:rPr lang="en-US" sz="2000"/>
-              <a:t>Drive</a:t>
-            </a:r>
-          </a:p>
-        </p:txBody>
-      </p:sp>
-      <p:sp>
-        <p:nvSpPr>
-          <p:cNvPr id="54" name="TextBox 53"/>
-          <p:cNvSpPr txBox="1"/>
-          <p:nvPr/>
-        </p:nvSpPr>
-        <p:spPr>
-          <a:xfrm>
-            <a:off x="8130473" y="2584419"/>
-            <a:ext cx="675335" cy="400110"/>
-          </a:xfrm>
-          <a:prstGeom prst="rect">
-            <a:avLst/>
-          </a:prstGeom>
-          <a:noFill/>
-        </p:spPr>
-        <p:txBody>
-          <a:bodyPr wrap="none" rtlCol="0">
-            <a:spAutoFit/>
-          </a:bodyPr>
-          <a:lstStyle/>
-          <a:p>
-            <a:r>
-              <a:rPr lang="en-US" sz="2000"/>
-              <a:t>Vout</a:t>
-            </a:r>
-          </a:p>
-        </p:txBody>
-      </p:sp>
-      <p:sp>
-        <p:nvSpPr>
-          <p:cNvPr id="64" name="Rounded Rectangle 63"/>
-          <p:cNvSpPr/>
-          <p:nvPr/>
-        </p:nvSpPr>
-        <p:spPr>
-          <a:xfrm>
-            <a:off x="6762644" y="2522550"/>
-            <a:ext cx="921296" cy="552516"/>
-          </a:xfrm>
-          <a:prstGeom prst="roundRect">
-            <a:avLst/>
-          </a:prstGeom>
-        </p:spPr>
-        <p:style>
-          <a:lnRef idx="1">
-            <a:schemeClr val="accent1"/>
-          </a:lnRef>
-          <a:fillRef idx="3">
-            <a:schemeClr val="accent1"/>
-          </a:fillRef>
-          <a:effectRef idx="2">
-            <a:schemeClr val="accent1"/>
-          </a:effectRef>
-          <a:fontRef idx="minor">
-            <a:schemeClr val="lt1"/>
-          </a:fontRef>
-        </p:style>
-        <p:txBody>
-          <a:bodyPr rtlCol="0" anchor="b"/>
-          <a:lstStyle/>
-          <a:p>
-            <a:pPr algn="ctr"/>
-            <a:r>
-              <a:rPr lang="en-US" sz="3200" b="1">
-                <a:solidFill>
-                  <a:schemeClr val="tx1"/>
-                </a:solidFill>
-              </a:rPr>
-              <a:t>H</a:t>
-            </a:r>
-          </a:p>
-        </p:txBody>
-      </p:sp>
-      <p:cxnSp>
-        <p:nvCxnSpPr>
-          <p:cNvPr id="69" name="Straight Arrow Connector 68"/>
-          <p:cNvCxnSpPr/>
-          <p:nvPr/>
-        </p:nvCxnSpPr>
-        <p:spPr>
-          <a:xfrm rot="10800000">
-            <a:off x="7683940" y="2798832"/>
-            <a:ext cx="446533" cy="1589"/>
-          </a:xfrm>
-          <a:prstGeom prst="straightConnector1">
-            <a:avLst/>
-          </a:prstGeom>
-          <a:ln>
-            <a:tailEnd type="arrow"/>
-          </a:ln>
-        </p:spPr>
-        <p:style>
-          <a:lnRef idx="2">
-            <a:schemeClr val="accent1"/>
-          </a:lnRef>
-          <a:fillRef idx="0">
-            <a:schemeClr val="accent1"/>
-          </a:fillRef>
-          <a:effectRef idx="1">
-            <a:schemeClr val="accent1"/>
-          </a:effectRef>
-          <a:fontRef idx="minor">
-            <a:schemeClr val="tx1"/>
-          </a:fontRef>
-        </p:style>
-      </p:cxnSp>
-      <p:sp>
-        <p:nvSpPr>
-          <p:cNvPr id="70" name="TextBox 69"/>
-          <p:cNvSpPr txBox="1"/>
-          <p:nvPr/>
-        </p:nvSpPr>
-        <p:spPr>
-          <a:xfrm>
-            <a:off x="5708358" y="3936296"/>
-            <a:ext cx="620683" cy="400110"/>
-          </a:xfrm>
-          <a:prstGeom prst="rect">
-            <a:avLst/>
-          </a:prstGeom>
-          <a:noFill/>
-        </p:spPr>
-        <p:txBody>
-          <a:bodyPr wrap="none" rtlCol="0">
-            <a:spAutoFit/>
-          </a:bodyPr>
-          <a:lstStyle/>
-          <a:p>
-            <a:r>
-              <a:rPr lang="en-US" sz="2000"/>
-              <a:t>Vref</a:t>
+              <a:rPr lang="en-US"/>
+              <a:t>0.66 mm</a:t>
             </a:r>
           </a:p>
         </p:txBody>
@@ -6886,13 +6251,6 @@
   <p:clrMapOvr>
     <a:masterClrMapping/>
   </p:clrMapOvr>
-  <p:timing>
-    <p:tnLst>
-      <p:par>
-        <p:cTn id="1" dur="indefinite" restart="never" nodeType="tmRoot"/>
-      </p:par>
-    </p:tnLst>
-  </p:timing>
 </p:sld>
 </file>
 
@@ -6922,7 +6280,7 @@
           <p:nvPr/>
         </p:nvPicPr>
         <p:blipFill>
-          <a:blip r:embed="rId2"/>
+          <a:blip r:embed="rId3"/>
           <a:stretch>
             <a:fillRect/>
           </a:stretch>
@@ -6975,35 +6333,996 @@
                 <a:latin typeface="Helvetica Neue"/>
                 <a:cs typeface="Helvetica Neue"/>
               </a:rPr>
-              <a:t>PID: Great Results, But Too Large</a:t>
-            </a:r>
-          </a:p>
-        </p:txBody>
-      </p:sp>
-      <p:pic>
-        <p:nvPicPr>
-          <p:cNvPr id="5" name="Picture 4" descr="pid_big.png"/>
-          <p:cNvPicPr>
-            <a:picLocks noChangeAspect="1"/>
-          </p:cNvPicPr>
-          <p:nvPr/>
-        </p:nvPicPr>
-        <p:blipFill>
-          <a:blip r:embed="rId3"/>
-          <a:stretch>
-            <a:fillRect/>
-          </a:stretch>
-        </p:blipFill>
-        <p:spPr>
-          <a:xfrm>
-            <a:off x="482721" y="950427"/>
-            <a:ext cx="8287346" cy="4494734"/>
+              <a:t>First Control System Attempt: PID</a:t>
+            </a:r>
+          </a:p>
+        </p:txBody>
+      </p:sp>
+      <p:cxnSp>
+        <p:nvCxnSpPr>
+          <p:cNvPr id="6" name="Straight Arrow Connector 5"/>
+          <p:cNvCxnSpPr/>
+          <p:nvPr/>
+        </p:nvCxnSpPr>
+        <p:spPr>
+          <a:xfrm rot="10800000">
+            <a:off x="6316111" y="2797243"/>
+            <a:ext cx="446533" cy="1589"/>
+          </a:xfrm>
+          <a:prstGeom prst="straightConnector1">
+            <a:avLst/>
+          </a:prstGeom>
+          <a:ln>
+            <a:tailEnd type="arrow"/>
+          </a:ln>
+        </p:spPr>
+        <p:style>
+          <a:lnRef idx="2">
+            <a:schemeClr val="accent1"/>
+          </a:lnRef>
+          <a:fillRef idx="0">
+            <a:schemeClr val="accent1"/>
+          </a:fillRef>
+          <a:effectRef idx="1">
+            <a:schemeClr val="accent1"/>
+          </a:effectRef>
+          <a:fontRef idx="minor">
+            <a:schemeClr val="tx1"/>
+          </a:fontRef>
+        </p:style>
+      </p:cxnSp>
+      <p:sp>
+        <p:nvSpPr>
+          <p:cNvPr id="7" name="Oval 6"/>
+          <p:cNvSpPr/>
+          <p:nvPr/>
+        </p:nvSpPr>
+        <p:spPr>
+          <a:xfrm>
+            <a:off x="5648091" y="2464821"/>
+            <a:ext cx="668017" cy="668017"/>
+          </a:xfrm>
+          <a:prstGeom prst="ellipse">
+            <a:avLst/>
+          </a:prstGeom>
+        </p:spPr>
+        <p:style>
+          <a:lnRef idx="1">
+            <a:schemeClr val="accent1"/>
+          </a:lnRef>
+          <a:fillRef idx="3">
+            <a:schemeClr val="accent1"/>
+          </a:fillRef>
+          <a:effectRef idx="2">
+            <a:schemeClr val="accent1"/>
+          </a:effectRef>
+          <a:fontRef idx="minor">
+            <a:schemeClr val="lt1"/>
+          </a:fontRef>
+        </p:style>
+        <p:txBody>
+          <a:bodyPr rtlCol="0" anchor="ctr"/>
+          <a:lstStyle/>
+          <a:p>
+            <a:pPr algn="ctr"/>
+            <a:endParaRPr lang="en-US"/>
+          </a:p>
+        </p:txBody>
+      </p:sp>
+      <p:cxnSp>
+        <p:nvCxnSpPr>
+          <p:cNvPr id="10" name="Straight Arrow Connector 9"/>
+          <p:cNvCxnSpPr/>
+          <p:nvPr/>
+        </p:nvCxnSpPr>
+        <p:spPr>
+          <a:xfrm rot="5400000" flipH="1" flipV="1">
+            <a:off x="5572642" y="3538172"/>
+            <a:ext cx="810668" cy="1588"/>
+          </a:xfrm>
+          <a:prstGeom prst="straightConnector1">
+            <a:avLst/>
+          </a:prstGeom>
+          <a:ln>
+            <a:tailEnd type="arrow"/>
+          </a:ln>
+        </p:spPr>
+        <p:style>
+          <a:lnRef idx="2">
+            <a:schemeClr val="accent1"/>
+          </a:lnRef>
+          <a:fillRef idx="0">
+            <a:schemeClr val="accent1"/>
+          </a:fillRef>
+          <a:effectRef idx="1">
+            <a:schemeClr val="accent1"/>
+          </a:effectRef>
+          <a:fontRef idx="minor">
+            <a:schemeClr val="tx1"/>
+          </a:fontRef>
+        </p:style>
+      </p:cxnSp>
+      <p:cxnSp>
+        <p:nvCxnSpPr>
+          <p:cNvPr id="12" name="Straight Arrow Connector 11"/>
+          <p:cNvCxnSpPr/>
+          <p:nvPr/>
+        </p:nvCxnSpPr>
+        <p:spPr>
+          <a:xfrm rot="10800000" flipV="1">
+            <a:off x="4426646" y="2789238"/>
+            <a:ext cx="1221446" cy="9592"/>
+          </a:xfrm>
+          <a:prstGeom prst="straightConnector1">
+            <a:avLst/>
+          </a:prstGeom>
+          <a:ln>
+            <a:tailEnd type="arrow"/>
+          </a:ln>
+        </p:spPr>
+        <p:style>
+          <a:lnRef idx="2">
+            <a:schemeClr val="accent1"/>
+          </a:lnRef>
+          <a:fillRef idx="0">
+            <a:schemeClr val="accent1"/>
+          </a:fillRef>
+          <a:effectRef idx="1">
+            <a:schemeClr val="accent1"/>
+          </a:effectRef>
+          <a:fontRef idx="minor">
+            <a:schemeClr val="tx1"/>
+          </a:fontRef>
+        </p:style>
+      </p:cxnSp>
+      <p:cxnSp>
+        <p:nvCxnSpPr>
+          <p:cNvPr id="15" name="Straight Connector 14"/>
+          <p:cNvCxnSpPr/>
+          <p:nvPr/>
+        </p:nvCxnSpPr>
+        <p:spPr>
+          <a:xfrm rot="5400000">
+            <a:off x="4753554" y="2365038"/>
+            <a:ext cx="856049" cy="1588"/>
+          </a:xfrm>
+          <a:prstGeom prst="line">
+            <a:avLst/>
+          </a:prstGeom>
+        </p:spPr>
+        <p:style>
+          <a:lnRef idx="2">
+            <a:schemeClr val="accent1"/>
+          </a:lnRef>
+          <a:fillRef idx="0">
+            <a:schemeClr val="accent1"/>
+          </a:fillRef>
+          <a:effectRef idx="1">
+            <a:schemeClr val="accent1"/>
+          </a:effectRef>
+          <a:fontRef idx="minor">
+            <a:schemeClr val="tx1"/>
+          </a:fontRef>
+        </p:style>
+      </p:cxnSp>
+      <p:cxnSp>
+        <p:nvCxnSpPr>
+          <p:cNvPr id="18" name="Straight Connector 17"/>
+          <p:cNvCxnSpPr/>
+          <p:nvPr/>
+        </p:nvCxnSpPr>
+        <p:spPr>
+          <a:xfrm rot="5400000">
+            <a:off x="4751965" y="3220294"/>
+            <a:ext cx="856049" cy="1588"/>
+          </a:xfrm>
+          <a:prstGeom prst="line">
+            <a:avLst/>
+          </a:prstGeom>
+        </p:spPr>
+        <p:style>
+          <a:lnRef idx="2">
+            <a:schemeClr val="accent1"/>
+          </a:lnRef>
+          <a:fillRef idx="0">
+            <a:schemeClr val="accent1"/>
+          </a:fillRef>
+          <a:effectRef idx="1">
+            <a:schemeClr val="accent1"/>
+          </a:effectRef>
+          <a:fontRef idx="minor">
+            <a:schemeClr val="tx1"/>
+          </a:fontRef>
+        </p:style>
+      </p:cxnSp>
+      <p:cxnSp>
+        <p:nvCxnSpPr>
+          <p:cNvPr id="19" name="Straight Arrow Connector 18"/>
+          <p:cNvCxnSpPr/>
+          <p:nvPr/>
+        </p:nvCxnSpPr>
+        <p:spPr>
+          <a:xfrm rot="10800000" flipV="1">
+            <a:off x="4426647" y="1926040"/>
+            <a:ext cx="752551" cy="15946"/>
+          </a:xfrm>
+          <a:prstGeom prst="straightConnector1">
+            <a:avLst/>
+          </a:prstGeom>
+          <a:ln>
+            <a:tailEnd type="arrow"/>
+          </a:ln>
+        </p:spPr>
+        <p:style>
+          <a:lnRef idx="2">
+            <a:schemeClr val="accent1"/>
+          </a:lnRef>
+          <a:fillRef idx="0">
+            <a:schemeClr val="accent1"/>
+          </a:fillRef>
+          <a:effectRef idx="1">
+            <a:schemeClr val="accent1"/>
+          </a:effectRef>
+          <a:fontRef idx="minor">
+            <a:schemeClr val="tx1"/>
+          </a:fontRef>
+        </p:style>
+      </p:cxnSp>
+      <p:cxnSp>
+        <p:nvCxnSpPr>
+          <p:cNvPr id="20" name="Straight Arrow Connector 19"/>
+          <p:cNvCxnSpPr/>
+          <p:nvPr/>
+        </p:nvCxnSpPr>
+        <p:spPr>
+          <a:xfrm rot="10800000">
+            <a:off x="4426648" y="3645290"/>
+            <a:ext cx="752549" cy="1"/>
+          </a:xfrm>
+          <a:prstGeom prst="straightConnector1">
+            <a:avLst/>
+          </a:prstGeom>
+          <a:ln>
+            <a:tailEnd type="arrow"/>
+          </a:ln>
+        </p:spPr>
+        <p:style>
+          <a:lnRef idx="2">
+            <a:schemeClr val="accent1"/>
+          </a:lnRef>
+          <a:fillRef idx="0">
+            <a:schemeClr val="accent1"/>
+          </a:fillRef>
+          <a:effectRef idx="1">
+            <a:schemeClr val="accent1"/>
+          </a:effectRef>
+          <a:fontRef idx="minor">
+            <a:schemeClr val="tx1"/>
+          </a:fontRef>
+        </p:style>
+      </p:cxnSp>
+      <p:sp>
+        <p:nvSpPr>
+          <p:cNvPr id="21" name="Rounded Rectangle 20"/>
+          <p:cNvSpPr/>
+          <p:nvPr/>
+        </p:nvSpPr>
+        <p:spPr>
+          <a:xfrm>
+            <a:off x="3677027" y="1656136"/>
+            <a:ext cx="749619" cy="552516"/>
+          </a:xfrm>
+          <a:prstGeom prst="roundRect">
+            <a:avLst/>
+          </a:prstGeom>
+        </p:spPr>
+        <p:style>
+          <a:lnRef idx="1">
+            <a:schemeClr val="accent1"/>
+          </a:lnRef>
+          <a:fillRef idx="3">
+            <a:schemeClr val="accent1"/>
+          </a:fillRef>
+          <a:effectRef idx="2">
+            <a:schemeClr val="accent1"/>
+          </a:effectRef>
+          <a:fontRef idx="minor">
+            <a:schemeClr val="lt1"/>
+          </a:fontRef>
+        </p:style>
+        <p:txBody>
+          <a:bodyPr rtlCol="0" anchor="b"/>
+          <a:lstStyle/>
+          <a:p>
+            <a:pPr algn="ctr"/>
+            <a:r>
+              <a:rPr lang="en-US" sz="3200" b="1">
+                <a:solidFill>
+                  <a:schemeClr val="tx1"/>
+                </a:solidFill>
+              </a:rPr>
+              <a:t>K</a:t>
+            </a:r>
+            <a:r>
+              <a:rPr lang="en-US" sz="3200" b="1" baseline="-25000">
+                <a:solidFill>
+                  <a:schemeClr val="tx1"/>
+                </a:solidFill>
+              </a:rPr>
+              <a:t>P</a:t>
+            </a:r>
+            <a:endParaRPr lang="en-US" sz="3200" b="1">
+              <a:solidFill>
+                <a:schemeClr val="tx1"/>
+              </a:solidFill>
+            </a:endParaRPr>
+          </a:p>
+        </p:txBody>
+      </p:sp>
+      <p:cxnSp>
+        <p:nvCxnSpPr>
+          <p:cNvPr id="29" name="Straight Arrow Connector 28"/>
+          <p:cNvCxnSpPr/>
+          <p:nvPr/>
+        </p:nvCxnSpPr>
+        <p:spPr>
+          <a:xfrm rot="10800000">
+            <a:off x="2629642" y="2786062"/>
+            <a:ext cx="1047386" cy="1588"/>
+          </a:xfrm>
+          <a:prstGeom prst="straightConnector1">
+            <a:avLst/>
+          </a:prstGeom>
+          <a:ln>
+            <a:tailEnd type="arrow"/>
+          </a:ln>
+        </p:spPr>
+        <p:style>
+          <a:lnRef idx="2">
+            <a:schemeClr val="accent1"/>
+          </a:lnRef>
+          <a:fillRef idx="0">
+            <a:schemeClr val="accent1"/>
+          </a:fillRef>
+          <a:effectRef idx="1">
+            <a:schemeClr val="accent1"/>
+          </a:effectRef>
+          <a:fontRef idx="minor">
+            <a:schemeClr val="tx1"/>
+          </a:fontRef>
+        </p:style>
+      </p:cxnSp>
+      <p:cxnSp>
+        <p:nvCxnSpPr>
+          <p:cNvPr id="30" name="Straight Arrow Connector 29"/>
+          <p:cNvCxnSpPr/>
+          <p:nvPr/>
+        </p:nvCxnSpPr>
+        <p:spPr>
+          <a:xfrm rot="16200000" flipH="1">
+            <a:off x="2029300" y="2189839"/>
+            <a:ext cx="524423" cy="2"/>
+          </a:xfrm>
+          <a:prstGeom prst="straightConnector1">
+            <a:avLst/>
+          </a:prstGeom>
+          <a:ln>
+            <a:tailEnd type="arrow"/>
+          </a:ln>
+        </p:spPr>
+        <p:style>
+          <a:lnRef idx="2">
+            <a:schemeClr val="accent1"/>
+          </a:lnRef>
+          <a:fillRef idx="0">
+            <a:schemeClr val="accent1"/>
+          </a:fillRef>
+          <a:effectRef idx="1">
+            <a:schemeClr val="accent1"/>
+          </a:effectRef>
+          <a:fontRef idx="minor">
+            <a:schemeClr val="tx1"/>
+          </a:fontRef>
+        </p:style>
+      </p:cxnSp>
+      <p:cxnSp>
+        <p:nvCxnSpPr>
+          <p:cNvPr id="31" name="Straight Arrow Connector 30"/>
+          <p:cNvCxnSpPr>
+            <a:endCxn id="38" idx="4"/>
+          </p:cNvCxnSpPr>
+          <p:nvPr/>
+        </p:nvCxnSpPr>
+        <p:spPr>
+          <a:xfrm rot="5400000" flipH="1" flipV="1">
+            <a:off x="2032229" y="3381091"/>
+            <a:ext cx="522042" cy="1588"/>
+          </a:xfrm>
+          <a:prstGeom prst="straightConnector1">
+            <a:avLst/>
+          </a:prstGeom>
+          <a:ln>
+            <a:tailEnd type="arrow"/>
+          </a:ln>
+        </p:spPr>
+        <p:style>
+          <a:lnRef idx="2">
+            <a:schemeClr val="accent1"/>
+          </a:lnRef>
+          <a:fillRef idx="0">
+            <a:schemeClr val="accent1"/>
+          </a:fillRef>
+          <a:effectRef idx="1">
+            <a:schemeClr val="accent1"/>
+          </a:effectRef>
+          <a:fontRef idx="minor">
+            <a:schemeClr val="tx1"/>
+          </a:fontRef>
+        </p:style>
+      </p:cxnSp>
+      <p:sp>
+        <p:nvSpPr>
+          <p:cNvPr id="38" name="Oval 37"/>
+          <p:cNvSpPr/>
+          <p:nvPr/>
+        </p:nvSpPr>
+        <p:spPr>
+          <a:xfrm>
+            <a:off x="1959241" y="2452053"/>
+            <a:ext cx="668017" cy="668017"/>
+          </a:xfrm>
+          <a:prstGeom prst="ellipse">
+            <a:avLst/>
+          </a:prstGeom>
+        </p:spPr>
+        <p:style>
+          <a:lnRef idx="1">
+            <a:schemeClr val="accent1"/>
+          </a:lnRef>
+          <a:fillRef idx="3">
+            <a:schemeClr val="accent1"/>
+          </a:fillRef>
+          <a:effectRef idx="2">
+            <a:schemeClr val="accent1"/>
+          </a:effectRef>
+          <a:fontRef idx="minor">
+            <a:schemeClr val="lt1"/>
+          </a:fontRef>
+        </p:style>
+        <p:txBody>
+          <a:bodyPr rtlCol="0" anchor="ctr"/>
+          <a:lstStyle/>
+          <a:p>
+            <a:pPr algn="ctr"/>
+            <a:endParaRPr lang="en-US"/>
+          </a:p>
+        </p:txBody>
+      </p:sp>
+      <p:cxnSp>
+        <p:nvCxnSpPr>
+          <p:cNvPr id="39" name="Straight Connector 38"/>
+          <p:cNvCxnSpPr/>
+          <p:nvPr/>
+        </p:nvCxnSpPr>
+        <p:spPr>
+          <a:xfrm>
+            <a:off x="2291510" y="1926040"/>
+            <a:ext cx="1387900" cy="1588"/>
+          </a:xfrm>
+          <a:prstGeom prst="line">
+            <a:avLst/>
+          </a:prstGeom>
+        </p:spPr>
+        <p:style>
+          <a:lnRef idx="2">
+            <a:schemeClr val="accent1"/>
+          </a:lnRef>
+          <a:fillRef idx="0">
+            <a:schemeClr val="accent1"/>
+          </a:fillRef>
+          <a:effectRef idx="1">
+            <a:schemeClr val="accent1"/>
+          </a:effectRef>
+          <a:fontRef idx="minor">
+            <a:schemeClr val="tx1"/>
+          </a:fontRef>
+        </p:style>
+      </p:cxnSp>
+      <p:cxnSp>
+        <p:nvCxnSpPr>
+          <p:cNvPr id="43" name="Straight Connector 42"/>
+          <p:cNvCxnSpPr/>
+          <p:nvPr/>
+        </p:nvCxnSpPr>
+        <p:spPr>
+          <a:xfrm>
+            <a:off x="2289127" y="3643701"/>
+            <a:ext cx="1387900" cy="1588"/>
+          </a:xfrm>
+          <a:prstGeom prst="line">
+            <a:avLst/>
+          </a:prstGeom>
+        </p:spPr>
+        <p:style>
+          <a:lnRef idx="2">
+            <a:schemeClr val="accent1"/>
+          </a:lnRef>
+          <a:fillRef idx="0">
+            <a:schemeClr val="accent1"/>
+          </a:fillRef>
+          <a:effectRef idx="1">
+            <a:schemeClr val="accent1"/>
+          </a:effectRef>
+          <a:fontRef idx="minor">
+            <a:schemeClr val="tx1"/>
+          </a:fontRef>
+        </p:style>
+      </p:cxnSp>
+      <p:cxnSp>
+        <p:nvCxnSpPr>
+          <p:cNvPr id="44" name="Straight Arrow Connector 43"/>
+          <p:cNvCxnSpPr/>
+          <p:nvPr/>
+        </p:nvCxnSpPr>
+        <p:spPr>
+          <a:xfrm rot="10800000">
+            <a:off x="911855" y="2784474"/>
+            <a:ext cx="1047386" cy="1588"/>
+          </a:xfrm>
+          <a:prstGeom prst="straightConnector1">
+            <a:avLst/>
+          </a:prstGeom>
+          <a:ln>
+            <a:tailEnd type="arrow"/>
+          </a:ln>
+        </p:spPr>
+        <p:style>
+          <a:lnRef idx="2">
+            <a:schemeClr val="accent1"/>
+          </a:lnRef>
+          <a:fillRef idx="0">
+            <a:schemeClr val="accent1"/>
+          </a:fillRef>
+          <a:effectRef idx="1">
+            <a:schemeClr val="accent1"/>
+          </a:effectRef>
+          <a:fontRef idx="minor">
+            <a:schemeClr val="tx1"/>
+          </a:fontRef>
+        </p:style>
+      </p:cxnSp>
+      <p:sp>
+        <p:nvSpPr>
+          <p:cNvPr id="45" name="Rounded Rectangle 44"/>
+          <p:cNvSpPr/>
+          <p:nvPr/>
+        </p:nvSpPr>
+        <p:spPr>
+          <a:xfrm>
+            <a:off x="3677027" y="2508216"/>
+            <a:ext cx="749619" cy="552516"/>
+          </a:xfrm>
+          <a:prstGeom prst="roundRect">
+            <a:avLst/>
+          </a:prstGeom>
+        </p:spPr>
+        <p:style>
+          <a:lnRef idx="1">
+            <a:schemeClr val="accent1"/>
+          </a:lnRef>
+          <a:fillRef idx="3">
+            <a:schemeClr val="accent1"/>
+          </a:fillRef>
+          <a:effectRef idx="2">
+            <a:schemeClr val="accent1"/>
+          </a:effectRef>
+          <a:fontRef idx="minor">
+            <a:schemeClr val="lt1"/>
+          </a:fontRef>
+        </p:style>
+        <p:txBody>
+          <a:bodyPr rtlCol="0" anchor="b"/>
+          <a:lstStyle/>
+          <a:p>
+            <a:pPr algn="ctr"/>
+            <a:endParaRPr lang="en-US" sz="3200" b="1"/>
+          </a:p>
+        </p:txBody>
+      </p:sp>
+      <p:sp>
+        <p:nvSpPr>
+          <p:cNvPr id="46" name="Rounded Rectangle 45"/>
+          <p:cNvSpPr/>
+          <p:nvPr/>
+        </p:nvSpPr>
+        <p:spPr>
+          <a:xfrm>
+            <a:off x="3679410" y="3383780"/>
+            <a:ext cx="747236" cy="552516"/>
+          </a:xfrm>
+          <a:prstGeom prst="roundRect">
+            <a:avLst/>
+          </a:prstGeom>
+        </p:spPr>
+        <p:style>
+          <a:lnRef idx="1">
+            <a:schemeClr val="accent1"/>
+          </a:lnRef>
+          <a:fillRef idx="3">
+            <a:schemeClr val="accent1"/>
+          </a:fillRef>
+          <a:effectRef idx="2">
+            <a:schemeClr val="accent1"/>
+          </a:effectRef>
+          <a:fontRef idx="minor">
+            <a:schemeClr val="lt1"/>
+          </a:fontRef>
+        </p:style>
+        <p:txBody>
+          <a:bodyPr rtlCol="0" anchor="b"/>
+          <a:lstStyle/>
+          <a:p>
+            <a:pPr algn="ctr"/>
+            <a:endParaRPr lang="en-US" sz="3200" b="1"/>
+          </a:p>
+        </p:txBody>
+      </p:sp>
+      <p:graphicFrame>
+        <p:nvGraphicFramePr>
+          <p:cNvPr id="47" name="Object 46"/>
+          <p:cNvGraphicFramePr>
+            <a:graphicFrameLocks noChangeAspect="1"/>
+          </p:cNvGraphicFramePr>
+          <p:nvPr/>
+        </p:nvGraphicFramePr>
+        <p:xfrm>
+          <a:off x="3903210" y="2508216"/>
+          <a:ext cx="523436" cy="552516"/>
+        </p:xfrm>
+        <a:graphic>
+          <a:graphicData uri="http://schemas.openxmlformats.org/presentationml/2006/ole">
+            <p:oleObj spid="_x0000_s17410" name="Equation" r:id="rId4" imgW="228600" imgH="241300" progId="Equation.3">
+              <p:embed/>
+            </p:oleObj>
+          </a:graphicData>
+        </a:graphic>
+      </p:graphicFrame>
+      <p:graphicFrame>
+        <p:nvGraphicFramePr>
+          <p:cNvPr id="17411" name="Object 3"/>
+          <p:cNvGraphicFramePr>
+            <a:graphicFrameLocks noChangeAspect="1"/>
+          </p:cNvGraphicFramePr>
+          <p:nvPr/>
+        </p:nvGraphicFramePr>
+        <p:xfrm>
+          <a:off x="3903210" y="3382860"/>
+          <a:ext cx="299872" cy="561440"/>
+        </p:xfrm>
+        <a:graphic>
+          <a:graphicData uri="http://schemas.openxmlformats.org/presentationml/2006/ole">
+            <p:oleObj spid="_x0000_s17411" name="Equation" r:id="rId5" imgW="190500" imgH="355600" progId="Equation.3">
+              <p:embed/>
+            </p:oleObj>
+          </a:graphicData>
+        </a:graphic>
+      </p:graphicFrame>
+      <p:sp>
+        <p:nvSpPr>
+          <p:cNvPr id="48" name="TextBox 47"/>
+          <p:cNvSpPr txBox="1"/>
+          <p:nvPr/>
+        </p:nvSpPr>
+        <p:spPr>
+          <a:xfrm>
+            <a:off x="5765356" y="2608998"/>
+            <a:ext cx="440145" cy="707886"/>
           </a:xfrm>
           <a:prstGeom prst="rect">
             <a:avLst/>
           </a:prstGeom>
-        </p:spPr>
-      </p:pic>
+          <a:noFill/>
+        </p:spPr>
+        <p:txBody>
+          <a:bodyPr wrap="none" rtlCol="0">
+            <a:spAutoFit/>
+          </a:bodyPr>
+          <a:lstStyle/>
+          <a:p>
+            <a:r>
+              <a:rPr lang="en-US" sz="4000"/>
+              <a:t>+</a:t>
+            </a:r>
+          </a:p>
+        </p:txBody>
+      </p:sp>
+      <p:sp>
+        <p:nvSpPr>
+          <p:cNvPr id="49" name="TextBox 48"/>
+          <p:cNvSpPr txBox="1"/>
+          <p:nvPr/>
+        </p:nvSpPr>
+        <p:spPr>
+          <a:xfrm>
+            <a:off x="5987017" y="2253355"/>
+            <a:ext cx="396676" cy="923330"/>
+          </a:xfrm>
+          <a:prstGeom prst="rect">
+            <a:avLst/>
+          </a:prstGeom>
+          <a:noFill/>
+        </p:spPr>
+        <p:txBody>
+          <a:bodyPr wrap="none" rtlCol="0">
+            <a:spAutoFit/>
+          </a:bodyPr>
+          <a:lstStyle/>
+          <a:p>
+            <a:r>
+              <a:rPr lang="en-US" sz="5400"/>
+              <a:t>-</a:t>
+            </a:r>
+          </a:p>
+        </p:txBody>
+      </p:sp>
+      <p:sp>
+        <p:nvSpPr>
+          <p:cNvPr id="50" name="TextBox 49"/>
+          <p:cNvSpPr txBox="1"/>
+          <p:nvPr/>
+        </p:nvSpPr>
+        <p:spPr>
+          <a:xfrm>
+            <a:off x="2085548" y="2587336"/>
+            <a:ext cx="440145" cy="707886"/>
+          </a:xfrm>
+          <a:prstGeom prst="rect">
+            <a:avLst/>
+          </a:prstGeom>
+          <a:noFill/>
+        </p:spPr>
+        <p:txBody>
+          <a:bodyPr wrap="none" rtlCol="0">
+            <a:spAutoFit/>
+          </a:bodyPr>
+          <a:lstStyle/>
+          <a:p>
+            <a:r>
+              <a:rPr lang="en-US" sz="4000"/>
+              <a:t>+</a:t>
+            </a:r>
+          </a:p>
+        </p:txBody>
+      </p:sp>
+      <p:sp>
+        <p:nvSpPr>
+          <p:cNvPr id="51" name="TextBox 50"/>
+          <p:cNvSpPr txBox="1"/>
+          <p:nvPr/>
+        </p:nvSpPr>
+        <p:spPr>
+          <a:xfrm>
+            <a:off x="2294044" y="2352846"/>
+            <a:ext cx="440145" cy="707886"/>
+          </a:xfrm>
+          <a:prstGeom prst="rect">
+            <a:avLst/>
+          </a:prstGeom>
+          <a:noFill/>
+        </p:spPr>
+        <p:txBody>
+          <a:bodyPr wrap="none" rtlCol="0">
+            <a:spAutoFit/>
+          </a:bodyPr>
+          <a:lstStyle/>
+          <a:p>
+            <a:r>
+              <a:rPr lang="en-US" sz="4000"/>
+              <a:t>+</a:t>
+            </a:r>
+          </a:p>
+        </p:txBody>
+      </p:sp>
+      <p:sp>
+        <p:nvSpPr>
+          <p:cNvPr id="52" name="TextBox 51"/>
+          <p:cNvSpPr txBox="1"/>
+          <p:nvPr/>
+        </p:nvSpPr>
+        <p:spPr>
+          <a:xfrm>
+            <a:off x="2069054" y="2154273"/>
+            <a:ext cx="440145" cy="707886"/>
+          </a:xfrm>
+          <a:prstGeom prst="rect">
+            <a:avLst/>
+          </a:prstGeom>
+          <a:noFill/>
+        </p:spPr>
+        <p:txBody>
+          <a:bodyPr wrap="none" rtlCol="0">
+            <a:spAutoFit/>
+          </a:bodyPr>
+          <a:lstStyle/>
+          <a:p>
+            <a:r>
+              <a:rPr lang="en-US" sz="4000"/>
+              <a:t>+</a:t>
+            </a:r>
+          </a:p>
+        </p:txBody>
+      </p:sp>
+      <p:sp>
+        <p:nvSpPr>
+          <p:cNvPr id="53" name="TextBox 52"/>
+          <p:cNvSpPr txBox="1"/>
+          <p:nvPr/>
+        </p:nvSpPr>
+        <p:spPr>
+          <a:xfrm>
+            <a:off x="272156" y="2414401"/>
+            <a:ext cx="731691" cy="707886"/>
+          </a:xfrm>
+          <a:prstGeom prst="rect">
+            <a:avLst/>
+          </a:prstGeom>
+          <a:noFill/>
+        </p:spPr>
+        <p:txBody>
+          <a:bodyPr wrap="none" rtlCol="0">
+            <a:spAutoFit/>
+          </a:bodyPr>
+          <a:lstStyle/>
+          <a:p>
+            <a:r>
+              <a:rPr lang="en-US" sz="2000"/>
+              <a:t>Gate</a:t>
+            </a:r>
+          </a:p>
+          <a:p>
+            <a:r>
+              <a:rPr lang="en-US" sz="2000"/>
+              <a:t>Drive</a:t>
+            </a:r>
+          </a:p>
+        </p:txBody>
+      </p:sp>
+      <p:sp>
+        <p:nvSpPr>
+          <p:cNvPr id="54" name="TextBox 53"/>
+          <p:cNvSpPr txBox="1"/>
+          <p:nvPr/>
+        </p:nvSpPr>
+        <p:spPr>
+          <a:xfrm>
+            <a:off x="8130473" y="2584419"/>
+            <a:ext cx="675335" cy="400110"/>
+          </a:xfrm>
+          <a:prstGeom prst="rect">
+            <a:avLst/>
+          </a:prstGeom>
+          <a:noFill/>
+        </p:spPr>
+        <p:txBody>
+          <a:bodyPr wrap="none" rtlCol="0">
+            <a:spAutoFit/>
+          </a:bodyPr>
+          <a:lstStyle/>
+          <a:p>
+            <a:r>
+              <a:rPr lang="en-US" sz="2000"/>
+              <a:t>Vout</a:t>
+            </a:r>
+          </a:p>
+        </p:txBody>
+      </p:sp>
+      <p:sp>
+        <p:nvSpPr>
+          <p:cNvPr id="64" name="Rounded Rectangle 63"/>
+          <p:cNvSpPr/>
+          <p:nvPr/>
+        </p:nvSpPr>
+        <p:spPr>
+          <a:xfrm>
+            <a:off x="6762644" y="2522550"/>
+            <a:ext cx="921296" cy="552516"/>
+          </a:xfrm>
+          <a:prstGeom prst="roundRect">
+            <a:avLst/>
+          </a:prstGeom>
+        </p:spPr>
+        <p:style>
+          <a:lnRef idx="1">
+            <a:schemeClr val="accent1"/>
+          </a:lnRef>
+          <a:fillRef idx="3">
+            <a:schemeClr val="accent1"/>
+          </a:fillRef>
+          <a:effectRef idx="2">
+            <a:schemeClr val="accent1"/>
+          </a:effectRef>
+          <a:fontRef idx="minor">
+            <a:schemeClr val="lt1"/>
+          </a:fontRef>
+        </p:style>
+        <p:txBody>
+          <a:bodyPr rtlCol="0" anchor="b"/>
+          <a:lstStyle/>
+          <a:p>
+            <a:pPr algn="ctr"/>
+            <a:r>
+              <a:rPr lang="en-US" sz="3200" b="1">
+                <a:solidFill>
+                  <a:schemeClr val="tx1"/>
+                </a:solidFill>
+              </a:rPr>
+              <a:t>H</a:t>
+            </a:r>
+          </a:p>
+        </p:txBody>
+      </p:sp>
+      <p:cxnSp>
+        <p:nvCxnSpPr>
+          <p:cNvPr id="69" name="Straight Arrow Connector 68"/>
+          <p:cNvCxnSpPr/>
+          <p:nvPr/>
+        </p:nvCxnSpPr>
+        <p:spPr>
+          <a:xfrm rot="10800000">
+            <a:off x="7683940" y="2798832"/>
+            <a:ext cx="446533" cy="1589"/>
+          </a:xfrm>
+          <a:prstGeom prst="straightConnector1">
+            <a:avLst/>
+          </a:prstGeom>
+          <a:ln>
+            <a:tailEnd type="arrow"/>
+          </a:ln>
+        </p:spPr>
+        <p:style>
+          <a:lnRef idx="2">
+            <a:schemeClr val="accent1"/>
+          </a:lnRef>
+          <a:fillRef idx="0">
+            <a:schemeClr val="accent1"/>
+          </a:fillRef>
+          <a:effectRef idx="1">
+            <a:schemeClr val="accent1"/>
+          </a:effectRef>
+          <a:fontRef idx="minor">
+            <a:schemeClr val="tx1"/>
+          </a:fontRef>
+        </p:style>
+      </p:cxnSp>
+      <p:sp>
+        <p:nvSpPr>
+          <p:cNvPr id="70" name="TextBox 69"/>
+          <p:cNvSpPr txBox="1"/>
+          <p:nvPr/>
+        </p:nvSpPr>
+        <p:spPr>
+          <a:xfrm>
+            <a:off x="5708358" y="3936296"/>
+            <a:ext cx="620683" cy="400110"/>
+          </a:xfrm>
+          <a:prstGeom prst="rect">
+            <a:avLst/>
+          </a:prstGeom>
+          <a:noFill/>
+        </p:spPr>
+        <p:txBody>
+          <a:bodyPr wrap="none" rtlCol="0">
+            <a:spAutoFit/>
+          </a:bodyPr>
+          <a:lstStyle/>
+          <a:p>
+            <a:r>
+              <a:rPr lang="en-US" sz="2000"/>
+              <a:t>Vref</a:t>
+            </a:r>
+          </a:p>
+        </p:txBody>
+      </p:sp>
     </p:spTree>
   </p:cSld>
   <p:clrMapOvr>
@@ -7098,14 +7417,14 @@
                 <a:latin typeface="Helvetica Neue"/>
                 <a:cs typeface="Helvetica Neue"/>
               </a:rPr>
-              <a:t>Reduce to P: Small Enough to Fab</a:t>
+              <a:t>PID: Great Results, But Too Large</a:t>
             </a:r>
           </a:p>
         </p:txBody>
       </p:sp>
       <p:pic>
         <p:nvPicPr>
-          <p:cNvPr id="5" name="Picture 4" descr="Screen Shot 2013-04-09 at 6.13.05 PM.png"/>
+          <p:cNvPr id="5" name="Picture 4" descr="pid_big.png"/>
           <p:cNvPicPr>
             <a:picLocks noChangeAspect="1"/>
           </p:cNvPicPr>
@@ -7119,8 +7438,8 @@
         </p:blipFill>
         <p:spPr>
           <a:xfrm>
-            <a:off x="336408" y="1576783"/>
-            <a:ext cx="8454108" cy="3132130"/>
+            <a:off x="482721" y="950427"/>
+            <a:ext cx="8287346" cy="4494734"/>
           </a:xfrm>
           <a:prstGeom prst="rect">
             <a:avLst/>
@@ -7159,121 +7478,40 @@
           <a:chExt cx="0" cy="0"/>
         </a:xfrm>
       </p:grpSpPr>
-      <p:sp>
-        <p:nvSpPr>
-          <p:cNvPr id="7" name="Rounded Rectangle 6"/>
-          <p:cNvSpPr/>
-          <p:nvPr/>
-        </p:nvSpPr>
-        <p:spPr>
-          <a:xfrm>
-            <a:off x="2793825" y="1299432"/>
-            <a:ext cx="3051436" cy="1490519"/>
-          </a:xfrm>
-          <a:prstGeom prst="roundRect">
-            <a:avLst>
-              <a:gd name="adj" fmla="val 7488"/>
-            </a:avLst>
-          </a:prstGeom>
-          <a:solidFill>
-            <a:schemeClr val="tx1"/>
-          </a:solidFill>
-          <a:ln>
-            <a:solidFill>
-              <a:schemeClr val="tx1"/>
-            </a:solidFill>
-          </a:ln>
-          <a:effectLst>
-            <a:outerShdw blurRad="40005" dist="22987" dir="5400000" algn="tl" rotWithShape="0">
-              <a:srgbClr val="000000">
-                <a:alpha val="35000"/>
-              </a:srgbClr>
-            </a:outerShdw>
-          </a:effectLst>
-        </p:spPr>
-        <p:style>
-          <a:lnRef idx="1">
-            <a:schemeClr val="accent1"/>
-          </a:lnRef>
-          <a:fillRef idx="3">
-            <a:schemeClr val="accent1"/>
-          </a:fillRef>
-          <a:effectRef idx="2">
-            <a:schemeClr val="accent1"/>
-          </a:effectRef>
-          <a:fontRef idx="minor">
-            <a:schemeClr val="lt1"/>
-          </a:fontRef>
-        </p:style>
-        <p:txBody>
-          <a:bodyPr rtlCol="0" anchor="ctr"/>
-          <a:lstStyle/>
-          <a:p>
-            <a:pPr algn="ctr"/>
-            <a:r>
-              <a:rPr lang="en-US" sz="2800"/>
-              <a:t>LDO</a:t>
-            </a:r>
-          </a:p>
-          <a:p>
-            <a:pPr algn="ctr"/>
-            <a:r>
-              <a:rPr lang="en-US" sz="2800"/>
-              <a:t>Regulator</a:t>
-            </a:r>
-          </a:p>
-        </p:txBody>
-      </p:sp>
-      <p:cxnSp>
-        <p:nvCxnSpPr>
-          <p:cNvPr id="10" name="Straight Arrow Connector 9"/>
-          <p:cNvCxnSpPr/>
-          <p:nvPr/>
-        </p:nvCxnSpPr>
-        <p:spPr>
-          <a:xfrm>
-            <a:off x="1536137" y="1772726"/>
-            <a:ext cx="1129856" cy="1588"/>
-          </a:xfrm>
-          <a:prstGeom prst="straightConnector1">
-            <a:avLst/>
-          </a:prstGeom>
-          <a:ln w="85725" cap="flat" cmpd="sng" algn="ctr">
-            <a:solidFill>
-              <a:srgbClr val="FF0000"/>
-            </a:solidFill>
-            <a:prstDash val="solid"/>
-            <a:round/>
-            <a:headEnd type="none" w="med" len="med"/>
-            <a:tailEnd type="arrow" w="med" len="med"/>
-          </a:ln>
-          <a:effectLst/>
-        </p:spPr>
-        <p:style>
-          <a:lnRef idx="2">
-            <a:schemeClr val="accent1"/>
-          </a:lnRef>
-          <a:fillRef idx="0">
-            <a:schemeClr val="accent1"/>
-          </a:fillRef>
-          <a:effectRef idx="1">
-            <a:schemeClr val="accent1"/>
-          </a:effectRef>
-          <a:fontRef idx="minor">
-            <a:schemeClr val="tx1"/>
-          </a:fontRef>
-        </p:style>
-      </p:cxnSp>
-      <p:sp>
-        <p:nvSpPr>
-          <p:cNvPr id="11" name="TextBox 10"/>
+      <p:pic>
+        <p:nvPicPr>
+          <p:cNvPr id="4" name="Picture 3" descr="schematics.png"/>
+          <p:cNvPicPr>
+            <a:picLocks noChangeAspect="1"/>
+          </p:cNvPicPr>
+          <p:nvPr/>
+        </p:nvPicPr>
+        <p:blipFill>
+          <a:blip r:embed="rId2"/>
+          <a:stretch>
+            <a:fillRect/>
+          </a:stretch>
+        </p:blipFill>
+        <p:spPr>
+          <a:xfrm>
+            <a:off x="0" y="0"/>
+            <a:ext cx="9144000" cy="6858000"/>
+          </a:xfrm>
+          <a:prstGeom prst="rect">
+            <a:avLst/>
+          </a:prstGeom>
+        </p:spPr>
+      </p:pic>
+      <p:sp>
+        <p:nvSpPr>
+          <p:cNvPr id="3" name="TextBox 2"/>
           <p:cNvSpPr txBox="1"/>
           <p:nvPr/>
         </p:nvSpPr>
         <p:spPr>
           <a:xfrm>
-            <a:off x="-17825" y="1571566"/>
-            <a:ext cx="1553962" cy="369332"/>
+            <a:off x="-1" y="0"/>
+            <a:ext cx="9144001" cy="646331"/>
           </a:xfrm>
           <a:prstGeom prst="rect">
             <a:avLst/>
@@ -7286,294 +7524,51 @@
           </a:bodyPr>
           <a:lstStyle/>
           <a:p>
-            <a:pPr algn="r"/>
-            <a:r>
-              <a:rPr lang="en-US"/>
-              <a:t>5.0 Volt VIN</a:t>
-            </a:r>
-          </a:p>
-        </p:txBody>
-      </p:sp>
-      <p:cxnSp>
-        <p:nvCxnSpPr>
-          <p:cNvPr id="12" name="Straight Arrow Connector 11"/>
-          <p:cNvCxnSpPr>
-            <a:stCxn id="13" idx="0"/>
-          </p:cNvCxnSpPr>
-          <p:nvPr/>
-        </p:nvCxnSpPr>
-        <p:spPr>
-          <a:xfrm rot="5400000" flipH="1" flipV="1">
-            <a:off x="4122318" y="3029405"/>
-            <a:ext cx="478910" cy="3"/>
-          </a:xfrm>
-          <a:prstGeom prst="straightConnector1">
-            <a:avLst/>
-          </a:prstGeom>
-          <a:ln w="31750" cap="flat" cmpd="sng" algn="ctr">
-            <a:solidFill>
-              <a:srgbClr val="008000"/>
-            </a:solidFill>
-            <a:prstDash val="solid"/>
-            <a:round/>
-            <a:headEnd type="none" w="med" len="med"/>
-            <a:tailEnd type="arrow" w="med" len="med"/>
-          </a:ln>
-          <a:effectLst/>
-        </p:spPr>
-        <p:style>
-          <a:lnRef idx="2">
-            <a:schemeClr val="accent1"/>
-          </a:lnRef>
-          <a:fillRef idx="0">
-            <a:schemeClr val="accent1"/>
-          </a:fillRef>
-          <a:effectRef idx="1">
-            <a:schemeClr val="accent1"/>
-          </a:effectRef>
-          <a:fontRef idx="minor">
-            <a:schemeClr val="tx1"/>
-          </a:fontRef>
-        </p:style>
-      </p:cxnSp>
-      <p:sp>
-        <p:nvSpPr>
-          <p:cNvPr id="13" name="TextBox 12"/>
-          <p:cNvSpPr txBox="1"/>
-          <p:nvPr/>
-        </p:nvSpPr>
-        <p:spPr>
-          <a:xfrm>
-            <a:off x="3584791" y="3268861"/>
-            <a:ext cx="1553962" cy="369332"/>
+            <a:pPr algn="ctr"/>
+            <a:r>
+              <a:rPr lang="en-US" sz="3600" b="1">
+                <a:solidFill>
+                  <a:schemeClr val="bg1"/>
+                </a:solidFill>
+                <a:effectLst>
+                  <a:outerShdw blurRad="50800" dist="38100" dir="2700000">
+                    <a:srgbClr val="000000">
+                      <a:alpha val="43000"/>
+                    </a:srgbClr>
+                  </a:outerShdw>
+                </a:effectLst>
+                <a:latin typeface="Helvetica Neue"/>
+                <a:cs typeface="Helvetica Neue"/>
+              </a:rPr>
+              <a:t>Reduce to P: Small Enough to Fab</a:t>
+            </a:r>
+          </a:p>
+        </p:txBody>
+      </p:sp>
+      <p:pic>
+        <p:nvPicPr>
+          <p:cNvPr id="5" name="Picture 4" descr="Screen Shot 2013-04-09 at 6.13.05 PM.png"/>
+          <p:cNvPicPr>
+            <a:picLocks noChangeAspect="1"/>
+          </p:cNvPicPr>
+          <p:nvPr/>
+        </p:nvPicPr>
+        <p:blipFill>
+          <a:blip r:embed="rId3"/>
+          <a:stretch>
+            <a:fillRect/>
+          </a:stretch>
+        </p:blipFill>
+        <p:spPr>
+          <a:xfrm>
+            <a:off x="336408" y="1576783"/>
+            <a:ext cx="8454108" cy="3132130"/>
           </a:xfrm>
           <a:prstGeom prst="rect">
             <a:avLst/>
           </a:prstGeom>
-          <a:noFill/>
-        </p:spPr>
-        <p:txBody>
-          <a:bodyPr wrap="square" rtlCol="0">
-            <a:spAutoFit/>
-          </a:bodyPr>
-          <a:lstStyle/>
-          <a:p>
-            <a:pPr algn="ctr"/>
-            <a:r>
-              <a:rPr lang="en-US"/>
-              <a:t>1.3 Volt VREF</a:t>
-            </a:r>
-          </a:p>
-        </p:txBody>
-      </p:sp>
-      <p:cxnSp>
-        <p:nvCxnSpPr>
-          <p:cNvPr id="16" name="Straight Arrow Connector 15"/>
-          <p:cNvCxnSpPr/>
-          <p:nvPr/>
-        </p:nvCxnSpPr>
-        <p:spPr>
-          <a:xfrm>
-            <a:off x="1536137" y="2313857"/>
-            <a:ext cx="1129856" cy="1588"/>
-          </a:xfrm>
-          <a:prstGeom prst="straightConnector1">
-            <a:avLst/>
-          </a:prstGeom>
-          <a:ln w="85725" cap="flat" cmpd="sng" algn="ctr">
-            <a:solidFill>
-              <a:srgbClr val="FF0000"/>
-            </a:solidFill>
-            <a:prstDash val="solid"/>
-            <a:round/>
-            <a:headEnd type="none" w="med" len="med"/>
-            <a:tailEnd type="arrow" w="med" len="med"/>
-          </a:ln>
-          <a:effectLst/>
-        </p:spPr>
-        <p:style>
-          <a:lnRef idx="2">
-            <a:schemeClr val="accent1"/>
-          </a:lnRef>
-          <a:fillRef idx="0">
-            <a:schemeClr val="accent1"/>
-          </a:fillRef>
-          <a:effectRef idx="1">
-            <a:schemeClr val="accent1"/>
-          </a:effectRef>
-          <a:fontRef idx="minor">
-            <a:schemeClr val="tx1"/>
-          </a:fontRef>
-        </p:style>
-      </p:cxnSp>
-      <p:sp>
-        <p:nvSpPr>
-          <p:cNvPr id="17" name="TextBox 16"/>
-          <p:cNvSpPr txBox="1"/>
-          <p:nvPr/>
-        </p:nvSpPr>
-        <p:spPr>
-          <a:xfrm>
-            <a:off x="-17825" y="2112697"/>
-            <a:ext cx="1553962" cy="369332"/>
-          </a:xfrm>
-          <a:prstGeom prst="rect">
-            <a:avLst/>
-          </a:prstGeom>
-          <a:noFill/>
-        </p:spPr>
-        <p:txBody>
-          <a:bodyPr wrap="square" rtlCol="0">
-            <a:spAutoFit/>
-          </a:bodyPr>
-          <a:lstStyle/>
-          <a:p>
-            <a:pPr algn="r"/>
-            <a:r>
-              <a:rPr lang="en-US"/>
-              <a:t>GND</a:t>
-            </a:r>
-          </a:p>
-        </p:txBody>
-      </p:sp>
-      <p:cxnSp>
-        <p:nvCxnSpPr>
-          <p:cNvPr id="18" name="Straight Arrow Connector 17"/>
-          <p:cNvCxnSpPr/>
-          <p:nvPr/>
-        </p:nvCxnSpPr>
-        <p:spPr>
-          <a:xfrm>
-            <a:off x="6018020" y="1774314"/>
-            <a:ext cx="1129856" cy="1588"/>
-          </a:xfrm>
-          <a:prstGeom prst="straightConnector1">
-            <a:avLst/>
-          </a:prstGeom>
-          <a:ln w="85725" cap="flat" cmpd="sng" algn="ctr">
-            <a:solidFill>
-              <a:srgbClr val="FF0000"/>
-            </a:solidFill>
-            <a:prstDash val="solid"/>
-            <a:round/>
-            <a:headEnd type="none" w="med" len="med"/>
-            <a:tailEnd type="arrow" w="med" len="med"/>
-          </a:ln>
-          <a:effectLst/>
-        </p:spPr>
-        <p:style>
-          <a:lnRef idx="2">
-            <a:schemeClr val="accent1"/>
-          </a:lnRef>
-          <a:fillRef idx="0">
-            <a:schemeClr val="accent1"/>
-          </a:fillRef>
-          <a:effectRef idx="1">
-            <a:schemeClr val="accent1"/>
-          </a:effectRef>
-          <a:fontRef idx="minor">
-            <a:schemeClr val="tx1"/>
-          </a:fontRef>
-        </p:style>
-      </p:cxnSp>
-      <p:sp>
-        <p:nvSpPr>
-          <p:cNvPr id="19" name="TextBox 18"/>
-          <p:cNvSpPr txBox="1"/>
-          <p:nvPr/>
-        </p:nvSpPr>
-        <p:spPr>
-          <a:xfrm>
-            <a:off x="7147876" y="1571566"/>
-            <a:ext cx="1553962" cy="369332"/>
-          </a:xfrm>
-          <a:prstGeom prst="rect">
-            <a:avLst/>
-          </a:prstGeom>
-          <a:noFill/>
-        </p:spPr>
-        <p:txBody>
-          <a:bodyPr wrap="square" rtlCol="0">
-            <a:spAutoFit/>
-          </a:bodyPr>
-          <a:lstStyle/>
-          <a:p>
-            <a:r>
-              <a:rPr lang="en-US"/>
-              <a:t>VOUT</a:t>
-            </a:r>
-          </a:p>
-        </p:txBody>
-      </p:sp>
-      <p:cxnSp>
-        <p:nvCxnSpPr>
-          <p:cNvPr id="20" name="Straight Arrow Connector 19"/>
-          <p:cNvCxnSpPr/>
-          <p:nvPr/>
-        </p:nvCxnSpPr>
-        <p:spPr>
-          <a:xfrm>
-            <a:off x="6018020" y="2315445"/>
-            <a:ext cx="1129856" cy="1588"/>
-          </a:xfrm>
-          <a:prstGeom prst="straightConnector1">
-            <a:avLst/>
-          </a:prstGeom>
-          <a:ln w="85725" cap="flat" cmpd="sng" algn="ctr">
-            <a:solidFill>
-              <a:srgbClr val="FF0000"/>
-            </a:solidFill>
-            <a:prstDash val="solid"/>
-            <a:round/>
-            <a:headEnd type="none" w="med" len="med"/>
-            <a:tailEnd type="arrow" w="med" len="med"/>
-          </a:ln>
-          <a:effectLst/>
-        </p:spPr>
-        <p:style>
-          <a:lnRef idx="2">
-            <a:schemeClr val="accent1"/>
-          </a:lnRef>
-          <a:fillRef idx="0">
-            <a:schemeClr val="accent1"/>
-          </a:fillRef>
-          <a:effectRef idx="1">
-            <a:schemeClr val="accent1"/>
-          </a:effectRef>
-          <a:fontRef idx="minor">
-            <a:schemeClr val="tx1"/>
-          </a:fontRef>
-        </p:style>
-      </p:cxnSp>
-      <p:sp>
-        <p:nvSpPr>
-          <p:cNvPr id="21" name="TextBox 20"/>
-          <p:cNvSpPr txBox="1"/>
-          <p:nvPr/>
-        </p:nvSpPr>
-        <p:spPr>
-          <a:xfrm>
-            <a:off x="7147876" y="2112697"/>
-            <a:ext cx="1553962" cy="369332"/>
-          </a:xfrm>
-          <a:prstGeom prst="rect">
-            <a:avLst/>
-          </a:prstGeom>
-          <a:noFill/>
-        </p:spPr>
-        <p:txBody>
-          <a:bodyPr wrap="square" rtlCol="0">
-            <a:spAutoFit/>
-          </a:bodyPr>
-          <a:lstStyle/>
-          <a:p>
-            <a:r>
-              <a:rPr lang="en-US"/>
-              <a:t>GND</a:t>
-            </a:r>
-          </a:p>
-        </p:txBody>
-      </p:sp>
+        </p:spPr>
+      </p:pic>
     </p:spTree>
   </p:cSld>
   <p:clrMapOvr>
@@ -7606,87 +7601,37 @@
           <a:chExt cx="0" cy="0"/>
         </a:xfrm>
       </p:grpSpPr>
-      <p:pic>
-        <p:nvPicPr>
-          <p:cNvPr id="4" name="Picture 3" descr="layout.png"/>
-          <p:cNvPicPr>
-            <a:picLocks noChangeAspect="1"/>
-          </p:cNvPicPr>
-          <p:nvPr/>
-        </p:nvPicPr>
-        <p:blipFill>
-          <a:blip r:embed="rId2"/>
-          <a:stretch>
-            <a:fillRect/>
-          </a:stretch>
-        </p:blipFill>
-        <p:spPr>
-          <a:xfrm>
-            <a:off x="0" y="0"/>
-            <a:ext cx="9144000" cy="6858000"/>
-          </a:xfrm>
-          <a:prstGeom prst="rect">
-            <a:avLst/>
-          </a:prstGeom>
-        </p:spPr>
-      </p:pic>
-      <p:sp>
-        <p:nvSpPr>
-          <p:cNvPr id="5" name="TextBox 4"/>
-          <p:cNvSpPr txBox="1"/>
-          <p:nvPr/>
-        </p:nvSpPr>
-        <p:spPr>
-          <a:xfrm>
-            <a:off x="-1" y="0"/>
-            <a:ext cx="9144001" cy="646331"/>
-          </a:xfrm>
-          <a:prstGeom prst="rect">
-            <a:avLst/>
-          </a:prstGeom>
-          <a:noFill/>
-        </p:spPr>
-        <p:txBody>
-          <a:bodyPr wrap="square" rtlCol="0">
-            <a:spAutoFit/>
-          </a:bodyPr>
-          <a:lstStyle/>
-          <a:p>
-            <a:pPr algn="ctr"/>
-            <a:r>
-              <a:rPr lang="en-US" sz="3600" b="1">
-                <a:solidFill>
-                  <a:schemeClr val="bg1"/>
-                </a:solidFill>
-                <a:effectLst>
-                  <a:outerShdw blurRad="50800" dist="38100" dir="2700000">
-                    <a:srgbClr val="000000">
-                      <a:alpha val="43000"/>
-                    </a:srgbClr>
-                  </a:outerShdw>
-                </a:effectLst>
-                <a:latin typeface="Helvetica Neue"/>
-                <a:cs typeface="Helvetica Neue"/>
-              </a:rPr>
-              <a:t>Layout Floorplan</a:t>
-            </a:r>
-          </a:p>
-        </p:txBody>
-      </p:sp>
-      <p:sp>
-        <p:nvSpPr>
-          <p:cNvPr id="6" name="Rectangle 5"/>
+      <p:sp>
+        <p:nvSpPr>
+          <p:cNvPr id="7" name="Rounded Rectangle 6"/>
           <p:cNvSpPr/>
           <p:nvPr/>
         </p:nvSpPr>
         <p:spPr>
           <a:xfrm>
-            <a:off x="2135914" y="1377980"/>
-            <a:ext cx="3232873" cy="230903"/>
-          </a:xfrm>
-          <a:prstGeom prst="rect">
-            <a:avLst/>
-          </a:prstGeom>
+            <a:off x="2793825" y="1299432"/>
+            <a:ext cx="3051436" cy="1490519"/>
+          </a:xfrm>
+          <a:prstGeom prst="roundRect">
+            <a:avLst>
+              <a:gd name="adj" fmla="val 7488"/>
+            </a:avLst>
+          </a:prstGeom>
+          <a:solidFill>
+            <a:schemeClr val="tx1"/>
+          </a:solidFill>
+          <a:ln>
+            <a:solidFill>
+              <a:schemeClr val="tx1"/>
+            </a:solidFill>
+          </a:ln>
+          <a:effectLst>
+            <a:outerShdw blurRad="40005" dist="22987" dir="5400000" algn="tl" rotWithShape="0">
+              <a:srgbClr val="000000">
+                <a:alpha val="35000"/>
+              </a:srgbClr>
+            </a:outerShdw>
+          </a:effectLst>
         </p:spPr>
         <p:style>
           <a:lnRef idx="1">
@@ -7708,306 +7653,41 @@
           <a:p>
             <a:pPr algn="ctr"/>
             <a:r>
-              <a:rPr lang="en-US"/>
-              <a:t>VIN RAIL</a:t>
-            </a:r>
-          </a:p>
-        </p:txBody>
-      </p:sp>
-      <p:sp>
-        <p:nvSpPr>
-          <p:cNvPr id="7" name="Rectangle 6"/>
-          <p:cNvSpPr/>
-          <p:nvPr/>
-        </p:nvSpPr>
-        <p:spPr>
-          <a:xfrm>
-            <a:off x="2135914" y="5055939"/>
-            <a:ext cx="6671924" cy="247396"/>
-          </a:xfrm>
-          <a:prstGeom prst="rect">
-            <a:avLst/>
-          </a:prstGeom>
-        </p:spPr>
-        <p:style>
-          <a:lnRef idx="1">
-            <a:schemeClr val="accent1"/>
-          </a:lnRef>
-          <a:fillRef idx="3">
-            <a:schemeClr val="accent1"/>
-          </a:fillRef>
-          <a:effectRef idx="2">
-            <a:schemeClr val="accent1"/>
-          </a:effectRef>
-          <a:fontRef idx="minor">
-            <a:schemeClr val="lt1"/>
-          </a:fontRef>
-        </p:style>
-        <p:txBody>
-          <a:bodyPr rtlCol="0" anchor="ctr"/>
-          <a:lstStyle/>
+              <a:rPr lang="en-US" sz="2800"/>
+              <a:t>LDO</a:t>
+            </a:r>
+          </a:p>
           <a:p>
             <a:pPr algn="ctr"/>
             <a:r>
-              <a:rPr lang="en-US"/>
-              <a:t>GND RAIL</a:t>
-            </a:r>
-          </a:p>
-        </p:txBody>
-      </p:sp>
-      <p:sp>
-        <p:nvSpPr>
-          <p:cNvPr id="8" name="Rectangle 7"/>
-          <p:cNvSpPr/>
-          <p:nvPr/>
-        </p:nvSpPr>
-        <p:spPr>
-          <a:xfrm>
-            <a:off x="5521187" y="1377980"/>
-            <a:ext cx="3286651" cy="230903"/>
-          </a:xfrm>
-          <a:prstGeom prst="rect">
-            <a:avLst/>
-          </a:prstGeom>
-        </p:spPr>
-        <p:style>
-          <a:lnRef idx="1">
-            <a:schemeClr val="accent1"/>
-          </a:lnRef>
-          <a:fillRef idx="3">
-            <a:schemeClr val="accent1"/>
-          </a:fillRef>
-          <a:effectRef idx="2">
-            <a:schemeClr val="accent1"/>
-          </a:effectRef>
-          <a:fontRef idx="minor">
-            <a:schemeClr val="lt1"/>
-          </a:fontRef>
-        </p:style>
-        <p:txBody>
-          <a:bodyPr rtlCol="0" anchor="ctr"/>
-          <a:lstStyle/>
-          <a:p>
-            <a:pPr algn="ctr"/>
-            <a:r>
-              <a:rPr lang="en-US"/>
-              <a:t>VOUT RAIL</a:t>
-            </a:r>
-          </a:p>
-        </p:txBody>
-      </p:sp>
-      <p:sp>
-        <p:nvSpPr>
-          <p:cNvPr id="9" name="Rectangle 8"/>
-          <p:cNvSpPr/>
-          <p:nvPr/>
-        </p:nvSpPr>
-        <p:spPr>
-          <a:xfrm>
-            <a:off x="2135915" y="1740835"/>
-            <a:ext cx="2366924" cy="3183144"/>
-          </a:xfrm>
-          <a:prstGeom prst="rect">
-            <a:avLst/>
-          </a:prstGeom>
-        </p:spPr>
-        <p:style>
-          <a:lnRef idx="1">
-            <a:schemeClr val="accent2"/>
-          </a:lnRef>
-          <a:fillRef idx="3">
-            <a:schemeClr val="accent2"/>
-          </a:fillRef>
-          <a:effectRef idx="2">
-            <a:schemeClr val="accent2"/>
-          </a:effectRef>
-          <a:fontRef idx="minor">
-            <a:schemeClr val="lt1"/>
-          </a:fontRef>
-        </p:style>
-        <p:txBody>
-          <a:bodyPr rtlCol="0" anchor="ctr"/>
-          <a:lstStyle/>
-          <a:p>
-            <a:pPr algn="ctr"/>
-            <a:r>
-              <a:rPr lang="en-US"/>
-              <a:t>OP AMP 1</a:t>
-            </a:r>
-          </a:p>
-        </p:txBody>
-      </p:sp>
-      <p:sp>
-        <p:nvSpPr>
-          <p:cNvPr id="10" name="Rectangle 9"/>
-          <p:cNvSpPr/>
-          <p:nvPr/>
-        </p:nvSpPr>
-        <p:spPr>
-          <a:xfrm>
-            <a:off x="4655239" y="1740835"/>
-            <a:ext cx="2366924" cy="3183144"/>
-          </a:xfrm>
-          <a:prstGeom prst="rect">
-            <a:avLst/>
-          </a:prstGeom>
-        </p:spPr>
-        <p:style>
-          <a:lnRef idx="1">
-            <a:schemeClr val="accent2"/>
-          </a:lnRef>
-          <a:fillRef idx="3">
-            <a:schemeClr val="accent2"/>
-          </a:fillRef>
-          <a:effectRef idx="2">
-            <a:schemeClr val="accent2"/>
-          </a:effectRef>
-          <a:fontRef idx="minor">
-            <a:schemeClr val="lt1"/>
-          </a:fontRef>
-        </p:style>
-        <p:txBody>
-          <a:bodyPr rtlCol="0" anchor="ctr"/>
-          <a:lstStyle/>
-          <a:p>
-            <a:pPr algn="ctr"/>
-            <a:r>
-              <a:rPr lang="en-US"/>
-              <a:t>OP AMP 2</a:t>
-            </a:r>
-          </a:p>
-        </p:txBody>
-      </p:sp>
-      <p:sp>
-        <p:nvSpPr>
-          <p:cNvPr id="11" name="Rectangle 10"/>
-          <p:cNvSpPr/>
-          <p:nvPr/>
-        </p:nvSpPr>
-        <p:spPr>
-          <a:xfrm>
-            <a:off x="7191402" y="1740835"/>
-            <a:ext cx="1616436" cy="1690526"/>
-          </a:xfrm>
-          <a:prstGeom prst="rect">
-            <a:avLst/>
-          </a:prstGeom>
-        </p:spPr>
-        <p:style>
-          <a:lnRef idx="1">
-            <a:schemeClr val="accent3"/>
-          </a:lnRef>
-          <a:fillRef idx="3">
-            <a:schemeClr val="accent3"/>
-          </a:fillRef>
-          <a:effectRef idx="2">
-            <a:schemeClr val="accent3"/>
-          </a:effectRef>
-          <a:fontRef idx="minor">
-            <a:schemeClr val="lt1"/>
-          </a:fontRef>
-        </p:style>
-        <p:txBody>
-          <a:bodyPr rtlCol="0" anchor="ctr"/>
-          <a:lstStyle/>
-          <a:p>
-            <a:pPr algn="ctr"/>
-            <a:r>
-              <a:rPr lang="en-US"/>
-              <a:t>Power </a:t>
-            </a:r>
-          </a:p>
-          <a:p>
-            <a:pPr algn="ctr"/>
-            <a:r>
-              <a:rPr lang="en-US"/>
-              <a:t>MOSFET</a:t>
-            </a:r>
-          </a:p>
-        </p:txBody>
-      </p:sp>
-      <p:sp>
-        <p:nvSpPr>
-          <p:cNvPr id="12" name="Rectangle 11"/>
-          <p:cNvSpPr/>
-          <p:nvPr/>
-        </p:nvSpPr>
-        <p:spPr>
-          <a:xfrm>
-            <a:off x="7191402" y="3612809"/>
-            <a:ext cx="1616436" cy="1311170"/>
-          </a:xfrm>
-          <a:prstGeom prst="rect">
-            <a:avLst/>
-          </a:prstGeom>
-        </p:spPr>
-        <p:style>
-          <a:lnRef idx="1">
-            <a:schemeClr val="accent4"/>
-          </a:lnRef>
-          <a:fillRef idx="3">
-            <a:schemeClr val="accent4"/>
-          </a:fillRef>
-          <a:effectRef idx="2">
-            <a:schemeClr val="accent4"/>
-          </a:effectRef>
-          <a:fontRef idx="minor">
-            <a:schemeClr val="lt1"/>
-          </a:fontRef>
-        </p:style>
-        <p:txBody>
-          <a:bodyPr rtlCol="0" anchor="ctr"/>
-          <a:lstStyle/>
-          <a:p>
-            <a:pPr algn="ctr"/>
-            <a:r>
-              <a:rPr lang="en-US"/>
-              <a:t>Common </a:t>
-            </a:r>
-          </a:p>
-          <a:p>
-            <a:pPr algn="ctr"/>
-            <a:r>
-              <a:rPr lang="en-US"/>
-              <a:t>Centroid</a:t>
-            </a:r>
-          </a:p>
-          <a:p>
-            <a:pPr algn="ctr"/>
-            <a:r>
-              <a:rPr lang="en-US"/>
-              <a:t>Precision </a:t>
-            </a:r>
-          </a:p>
-          <a:p>
-            <a:pPr algn="ctr"/>
-            <a:r>
-              <a:rPr lang="en-US"/>
-              <a:t>Resistors</a:t>
+              <a:rPr lang="en-US" sz="2800"/>
+              <a:t>Regulator</a:t>
             </a:r>
           </a:p>
         </p:txBody>
       </p:sp>
       <p:cxnSp>
         <p:nvCxnSpPr>
-          <p:cNvPr id="14" name="Straight Arrow Connector 13"/>
+          <p:cNvPr id="10" name="Straight Arrow Connector 9"/>
           <p:cNvCxnSpPr/>
           <p:nvPr/>
         </p:nvCxnSpPr>
         <p:spPr>
-          <a:xfrm rot="5400000">
-            <a:off x="436860" y="3332407"/>
-            <a:ext cx="3183144" cy="1588"/>
+          <a:xfrm>
+            <a:off x="1536137" y="1772726"/>
+            <a:ext cx="1129856" cy="1588"/>
           </a:xfrm>
           <a:prstGeom prst="straightConnector1">
             <a:avLst/>
           </a:prstGeom>
-          <a:ln>
+          <a:ln w="85725" cap="flat" cmpd="sng" algn="ctr">
             <a:solidFill>
-              <a:schemeClr val="tx1"/>
+              <a:srgbClr val="FF0000"/>
             </a:solidFill>
-            <a:headEnd type="arrow"/>
-            <a:tailEnd type="arrow"/>
+            <a:prstDash val="solid"/>
+            <a:round/>
+            <a:headEnd type="none" w="med" len="med"/>
+            <a:tailEnd type="arrow" w="med" len="med"/>
           </a:ln>
           <a:effectLst/>
         </p:spPr>
@@ -8028,14 +7708,14 @@
       </p:cxnSp>
       <p:sp>
         <p:nvSpPr>
-          <p:cNvPr id="15" name="TextBox 14"/>
+          <p:cNvPr id="11" name="TextBox 10"/>
           <p:cNvSpPr txBox="1"/>
           <p:nvPr/>
         </p:nvSpPr>
         <p:spPr>
-          <a:xfrm rot="16200000">
-            <a:off x="1413263" y="3120427"/>
-            <a:ext cx="899142" cy="369332"/>
+          <a:xfrm>
+            <a:off x="-17825" y="1571566"/>
+            <a:ext cx="1553962" cy="369332"/>
           </a:xfrm>
           <a:prstGeom prst="rect">
             <a:avLst/>
@@ -8043,38 +7723,43 @@
           <a:noFill/>
         </p:spPr>
         <p:txBody>
-          <a:bodyPr wrap="none" rtlCol="0">
+          <a:bodyPr wrap="square" rtlCol="0">
             <a:spAutoFit/>
           </a:bodyPr>
           <a:lstStyle/>
           <a:p>
+            <a:pPr algn="r"/>
             <a:r>
               <a:rPr lang="en-US"/>
-              <a:t>250 μm</a:t>
+              <a:t>5.0 Volt VIN</a:t>
             </a:r>
           </a:p>
         </p:txBody>
       </p:sp>
       <p:cxnSp>
         <p:nvCxnSpPr>
-          <p:cNvPr id="16" name="Straight Arrow Connector 15"/>
-          <p:cNvCxnSpPr/>
+          <p:cNvPr id="12" name="Straight Arrow Connector 11"/>
+          <p:cNvCxnSpPr>
+            <a:stCxn id="13" idx="0"/>
+          </p:cNvCxnSpPr>
           <p:nvPr/>
         </p:nvCxnSpPr>
         <p:spPr>
-          <a:xfrm rot="5400000">
-            <a:off x="1864711" y="1488628"/>
-            <a:ext cx="327441" cy="1588"/>
+          <a:xfrm rot="5400000" flipH="1" flipV="1">
+            <a:off x="4122318" y="3029405"/>
+            <a:ext cx="478910" cy="3"/>
           </a:xfrm>
           <a:prstGeom prst="straightConnector1">
             <a:avLst/>
           </a:prstGeom>
-          <a:ln>
+          <a:ln w="31750" cap="flat" cmpd="sng" algn="ctr">
             <a:solidFill>
-              <a:schemeClr val="tx1"/>
+              <a:srgbClr val="008000"/>
             </a:solidFill>
-            <a:headEnd type="arrow"/>
-            <a:tailEnd type="arrow"/>
+            <a:prstDash val="solid"/>
+            <a:round/>
+            <a:headEnd type="none" w="med" len="med"/>
+            <a:tailEnd type="arrow" w="med" len="med"/>
           </a:ln>
           <a:effectLst/>
         </p:spPr>
@@ -8095,14 +7780,14 @@
       </p:cxnSp>
       <p:sp>
         <p:nvSpPr>
-          <p:cNvPr id="17" name="TextBox 16"/>
+          <p:cNvPr id="13" name="TextBox 12"/>
           <p:cNvSpPr txBox="1"/>
           <p:nvPr/>
         </p:nvSpPr>
         <p:spPr>
-          <a:xfrm rot="16200000">
-            <a:off x="1368170" y="1386767"/>
-            <a:ext cx="899142" cy="369332"/>
+          <a:xfrm>
+            <a:off x="3584791" y="3268861"/>
+            <a:ext cx="1553962" cy="369332"/>
           </a:xfrm>
           <a:prstGeom prst="rect">
             <a:avLst/>
@@ -8115,33 +7800,36 @@
           </a:bodyPr>
           <a:lstStyle/>
           <a:p>
+            <a:pPr algn="ctr"/>
             <a:r>
               <a:rPr lang="en-US"/>
-              <a:t>20 μm</a:t>
+              <a:t>1.3 Volt VREF</a:t>
             </a:r>
           </a:p>
         </p:txBody>
       </p:sp>
       <p:cxnSp>
         <p:nvCxnSpPr>
-          <p:cNvPr id="19" name="Straight Arrow Connector 18"/>
+          <p:cNvPr id="16" name="Straight Arrow Connector 15"/>
           <p:cNvCxnSpPr/>
           <p:nvPr/>
         </p:nvCxnSpPr>
         <p:spPr>
-          <a:xfrm rot="5400000">
-            <a:off x="1864710" y="5200231"/>
-            <a:ext cx="327441" cy="1588"/>
+          <a:xfrm>
+            <a:off x="1536137" y="2313857"/>
+            <a:ext cx="1129856" cy="1588"/>
           </a:xfrm>
           <a:prstGeom prst="straightConnector1">
             <a:avLst/>
           </a:prstGeom>
-          <a:ln>
+          <a:ln w="85725" cap="flat" cmpd="sng" algn="ctr">
             <a:solidFill>
-              <a:schemeClr val="tx1"/>
+              <a:srgbClr val="FF0000"/>
             </a:solidFill>
-            <a:headEnd type="arrow"/>
-            <a:tailEnd type="arrow"/>
+            <a:prstDash val="solid"/>
+            <a:round/>
+            <a:headEnd type="none" w="med" len="med"/>
+            <a:tailEnd type="arrow" w="med" len="med"/>
           </a:ln>
           <a:effectLst/>
         </p:spPr>
@@ -8162,14 +7850,14 @@
       </p:cxnSp>
       <p:sp>
         <p:nvSpPr>
-          <p:cNvPr id="20" name="TextBox 19"/>
+          <p:cNvPr id="17" name="TextBox 16"/>
           <p:cNvSpPr txBox="1"/>
           <p:nvPr/>
         </p:nvSpPr>
         <p:spPr>
-          <a:xfrm rot="16200000">
-            <a:off x="1368169" y="4938561"/>
-            <a:ext cx="899142" cy="369332"/>
+          <a:xfrm>
+            <a:off x="-17825" y="2112697"/>
+            <a:ext cx="1553962" cy="369332"/>
           </a:xfrm>
           <a:prstGeom prst="rect">
             <a:avLst/>
@@ -8182,33 +7870,36 @@
           </a:bodyPr>
           <a:lstStyle/>
           <a:p>
+            <a:pPr algn="r"/>
             <a:r>
               <a:rPr lang="en-US"/>
-              <a:t>20 μm</a:t>
+              <a:t>GND</a:t>
             </a:r>
           </a:p>
         </p:txBody>
       </p:sp>
       <p:cxnSp>
         <p:nvCxnSpPr>
-          <p:cNvPr id="21" name="Straight Arrow Connector 20"/>
+          <p:cNvPr id="18" name="Straight Arrow Connector 17"/>
           <p:cNvCxnSpPr/>
           <p:nvPr/>
         </p:nvCxnSpPr>
         <p:spPr>
-          <a:xfrm rot="10800000">
-            <a:off x="2135915" y="2016790"/>
-            <a:ext cx="2366926" cy="1588"/>
+          <a:xfrm>
+            <a:off x="6018020" y="1774314"/>
+            <a:ext cx="1129856" cy="1588"/>
           </a:xfrm>
           <a:prstGeom prst="straightConnector1">
             <a:avLst/>
           </a:prstGeom>
-          <a:ln>
+          <a:ln w="85725" cap="flat" cmpd="sng" algn="ctr">
             <a:solidFill>
-              <a:schemeClr val="tx1"/>
+              <a:srgbClr val="FF0000"/>
             </a:solidFill>
-            <a:headEnd type="arrow"/>
-            <a:tailEnd type="arrow"/>
+            <a:prstDash val="solid"/>
+            <a:round/>
+            <a:headEnd type="none" w="med" len="med"/>
+            <a:tailEnd type="arrow" w="med" len="med"/>
           </a:ln>
           <a:effectLst/>
         </p:spPr>
@@ -8229,14 +7920,14 @@
       </p:cxnSp>
       <p:sp>
         <p:nvSpPr>
-          <p:cNvPr id="22" name="TextBox 21"/>
+          <p:cNvPr id="19" name="TextBox 18"/>
           <p:cNvSpPr txBox="1"/>
           <p:nvPr/>
         </p:nvSpPr>
         <p:spPr>
           <a:xfrm>
-            <a:off x="2821639" y="1676529"/>
-            <a:ext cx="899142" cy="369332"/>
+            <a:off x="7147876" y="1571566"/>
+            <a:ext cx="1553962" cy="369332"/>
           </a:xfrm>
           <a:prstGeom prst="rect">
             <a:avLst/>
@@ -8251,31 +7942,33 @@
           <a:p>
             <a:r>
               <a:rPr lang="en-US"/>
-              <a:t>200 μm</a:t>
+              <a:t>VOUT</a:t>
             </a:r>
           </a:p>
         </p:txBody>
       </p:sp>
       <p:cxnSp>
         <p:nvCxnSpPr>
-          <p:cNvPr id="25" name="Straight Arrow Connector 24"/>
+          <p:cNvPr id="20" name="Straight Arrow Connector 19"/>
           <p:cNvCxnSpPr/>
           <p:nvPr/>
         </p:nvCxnSpPr>
         <p:spPr>
-          <a:xfrm rot="10800000">
-            <a:off x="4655241" y="2018378"/>
-            <a:ext cx="2366926" cy="1588"/>
+          <a:xfrm>
+            <a:off x="6018020" y="2315445"/>
+            <a:ext cx="1129856" cy="1588"/>
           </a:xfrm>
           <a:prstGeom prst="straightConnector1">
             <a:avLst/>
           </a:prstGeom>
-          <a:ln>
+          <a:ln w="85725" cap="flat" cmpd="sng" algn="ctr">
             <a:solidFill>
-              <a:schemeClr val="tx1"/>
+              <a:srgbClr val="FF0000"/>
             </a:solidFill>
-            <a:headEnd type="arrow"/>
-            <a:tailEnd type="arrow"/>
+            <a:prstDash val="solid"/>
+            <a:round/>
+            <a:headEnd type="none" w="med" len="med"/>
+            <a:tailEnd type="arrow" w="med" len="med"/>
           </a:ln>
           <a:effectLst/>
         </p:spPr>
@@ -8296,14 +7989,14 @@
       </p:cxnSp>
       <p:sp>
         <p:nvSpPr>
-          <p:cNvPr id="26" name="TextBox 25"/>
+          <p:cNvPr id="21" name="TextBox 20"/>
           <p:cNvSpPr txBox="1"/>
           <p:nvPr/>
         </p:nvSpPr>
         <p:spPr>
           <a:xfrm>
-            <a:off x="5340965" y="1678117"/>
-            <a:ext cx="899142" cy="369332"/>
+            <a:off x="7147876" y="2112697"/>
+            <a:ext cx="1553962" cy="369332"/>
           </a:xfrm>
           <a:prstGeom prst="rect">
             <a:avLst/>
@@ -8318,212 +8011,7 @@
           <a:p>
             <a:r>
               <a:rPr lang="en-US"/>
-              <a:t>200 μm</a:t>
-            </a:r>
-          </a:p>
-        </p:txBody>
-      </p:sp>
-      <p:cxnSp>
-        <p:nvCxnSpPr>
-          <p:cNvPr id="27" name="Straight Arrow Connector 26"/>
-          <p:cNvCxnSpPr/>
-          <p:nvPr/>
-        </p:nvCxnSpPr>
-        <p:spPr>
-          <a:xfrm rot="10800000">
-            <a:off x="7191402" y="2016790"/>
-            <a:ext cx="1616436" cy="4765"/>
-          </a:xfrm>
-          <a:prstGeom prst="straightConnector1">
-            <a:avLst/>
-          </a:prstGeom>
-          <a:ln>
-            <a:solidFill>
-              <a:schemeClr val="tx1"/>
-            </a:solidFill>
-            <a:headEnd type="arrow"/>
-            <a:tailEnd type="arrow"/>
-          </a:ln>
-          <a:effectLst/>
-        </p:spPr>
-        <p:style>
-          <a:lnRef idx="2">
-            <a:schemeClr val="accent1"/>
-          </a:lnRef>
-          <a:fillRef idx="0">
-            <a:schemeClr val="accent1"/>
-          </a:fillRef>
-          <a:effectRef idx="1">
-            <a:schemeClr val="accent1"/>
-          </a:effectRef>
-          <a:fontRef idx="minor">
-            <a:schemeClr val="tx1"/>
-          </a:fontRef>
-        </p:style>
-      </p:cxnSp>
-      <p:sp>
-        <p:nvSpPr>
-          <p:cNvPr id="28" name="TextBox 27"/>
-          <p:cNvSpPr txBox="1"/>
-          <p:nvPr/>
-        </p:nvSpPr>
-        <p:spPr>
-          <a:xfrm>
-            <a:off x="7576207" y="1679705"/>
-            <a:ext cx="899142" cy="369332"/>
-          </a:xfrm>
-          <a:prstGeom prst="rect">
-            <a:avLst/>
-          </a:prstGeom>
-          <a:noFill/>
-        </p:spPr>
-        <p:txBody>
-          <a:bodyPr wrap="square" rtlCol="0">
-            <a:spAutoFit/>
-          </a:bodyPr>
-          <a:lstStyle/>
-          <a:p>
-            <a:r>
-              <a:rPr lang="en-US"/>
-              <a:t>70 μm</a:t>
-            </a:r>
-          </a:p>
-        </p:txBody>
-      </p:sp>
-      <p:cxnSp>
-        <p:nvCxnSpPr>
-          <p:cNvPr id="30" name="Straight Arrow Connector 29"/>
-          <p:cNvCxnSpPr/>
-          <p:nvPr/>
-        </p:nvCxnSpPr>
-        <p:spPr>
-          <a:xfrm rot="10800000">
-            <a:off x="2135914" y="1187288"/>
-            <a:ext cx="6671926" cy="29073"/>
-          </a:xfrm>
-          <a:prstGeom prst="straightConnector1">
-            <a:avLst/>
-          </a:prstGeom>
-          <a:ln w="76200" cap="flat" cmpd="sng" algn="ctr">
-            <a:solidFill>
-              <a:schemeClr val="tx1"/>
-            </a:solidFill>
-            <a:prstDash val="solid"/>
-            <a:round/>
-            <a:headEnd type="arrow" w="med" len="med"/>
-            <a:tailEnd type="arrow" w="med" len="med"/>
-          </a:ln>
-          <a:effectLst/>
-        </p:spPr>
-        <p:style>
-          <a:lnRef idx="2">
-            <a:schemeClr val="accent1"/>
-          </a:lnRef>
-          <a:fillRef idx="0">
-            <a:schemeClr val="accent1"/>
-          </a:fillRef>
-          <a:effectRef idx="1">
-            <a:schemeClr val="accent1"/>
-          </a:effectRef>
-          <a:fontRef idx="minor">
-            <a:schemeClr val="tx1"/>
-          </a:fontRef>
-        </p:style>
-      </p:cxnSp>
-      <p:sp>
-        <p:nvSpPr>
-          <p:cNvPr id="31" name="TextBox 30"/>
-          <p:cNvSpPr txBox="1"/>
-          <p:nvPr/>
-        </p:nvSpPr>
-        <p:spPr>
-          <a:xfrm>
-            <a:off x="4516167" y="737683"/>
-            <a:ext cx="2010040" cy="523220"/>
-          </a:xfrm>
-          <a:prstGeom prst="rect">
-            <a:avLst/>
-          </a:prstGeom>
-          <a:noFill/>
-        </p:spPr>
-        <p:txBody>
-          <a:bodyPr wrap="square" rtlCol="0">
-            <a:spAutoFit/>
-          </a:bodyPr>
-          <a:lstStyle/>
-          <a:p>
-            <a:r>
-              <a:rPr lang="en-US" sz="2800" b="1"/>
-              <a:t>0.47 mm</a:t>
-            </a:r>
-          </a:p>
-        </p:txBody>
-      </p:sp>
-      <p:cxnSp>
-        <p:nvCxnSpPr>
-          <p:cNvPr id="34" name="Straight Arrow Connector 33"/>
-          <p:cNvCxnSpPr/>
-          <p:nvPr/>
-        </p:nvCxnSpPr>
-        <p:spPr>
-          <a:xfrm rot="5400000" flipH="1" flipV="1">
-            <a:off x="-389177" y="3340659"/>
-            <a:ext cx="3925355" cy="1588"/>
-          </a:xfrm>
-          <a:prstGeom prst="straightConnector1">
-            <a:avLst/>
-          </a:prstGeom>
-          <a:ln w="76200" cap="flat" cmpd="sng" algn="ctr">
-            <a:solidFill>
-              <a:schemeClr val="tx1"/>
-            </a:solidFill>
-            <a:prstDash val="solid"/>
-            <a:round/>
-            <a:headEnd type="arrow" w="med" len="med"/>
-            <a:tailEnd type="arrow" w="med" len="med"/>
-          </a:ln>
-          <a:effectLst/>
-        </p:spPr>
-        <p:style>
-          <a:lnRef idx="2">
-            <a:schemeClr val="accent1"/>
-          </a:lnRef>
-          <a:fillRef idx="0">
-            <a:schemeClr val="accent1"/>
-          </a:fillRef>
-          <a:effectRef idx="1">
-            <a:schemeClr val="accent1"/>
-          </a:effectRef>
-          <a:fontRef idx="minor">
-            <a:schemeClr val="tx1"/>
-          </a:fontRef>
-        </p:style>
-      </p:cxnSp>
-      <p:sp>
-        <p:nvSpPr>
-          <p:cNvPr id="37" name="TextBox 36"/>
-          <p:cNvSpPr txBox="1"/>
-          <p:nvPr/>
-        </p:nvSpPr>
-        <p:spPr>
-          <a:xfrm>
-            <a:off x="151105" y="2733527"/>
-            <a:ext cx="2010040" cy="523220"/>
-          </a:xfrm>
-          <a:prstGeom prst="rect">
-            <a:avLst/>
-          </a:prstGeom>
-          <a:noFill/>
-        </p:spPr>
-        <p:txBody>
-          <a:bodyPr wrap="square" rtlCol="0">
-            <a:spAutoFit/>
-          </a:bodyPr>
-          <a:lstStyle/>
-          <a:p>
-            <a:r>
-              <a:rPr lang="en-US" sz="2800" b="1"/>
-              <a:t>0.29 mm</a:t>
+              <a:t>GND</a:t>
             </a:r>
           </a:p>
         </p:txBody>
@@ -8622,29 +8110,346 @@
                 <a:latin typeface="Helvetica Neue"/>
                 <a:cs typeface="Helvetica Neue"/>
               </a:rPr>
-              <a:t>Common Centroid Plan</a:t>
+              <a:t>Layout Floorplan</a:t>
+            </a:r>
+          </a:p>
+        </p:txBody>
+      </p:sp>
+      <p:sp>
+        <p:nvSpPr>
+          <p:cNvPr id="6" name="Rectangle 5"/>
+          <p:cNvSpPr/>
+          <p:nvPr/>
+        </p:nvSpPr>
+        <p:spPr>
+          <a:xfrm>
+            <a:off x="2135914" y="1377980"/>
+            <a:ext cx="3232873" cy="230903"/>
+          </a:xfrm>
+          <a:prstGeom prst="rect">
+            <a:avLst/>
+          </a:prstGeom>
+        </p:spPr>
+        <p:style>
+          <a:lnRef idx="1">
+            <a:schemeClr val="accent1"/>
+          </a:lnRef>
+          <a:fillRef idx="3">
+            <a:schemeClr val="accent1"/>
+          </a:fillRef>
+          <a:effectRef idx="2">
+            <a:schemeClr val="accent1"/>
+          </a:effectRef>
+          <a:fontRef idx="minor">
+            <a:schemeClr val="lt1"/>
+          </a:fontRef>
+        </p:style>
+        <p:txBody>
+          <a:bodyPr rtlCol="0" anchor="ctr"/>
+          <a:lstStyle/>
+          <a:p>
+            <a:pPr algn="ctr"/>
+            <a:r>
+              <a:rPr lang="en-US"/>
+              <a:t>VIN RAIL</a:t>
+            </a:r>
+          </a:p>
+        </p:txBody>
+      </p:sp>
+      <p:sp>
+        <p:nvSpPr>
+          <p:cNvPr id="7" name="Rectangle 6"/>
+          <p:cNvSpPr/>
+          <p:nvPr/>
+        </p:nvSpPr>
+        <p:spPr>
+          <a:xfrm>
+            <a:off x="2135914" y="5055939"/>
+            <a:ext cx="6671924" cy="247396"/>
+          </a:xfrm>
+          <a:prstGeom prst="rect">
+            <a:avLst/>
+          </a:prstGeom>
+        </p:spPr>
+        <p:style>
+          <a:lnRef idx="1">
+            <a:schemeClr val="accent1"/>
+          </a:lnRef>
+          <a:fillRef idx="3">
+            <a:schemeClr val="accent1"/>
+          </a:fillRef>
+          <a:effectRef idx="2">
+            <a:schemeClr val="accent1"/>
+          </a:effectRef>
+          <a:fontRef idx="minor">
+            <a:schemeClr val="lt1"/>
+          </a:fontRef>
+        </p:style>
+        <p:txBody>
+          <a:bodyPr rtlCol="0" anchor="ctr"/>
+          <a:lstStyle/>
+          <a:p>
+            <a:pPr algn="ctr"/>
+            <a:r>
+              <a:rPr lang="en-US"/>
+              <a:t>GND RAIL</a:t>
+            </a:r>
+          </a:p>
+        </p:txBody>
+      </p:sp>
+      <p:sp>
+        <p:nvSpPr>
+          <p:cNvPr id="8" name="Rectangle 7"/>
+          <p:cNvSpPr/>
+          <p:nvPr/>
+        </p:nvSpPr>
+        <p:spPr>
+          <a:xfrm>
+            <a:off x="5521187" y="1377980"/>
+            <a:ext cx="3286651" cy="230903"/>
+          </a:xfrm>
+          <a:prstGeom prst="rect">
+            <a:avLst/>
+          </a:prstGeom>
+        </p:spPr>
+        <p:style>
+          <a:lnRef idx="1">
+            <a:schemeClr val="accent1"/>
+          </a:lnRef>
+          <a:fillRef idx="3">
+            <a:schemeClr val="accent1"/>
+          </a:fillRef>
+          <a:effectRef idx="2">
+            <a:schemeClr val="accent1"/>
+          </a:effectRef>
+          <a:fontRef idx="minor">
+            <a:schemeClr val="lt1"/>
+          </a:fontRef>
+        </p:style>
+        <p:txBody>
+          <a:bodyPr rtlCol="0" anchor="ctr"/>
+          <a:lstStyle/>
+          <a:p>
+            <a:pPr algn="ctr"/>
+            <a:r>
+              <a:rPr lang="en-US"/>
+              <a:t>VOUT RAIL</a:t>
+            </a:r>
+          </a:p>
+        </p:txBody>
+      </p:sp>
+      <p:sp>
+        <p:nvSpPr>
+          <p:cNvPr id="9" name="Rectangle 8"/>
+          <p:cNvSpPr/>
+          <p:nvPr/>
+        </p:nvSpPr>
+        <p:spPr>
+          <a:xfrm>
+            <a:off x="2135915" y="1740835"/>
+            <a:ext cx="2366924" cy="3183144"/>
+          </a:xfrm>
+          <a:prstGeom prst="rect">
+            <a:avLst/>
+          </a:prstGeom>
+        </p:spPr>
+        <p:style>
+          <a:lnRef idx="1">
+            <a:schemeClr val="accent2"/>
+          </a:lnRef>
+          <a:fillRef idx="3">
+            <a:schemeClr val="accent2"/>
+          </a:fillRef>
+          <a:effectRef idx="2">
+            <a:schemeClr val="accent2"/>
+          </a:effectRef>
+          <a:fontRef idx="minor">
+            <a:schemeClr val="lt1"/>
+          </a:fontRef>
+        </p:style>
+        <p:txBody>
+          <a:bodyPr rtlCol="0" anchor="ctr"/>
+          <a:lstStyle/>
+          <a:p>
+            <a:pPr algn="ctr"/>
+            <a:r>
+              <a:rPr lang="en-US"/>
+              <a:t>OP AMP 1</a:t>
+            </a:r>
+          </a:p>
+        </p:txBody>
+      </p:sp>
+      <p:sp>
+        <p:nvSpPr>
+          <p:cNvPr id="10" name="Rectangle 9"/>
+          <p:cNvSpPr/>
+          <p:nvPr/>
+        </p:nvSpPr>
+        <p:spPr>
+          <a:xfrm>
+            <a:off x="4655239" y="1740835"/>
+            <a:ext cx="2366924" cy="3183144"/>
+          </a:xfrm>
+          <a:prstGeom prst="rect">
+            <a:avLst/>
+          </a:prstGeom>
+        </p:spPr>
+        <p:style>
+          <a:lnRef idx="1">
+            <a:schemeClr val="accent2"/>
+          </a:lnRef>
+          <a:fillRef idx="3">
+            <a:schemeClr val="accent2"/>
+          </a:fillRef>
+          <a:effectRef idx="2">
+            <a:schemeClr val="accent2"/>
+          </a:effectRef>
+          <a:fontRef idx="minor">
+            <a:schemeClr val="lt1"/>
+          </a:fontRef>
+        </p:style>
+        <p:txBody>
+          <a:bodyPr rtlCol="0" anchor="ctr"/>
+          <a:lstStyle/>
+          <a:p>
+            <a:pPr algn="ctr"/>
+            <a:r>
+              <a:rPr lang="en-US"/>
+              <a:t>OP AMP 2</a:t>
+            </a:r>
+          </a:p>
+        </p:txBody>
+      </p:sp>
+      <p:sp>
+        <p:nvSpPr>
+          <p:cNvPr id="11" name="Rectangle 10"/>
+          <p:cNvSpPr/>
+          <p:nvPr/>
+        </p:nvSpPr>
+        <p:spPr>
+          <a:xfrm>
+            <a:off x="7191402" y="1740835"/>
+            <a:ext cx="1616436" cy="1690526"/>
+          </a:xfrm>
+          <a:prstGeom prst="rect">
+            <a:avLst/>
+          </a:prstGeom>
+        </p:spPr>
+        <p:style>
+          <a:lnRef idx="1">
+            <a:schemeClr val="accent3"/>
+          </a:lnRef>
+          <a:fillRef idx="3">
+            <a:schemeClr val="accent3"/>
+          </a:fillRef>
+          <a:effectRef idx="2">
+            <a:schemeClr val="accent3"/>
+          </a:effectRef>
+          <a:fontRef idx="minor">
+            <a:schemeClr val="lt1"/>
+          </a:fontRef>
+        </p:style>
+        <p:txBody>
+          <a:bodyPr rtlCol="0" anchor="ctr"/>
+          <a:lstStyle/>
+          <a:p>
+            <a:pPr algn="ctr"/>
+            <a:r>
+              <a:rPr lang="en-US"/>
+              <a:t>Power </a:t>
+            </a:r>
+          </a:p>
+          <a:p>
+            <a:pPr algn="ctr"/>
+            <a:r>
+              <a:rPr lang="en-US"/>
+              <a:t>MOSFET</a:t>
+            </a:r>
+          </a:p>
+        </p:txBody>
+      </p:sp>
+      <p:sp>
+        <p:nvSpPr>
+          <p:cNvPr id="12" name="Rectangle 11"/>
+          <p:cNvSpPr/>
+          <p:nvPr/>
+        </p:nvSpPr>
+        <p:spPr>
+          <a:xfrm>
+            <a:off x="7191402" y="3612809"/>
+            <a:ext cx="1616436" cy="1311170"/>
+          </a:xfrm>
+          <a:prstGeom prst="rect">
+            <a:avLst/>
+          </a:prstGeom>
+        </p:spPr>
+        <p:style>
+          <a:lnRef idx="1">
+            <a:schemeClr val="accent4"/>
+          </a:lnRef>
+          <a:fillRef idx="3">
+            <a:schemeClr val="accent4"/>
+          </a:fillRef>
+          <a:effectRef idx="2">
+            <a:schemeClr val="accent4"/>
+          </a:effectRef>
+          <a:fontRef idx="minor">
+            <a:schemeClr val="lt1"/>
+          </a:fontRef>
+        </p:style>
+        <p:txBody>
+          <a:bodyPr rtlCol="0" anchor="ctr"/>
+          <a:lstStyle/>
+          <a:p>
+            <a:pPr algn="ctr"/>
+            <a:r>
+              <a:rPr lang="en-US"/>
+              <a:t>Common </a:t>
+            </a:r>
+          </a:p>
+          <a:p>
+            <a:pPr algn="ctr"/>
+            <a:r>
+              <a:rPr lang="en-US"/>
+              <a:t>Centroid</a:t>
+            </a:r>
+          </a:p>
+          <a:p>
+            <a:pPr algn="ctr"/>
+            <a:r>
+              <a:rPr lang="en-US"/>
+              <a:t>Precision </a:t>
+            </a:r>
+          </a:p>
+          <a:p>
+            <a:pPr algn="ctr"/>
+            <a:r>
+              <a:rPr lang="en-US"/>
+              <a:t>Resistors</a:t>
             </a:r>
           </a:p>
         </p:txBody>
       </p:sp>
       <p:cxnSp>
         <p:nvCxnSpPr>
-          <p:cNvPr id="32" name="Straight Connector 31"/>
+          <p:cNvPr id="14" name="Straight Arrow Connector 13"/>
           <p:cNvCxnSpPr/>
           <p:nvPr/>
         </p:nvCxnSpPr>
         <p:spPr>
           <a:xfrm rot="5400000">
-            <a:off x="80100" y="3187274"/>
-            <a:ext cx="4428373" cy="1588"/>
-          </a:xfrm>
-          <a:prstGeom prst="line">
+            <a:off x="436860" y="3332407"/>
+            <a:ext cx="3183144" cy="1588"/>
+          </a:xfrm>
+          <a:prstGeom prst="straightConnector1">
             <a:avLst/>
           </a:prstGeom>
           <a:ln>
             <a:solidFill>
-              <a:srgbClr val="000000"/>
+              <a:schemeClr val="tx1"/>
             </a:solidFill>
+            <a:headEnd type="arrow"/>
+            <a:tailEnd type="arrow"/>
           </a:ln>
           <a:effectLst/>
         </p:spPr>
@@ -8665,14 +8470,14 @@
       </p:cxnSp>
       <p:sp>
         <p:nvSpPr>
-          <p:cNvPr id="33" name="TextBox 32"/>
+          <p:cNvPr id="15" name="TextBox 14"/>
           <p:cNvSpPr txBox="1"/>
           <p:nvPr/>
         </p:nvSpPr>
         <p:spPr>
-          <a:xfrm>
-            <a:off x="428850" y="1352944"/>
-            <a:ext cx="1545215" cy="523220"/>
+          <a:xfrm rot="16200000">
+            <a:off x="1413263" y="3120427"/>
+            <a:ext cx="899142" cy="369332"/>
           </a:xfrm>
           <a:prstGeom prst="rect">
             <a:avLst/>
@@ -8686,135 +8491,32 @@
           <a:lstStyle/>
           <a:p>
             <a:r>
-              <a:rPr lang="en-US" sz="2800" b="1"/>
-              <a:t>Op Amps</a:t>
-            </a:r>
-          </a:p>
-        </p:txBody>
-      </p:sp>
-      <p:sp>
-        <p:nvSpPr>
-          <p:cNvPr id="36" name="TextBox 35"/>
-          <p:cNvSpPr txBox="1"/>
-          <p:nvPr/>
-        </p:nvSpPr>
-        <p:spPr>
-          <a:xfrm>
-            <a:off x="2626534" y="1091334"/>
-            <a:ext cx="1570813" cy="954107"/>
-          </a:xfrm>
-          <a:prstGeom prst="rect">
-            <a:avLst/>
-          </a:prstGeom>
-          <a:noFill/>
-        </p:spPr>
-        <p:txBody>
-          <a:bodyPr wrap="none" rtlCol="0">
-            <a:spAutoFit/>
-          </a:bodyPr>
-          <a:lstStyle/>
-          <a:p>
-            <a:r>
-              <a:rPr lang="en-US" sz="2800" b="1"/>
-              <a:t>Inverting</a:t>
-            </a:r>
-          </a:p>
-          <a:p>
-            <a:r>
-              <a:rPr lang="en-US" sz="2800" b="1"/>
-              <a:t>Amplifier</a:t>
-            </a:r>
-          </a:p>
-        </p:txBody>
-      </p:sp>
-      <p:sp>
-        <p:nvSpPr>
-          <p:cNvPr id="38" name="TextBox 37"/>
-          <p:cNvSpPr txBox="1"/>
-          <p:nvPr/>
-        </p:nvSpPr>
-        <p:spPr>
-          <a:xfrm>
-            <a:off x="4597597" y="1091334"/>
-            <a:ext cx="1862033" cy="954107"/>
-          </a:xfrm>
-          <a:prstGeom prst="rect">
-            <a:avLst/>
-          </a:prstGeom>
-          <a:noFill/>
-        </p:spPr>
-        <p:txBody>
-          <a:bodyPr wrap="none" rtlCol="0">
-            <a:spAutoFit/>
-          </a:bodyPr>
-          <a:lstStyle/>
-          <a:p>
-            <a:r>
-              <a:rPr lang="en-US" sz="2800" b="1"/>
-              <a:t>Differential</a:t>
-            </a:r>
-          </a:p>
-          <a:p>
-            <a:r>
-              <a:rPr lang="en-US" sz="2800" b="1"/>
-              <a:t>Amplifier</a:t>
-            </a:r>
-          </a:p>
-        </p:txBody>
-      </p:sp>
-      <p:sp>
-        <p:nvSpPr>
-          <p:cNvPr id="39" name="TextBox 38"/>
-          <p:cNvSpPr txBox="1"/>
-          <p:nvPr/>
-        </p:nvSpPr>
-        <p:spPr>
-          <a:xfrm>
-            <a:off x="6973052" y="1091334"/>
-            <a:ext cx="1590975" cy="954107"/>
-          </a:xfrm>
-          <a:prstGeom prst="rect">
-            <a:avLst/>
-          </a:prstGeom>
-          <a:noFill/>
-        </p:spPr>
-        <p:txBody>
-          <a:bodyPr wrap="none" rtlCol="0">
-            <a:spAutoFit/>
-          </a:bodyPr>
-          <a:lstStyle/>
-          <a:p>
-            <a:r>
-              <a:rPr lang="en-US" sz="2800" b="1"/>
-              <a:t>Feedback</a:t>
-            </a:r>
-          </a:p>
-          <a:p>
-            <a:r>
-              <a:rPr lang="en-US" sz="2800" b="1"/>
-              <a:t>Divider</a:t>
+              <a:rPr lang="en-US"/>
+              <a:t>250 μm</a:t>
             </a:r>
           </a:p>
         </p:txBody>
       </p:sp>
       <p:cxnSp>
         <p:nvCxnSpPr>
-          <p:cNvPr id="40" name="Straight Connector 39"/>
+          <p:cNvPr id="16" name="Straight Arrow Connector 15"/>
           <p:cNvCxnSpPr/>
           <p:nvPr/>
         </p:nvCxnSpPr>
         <p:spPr>
           <a:xfrm rot="5400000">
-            <a:off x="2273041" y="3187273"/>
-            <a:ext cx="4428373" cy="1588"/>
-          </a:xfrm>
-          <a:prstGeom prst="line">
+            <a:off x="1864711" y="1488628"/>
+            <a:ext cx="327441" cy="1588"/>
+          </a:xfrm>
+          <a:prstGeom prst="straightConnector1">
             <a:avLst/>
           </a:prstGeom>
           <a:ln>
             <a:solidFill>
-              <a:srgbClr val="000000"/>
+              <a:schemeClr val="tx1"/>
             </a:solidFill>
+            <a:headEnd type="arrow"/>
+            <a:tailEnd type="arrow"/>
           </a:ln>
           <a:effectLst/>
         </p:spPr>
@@ -8833,24 +8535,55 @@
           </a:fontRef>
         </p:style>
       </p:cxnSp>
+      <p:sp>
+        <p:nvSpPr>
+          <p:cNvPr id="17" name="TextBox 16"/>
+          <p:cNvSpPr txBox="1"/>
+          <p:nvPr/>
+        </p:nvSpPr>
+        <p:spPr>
+          <a:xfrm rot="16200000">
+            <a:off x="1368170" y="1386767"/>
+            <a:ext cx="899142" cy="369332"/>
+          </a:xfrm>
+          <a:prstGeom prst="rect">
+            <a:avLst/>
+          </a:prstGeom>
+          <a:noFill/>
+        </p:spPr>
+        <p:txBody>
+          <a:bodyPr wrap="square" rtlCol="0">
+            <a:spAutoFit/>
+          </a:bodyPr>
+          <a:lstStyle/>
+          <a:p>
+            <a:r>
+              <a:rPr lang="en-US"/>
+              <a:t>20 μm</a:t>
+            </a:r>
+          </a:p>
+        </p:txBody>
+      </p:sp>
       <p:cxnSp>
         <p:nvCxnSpPr>
-          <p:cNvPr id="41" name="Straight Connector 40"/>
+          <p:cNvPr id="19" name="Straight Arrow Connector 18"/>
           <p:cNvCxnSpPr/>
           <p:nvPr/>
         </p:nvCxnSpPr>
         <p:spPr>
           <a:xfrm rot="5400000">
-            <a:off x="4433787" y="3187277"/>
-            <a:ext cx="4428373" cy="1588"/>
-          </a:xfrm>
-          <a:prstGeom prst="line">
+            <a:off x="1864710" y="5200231"/>
+            <a:ext cx="327441" cy="1588"/>
+          </a:xfrm>
+          <a:prstGeom prst="straightConnector1">
             <a:avLst/>
           </a:prstGeom>
           <a:ln>
             <a:solidFill>
-              <a:srgbClr val="000000"/>
+              <a:schemeClr val="tx1"/>
             </a:solidFill>
+            <a:headEnd type="arrow"/>
+            <a:tailEnd type="arrow"/>
           </a:ln>
           <a:effectLst/>
         </p:spPr>
@@ -8871,14 +8604,14 @@
       </p:cxnSp>
       <p:sp>
         <p:nvSpPr>
-          <p:cNvPr id="42" name="TextBox 41"/>
+          <p:cNvPr id="20" name="TextBox 19"/>
           <p:cNvSpPr txBox="1"/>
           <p:nvPr/>
         </p:nvSpPr>
         <p:spPr>
-          <a:xfrm>
-            <a:off x="354633" y="3051207"/>
-            <a:ext cx="1929660" cy="923330"/>
+          <a:xfrm rot="16200000">
+            <a:off x="1368169" y="4938561"/>
+            <a:ext cx="899142" cy="369332"/>
           </a:xfrm>
           <a:prstGeom prst="rect">
             <a:avLst/>
@@ -8886,43 +8619,66 @@
           <a:noFill/>
         </p:spPr>
         <p:txBody>
-          <a:bodyPr wrap="none" rtlCol="0">
+          <a:bodyPr wrap="square" rtlCol="0">
             <a:spAutoFit/>
           </a:bodyPr>
           <a:lstStyle/>
           <a:p>
-            <a:pPr algn="ctr"/>
             <a:r>
               <a:rPr lang="en-US"/>
-              <a:t>Common centroid</a:t>
-            </a:r>
-          </a:p>
-          <a:p>
-            <a:pPr algn="ctr"/>
-            <a:r>
-              <a:rPr lang="en-US"/>
-              <a:t>already completed</a:t>
-            </a:r>
-          </a:p>
-          <a:p>
-            <a:pPr algn="ctr"/>
-            <a:r>
-              <a:rPr lang="en-US"/>
-              <a:t>in homework 4</a:t>
-            </a:r>
-          </a:p>
-        </p:txBody>
-      </p:sp>
-      <p:sp>
-        <p:nvSpPr>
-          <p:cNvPr id="43" name="TextBox 42"/>
+              <a:t>20 μm</a:t>
+            </a:r>
+          </a:p>
+        </p:txBody>
+      </p:sp>
+      <p:cxnSp>
+        <p:nvCxnSpPr>
+          <p:cNvPr id="21" name="Straight Arrow Connector 20"/>
+          <p:cNvCxnSpPr/>
+          <p:nvPr/>
+        </p:nvCxnSpPr>
+        <p:spPr>
+          <a:xfrm rot="10800000">
+            <a:off x="2135915" y="2016790"/>
+            <a:ext cx="2366926" cy="1588"/>
+          </a:xfrm>
+          <a:prstGeom prst="straightConnector1">
+            <a:avLst/>
+          </a:prstGeom>
+          <a:ln>
+            <a:solidFill>
+              <a:schemeClr val="tx1"/>
+            </a:solidFill>
+            <a:headEnd type="arrow"/>
+            <a:tailEnd type="arrow"/>
+          </a:ln>
+          <a:effectLst/>
+        </p:spPr>
+        <p:style>
+          <a:lnRef idx="2">
+            <a:schemeClr val="accent1"/>
+          </a:lnRef>
+          <a:fillRef idx="0">
+            <a:schemeClr val="accent1"/>
+          </a:fillRef>
+          <a:effectRef idx="1">
+            <a:schemeClr val="accent1"/>
+          </a:effectRef>
+          <a:fontRef idx="minor">
+            <a:schemeClr val="tx1"/>
+          </a:fontRef>
+        </p:style>
+      </p:cxnSp>
+      <p:sp>
+        <p:nvSpPr>
+          <p:cNvPr id="22" name="TextBox 21"/>
           <p:cNvSpPr txBox="1"/>
           <p:nvPr/>
         </p:nvSpPr>
         <p:spPr>
           <a:xfrm>
-            <a:off x="2816478" y="2506938"/>
-            <a:ext cx="1380869" cy="2031325"/>
+            <a:off x="2821639" y="1676529"/>
+            <a:ext cx="899142" cy="369332"/>
           </a:xfrm>
           <a:prstGeom prst="rect">
             <a:avLst/>
@@ -8930,68 +8686,66 @@
           <a:noFill/>
         </p:spPr>
         <p:txBody>
-          <a:bodyPr wrap="none" rtlCol="0">
+          <a:bodyPr wrap="square" rtlCol="0">
             <a:spAutoFit/>
           </a:bodyPr>
           <a:lstStyle/>
           <a:p>
-            <a:pPr algn="ctr"/>
             <a:r>
               <a:rPr lang="en-US"/>
-              <a:t>R1: 1 kΩ</a:t>
-            </a:r>
-          </a:p>
-          <a:p>
-            <a:pPr algn="ctr"/>
-            <a:r>
-              <a:rPr lang="en-US"/>
-              <a:t>R2: 1.9 kΩ</a:t>
-            </a:r>
-          </a:p>
-          <a:p>
-            <a:pPr algn="ctr"/>
-            <a:endParaRPr lang="en-US"/>
-          </a:p>
-          <a:p>
-            <a:pPr algn="ctr"/>
-            <a:r>
-              <a:rPr lang="en-US"/>
-              <a:t>Unit Resistor</a:t>
-            </a:r>
-          </a:p>
-          <a:p>
-            <a:pPr algn="ctr"/>
-            <a:r>
-              <a:rPr lang="en-US"/>
-              <a:t>for common</a:t>
-            </a:r>
-          </a:p>
-          <a:p>
-            <a:pPr algn="ctr"/>
-            <a:r>
-              <a:rPr lang="en-US"/>
-              <a:t>centroid:</a:t>
-            </a:r>
-          </a:p>
-          <a:p>
-            <a:pPr algn="ctr"/>
-            <a:r>
-              <a:rPr lang="en-US"/>
-              <a:t>0.1 kΩ</a:t>
-            </a:r>
-          </a:p>
-        </p:txBody>
-      </p:sp>
-      <p:sp>
-        <p:nvSpPr>
-          <p:cNvPr id="44" name="TextBox 43"/>
+              <a:t>200 μm</a:t>
+            </a:r>
+          </a:p>
+        </p:txBody>
+      </p:sp>
+      <p:cxnSp>
+        <p:nvCxnSpPr>
+          <p:cNvPr id="25" name="Straight Arrow Connector 24"/>
+          <p:cNvCxnSpPr/>
+          <p:nvPr/>
+        </p:nvCxnSpPr>
+        <p:spPr>
+          <a:xfrm rot="10800000">
+            <a:off x="4655241" y="2018378"/>
+            <a:ext cx="2366926" cy="1588"/>
+          </a:xfrm>
+          <a:prstGeom prst="straightConnector1">
+            <a:avLst/>
+          </a:prstGeom>
+          <a:ln>
+            <a:solidFill>
+              <a:schemeClr val="tx1"/>
+            </a:solidFill>
+            <a:headEnd type="arrow"/>
+            <a:tailEnd type="arrow"/>
+          </a:ln>
+          <a:effectLst/>
+        </p:spPr>
+        <p:style>
+          <a:lnRef idx="2">
+            <a:schemeClr val="accent1"/>
+          </a:lnRef>
+          <a:fillRef idx="0">
+            <a:schemeClr val="accent1"/>
+          </a:fillRef>
+          <a:effectRef idx="1">
+            <a:schemeClr val="accent1"/>
+          </a:effectRef>
+          <a:fontRef idx="minor">
+            <a:schemeClr val="tx1"/>
+          </a:fontRef>
+        </p:style>
+      </p:cxnSp>
+      <p:sp>
+        <p:nvSpPr>
+          <p:cNvPr id="26" name="TextBox 25"/>
           <p:cNvSpPr txBox="1"/>
           <p:nvPr/>
         </p:nvSpPr>
         <p:spPr>
           <a:xfrm>
-            <a:off x="4873965" y="2506938"/>
-            <a:ext cx="1380869" cy="2585323"/>
+            <a:off x="5340965" y="1678117"/>
+            <a:ext cx="899142" cy="369332"/>
           </a:xfrm>
           <a:prstGeom prst="rect">
             <a:avLst/>
@@ -8999,82 +8753,66 @@
           <a:noFill/>
         </p:spPr>
         <p:txBody>
-          <a:bodyPr wrap="none" rtlCol="0">
+          <a:bodyPr wrap="square" rtlCol="0">
             <a:spAutoFit/>
           </a:bodyPr>
           <a:lstStyle/>
           <a:p>
-            <a:pPr algn="ctr"/>
             <a:r>
               <a:rPr lang="en-US"/>
-              <a:t>R1: 10 kΩ</a:t>
-            </a:r>
-          </a:p>
-          <a:p>
-            <a:pPr algn="ctr"/>
-            <a:r>
-              <a:rPr lang="en-US"/>
-              <a:t>R2: 10 kΩ</a:t>
-            </a:r>
-          </a:p>
-          <a:p>
-            <a:pPr algn="ctr"/>
-            <a:r>
-              <a:rPr lang="en-US"/>
-              <a:t>R3: 10 kΩ</a:t>
-            </a:r>
-          </a:p>
-          <a:p>
-            <a:pPr algn="ctr"/>
-            <a:r>
-              <a:rPr lang="en-US"/>
-              <a:t>R4: 10 kΩ</a:t>
-            </a:r>
-          </a:p>
-          <a:p>
-            <a:pPr algn="ctr"/>
-            <a:endParaRPr lang="en-US"/>
-          </a:p>
-          <a:p>
-            <a:pPr algn="ctr"/>
-            <a:r>
-              <a:rPr lang="en-US"/>
-              <a:t>Unit Resistor</a:t>
-            </a:r>
-          </a:p>
-          <a:p>
-            <a:pPr algn="ctr"/>
-            <a:r>
-              <a:rPr lang="en-US"/>
-              <a:t>for common</a:t>
-            </a:r>
-          </a:p>
-          <a:p>
-            <a:pPr algn="ctr"/>
-            <a:r>
-              <a:rPr lang="en-US"/>
-              <a:t>centroid:</a:t>
-            </a:r>
-          </a:p>
-          <a:p>
-            <a:pPr algn="ctr"/>
-            <a:r>
-              <a:rPr lang="en-US"/>
-              <a:t>5 kΩ</a:t>
-            </a:r>
-          </a:p>
-        </p:txBody>
-      </p:sp>
-      <p:sp>
-        <p:nvSpPr>
-          <p:cNvPr id="45" name="TextBox 44"/>
+              <a:t>200 μm</a:t>
+            </a:r>
+          </a:p>
+        </p:txBody>
+      </p:sp>
+      <p:cxnSp>
+        <p:nvCxnSpPr>
+          <p:cNvPr id="27" name="Straight Arrow Connector 26"/>
+          <p:cNvCxnSpPr/>
+          <p:nvPr/>
+        </p:nvCxnSpPr>
+        <p:spPr>
+          <a:xfrm rot="10800000">
+            <a:off x="7191402" y="2016790"/>
+            <a:ext cx="1616436" cy="4765"/>
+          </a:xfrm>
+          <a:prstGeom prst="straightConnector1">
+            <a:avLst/>
+          </a:prstGeom>
+          <a:ln>
+            <a:solidFill>
+              <a:schemeClr val="tx1"/>
+            </a:solidFill>
+            <a:headEnd type="arrow"/>
+            <a:tailEnd type="arrow"/>
+          </a:ln>
+          <a:effectLst/>
+        </p:spPr>
+        <p:style>
+          <a:lnRef idx="2">
+            <a:schemeClr val="accent1"/>
+          </a:lnRef>
+          <a:fillRef idx="0">
+            <a:schemeClr val="accent1"/>
+          </a:fillRef>
+          <a:effectRef idx="1">
+            <a:schemeClr val="accent1"/>
+          </a:effectRef>
+          <a:fontRef idx="minor">
+            <a:schemeClr val="tx1"/>
+          </a:fontRef>
+        </p:style>
+      </p:cxnSp>
+      <p:sp>
+        <p:nvSpPr>
+          <p:cNvPr id="28" name="TextBox 27"/>
           <p:cNvSpPr txBox="1"/>
           <p:nvPr/>
         </p:nvSpPr>
         <p:spPr>
           <a:xfrm>
-            <a:off x="7067700" y="2506938"/>
-            <a:ext cx="1380869" cy="2031325"/>
+            <a:off x="7576207" y="1679705"/>
+            <a:ext cx="899142" cy="369332"/>
           </a:xfrm>
           <a:prstGeom prst="rect">
             <a:avLst/>
@@ -9082,58 +8820,152 @@
           <a:noFill/>
         </p:spPr>
         <p:txBody>
-          <a:bodyPr wrap="none" rtlCol="0">
+          <a:bodyPr wrap="square" rtlCol="0">
             <a:spAutoFit/>
           </a:bodyPr>
           <a:lstStyle/>
           <a:p>
-            <a:pPr algn="ctr"/>
             <a:r>
               <a:rPr lang="en-US"/>
-              <a:t>R1: 20 kΩ</a:t>
-            </a:r>
-          </a:p>
-          <a:p>
-            <a:pPr algn="ctr"/>
-            <a:r>
-              <a:rPr lang="en-US"/>
-              <a:t>R2: 20 kΩ</a:t>
-            </a:r>
-          </a:p>
-          <a:p>
-            <a:pPr algn="ctr"/>
-            <a:endParaRPr lang="en-US"/>
-          </a:p>
-          <a:p>
-            <a:pPr algn="ctr"/>
-            <a:r>
-              <a:rPr lang="en-US"/>
-              <a:t>Unit Resistor</a:t>
-            </a:r>
-          </a:p>
-          <a:p>
-            <a:pPr algn="ctr"/>
-            <a:r>
-              <a:rPr lang="en-US"/>
-              <a:t>for common</a:t>
-            </a:r>
-          </a:p>
-          <a:p>
-            <a:pPr algn="ctr"/>
-            <a:r>
-              <a:rPr lang="en-US"/>
-              <a:t>centroid:</a:t>
-            </a:r>
-          </a:p>
-          <a:p>
-            <a:pPr algn="ctr"/>
-            <a:r>
-              <a:rPr lang="en-US"/>
-              <a:t>10</a:t>
-            </a:r>
-            <a:r>
-              <a:rPr lang="en-US"/>
-              <a:t> kΩ</a:t>
+              <a:t>70 μm</a:t>
+            </a:r>
+          </a:p>
+        </p:txBody>
+      </p:sp>
+      <p:cxnSp>
+        <p:nvCxnSpPr>
+          <p:cNvPr id="30" name="Straight Arrow Connector 29"/>
+          <p:cNvCxnSpPr/>
+          <p:nvPr/>
+        </p:nvCxnSpPr>
+        <p:spPr>
+          <a:xfrm rot="10800000">
+            <a:off x="2135914" y="1187288"/>
+            <a:ext cx="6671926" cy="29073"/>
+          </a:xfrm>
+          <a:prstGeom prst="straightConnector1">
+            <a:avLst/>
+          </a:prstGeom>
+          <a:ln w="76200" cap="flat" cmpd="sng" algn="ctr">
+            <a:solidFill>
+              <a:schemeClr val="tx1"/>
+            </a:solidFill>
+            <a:prstDash val="solid"/>
+            <a:round/>
+            <a:headEnd type="arrow" w="med" len="med"/>
+            <a:tailEnd type="arrow" w="med" len="med"/>
+          </a:ln>
+          <a:effectLst/>
+        </p:spPr>
+        <p:style>
+          <a:lnRef idx="2">
+            <a:schemeClr val="accent1"/>
+          </a:lnRef>
+          <a:fillRef idx="0">
+            <a:schemeClr val="accent1"/>
+          </a:fillRef>
+          <a:effectRef idx="1">
+            <a:schemeClr val="accent1"/>
+          </a:effectRef>
+          <a:fontRef idx="minor">
+            <a:schemeClr val="tx1"/>
+          </a:fontRef>
+        </p:style>
+      </p:cxnSp>
+      <p:sp>
+        <p:nvSpPr>
+          <p:cNvPr id="31" name="TextBox 30"/>
+          <p:cNvSpPr txBox="1"/>
+          <p:nvPr/>
+        </p:nvSpPr>
+        <p:spPr>
+          <a:xfrm>
+            <a:off x="4516167" y="737683"/>
+            <a:ext cx="2010040" cy="523220"/>
+          </a:xfrm>
+          <a:prstGeom prst="rect">
+            <a:avLst/>
+          </a:prstGeom>
+          <a:noFill/>
+        </p:spPr>
+        <p:txBody>
+          <a:bodyPr wrap="square" rtlCol="0">
+            <a:spAutoFit/>
+          </a:bodyPr>
+          <a:lstStyle/>
+          <a:p>
+            <a:r>
+              <a:rPr lang="en-US" sz="2800" b="1"/>
+              <a:t>0.47 mm</a:t>
+            </a:r>
+          </a:p>
+        </p:txBody>
+      </p:sp>
+      <p:cxnSp>
+        <p:nvCxnSpPr>
+          <p:cNvPr id="34" name="Straight Arrow Connector 33"/>
+          <p:cNvCxnSpPr/>
+          <p:nvPr/>
+        </p:nvCxnSpPr>
+        <p:spPr>
+          <a:xfrm rot="5400000" flipH="1" flipV="1">
+            <a:off x="-389177" y="3340659"/>
+            <a:ext cx="3925355" cy="1588"/>
+          </a:xfrm>
+          <a:prstGeom prst="straightConnector1">
+            <a:avLst/>
+          </a:prstGeom>
+          <a:ln w="76200" cap="flat" cmpd="sng" algn="ctr">
+            <a:solidFill>
+              <a:schemeClr val="tx1"/>
+            </a:solidFill>
+            <a:prstDash val="solid"/>
+            <a:round/>
+            <a:headEnd type="arrow" w="med" len="med"/>
+            <a:tailEnd type="arrow" w="med" len="med"/>
+          </a:ln>
+          <a:effectLst/>
+        </p:spPr>
+        <p:style>
+          <a:lnRef idx="2">
+            <a:schemeClr val="accent1"/>
+          </a:lnRef>
+          <a:fillRef idx="0">
+            <a:schemeClr val="accent1"/>
+          </a:fillRef>
+          <a:effectRef idx="1">
+            <a:schemeClr val="accent1"/>
+          </a:effectRef>
+          <a:fontRef idx="minor">
+            <a:schemeClr val="tx1"/>
+          </a:fontRef>
+        </p:style>
+      </p:cxnSp>
+      <p:sp>
+        <p:nvSpPr>
+          <p:cNvPr id="37" name="TextBox 36"/>
+          <p:cNvSpPr txBox="1"/>
+          <p:nvPr/>
+        </p:nvSpPr>
+        <p:spPr>
+          <a:xfrm>
+            <a:off x="151105" y="2733527"/>
+            <a:ext cx="2010040" cy="523220"/>
+          </a:xfrm>
+          <a:prstGeom prst="rect">
+            <a:avLst/>
+          </a:prstGeom>
+          <a:noFill/>
+        </p:spPr>
+        <p:txBody>
+          <a:bodyPr wrap="square" rtlCol="0">
+            <a:spAutoFit/>
+          </a:bodyPr>
+          <a:lstStyle/>
+          <a:p>
+            <a:r>
+              <a:rPr lang="en-US" sz="2800" b="1"/>
+              <a:t>0.29 mm</a:t>
             </a:r>
           </a:p>
         </p:txBody>
@@ -9172,7 +9004,7 @@
       </p:grpSpPr>
       <p:pic>
         <p:nvPicPr>
-          <p:cNvPr id="6" name="Picture 5" descr="Screen Shot 2013-05-02 at 1.38.57 PM.png"/>
+          <p:cNvPr id="4" name="Picture 3" descr="layout.png"/>
           <p:cNvPicPr>
             <a:picLocks noChangeAspect="1"/>
           </p:cNvPicPr>
@@ -9186,81 +9018,77 @@
         </p:blipFill>
         <p:spPr>
           <a:xfrm>
-            <a:off x="2157504" y="115408"/>
-            <a:ext cx="3887639" cy="2103105"/>
+            <a:off x="0" y="0"/>
+            <a:ext cx="9144000" cy="6858000"/>
           </a:xfrm>
           <a:prstGeom prst="rect">
             <a:avLst/>
           </a:prstGeom>
         </p:spPr>
       </p:pic>
-      <p:pic>
-        <p:nvPicPr>
-          <p:cNvPr id="7" name="Picture 6" descr="Screen Shot 2013-05-02 at 1.39.12 PM.png"/>
-          <p:cNvPicPr>
-            <a:picLocks noChangeAspect="1"/>
-          </p:cNvPicPr>
-          <p:nvPr/>
-        </p:nvPicPr>
-        <p:blipFill>
-          <a:blip r:embed="rId3"/>
-          <a:stretch>
-            <a:fillRect/>
-          </a:stretch>
-        </p:blipFill>
-        <p:spPr>
-          <a:xfrm>
-            <a:off x="2157504" y="2270125"/>
-            <a:ext cx="3887639" cy="1950569"/>
+      <p:sp>
+        <p:nvSpPr>
+          <p:cNvPr id="5" name="TextBox 4"/>
+          <p:cNvSpPr txBox="1"/>
+          <p:nvPr/>
+        </p:nvSpPr>
+        <p:spPr>
+          <a:xfrm>
+            <a:off x="-1" y="0"/>
+            <a:ext cx="9144001" cy="646331"/>
           </a:xfrm>
           <a:prstGeom prst="rect">
             <a:avLst/>
           </a:prstGeom>
-        </p:spPr>
-      </p:pic>
-      <p:pic>
-        <p:nvPicPr>
-          <p:cNvPr id="8" name="Picture 7" descr="Screen Shot 2013-05-02 at 1.39.25 PM.png"/>
-          <p:cNvPicPr>
-            <a:picLocks noChangeAspect="1"/>
-          </p:cNvPicPr>
-          <p:nvPr/>
-        </p:nvPicPr>
-        <p:blipFill>
-          <a:blip r:embed="rId4"/>
-          <a:stretch>
-            <a:fillRect/>
-          </a:stretch>
-        </p:blipFill>
-        <p:spPr>
-          <a:xfrm>
-            <a:off x="2157504" y="4356823"/>
-            <a:ext cx="3887639" cy="1950569"/>
-          </a:xfrm>
-          <a:prstGeom prst="rect">
-            <a:avLst/>
-          </a:prstGeom>
-        </p:spPr>
-      </p:pic>
+          <a:noFill/>
+        </p:spPr>
+        <p:txBody>
+          <a:bodyPr wrap="square" rtlCol="0">
+            <a:spAutoFit/>
+          </a:bodyPr>
+          <a:lstStyle/>
+          <a:p>
+            <a:pPr algn="ctr"/>
+            <a:r>
+              <a:rPr lang="en-US" sz="3600" b="1">
+                <a:solidFill>
+                  <a:schemeClr val="bg1"/>
+                </a:solidFill>
+                <a:effectLst>
+                  <a:outerShdw blurRad="50800" dist="38100" dir="2700000">
+                    <a:srgbClr val="000000">
+                      <a:alpha val="43000"/>
+                    </a:srgbClr>
+                  </a:outerShdw>
+                </a:effectLst>
+                <a:latin typeface="Helvetica Neue"/>
+                <a:cs typeface="Helvetica Neue"/>
+              </a:rPr>
+              <a:t>Common Centroid Plan</a:t>
+            </a:r>
+          </a:p>
+        </p:txBody>
+      </p:sp>
       <p:cxnSp>
         <p:nvCxnSpPr>
-          <p:cNvPr id="10" name="Straight Connector 9"/>
+          <p:cNvPr id="32" name="Straight Connector 31"/>
           <p:cNvCxnSpPr/>
           <p:nvPr/>
         </p:nvCxnSpPr>
         <p:spPr>
-          <a:xfrm>
-            <a:off x="3463797" y="2622392"/>
-            <a:ext cx="1088613" cy="1088533"/>
+          <a:xfrm rot="5400000">
+            <a:off x="80100" y="3187274"/>
+            <a:ext cx="4428373" cy="1588"/>
           </a:xfrm>
           <a:prstGeom prst="line">
             <a:avLst/>
           </a:prstGeom>
           <a:ln>
             <a:solidFill>
-              <a:srgbClr val="FF0000"/>
+              <a:srgbClr val="000000"/>
             </a:solidFill>
           </a:ln>
+          <a:effectLst/>
         </p:spPr>
         <p:style>
           <a:lnRef idx="2">
@@ -9277,11 +9105,489 @@
           </a:fontRef>
         </p:style>
       </p:cxnSp>
+      <p:sp>
+        <p:nvSpPr>
+          <p:cNvPr id="33" name="TextBox 32"/>
+          <p:cNvSpPr txBox="1"/>
+          <p:nvPr/>
+        </p:nvSpPr>
+        <p:spPr>
+          <a:xfrm>
+            <a:off x="428850" y="1352944"/>
+            <a:ext cx="1545215" cy="523220"/>
+          </a:xfrm>
+          <a:prstGeom prst="rect">
+            <a:avLst/>
+          </a:prstGeom>
+          <a:noFill/>
+        </p:spPr>
+        <p:txBody>
+          <a:bodyPr wrap="none" rtlCol="0">
+            <a:spAutoFit/>
+          </a:bodyPr>
+          <a:lstStyle/>
+          <a:p>
+            <a:r>
+              <a:rPr lang="en-US" sz="2800" b="1"/>
+              <a:t>Op Amps</a:t>
+            </a:r>
+          </a:p>
+        </p:txBody>
+      </p:sp>
+      <p:sp>
+        <p:nvSpPr>
+          <p:cNvPr id="36" name="TextBox 35"/>
+          <p:cNvSpPr txBox="1"/>
+          <p:nvPr/>
+        </p:nvSpPr>
+        <p:spPr>
+          <a:xfrm>
+            <a:off x="2626534" y="1091334"/>
+            <a:ext cx="1570813" cy="954107"/>
+          </a:xfrm>
+          <a:prstGeom prst="rect">
+            <a:avLst/>
+          </a:prstGeom>
+          <a:noFill/>
+        </p:spPr>
+        <p:txBody>
+          <a:bodyPr wrap="none" rtlCol="0">
+            <a:spAutoFit/>
+          </a:bodyPr>
+          <a:lstStyle/>
+          <a:p>
+            <a:r>
+              <a:rPr lang="en-US" sz="2800" b="1"/>
+              <a:t>Inverting</a:t>
+            </a:r>
+          </a:p>
+          <a:p>
+            <a:r>
+              <a:rPr lang="en-US" sz="2800" b="1"/>
+              <a:t>Amplifier</a:t>
+            </a:r>
+          </a:p>
+        </p:txBody>
+      </p:sp>
+      <p:sp>
+        <p:nvSpPr>
+          <p:cNvPr id="38" name="TextBox 37"/>
+          <p:cNvSpPr txBox="1"/>
+          <p:nvPr/>
+        </p:nvSpPr>
+        <p:spPr>
+          <a:xfrm>
+            <a:off x="4597597" y="1091334"/>
+            <a:ext cx="1862033" cy="954107"/>
+          </a:xfrm>
+          <a:prstGeom prst="rect">
+            <a:avLst/>
+          </a:prstGeom>
+          <a:noFill/>
+        </p:spPr>
+        <p:txBody>
+          <a:bodyPr wrap="none" rtlCol="0">
+            <a:spAutoFit/>
+          </a:bodyPr>
+          <a:lstStyle/>
+          <a:p>
+            <a:r>
+              <a:rPr lang="en-US" sz="2800" b="1"/>
+              <a:t>Differential</a:t>
+            </a:r>
+          </a:p>
+          <a:p>
+            <a:r>
+              <a:rPr lang="en-US" sz="2800" b="1"/>
+              <a:t>Amplifier</a:t>
+            </a:r>
+          </a:p>
+        </p:txBody>
+      </p:sp>
+      <p:sp>
+        <p:nvSpPr>
+          <p:cNvPr id="39" name="TextBox 38"/>
+          <p:cNvSpPr txBox="1"/>
+          <p:nvPr/>
+        </p:nvSpPr>
+        <p:spPr>
+          <a:xfrm>
+            <a:off x="6973052" y="1091334"/>
+            <a:ext cx="1590975" cy="954107"/>
+          </a:xfrm>
+          <a:prstGeom prst="rect">
+            <a:avLst/>
+          </a:prstGeom>
+          <a:noFill/>
+        </p:spPr>
+        <p:txBody>
+          <a:bodyPr wrap="none" rtlCol="0">
+            <a:spAutoFit/>
+          </a:bodyPr>
+          <a:lstStyle/>
+          <a:p>
+            <a:r>
+              <a:rPr lang="en-US" sz="2800" b="1"/>
+              <a:t>Feedback</a:t>
+            </a:r>
+          </a:p>
+          <a:p>
+            <a:r>
+              <a:rPr lang="en-US" sz="2800" b="1"/>
+              <a:t>Divider</a:t>
+            </a:r>
+          </a:p>
+        </p:txBody>
+      </p:sp>
+      <p:cxnSp>
+        <p:nvCxnSpPr>
+          <p:cNvPr id="40" name="Straight Connector 39"/>
+          <p:cNvCxnSpPr/>
+          <p:nvPr/>
+        </p:nvCxnSpPr>
+        <p:spPr>
+          <a:xfrm rot="5400000">
+            <a:off x="2273041" y="3187273"/>
+            <a:ext cx="4428373" cy="1588"/>
+          </a:xfrm>
+          <a:prstGeom prst="line">
+            <a:avLst/>
+          </a:prstGeom>
+          <a:ln>
+            <a:solidFill>
+              <a:srgbClr val="000000"/>
+            </a:solidFill>
+          </a:ln>
+          <a:effectLst/>
+        </p:spPr>
+        <p:style>
+          <a:lnRef idx="2">
+            <a:schemeClr val="accent1"/>
+          </a:lnRef>
+          <a:fillRef idx="0">
+            <a:schemeClr val="accent1"/>
+          </a:fillRef>
+          <a:effectRef idx="1">
+            <a:schemeClr val="accent1"/>
+          </a:effectRef>
+          <a:fontRef idx="minor">
+            <a:schemeClr val="tx1"/>
+          </a:fontRef>
+        </p:style>
+      </p:cxnSp>
+      <p:cxnSp>
+        <p:nvCxnSpPr>
+          <p:cNvPr id="41" name="Straight Connector 40"/>
+          <p:cNvCxnSpPr/>
+          <p:nvPr/>
+        </p:nvCxnSpPr>
+        <p:spPr>
+          <a:xfrm rot="5400000">
+            <a:off x="4433787" y="3187277"/>
+            <a:ext cx="4428373" cy="1588"/>
+          </a:xfrm>
+          <a:prstGeom prst="line">
+            <a:avLst/>
+          </a:prstGeom>
+          <a:ln>
+            <a:solidFill>
+              <a:srgbClr val="000000"/>
+            </a:solidFill>
+          </a:ln>
+          <a:effectLst/>
+        </p:spPr>
+        <p:style>
+          <a:lnRef idx="2">
+            <a:schemeClr val="accent1"/>
+          </a:lnRef>
+          <a:fillRef idx="0">
+            <a:schemeClr val="accent1"/>
+          </a:fillRef>
+          <a:effectRef idx="1">
+            <a:schemeClr val="accent1"/>
+          </a:effectRef>
+          <a:fontRef idx="minor">
+            <a:schemeClr val="tx1"/>
+          </a:fontRef>
+        </p:style>
+      </p:cxnSp>
+      <p:sp>
+        <p:nvSpPr>
+          <p:cNvPr id="42" name="TextBox 41"/>
+          <p:cNvSpPr txBox="1"/>
+          <p:nvPr/>
+        </p:nvSpPr>
+        <p:spPr>
+          <a:xfrm>
+            <a:off x="354633" y="3051207"/>
+            <a:ext cx="1929660" cy="923330"/>
+          </a:xfrm>
+          <a:prstGeom prst="rect">
+            <a:avLst/>
+          </a:prstGeom>
+          <a:noFill/>
+        </p:spPr>
+        <p:txBody>
+          <a:bodyPr wrap="none" rtlCol="0">
+            <a:spAutoFit/>
+          </a:bodyPr>
+          <a:lstStyle/>
+          <a:p>
+            <a:pPr algn="ctr"/>
+            <a:r>
+              <a:rPr lang="en-US"/>
+              <a:t>Common centroid</a:t>
+            </a:r>
+          </a:p>
+          <a:p>
+            <a:pPr algn="ctr"/>
+            <a:r>
+              <a:rPr lang="en-US"/>
+              <a:t>already completed</a:t>
+            </a:r>
+          </a:p>
+          <a:p>
+            <a:pPr algn="ctr"/>
+            <a:r>
+              <a:rPr lang="en-US"/>
+              <a:t>in homework 4</a:t>
+            </a:r>
+          </a:p>
+        </p:txBody>
+      </p:sp>
+      <p:sp>
+        <p:nvSpPr>
+          <p:cNvPr id="43" name="TextBox 42"/>
+          <p:cNvSpPr txBox="1"/>
+          <p:nvPr/>
+        </p:nvSpPr>
+        <p:spPr>
+          <a:xfrm>
+            <a:off x="2816478" y="2506938"/>
+            <a:ext cx="1380869" cy="2031325"/>
+          </a:xfrm>
+          <a:prstGeom prst="rect">
+            <a:avLst/>
+          </a:prstGeom>
+          <a:noFill/>
+        </p:spPr>
+        <p:txBody>
+          <a:bodyPr wrap="none" rtlCol="0">
+            <a:spAutoFit/>
+          </a:bodyPr>
+          <a:lstStyle/>
+          <a:p>
+            <a:pPr algn="ctr"/>
+            <a:r>
+              <a:rPr lang="en-US"/>
+              <a:t>R1: 1 kΩ</a:t>
+            </a:r>
+          </a:p>
+          <a:p>
+            <a:pPr algn="ctr"/>
+            <a:r>
+              <a:rPr lang="en-US"/>
+              <a:t>R2: 2 kΩ</a:t>
+            </a:r>
+          </a:p>
+          <a:p>
+            <a:pPr algn="ctr"/>
+            <a:endParaRPr lang="en-US"/>
+          </a:p>
+          <a:p>
+            <a:pPr algn="ctr"/>
+            <a:r>
+              <a:rPr lang="en-US"/>
+              <a:t>Unit Resistor</a:t>
+            </a:r>
+          </a:p>
+          <a:p>
+            <a:pPr algn="ctr"/>
+            <a:r>
+              <a:rPr lang="en-US"/>
+              <a:t>for common</a:t>
+            </a:r>
+          </a:p>
+          <a:p>
+            <a:pPr algn="ctr"/>
+            <a:r>
+              <a:rPr lang="en-US"/>
+              <a:t>centroid:</a:t>
+            </a:r>
+          </a:p>
+          <a:p>
+            <a:pPr algn="ctr"/>
+            <a:r>
+              <a:rPr lang="en-US"/>
+              <a:t>1 kΩ</a:t>
+            </a:r>
+          </a:p>
+        </p:txBody>
+      </p:sp>
+      <p:sp>
+        <p:nvSpPr>
+          <p:cNvPr id="44" name="TextBox 43"/>
+          <p:cNvSpPr txBox="1"/>
+          <p:nvPr/>
+        </p:nvSpPr>
+        <p:spPr>
+          <a:xfrm>
+            <a:off x="4873965" y="2506938"/>
+            <a:ext cx="1380869" cy="2585323"/>
+          </a:xfrm>
+          <a:prstGeom prst="rect">
+            <a:avLst/>
+          </a:prstGeom>
+          <a:noFill/>
+        </p:spPr>
+        <p:txBody>
+          <a:bodyPr wrap="none" rtlCol="0">
+            <a:spAutoFit/>
+          </a:bodyPr>
+          <a:lstStyle/>
+          <a:p>
+            <a:pPr algn="ctr"/>
+            <a:r>
+              <a:rPr lang="en-US"/>
+              <a:t>R1: 10 kΩ</a:t>
+            </a:r>
+          </a:p>
+          <a:p>
+            <a:pPr algn="ctr"/>
+            <a:r>
+              <a:rPr lang="en-US"/>
+              <a:t>R2: 10 kΩ</a:t>
+            </a:r>
+          </a:p>
+          <a:p>
+            <a:pPr algn="ctr"/>
+            <a:r>
+              <a:rPr lang="en-US"/>
+              <a:t>R3: 10 kΩ</a:t>
+            </a:r>
+          </a:p>
+          <a:p>
+            <a:pPr algn="ctr"/>
+            <a:r>
+              <a:rPr lang="en-US"/>
+              <a:t>R4: 10 kΩ</a:t>
+            </a:r>
+          </a:p>
+          <a:p>
+            <a:pPr algn="ctr"/>
+            <a:endParaRPr lang="en-US"/>
+          </a:p>
+          <a:p>
+            <a:pPr algn="ctr"/>
+            <a:r>
+              <a:rPr lang="en-US"/>
+              <a:t>Unit Resistor</a:t>
+            </a:r>
+          </a:p>
+          <a:p>
+            <a:pPr algn="ctr"/>
+            <a:r>
+              <a:rPr lang="en-US"/>
+              <a:t>for common</a:t>
+            </a:r>
+          </a:p>
+          <a:p>
+            <a:pPr algn="ctr"/>
+            <a:r>
+              <a:rPr lang="en-US"/>
+              <a:t>centroid:</a:t>
+            </a:r>
+          </a:p>
+          <a:p>
+            <a:pPr algn="ctr"/>
+            <a:r>
+              <a:rPr lang="en-US"/>
+              <a:t>5 kΩ</a:t>
+            </a:r>
+          </a:p>
+        </p:txBody>
+      </p:sp>
+      <p:sp>
+        <p:nvSpPr>
+          <p:cNvPr id="45" name="TextBox 44"/>
+          <p:cNvSpPr txBox="1"/>
+          <p:nvPr/>
+        </p:nvSpPr>
+        <p:spPr>
+          <a:xfrm>
+            <a:off x="7067700" y="2506938"/>
+            <a:ext cx="1380869" cy="2031325"/>
+          </a:xfrm>
+          <a:prstGeom prst="rect">
+            <a:avLst/>
+          </a:prstGeom>
+          <a:noFill/>
+        </p:spPr>
+        <p:txBody>
+          <a:bodyPr wrap="none" rtlCol="0">
+            <a:spAutoFit/>
+          </a:bodyPr>
+          <a:lstStyle/>
+          <a:p>
+            <a:pPr algn="ctr"/>
+            <a:r>
+              <a:rPr lang="en-US"/>
+              <a:t>R1: 20 kΩ</a:t>
+            </a:r>
+          </a:p>
+          <a:p>
+            <a:pPr algn="ctr"/>
+            <a:r>
+              <a:rPr lang="en-US"/>
+              <a:t>R2: 20 kΩ</a:t>
+            </a:r>
+          </a:p>
+          <a:p>
+            <a:pPr algn="ctr"/>
+            <a:endParaRPr lang="en-US"/>
+          </a:p>
+          <a:p>
+            <a:pPr algn="ctr"/>
+            <a:r>
+              <a:rPr lang="en-US"/>
+              <a:t>Unit Resistor</a:t>
+            </a:r>
+          </a:p>
+          <a:p>
+            <a:pPr algn="ctr"/>
+            <a:r>
+              <a:rPr lang="en-US"/>
+              <a:t>for common</a:t>
+            </a:r>
+          </a:p>
+          <a:p>
+            <a:pPr algn="ctr"/>
+            <a:r>
+              <a:rPr lang="en-US"/>
+              <a:t>centroid:</a:t>
+            </a:r>
+          </a:p>
+          <a:p>
+            <a:pPr algn="ctr"/>
+            <a:r>
+              <a:rPr lang="en-US"/>
+              <a:t>10 kΩ</a:t>
+            </a:r>
+          </a:p>
+        </p:txBody>
+      </p:sp>
     </p:spTree>
   </p:cSld>
   <p:clrMapOvr>
     <a:masterClrMapping/>
   </p:clrMapOvr>
+  <p:timing>
+    <p:tnLst>
+      <p:par>
+        <p:cTn id="1" dur="indefinite" restart="never" nodeType="tmRoot"/>
+      </p:par>
+    </p:tnLst>
+  </p:timing>
 </p:sld>
 </file>
 
@@ -9304,7 +9610,7 @@
       </p:grpSpPr>
       <p:pic>
         <p:nvPicPr>
-          <p:cNvPr id="4" name="Picture 3" descr="pxxxos.png"/>
+          <p:cNvPr id="6" name="Picture 5" descr="Screen Shot 2013-05-02 at 1.38.57 PM.png"/>
           <p:cNvPicPr>
             <a:picLocks noChangeAspect="1"/>
           </p:cNvPicPr>
@@ -9318,8 +9624,56 @@
         </p:blipFill>
         <p:spPr>
           <a:xfrm>
-            <a:off x="1063625" y="403225"/>
-            <a:ext cx="7454900" cy="5511800"/>
+            <a:off x="2157504" y="115408"/>
+            <a:ext cx="3887639" cy="2103105"/>
+          </a:xfrm>
+          <a:prstGeom prst="rect">
+            <a:avLst/>
+          </a:prstGeom>
+        </p:spPr>
+      </p:pic>
+      <p:pic>
+        <p:nvPicPr>
+          <p:cNvPr id="7" name="Picture 6" descr="Screen Shot 2013-05-02 at 1.39.12 PM.png"/>
+          <p:cNvPicPr>
+            <a:picLocks noChangeAspect="1"/>
+          </p:cNvPicPr>
+          <p:nvPr/>
+        </p:nvPicPr>
+        <p:blipFill>
+          <a:blip r:embed="rId3"/>
+          <a:stretch>
+            <a:fillRect/>
+          </a:stretch>
+        </p:blipFill>
+        <p:spPr>
+          <a:xfrm>
+            <a:off x="2157504" y="2270125"/>
+            <a:ext cx="3887639" cy="1950569"/>
+          </a:xfrm>
+          <a:prstGeom prst="rect">
+            <a:avLst/>
+          </a:prstGeom>
+        </p:spPr>
+      </p:pic>
+      <p:pic>
+        <p:nvPicPr>
+          <p:cNvPr id="8" name="Picture 7" descr="Screen Shot 2013-05-02 at 1.39.25 PM.png"/>
+          <p:cNvPicPr>
+            <a:picLocks noChangeAspect="1"/>
+          </p:cNvPicPr>
+          <p:nvPr/>
+        </p:nvPicPr>
+        <p:blipFill>
+          <a:blip r:embed="rId4"/>
+          <a:stretch>
+            <a:fillRect/>
+          </a:stretch>
+        </p:blipFill>
+        <p:spPr>
+          <a:xfrm>
+            <a:off x="2157504" y="4356823"/>
+            <a:ext cx="3887639" cy="1950569"/>
           </a:xfrm>
           <a:prstGeom prst="rect">
             <a:avLst/>
@@ -9328,24 +9682,22 @@
       </p:pic>
       <p:cxnSp>
         <p:nvCxnSpPr>
-          <p:cNvPr id="5" name="Straight Arrow Connector 4"/>
+          <p:cNvPr id="10" name="Straight Connector 9"/>
           <p:cNvCxnSpPr/>
           <p:nvPr/>
         </p:nvCxnSpPr>
         <p:spPr>
           <a:xfrm>
-            <a:off x="1764886" y="3100686"/>
-            <a:ext cx="2276205" cy="1588"/>
-          </a:xfrm>
-          <a:prstGeom prst="straightConnector1">
+            <a:off x="3463797" y="2622392"/>
+            <a:ext cx="1088613" cy="1088533"/>
+          </a:xfrm>
+          <a:prstGeom prst="line">
             <a:avLst/>
           </a:prstGeom>
           <a:ln>
             <a:solidFill>
               <a:srgbClr val="FF0000"/>
             </a:solidFill>
-            <a:headEnd type="arrow"/>
-            <a:tailEnd type="arrow"/>
           </a:ln>
         </p:spPr>
         <p:style>

--- a/trunk/project/latex/media/media.pptx
+++ b/trunk/project/latex/media/media.pptx
@@ -7,18 +7,19 @@
   <p:sldIdLst>
     <p:sldId id="279" r:id="rId2"/>
     <p:sldId id="299" r:id="rId3"/>
-    <p:sldId id="280" r:id="rId4"/>
-    <p:sldId id="286" r:id="rId5"/>
-    <p:sldId id="287" r:id="rId6"/>
-    <p:sldId id="281" r:id="rId7"/>
-    <p:sldId id="282" r:id="rId8"/>
-    <p:sldId id="292" r:id="rId9"/>
-    <p:sldId id="293" r:id="rId10"/>
-    <p:sldId id="294" r:id="rId11"/>
-    <p:sldId id="295" r:id="rId12"/>
-    <p:sldId id="296" r:id="rId13"/>
-    <p:sldId id="297" r:id="rId14"/>
-    <p:sldId id="298" r:id="rId15"/>
+    <p:sldId id="300" r:id="rId4"/>
+    <p:sldId id="280" r:id="rId5"/>
+    <p:sldId id="286" r:id="rId6"/>
+    <p:sldId id="287" r:id="rId7"/>
+    <p:sldId id="281" r:id="rId8"/>
+    <p:sldId id="282" r:id="rId9"/>
+    <p:sldId id="292" r:id="rId10"/>
+    <p:sldId id="293" r:id="rId11"/>
+    <p:sldId id="294" r:id="rId12"/>
+    <p:sldId id="295" r:id="rId13"/>
+    <p:sldId id="296" r:id="rId14"/>
+    <p:sldId id="297" r:id="rId15"/>
+    <p:sldId id="298" r:id="rId16"/>
   </p:sldIdLst>
   <p:sldSz cx="9144000" cy="6858000" type="screen4x3"/>
   <p:notesSz cx="6858000" cy="9144000"/>
@@ -302,7 +303,7 @@
             <a:fld id="{A6C8FF31-B0BB-0A47-A98F-CEECB421E15E}" type="datetimeFigureOut">
               <a:rPr lang="en-US" smtClean="0"/>
               <a:pPr/>
-              <a:t>5/3/13</a:t>
+              <a:t>5/4/13</a:t>
             </a:fld>
             <a:endParaRPr lang="en-US"/>
           </a:p>
@@ -469,7 +470,7 @@
             <a:fld id="{A6C8FF31-B0BB-0A47-A98F-CEECB421E15E}" type="datetimeFigureOut">
               <a:rPr lang="en-US" smtClean="0"/>
               <a:pPr/>
-              <a:t>5/3/13</a:t>
+              <a:t>5/4/13</a:t>
             </a:fld>
             <a:endParaRPr lang="en-US"/>
           </a:p>
@@ -646,7 +647,7 @@
             <a:fld id="{A6C8FF31-B0BB-0A47-A98F-CEECB421E15E}" type="datetimeFigureOut">
               <a:rPr lang="en-US" smtClean="0"/>
               <a:pPr/>
-              <a:t>5/3/13</a:t>
+              <a:t>5/4/13</a:t>
             </a:fld>
             <a:endParaRPr lang="en-US"/>
           </a:p>
@@ -813,7 +814,7 @@
             <a:fld id="{A6C8FF31-B0BB-0A47-A98F-CEECB421E15E}" type="datetimeFigureOut">
               <a:rPr lang="en-US" smtClean="0"/>
               <a:pPr/>
-              <a:t>5/3/13</a:t>
+              <a:t>5/4/13</a:t>
             </a:fld>
             <a:endParaRPr lang="en-US"/>
           </a:p>
@@ -1056,7 +1057,7 @@
             <a:fld id="{A6C8FF31-B0BB-0A47-A98F-CEECB421E15E}" type="datetimeFigureOut">
               <a:rPr lang="en-US" smtClean="0"/>
               <a:pPr/>
-              <a:t>5/3/13</a:t>
+              <a:t>5/4/13</a:t>
             </a:fld>
             <a:endParaRPr lang="en-US"/>
           </a:p>
@@ -1341,7 +1342,7 @@
             <a:fld id="{A6C8FF31-B0BB-0A47-A98F-CEECB421E15E}" type="datetimeFigureOut">
               <a:rPr lang="en-US" smtClean="0"/>
               <a:pPr/>
-              <a:t>5/3/13</a:t>
+              <a:t>5/4/13</a:t>
             </a:fld>
             <a:endParaRPr lang="en-US"/>
           </a:p>
@@ -1760,7 +1761,7 @@
             <a:fld id="{A6C8FF31-B0BB-0A47-A98F-CEECB421E15E}" type="datetimeFigureOut">
               <a:rPr lang="en-US" smtClean="0"/>
               <a:pPr/>
-              <a:t>5/3/13</a:t>
+              <a:t>5/4/13</a:t>
             </a:fld>
             <a:endParaRPr lang="en-US"/>
           </a:p>
@@ -1875,7 +1876,7 @@
             <a:fld id="{A6C8FF31-B0BB-0A47-A98F-CEECB421E15E}" type="datetimeFigureOut">
               <a:rPr lang="en-US" smtClean="0"/>
               <a:pPr/>
-              <a:t>5/3/13</a:t>
+              <a:t>5/4/13</a:t>
             </a:fld>
             <a:endParaRPr lang="en-US"/>
           </a:p>
@@ -1967,7 +1968,7 @@
             <a:fld id="{A6C8FF31-B0BB-0A47-A98F-CEECB421E15E}" type="datetimeFigureOut">
               <a:rPr lang="en-US" smtClean="0"/>
               <a:pPr/>
-              <a:t>5/3/13</a:t>
+              <a:t>5/4/13</a:t>
             </a:fld>
             <a:endParaRPr lang="en-US"/>
           </a:p>
@@ -2241,7 +2242,7 @@
             <a:fld id="{A6C8FF31-B0BB-0A47-A98F-CEECB421E15E}" type="datetimeFigureOut">
               <a:rPr lang="en-US" smtClean="0"/>
               <a:pPr/>
-              <a:t>5/3/13</a:t>
+              <a:t>5/4/13</a:t>
             </a:fld>
             <a:endParaRPr lang="en-US"/>
           </a:p>
@@ -2491,7 +2492,7 @@
             <a:fld id="{A6C8FF31-B0BB-0A47-A98F-CEECB421E15E}" type="datetimeFigureOut">
               <a:rPr lang="en-US" smtClean="0"/>
               <a:pPr/>
-              <a:t>5/3/13</a:t>
+              <a:t>5/4/13</a:t>
             </a:fld>
             <a:endParaRPr lang="en-US"/>
           </a:p>
@@ -2701,7 +2702,7 @@
             <a:fld id="{A6C8FF31-B0BB-0A47-A98F-CEECB421E15E}" type="datetimeFigureOut">
               <a:rPr lang="en-US" smtClean="0"/>
               <a:pPr/>
-              <a:t>5/3/13</a:t>
+              <a:t>5/4/13</a:t>
             </a:fld>
             <a:endParaRPr lang="en-US"/>
           </a:p>
@@ -5683,7 +5684,7 @@
       </p:grpSpPr>
       <p:pic>
         <p:nvPicPr>
-          <p:cNvPr id="4" name="Picture 3" descr="pxxxos.png"/>
+          <p:cNvPr id="6" name="Picture 5" descr="Screen Shot 2013-05-02 at 1.38.57 PM.png"/>
           <p:cNvPicPr>
             <a:picLocks noChangeAspect="1"/>
           </p:cNvPicPr>
@@ -5697,8 +5698,56 @@
         </p:blipFill>
         <p:spPr>
           <a:xfrm>
-            <a:off x="1063625" y="403225"/>
-            <a:ext cx="7454900" cy="5511800"/>
+            <a:off x="2157504" y="115408"/>
+            <a:ext cx="3887639" cy="2103105"/>
+          </a:xfrm>
+          <a:prstGeom prst="rect">
+            <a:avLst/>
+          </a:prstGeom>
+        </p:spPr>
+      </p:pic>
+      <p:pic>
+        <p:nvPicPr>
+          <p:cNvPr id="7" name="Picture 6" descr="Screen Shot 2013-05-02 at 1.39.12 PM.png"/>
+          <p:cNvPicPr>
+            <a:picLocks noChangeAspect="1"/>
+          </p:cNvPicPr>
+          <p:nvPr/>
+        </p:nvPicPr>
+        <p:blipFill>
+          <a:blip r:embed="rId3"/>
+          <a:stretch>
+            <a:fillRect/>
+          </a:stretch>
+        </p:blipFill>
+        <p:spPr>
+          <a:xfrm>
+            <a:off x="2157504" y="2270125"/>
+            <a:ext cx="3887639" cy="1950569"/>
+          </a:xfrm>
+          <a:prstGeom prst="rect">
+            <a:avLst/>
+          </a:prstGeom>
+        </p:spPr>
+      </p:pic>
+      <p:pic>
+        <p:nvPicPr>
+          <p:cNvPr id="8" name="Picture 7" descr="Screen Shot 2013-05-02 at 1.39.25 PM.png"/>
+          <p:cNvPicPr>
+            <a:picLocks noChangeAspect="1"/>
+          </p:cNvPicPr>
+          <p:nvPr/>
+        </p:nvPicPr>
+        <p:blipFill>
+          <a:blip r:embed="rId4"/>
+          <a:stretch>
+            <a:fillRect/>
+          </a:stretch>
+        </p:blipFill>
+        <p:spPr>
+          <a:xfrm>
+            <a:off x="2157504" y="4356823"/>
+            <a:ext cx="3887639" cy="1950569"/>
           </a:xfrm>
           <a:prstGeom prst="rect">
             <a:avLst/>
@@ -5707,24 +5756,22 @@
       </p:pic>
       <p:cxnSp>
         <p:nvCxnSpPr>
-          <p:cNvPr id="5" name="Straight Arrow Connector 4"/>
+          <p:cNvPr id="10" name="Straight Connector 9"/>
           <p:cNvCxnSpPr/>
           <p:nvPr/>
         </p:nvCxnSpPr>
         <p:spPr>
           <a:xfrm>
-            <a:off x="1764886" y="3100686"/>
-            <a:ext cx="2276205" cy="1588"/>
-          </a:xfrm>
-          <a:prstGeom prst="straightConnector1">
+            <a:off x="3463797" y="2622392"/>
+            <a:ext cx="1088613" cy="1088533"/>
+          </a:xfrm>
+          <a:prstGeom prst="line">
             <a:avLst/>
           </a:prstGeom>
           <a:ln>
             <a:solidFill>
               <a:srgbClr val="FF0000"/>
             </a:solidFill>
-            <a:headEnd type="arrow"/>
-            <a:tailEnd type="arrow"/>
           </a:ln>
         </p:spPr>
         <p:style>
@@ -5769,7 +5816,7 @@
       </p:grpSpPr>
       <p:pic>
         <p:nvPicPr>
-          <p:cNvPr id="6" name="Picture 5" descr="nxxxeg.png"/>
+          <p:cNvPr id="4" name="Picture 3" descr="pxxxos.png"/>
           <p:cNvPicPr>
             <a:picLocks noChangeAspect="1"/>
           </p:cNvPicPr>
@@ -5783,8 +5830,8 @@
         </p:blipFill>
         <p:spPr>
           <a:xfrm>
-            <a:off x="944563" y="218155"/>
-            <a:ext cx="7429500" cy="5486400"/>
+            <a:off x="1063625" y="403225"/>
+            <a:ext cx="7454900" cy="5511800"/>
           </a:xfrm>
           <a:prstGeom prst="rect">
             <a:avLst/>
@@ -5793,14 +5840,14 @@
       </p:pic>
       <p:cxnSp>
         <p:nvCxnSpPr>
-          <p:cNvPr id="7" name="Straight Arrow Connector 6"/>
+          <p:cNvPr id="5" name="Straight Arrow Connector 4"/>
           <p:cNvCxnSpPr/>
           <p:nvPr/>
         </p:nvCxnSpPr>
         <p:spPr>
           <a:xfrm>
-            <a:off x="2630833" y="3743913"/>
-            <a:ext cx="2317442" cy="1588"/>
+            <a:off x="1764886" y="3100686"/>
+            <a:ext cx="2276205" cy="1588"/>
           </a:xfrm>
           <a:prstGeom prst="straightConnector1">
             <a:avLst/>
@@ -5855,7 +5902,7 @@
       </p:grpSpPr>
       <p:pic>
         <p:nvPicPr>
-          <p:cNvPr id="5" name="Picture 4" descr="Screen Shot 2013-05-02 at 5.03.46 PM.png"/>
+          <p:cNvPr id="6" name="Picture 5" descr="nxxxeg.png"/>
           <p:cNvPicPr>
             <a:picLocks noChangeAspect="1"/>
           </p:cNvPicPr>
@@ -5869,38 +5916,51 @@
         </p:blipFill>
         <p:spPr>
           <a:xfrm>
-            <a:off x="159368" y="1935792"/>
-            <a:ext cx="4005431" cy="3304710"/>
+            <a:off x="944563" y="218155"/>
+            <a:ext cx="7429500" cy="5486400"/>
           </a:xfrm>
           <a:prstGeom prst="rect">
             <a:avLst/>
           </a:prstGeom>
         </p:spPr>
       </p:pic>
-      <p:pic>
-        <p:nvPicPr>
-          <p:cNvPr id="6" name="Picture 5" descr="lay_op.png"/>
-          <p:cNvPicPr>
-            <a:picLocks noChangeAspect="1"/>
-          </p:cNvPicPr>
-          <p:nvPr/>
-        </p:nvPicPr>
-        <p:blipFill>
-          <a:blip r:embed="rId3"/>
-          <a:stretch>
-            <a:fillRect/>
-          </a:stretch>
-        </p:blipFill>
-        <p:spPr>
-          <a:xfrm rot="16200000">
-            <a:off x="4583739" y="1607522"/>
-            <a:ext cx="3304710" cy="3961250"/>
-          </a:xfrm>
-          <a:prstGeom prst="rect">
-            <a:avLst/>
-          </a:prstGeom>
-        </p:spPr>
-      </p:pic>
+      <p:cxnSp>
+        <p:nvCxnSpPr>
+          <p:cNvPr id="7" name="Straight Arrow Connector 6"/>
+          <p:cNvCxnSpPr/>
+          <p:nvPr/>
+        </p:nvCxnSpPr>
+        <p:spPr>
+          <a:xfrm>
+            <a:off x="2630833" y="3743913"/>
+            <a:ext cx="2317442" cy="1588"/>
+          </a:xfrm>
+          <a:prstGeom prst="straightConnector1">
+            <a:avLst/>
+          </a:prstGeom>
+          <a:ln>
+            <a:solidFill>
+              <a:srgbClr val="FF0000"/>
+            </a:solidFill>
+            <a:headEnd type="arrow"/>
+            <a:tailEnd type="arrow"/>
+          </a:ln>
+        </p:spPr>
+        <p:style>
+          <a:lnRef idx="2">
+            <a:schemeClr val="accent1"/>
+          </a:lnRef>
+          <a:fillRef idx="0">
+            <a:schemeClr val="accent1"/>
+          </a:fillRef>
+          <a:effectRef idx="1">
+            <a:schemeClr val="accent1"/>
+          </a:effectRef>
+          <a:fontRef idx="minor">
+            <a:schemeClr val="tx1"/>
+          </a:fontRef>
+        </p:style>
+      </p:cxnSp>
     </p:spTree>
   </p:cSld>
   <p:clrMapOvr>
@@ -5928,7 +5988,7 @@
       </p:grpSpPr>
       <p:pic>
         <p:nvPicPr>
-          <p:cNvPr id="4" name="Picture 3" descr="r1.png"/>
+          <p:cNvPr id="5" name="Picture 4" descr="Screen Shot 2013-05-02 at 5.03.46 PM.png"/>
           <p:cNvPicPr>
             <a:picLocks noChangeAspect="1"/>
           </p:cNvPicPr>
@@ -5942,8 +6002,8 @@
         </p:blipFill>
         <p:spPr>
           <a:xfrm>
-            <a:off x="1212641" y="531449"/>
-            <a:ext cx="5194300" cy="1841500"/>
+            <a:off x="159368" y="1935792"/>
+            <a:ext cx="4005431" cy="3304710"/>
           </a:xfrm>
           <a:prstGeom prst="rect">
             <a:avLst/>
@@ -5952,7 +6012,7 @@
       </p:pic>
       <p:pic>
         <p:nvPicPr>
-          <p:cNvPr id="5" name="Picture 4" descr="r2.png"/>
+          <p:cNvPr id="6" name="Picture 5" descr="lay_op.png"/>
           <p:cNvPicPr>
             <a:picLocks noChangeAspect="1"/>
           </p:cNvPicPr>
@@ -5965,33 +6025,9 @@
           </a:stretch>
         </p:blipFill>
         <p:spPr>
-          <a:xfrm>
-            <a:off x="1212641" y="2588838"/>
-            <a:ext cx="3860800" cy="2374900"/>
-          </a:xfrm>
-          <a:prstGeom prst="rect">
-            <a:avLst/>
-          </a:prstGeom>
-        </p:spPr>
-      </p:pic>
-      <p:pic>
-        <p:nvPicPr>
-          <p:cNvPr id="6" name="Picture 5" descr="r3.png"/>
-          <p:cNvPicPr>
-            <a:picLocks noChangeAspect="1"/>
-          </p:cNvPicPr>
-          <p:nvPr/>
-        </p:nvPicPr>
-        <p:blipFill>
-          <a:blip r:embed="rId4"/>
-          <a:stretch>
-            <a:fillRect/>
-          </a:stretch>
-        </p:blipFill>
-        <p:spPr>
-          <a:xfrm>
-            <a:off x="1212641" y="5145977"/>
-            <a:ext cx="2616200" cy="1600200"/>
+          <a:xfrm rot="16200000">
+            <a:off x="4583739" y="1607522"/>
+            <a:ext cx="3304710" cy="3961250"/>
           </a:xfrm>
           <a:prstGeom prst="rect">
             <a:avLst/>
@@ -6007,6 +6043,103 @@
 </file>
 
 <file path=ppt/slides/slide14.xml><?xml version="1.0" encoding="utf-8"?>
+<p:sld xmlns:a="http://schemas.openxmlformats.org/drawingml/2006/main" xmlns:r="http://schemas.openxmlformats.org/officeDocument/2006/relationships" xmlns:mc="http://schemas.openxmlformats.org/markup-compatibility/2006" xmlns:mv="urn:schemas-microsoft-com:mac:vml" xmlns:p="http://schemas.openxmlformats.org/presentationml/2006/main" mc:Ignorable="mv" mc:PreserveAttributes="mv:*">
+  <p:cSld>
+    <p:spTree>
+      <p:nvGrpSpPr>
+        <p:cNvPr id="1" name=""/>
+        <p:cNvGrpSpPr/>
+        <p:nvPr/>
+      </p:nvGrpSpPr>
+      <p:grpSpPr>
+        <a:xfrm>
+          <a:off x="0" y="0"/>
+          <a:ext cx="0" cy="0"/>
+          <a:chOff x="0" y="0"/>
+          <a:chExt cx="0" cy="0"/>
+        </a:xfrm>
+      </p:grpSpPr>
+      <p:pic>
+        <p:nvPicPr>
+          <p:cNvPr id="4" name="Picture 3" descr="r1.png"/>
+          <p:cNvPicPr>
+            <a:picLocks noChangeAspect="1"/>
+          </p:cNvPicPr>
+          <p:nvPr/>
+        </p:nvPicPr>
+        <p:blipFill>
+          <a:blip r:embed="rId2"/>
+          <a:stretch>
+            <a:fillRect/>
+          </a:stretch>
+        </p:blipFill>
+        <p:spPr>
+          <a:xfrm>
+            <a:off x="1212641" y="531449"/>
+            <a:ext cx="5194300" cy="1841500"/>
+          </a:xfrm>
+          <a:prstGeom prst="rect">
+            <a:avLst/>
+          </a:prstGeom>
+        </p:spPr>
+      </p:pic>
+      <p:pic>
+        <p:nvPicPr>
+          <p:cNvPr id="5" name="Picture 4" descr="r2.png"/>
+          <p:cNvPicPr>
+            <a:picLocks noChangeAspect="1"/>
+          </p:cNvPicPr>
+          <p:nvPr/>
+        </p:nvPicPr>
+        <p:blipFill>
+          <a:blip r:embed="rId3"/>
+          <a:stretch>
+            <a:fillRect/>
+          </a:stretch>
+        </p:blipFill>
+        <p:spPr>
+          <a:xfrm>
+            <a:off x="1212641" y="2588838"/>
+            <a:ext cx="3860800" cy="2374900"/>
+          </a:xfrm>
+          <a:prstGeom prst="rect">
+            <a:avLst/>
+          </a:prstGeom>
+        </p:spPr>
+      </p:pic>
+      <p:pic>
+        <p:nvPicPr>
+          <p:cNvPr id="6" name="Picture 5" descr="r3.png"/>
+          <p:cNvPicPr>
+            <a:picLocks noChangeAspect="1"/>
+          </p:cNvPicPr>
+          <p:nvPr/>
+        </p:nvPicPr>
+        <p:blipFill>
+          <a:blip r:embed="rId4"/>
+          <a:stretch>
+            <a:fillRect/>
+          </a:stretch>
+        </p:blipFill>
+        <p:spPr>
+          <a:xfrm>
+            <a:off x="1212641" y="5145977"/>
+            <a:ext cx="2616200" cy="1600200"/>
+          </a:xfrm>
+          <a:prstGeom prst="rect">
+            <a:avLst/>
+          </a:prstGeom>
+        </p:spPr>
+      </p:pic>
+    </p:spTree>
+  </p:cSld>
+  <p:clrMapOvr>
+    <a:masterClrMapping/>
+  </p:clrMapOvr>
+</p:sld>
+</file>
+
+<file path=ppt/slides/slide15.xml><?xml version="1.0" encoding="utf-8"?>
 <p:sld xmlns:a="http://schemas.openxmlformats.org/drawingml/2006/main" xmlns:r="http://schemas.openxmlformats.org/officeDocument/2006/relationships" xmlns:mc="http://schemas.openxmlformats.org/markup-compatibility/2006" xmlns:mv="urn:schemas-microsoft-com:mac:vml" xmlns:p="http://schemas.openxmlformats.org/presentationml/2006/main" mc:Ignorable="mv" mc:PreserveAttributes="mv:*">
   <p:cSld>
     <p:spTree>
@@ -6273,7 +6406,31 @@
       </p:grpSpPr>
       <p:pic>
         <p:nvPicPr>
-          <p:cNvPr id="4" name="Picture 3" descr="schematics.png"/>
+          <p:cNvPr id="4" name="Picture 3" descr="Screen Shot 2013-05-04 at 1.38.06 PM.png"/>
+          <p:cNvPicPr>
+            <a:picLocks noChangeAspect="1"/>
+          </p:cNvPicPr>
+          <p:nvPr/>
+        </p:nvPicPr>
+        <p:blipFill>
+          <a:blip r:embed="rId2"/>
+          <a:stretch>
+            <a:fillRect/>
+          </a:stretch>
+        </p:blipFill>
+        <p:spPr>
+          <a:xfrm>
+            <a:off x="1385642" y="289691"/>
+            <a:ext cx="2243586" cy="2843982"/>
+          </a:xfrm>
+          <a:prstGeom prst="rect">
+            <a:avLst/>
+          </a:prstGeom>
+        </p:spPr>
+      </p:pic>
+      <p:pic>
+        <p:nvPicPr>
+          <p:cNvPr id="5" name="Picture 4" descr="Screen Shot 2013-05-04 at 1.38.25 PM.png"/>
           <p:cNvPicPr>
             <a:picLocks noChangeAspect="1"/>
           </p:cNvPicPr>
@@ -6287,1054 +6444,67 @@
         </p:blipFill>
         <p:spPr>
           <a:xfrm>
-            <a:off x="0" y="0"/>
-            <a:ext cx="9144000" cy="6858000"/>
+            <a:off x="3777188" y="277974"/>
+            <a:ext cx="2238286" cy="2855699"/>
           </a:xfrm>
           <a:prstGeom prst="rect">
             <a:avLst/>
           </a:prstGeom>
         </p:spPr>
       </p:pic>
-      <p:sp>
-        <p:nvSpPr>
-          <p:cNvPr id="3" name="TextBox 2"/>
-          <p:cNvSpPr txBox="1"/>
-          <p:nvPr/>
-        </p:nvSpPr>
-        <p:spPr>
-          <a:xfrm>
-            <a:off x="-1" y="0"/>
-            <a:ext cx="9144001" cy="646331"/>
+      <p:pic>
+        <p:nvPicPr>
+          <p:cNvPr id="6" name="Picture 5" descr="Screen Shot 2013-05-04 at 1.38.42 PM.png"/>
+          <p:cNvPicPr>
+            <a:picLocks noChangeAspect="1"/>
+          </p:cNvPicPr>
+          <p:nvPr/>
+        </p:nvPicPr>
+        <p:blipFill>
+          <a:blip r:embed="rId4"/>
+          <a:stretch>
+            <a:fillRect/>
+          </a:stretch>
+        </p:blipFill>
+        <p:spPr>
+          <a:xfrm>
+            <a:off x="1385642" y="3336993"/>
+            <a:ext cx="2254506" cy="2846133"/>
           </a:xfrm>
           <a:prstGeom prst="rect">
             <a:avLst/>
           </a:prstGeom>
-          <a:noFill/>
-        </p:spPr>
-        <p:txBody>
-          <a:bodyPr wrap="square" rtlCol="0">
-            <a:spAutoFit/>
-          </a:bodyPr>
-          <a:lstStyle/>
-          <a:p>
-            <a:pPr algn="ctr"/>
-            <a:r>
-              <a:rPr lang="en-US" sz="3600" b="1">
-                <a:solidFill>
-                  <a:schemeClr val="bg1"/>
-                </a:solidFill>
-                <a:effectLst>
-                  <a:outerShdw blurRad="50800" dist="38100" dir="2700000">
-                    <a:srgbClr val="000000">
-                      <a:alpha val="43000"/>
-                    </a:srgbClr>
-                  </a:outerShdw>
-                </a:effectLst>
-                <a:latin typeface="Helvetica Neue"/>
-                <a:cs typeface="Helvetica Neue"/>
-              </a:rPr>
-              <a:t>First Control System Attempt: PID</a:t>
-            </a:r>
-          </a:p>
-        </p:txBody>
-      </p:sp>
-      <p:cxnSp>
-        <p:nvCxnSpPr>
-          <p:cNvPr id="6" name="Straight Arrow Connector 5"/>
-          <p:cNvCxnSpPr/>
-          <p:nvPr/>
-        </p:nvCxnSpPr>
-        <p:spPr>
-          <a:xfrm rot="10800000">
-            <a:off x="6316111" y="2797243"/>
-            <a:ext cx="446533" cy="1589"/>
-          </a:xfrm>
-          <a:prstGeom prst="straightConnector1">
-            <a:avLst/>
-          </a:prstGeom>
-          <a:ln>
-            <a:tailEnd type="arrow"/>
-          </a:ln>
-        </p:spPr>
-        <p:style>
-          <a:lnRef idx="2">
-            <a:schemeClr val="accent1"/>
-          </a:lnRef>
-          <a:fillRef idx="0">
-            <a:schemeClr val="accent1"/>
-          </a:fillRef>
-          <a:effectRef idx="1">
-            <a:schemeClr val="accent1"/>
-          </a:effectRef>
-          <a:fontRef idx="minor">
-            <a:schemeClr val="tx1"/>
-          </a:fontRef>
-        </p:style>
-      </p:cxnSp>
-      <p:sp>
-        <p:nvSpPr>
-          <p:cNvPr id="7" name="Oval 6"/>
-          <p:cNvSpPr/>
-          <p:nvPr/>
-        </p:nvSpPr>
-        <p:spPr>
-          <a:xfrm>
-            <a:off x="5648091" y="2464821"/>
-            <a:ext cx="668017" cy="668017"/>
-          </a:xfrm>
-          <a:prstGeom prst="ellipse">
-            <a:avLst/>
-          </a:prstGeom>
-        </p:spPr>
-        <p:style>
-          <a:lnRef idx="1">
-            <a:schemeClr val="accent1"/>
-          </a:lnRef>
-          <a:fillRef idx="3">
-            <a:schemeClr val="accent1"/>
-          </a:fillRef>
-          <a:effectRef idx="2">
-            <a:schemeClr val="accent1"/>
-          </a:effectRef>
-          <a:fontRef idx="minor">
-            <a:schemeClr val="lt1"/>
-          </a:fontRef>
-        </p:style>
-        <p:txBody>
-          <a:bodyPr rtlCol="0" anchor="ctr"/>
-          <a:lstStyle/>
-          <a:p>
-            <a:pPr algn="ctr"/>
-            <a:endParaRPr lang="en-US"/>
-          </a:p>
-        </p:txBody>
-      </p:sp>
-      <p:cxnSp>
-        <p:nvCxnSpPr>
-          <p:cNvPr id="10" name="Straight Arrow Connector 9"/>
-          <p:cNvCxnSpPr/>
-          <p:nvPr/>
-        </p:nvCxnSpPr>
-        <p:spPr>
-          <a:xfrm rot="5400000" flipH="1" flipV="1">
-            <a:off x="5572642" y="3538172"/>
-            <a:ext cx="810668" cy="1588"/>
-          </a:xfrm>
-          <a:prstGeom prst="straightConnector1">
-            <a:avLst/>
-          </a:prstGeom>
-          <a:ln>
-            <a:tailEnd type="arrow"/>
-          </a:ln>
-        </p:spPr>
-        <p:style>
-          <a:lnRef idx="2">
-            <a:schemeClr val="accent1"/>
-          </a:lnRef>
-          <a:fillRef idx="0">
-            <a:schemeClr val="accent1"/>
-          </a:fillRef>
-          <a:effectRef idx="1">
-            <a:schemeClr val="accent1"/>
-          </a:effectRef>
-          <a:fontRef idx="minor">
-            <a:schemeClr val="tx1"/>
-          </a:fontRef>
-        </p:style>
-      </p:cxnSp>
-      <p:cxnSp>
-        <p:nvCxnSpPr>
-          <p:cNvPr id="12" name="Straight Arrow Connector 11"/>
-          <p:cNvCxnSpPr/>
-          <p:nvPr/>
-        </p:nvCxnSpPr>
-        <p:spPr>
-          <a:xfrm rot="10800000" flipV="1">
-            <a:off x="4426646" y="2789238"/>
-            <a:ext cx="1221446" cy="9592"/>
-          </a:xfrm>
-          <a:prstGeom prst="straightConnector1">
-            <a:avLst/>
-          </a:prstGeom>
-          <a:ln>
-            <a:tailEnd type="arrow"/>
-          </a:ln>
-        </p:spPr>
-        <p:style>
-          <a:lnRef idx="2">
-            <a:schemeClr val="accent1"/>
-          </a:lnRef>
-          <a:fillRef idx="0">
-            <a:schemeClr val="accent1"/>
-          </a:fillRef>
-          <a:effectRef idx="1">
-            <a:schemeClr val="accent1"/>
-          </a:effectRef>
-          <a:fontRef idx="minor">
-            <a:schemeClr val="tx1"/>
-          </a:fontRef>
-        </p:style>
-      </p:cxnSp>
-      <p:cxnSp>
-        <p:nvCxnSpPr>
-          <p:cNvPr id="15" name="Straight Connector 14"/>
-          <p:cNvCxnSpPr/>
-          <p:nvPr/>
-        </p:nvCxnSpPr>
-        <p:spPr>
-          <a:xfrm rot="5400000">
-            <a:off x="4753554" y="2365038"/>
-            <a:ext cx="856049" cy="1588"/>
-          </a:xfrm>
-          <a:prstGeom prst="line">
-            <a:avLst/>
-          </a:prstGeom>
-        </p:spPr>
-        <p:style>
-          <a:lnRef idx="2">
-            <a:schemeClr val="accent1"/>
-          </a:lnRef>
-          <a:fillRef idx="0">
-            <a:schemeClr val="accent1"/>
-          </a:fillRef>
-          <a:effectRef idx="1">
-            <a:schemeClr val="accent1"/>
-          </a:effectRef>
-          <a:fontRef idx="minor">
-            <a:schemeClr val="tx1"/>
-          </a:fontRef>
-        </p:style>
-      </p:cxnSp>
-      <p:cxnSp>
-        <p:nvCxnSpPr>
-          <p:cNvPr id="18" name="Straight Connector 17"/>
-          <p:cNvCxnSpPr/>
-          <p:nvPr/>
-        </p:nvCxnSpPr>
-        <p:spPr>
-          <a:xfrm rot="5400000">
-            <a:off x="4751965" y="3220294"/>
-            <a:ext cx="856049" cy="1588"/>
-          </a:xfrm>
-          <a:prstGeom prst="line">
-            <a:avLst/>
-          </a:prstGeom>
-        </p:spPr>
-        <p:style>
-          <a:lnRef idx="2">
-            <a:schemeClr val="accent1"/>
-          </a:lnRef>
-          <a:fillRef idx="0">
-            <a:schemeClr val="accent1"/>
-          </a:fillRef>
-          <a:effectRef idx="1">
-            <a:schemeClr val="accent1"/>
-          </a:effectRef>
-          <a:fontRef idx="minor">
-            <a:schemeClr val="tx1"/>
-          </a:fontRef>
-        </p:style>
-      </p:cxnSp>
-      <p:cxnSp>
-        <p:nvCxnSpPr>
-          <p:cNvPr id="19" name="Straight Arrow Connector 18"/>
-          <p:cNvCxnSpPr/>
-          <p:nvPr/>
-        </p:nvCxnSpPr>
-        <p:spPr>
-          <a:xfrm rot="10800000" flipV="1">
-            <a:off x="4426647" y="1926040"/>
-            <a:ext cx="752551" cy="15946"/>
-          </a:xfrm>
-          <a:prstGeom prst="straightConnector1">
-            <a:avLst/>
-          </a:prstGeom>
-          <a:ln>
-            <a:tailEnd type="arrow"/>
-          </a:ln>
-        </p:spPr>
-        <p:style>
-          <a:lnRef idx="2">
-            <a:schemeClr val="accent1"/>
-          </a:lnRef>
-          <a:fillRef idx="0">
-            <a:schemeClr val="accent1"/>
-          </a:fillRef>
-          <a:effectRef idx="1">
-            <a:schemeClr val="accent1"/>
-          </a:effectRef>
-          <a:fontRef idx="minor">
-            <a:schemeClr val="tx1"/>
-          </a:fontRef>
-        </p:style>
-      </p:cxnSp>
-      <p:cxnSp>
-        <p:nvCxnSpPr>
-          <p:cNvPr id="20" name="Straight Arrow Connector 19"/>
-          <p:cNvCxnSpPr/>
-          <p:nvPr/>
-        </p:nvCxnSpPr>
-        <p:spPr>
-          <a:xfrm rot="10800000">
-            <a:off x="4426648" y="3645290"/>
-            <a:ext cx="752549" cy="1"/>
-          </a:xfrm>
-          <a:prstGeom prst="straightConnector1">
-            <a:avLst/>
-          </a:prstGeom>
-          <a:ln>
-            <a:tailEnd type="arrow"/>
-          </a:ln>
-        </p:spPr>
-        <p:style>
-          <a:lnRef idx="2">
-            <a:schemeClr val="accent1"/>
-          </a:lnRef>
-          <a:fillRef idx="0">
-            <a:schemeClr val="accent1"/>
-          </a:fillRef>
-          <a:effectRef idx="1">
-            <a:schemeClr val="accent1"/>
-          </a:effectRef>
-          <a:fontRef idx="minor">
-            <a:schemeClr val="tx1"/>
-          </a:fontRef>
-        </p:style>
-      </p:cxnSp>
-      <p:sp>
-        <p:nvSpPr>
-          <p:cNvPr id="21" name="Rounded Rectangle 20"/>
-          <p:cNvSpPr/>
-          <p:nvPr/>
-        </p:nvSpPr>
-        <p:spPr>
-          <a:xfrm>
-            <a:off x="3677027" y="1656136"/>
-            <a:ext cx="749619" cy="552516"/>
-          </a:xfrm>
-          <a:prstGeom prst="roundRect">
-            <a:avLst/>
-          </a:prstGeom>
-        </p:spPr>
-        <p:style>
-          <a:lnRef idx="1">
-            <a:schemeClr val="accent1"/>
-          </a:lnRef>
-          <a:fillRef idx="3">
-            <a:schemeClr val="accent1"/>
-          </a:fillRef>
-          <a:effectRef idx="2">
-            <a:schemeClr val="accent1"/>
-          </a:effectRef>
-          <a:fontRef idx="minor">
-            <a:schemeClr val="lt1"/>
-          </a:fontRef>
-        </p:style>
-        <p:txBody>
-          <a:bodyPr rtlCol="0" anchor="b"/>
-          <a:lstStyle/>
-          <a:p>
-            <a:pPr algn="ctr"/>
-            <a:r>
-              <a:rPr lang="en-US" sz="3200" b="1">
-                <a:solidFill>
-                  <a:schemeClr val="tx1"/>
-                </a:solidFill>
-              </a:rPr>
-              <a:t>K</a:t>
-            </a:r>
-            <a:r>
-              <a:rPr lang="en-US" sz="3200" b="1" baseline="-25000">
-                <a:solidFill>
-                  <a:schemeClr val="tx1"/>
-                </a:solidFill>
-              </a:rPr>
-              <a:t>P</a:t>
-            </a:r>
-            <a:endParaRPr lang="en-US" sz="3200" b="1">
-              <a:solidFill>
-                <a:schemeClr val="tx1"/>
-              </a:solidFill>
-            </a:endParaRPr>
-          </a:p>
-        </p:txBody>
-      </p:sp>
-      <p:cxnSp>
-        <p:nvCxnSpPr>
-          <p:cNvPr id="29" name="Straight Arrow Connector 28"/>
-          <p:cNvCxnSpPr/>
-          <p:nvPr/>
-        </p:nvCxnSpPr>
-        <p:spPr>
-          <a:xfrm rot="10800000">
-            <a:off x="2629642" y="2786062"/>
-            <a:ext cx="1047386" cy="1588"/>
-          </a:xfrm>
-          <a:prstGeom prst="straightConnector1">
-            <a:avLst/>
-          </a:prstGeom>
-          <a:ln>
-            <a:tailEnd type="arrow"/>
-          </a:ln>
-        </p:spPr>
-        <p:style>
-          <a:lnRef idx="2">
-            <a:schemeClr val="accent1"/>
-          </a:lnRef>
-          <a:fillRef idx="0">
-            <a:schemeClr val="accent1"/>
-          </a:fillRef>
-          <a:effectRef idx="1">
-            <a:schemeClr val="accent1"/>
-          </a:effectRef>
-          <a:fontRef idx="minor">
-            <a:schemeClr val="tx1"/>
-          </a:fontRef>
-        </p:style>
-      </p:cxnSp>
-      <p:cxnSp>
-        <p:nvCxnSpPr>
-          <p:cNvPr id="30" name="Straight Arrow Connector 29"/>
-          <p:cNvCxnSpPr/>
-          <p:nvPr/>
-        </p:nvCxnSpPr>
-        <p:spPr>
-          <a:xfrm rot="16200000" flipH="1">
-            <a:off x="2029300" y="2189839"/>
-            <a:ext cx="524423" cy="2"/>
-          </a:xfrm>
-          <a:prstGeom prst="straightConnector1">
-            <a:avLst/>
-          </a:prstGeom>
-          <a:ln>
-            <a:tailEnd type="arrow"/>
-          </a:ln>
-        </p:spPr>
-        <p:style>
-          <a:lnRef idx="2">
-            <a:schemeClr val="accent1"/>
-          </a:lnRef>
-          <a:fillRef idx="0">
-            <a:schemeClr val="accent1"/>
-          </a:fillRef>
-          <a:effectRef idx="1">
-            <a:schemeClr val="accent1"/>
-          </a:effectRef>
-          <a:fontRef idx="minor">
-            <a:schemeClr val="tx1"/>
-          </a:fontRef>
-        </p:style>
-      </p:cxnSp>
-      <p:cxnSp>
-        <p:nvCxnSpPr>
-          <p:cNvPr id="31" name="Straight Arrow Connector 30"/>
-          <p:cNvCxnSpPr>
-            <a:endCxn id="38" idx="4"/>
-          </p:cNvCxnSpPr>
-          <p:nvPr/>
-        </p:nvCxnSpPr>
-        <p:spPr>
-          <a:xfrm rot="5400000" flipH="1" flipV="1">
-            <a:off x="2032229" y="3381091"/>
-            <a:ext cx="522042" cy="1588"/>
-          </a:xfrm>
-          <a:prstGeom prst="straightConnector1">
-            <a:avLst/>
-          </a:prstGeom>
-          <a:ln>
-            <a:tailEnd type="arrow"/>
-          </a:ln>
-        </p:spPr>
-        <p:style>
-          <a:lnRef idx="2">
-            <a:schemeClr val="accent1"/>
-          </a:lnRef>
-          <a:fillRef idx="0">
-            <a:schemeClr val="accent1"/>
-          </a:fillRef>
-          <a:effectRef idx="1">
-            <a:schemeClr val="accent1"/>
-          </a:effectRef>
-          <a:fontRef idx="minor">
-            <a:schemeClr val="tx1"/>
-          </a:fontRef>
-        </p:style>
-      </p:cxnSp>
-      <p:sp>
-        <p:nvSpPr>
-          <p:cNvPr id="38" name="Oval 37"/>
-          <p:cNvSpPr/>
-          <p:nvPr/>
-        </p:nvSpPr>
-        <p:spPr>
-          <a:xfrm>
-            <a:off x="1959241" y="2452053"/>
-            <a:ext cx="668017" cy="668017"/>
-          </a:xfrm>
-          <a:prstGeom prst="ellipse">
-            <a:avLst/>
-          </a:prstGeom>
-        </p:spPr>
-        <p:style>
-          <a:lnRef idx="1">
-            <a:schemeClr val="accent1"/>
-          </a:lnRef>
-          <a:fillRef idx="3">
-            <a:schemeClr val="accent1"/>
-          </a:fillRef>
-          <a:effectRef idx="2">
-            <a:schemeClr val="accent1"/>
-          </a:effectRef>
-          <a:fontRef idx="minor">
-            <a:schemeClr val="lt1"/>
-          </a:fontRef>
-        </p:style>
-        <p:txBody>
-          <a:bodyPr rtlCol="0" anchor="ctr"/>
-          <a:lstStyle/>
-          <a:p>
-            <a:pPr algn="ctr"/>
-            <a:endParaRPr lang="en-US"/>
-          </a:p>
-        </p:txBody>
-      </p:sp>
-      <p:cxnSp>
-        <p:nvCxnSpPr>
-          <p:cNvPr id="39" name="Straight Connector 38"/>
-          <p:cNvCxnSpPr/>
-          <p:nvPr/>
-        </p:nvCxnSpPr>
-        <p:spPr>
-          <a:xfrm>
-            <a:off x="2291510" y="1926040"/>
-            <a:ext cx="1387900" cy="1588"/>
-          </a:xfrm>
-          <a:prstGeom prst="line">
-            <a:avLst/>
-          </a:prstGeom>
-        </p:spPr>
-        <p:style>
-          <a:lnRef idx="2">
-            <a:schemeClr val="accent1"/>
-          </a:lnRef>
-          <a:fillRef idx="0">
-            <a:schemeClr val="accent1"/>
-          </a:fillRef>
-          <a:effectRef idx="1">
-            <a:schemeClr val="accent1"/>
-          </a:effectRef>
-          <a:fontRef idx="minor">
-            <a:schemeClr val="tx1"/>
-          </a:fontRef>
-        </p:style>
-      </p:cxnSp>
-      <p:cxnSp>
-        <p:nvCxnSpPr>
-          <p:cNvPr id="43" name="Straight Connector 42"/>
-          <p:cNvCxnSpPr/>
-          <p:nvPr/>
-        </p:nvCxnSpPr>
-        <p:spPr>
-          <a:xfrm>
-            <a:off x="2289127" y="3643701"/>
-            <a:ext cx="1387900" cy="1588"/>
-          </a:xfrm>
-          <a:prstGeom prst="line">
-            <a:avLst/>
-          </a:prstGeom>
-        </p:spPr>
-        <p:style>
-          <a:lnRef idx="2">
-            <a:schemeClr val="accent1"/>
-          </a:lnRef>
-          <a:fillRef idx="0">
-            <a:schemeClr val="accent1"/>
-          </a:fillRef>
-          <a:effectRef idx="1">
-            <a:schemeClr val="accent1"/>
-          </a:effectRef>
-          <a:fontRef idx="minor">
-            <a:schemeClr val="tx1"/>
-          </a:fontRef>
-        </p:style>
-      </p:cxnSp>
-      <p:cxnSp>
-        <p:nvCxnSpPr>
-          <p:cNvPr id="44" name="Straight Arrow Connector 43"/>
-          <p:cNvCxnSpPr/>
-          <p:nvPr/>
-        </p:nvCxnSpPr>
-        <p:spPr>
-          <a:xfrm rot="10800000">
-            <a:off x="911855" y="2784474"/>
-            <a:ext cx="1047386" cy="1588"/>
-          </a:xfrm>
-          <a:prstGeom prst="straightConnector1">
-            <a:avLst/>
-          </a:prstGeom>
-          <a:ln>
-            <a:tailEnd type="arrow"/>
-          </a:ln>
-        </p:spPr>
-        <p:style>
-          <a:lnRef idx="2">
-            <a:schemeClr val="accent1"/>
-          </a:lnRef>
-          <a:fillRef idx="0">
-            <a:schemeClr val="accent1"/>
-          </a:fillRef>
-          <a:effectRef idx="1">
-            <a:schemeClr val="accent1"/>
-          </a:effectRef>
-          <a:fontRef idx="minor">
-            <a:schemeClr val="tx1"/>
-          </a:fontRef>
-        </p:style>
-      </p:cxnSp>
-      <p:sp>
-        <p:nvSpPr>
-          <p:cNvPr id="45" name="Rounded Rectangle 44"/>
-          <p:cNvSpPr/>
-          <p:nvPr/>
-        </p:nvSpPr>
-        <p:spPr>
-          <a:xfrm>
-            <a:off x="3677027" y="2508216"/>
-            <a:ext cx="749619" cy="552516"/>
-          </a:xfrm>
-          <a:prstGeom prst="roundRect">
-            <a:avLst/>
-          </a:prstGeom>
-        </p:spPr>
-        <p:style>
-          <a:lnRef idx="1">
-            <a:schemeClr val="accent1"/>
-          </a:lnRef>
-          <a:fillRef idx="3">
-            <a:schemeClr val="accent1"/>
-          </a:fillRef>
-          <a:effectRef idx="2">
-            <a:schemeClr val="accent1"/>
-          </a:effectRef>
-          <a:fontRef idx="minor">
-            <a:schemeClr val="lt1"/>
-          </a:fontRef>
-        </p:style>
-        <p:txBody>
-          <a:bodyPr rtlCol="0" anchor="b"/>
-          <a:lstStyle/>
-          <a:p>
-            <a:pPr algn="ctr"/>
-            <a:endParaRPr lang="en-US" sz="3200" b="1"/>
-          </a:p>
-        </p:txBody>
-      </p:sp>
-      <p:sp>
-        <p:nvSpPr>
-          <p:cNvPr id="46" name="Rounded Rectangle 45"/>
-          <p:cNvSpPr/>
-          <p:nvPr/>
-        </p:nvSpPr>
-        <p:spPr>
-          <a:xfrm>
-            <a:off x="3679410" y="3383780"/>
-            <a:ext cx="747236" cy="552516"/>
-          </a:xfrm>
-          <a:prstGeom prst="roundRect">
-            <a:avLst/>
-          </a:prstGeom>
-        </p:spPr>
-        <p:style>
-          <a:lnRef idx="1">
-            <a:schemeClr val="accent1"/>
-          </a:lnRef>
-          <a:fillRef idx="3">
-            <a:schemeClr val="accent1"/>
-          </a:fillRef>
-          <a:effectRef idx="2">
-            <a:schemeClr val="accent1"/>
-          </a:effectRef>
-          <a:fontRef idx="minor">
-            <a:schemeClr val="lt1"/>
-          </a:fontRef>
-        </p:style>
-        <p:txBody>
-          <a:bodyPr rtlCol="0" anchor="b"/>
-          <a:lstStyle/>
-          <a:p>
-            <a:pPr algn="ctr"/>
-            <a:endParaRPr lang="en-US" sz="3200" b="1"/>
-          </a:p>
-        </p:txBody>
-      </p:sp>
-      <p:graphicFrame>
-        <p:nvGraphicFramePr>
-          <p:cNvPr id="47" name="Object 46"/>
-          <p:cNvGraphicFramePr>
-            <a:graphicFrameLocks noChangeAspect="1"/>
-          </p:cNvGraphicFramePr>
-          <p:nvPr/>
-        </p:nvGraphicFramePr>
-        <p:xfrm>
-          <a:off x="3903210" y="2508216"/>
-          <a:ext cx="523436" cy="552516"/>
-        </p:xfrm>
-        <a:graphic>
-          <a:graphicData uri="http://schemas.openxmlformats.org/presentationml/2006/ole">
-            <p:oleObj spid="_x0000_s17410" name="Equation" r:id="rId4" imgW="228600" imgH="241300" progId="Equation.3">
-              <p:embed/>
-            </p:oleObj>
-          </a:graphicData>
-        </a:graphic>
-      </p:graphicFrame>
-      <p:graphicFrame>
-        <p:nvGraphicFramePr>
-          <p:cNvPr id="17411" name="Object 3"/>
-          <p:cNvGraphicFramePr>
-            <a:graphicFrameLocks noChangeAspect="1"/>
-          </p:cNvGraphicFramePr>
-          <p:nvPr/>
-        </p:nvGraphicFramePr>
-        <p:xfrm>
-          <a:off x="3903210" y="3382860"/>
-          <a:ext cx="299872" cy="561440"/>
-        </p:xfrm>
-        <a:graphic>
-          <a:graphicData uri="http://schemas.openxmlformats.org/presentationml/2006/ole">
-            <p:oleObj spid="_x0000_s17411" name="Equation" r:id="rId5" imgW="190500" imgH="355600" progId="Equation.3">
-              <p:embed/>
-            </p:oleObj>
-          </a:graphicData>
-        </a:graphic>
-      </p:graphicFrame>
-      <p:sp>
-        <p:nvSpPr>
-          <p:cNvPr id="48" name="TextBox 47"/>
-          <p:cNvSpPr txBox="1"/>
-          <p:nvPr/>
-        </p:nvSpPr>
-        <p:spPr>
-          <a:xfrm>
-            <a:off x="5765356" y="2608998"/>
-            <a:ext cx="440145" cy="707886"/>
+        </p:spPr>
+      </p:pic>
+      <p:pic>
+        <p:nvPicPr>
+          <p:cNvPr id="7" name="Picture 6" descr="Screen Shot 2013-05-04 at 1.39.54 PM.png"/>
+          <p:cNvPicPr>
+            <a:picLocks noChangeAspect="1"/>
+          </p:cNvPicPr>
+          <p:nvPr/>
+        </p:nvPicPr>
+        <p:blipFill>
+          <a:blip r:embed="rId5"/>
+          <a:stretch>
+            <a:fillRect/>
+          </a:stretch>
+        </p:blipFill>
+        <p:spPr>
+          <a:xfrm>
+            <a:off x="3777188" y="3336993"/>
+            <a:ext cx="2238286" cy="632152"/>
           </a:xfrm>
           <a:prstGeom prst="rect">
             <a:avLst/>
           </a:prstGeom>
-          <a:noFill/>
-        </p:spPr>
-        <p:txBody>
-          <a:bodyPr wrap="none" rtlCol="0">
-            <a:spAutoFit/>
-          </a:bodyPr>
-          <a:lstStyle/>
-          <a:p>
-            <a:r>
-              <a:rPr lang="en-US" sz="4000"/>
-              <a:t>+</a:t>
-            </a:r>
-          </a:p>
-        </p:txBody>
-      </p:sp>
-      <p:sp>
-        <p:nvSpPr>
-          <p:cNvPr id="49" name="TextBox 48"/>
-          <p:cNvSpPr txBox="1"/>
-          <p:nvPr/>
-        </p:nvSpPr>
-        <p:spPr>
-          <a:xfrm>
-            <a:off x="5987017" y="2253355"/>
-            <a:ext cx="396676" cy="923330"/>
-          </a:xfrm>
-          <a:prstGeom prst="rect">
-            <a:avLst/>
-          </a:prstGeom>
-          <a:noFill/>
-        </p:spPr>
-        <p:txBody>
-          <a:bodyPr wrap="none" rtlCol="0">
-            <a:spAutoFit/>
-          </a:bodyPr>
-          <a:lstStyle/>
-          <a:p>
-            <a:r>
-              <a:rPr lang="en-US" sz="5400"/>
-              <a:t>-</a:t>
-            </a:r>
-          </a:p>
-        </p:txBody>
-      </p:sp>
-      <p:sp>
-        <p:nvSpPr>
-          <p:cNvPr id="50" name="TextBox 49"/>
-          <p:cNvSpPr txBox="1"/>
-          <p:nvPr/>
-        </p:nvSpPr>
-        <p:spPr>
-          <a:xfrm>
-            <a:off x="2085548" y="2587336"/>
-            <a:ext cx="440145" cy="707886"/>
-          </a:xfrm>
-          <a:prstGeom prst="rect">
-            <a:avLst/>
-          </a:prstGeom>
-          <a:noFill/>
-        </p:spPr>
-        <p:txBody>
-          <a:bodyPr wrap="none" rtlCol="0">
-            <a:spAutoFit/>
-          </a:bodyPr>
-          <a:lstStyle/>
-          <a:p>
-            <a:r>
-              <a:rPr lang="en-US" sz="4000"/>
-              <a:t>+</a:t>
-            </a:r>
-          </a:p>
-        </p:txBody>
-      </p:sp>
-      <p:sp>
-        <p:nvSpPr>
-          <p:cNvPr id="51" name="TextBox 50"/>
-          <p:cNvSpPr txBox="1"/>
-          <p:nvPr/>
-        </p:nvSpPr>
-        <p:spPr>
-          <a:xfrm>
-            <a:off x="2294044" y="2352846"/>
-            <a:ext cx="440145" cy="707886"/>
-          </a:xfrm>
-          <a:prstGeom prst="rect">
-            <a:avLst/>
-          </a:prstGeom>
-          <a:noFill/>
-        </p:spPr>
-        <p:txBody>
-          <a:bodyPr wrap="none" rtlCol="0">
-            <a:spAutoFit/>
-          </a:bodyPr>
-          <a:lstStyle/>
-          <a:p>
-            <a:r>
-              <a:rPr lang="en-US" sz="4000"/>
-              <a:t>+</a:t>
-            </a:r>
-          </a:p>
-        </p:txBody>
-      </p:sp>
-      <p:sp>
-        <p:nvSpPr>
-          <p:cNvPr id="52" name="TextBox 51"/>
-          <p:cNvSpPr txBox="1"/>
-          <p:nvPr/>
-        </p:nvSpPr>
-        <p:spPr>
-          <a:xfrm>
-            <a:off x="2069054" y="2154273"/>
-            <a:ext cx="440145" cy="707886"/>
-          </a:xfrm>
-          <a:prstGeom prst="rect">
-            <a:avLst/>
-          </a:prstGeom>
-          <a:noFill/>
-        </p:spPr>
-        <p:txBody>
-          <a:bodyPr wrap="none" rtlCol="0">
-            <a:spAutoFit/>
-          </a:bodyPr>
-          <a:lstStyle/>
-          <a:p>
-            <a:r>
-              <a:rPr lang="en-US" sz="4000"/>
-              <a:t>+</a:t>
-            </a:r>
-          </a:p>
-        </p:txBody>
-      </p:sp>
-      <p:sp>
-        <p:nvSpPr>
-          <p:cNvPr id="53" name="TextBox 52"/>
-          <p:cNvSpPr txBox="1"/>
-          <p:nvPr/>
-        </p:nvSpPr>
-        <p:spPr>
-          <a:xfrm>
-            <a:off x="272156" y="2414401"/>
-            <a:ext cx="731691" cy="707886"/>
-          </a:xfrm>
-          <a:prstGeom prst="rect">
-            <a:avLst/>
-          </a:prstGeom>
-          <a:noFill/>
-        </p:spPr>
-        <p:txBody>
-          <a:bodyPr wrap="none" rtlCol="0">
-            <a:spAutoFit/>
-          </a:bodyPr>
-          <a:lstStyle/>
-          <a:p>
-            <a:r>
-              <a:rPr lang="en-US" sz="2000"/>
-              <a:t>Gate</a:t>
-            </a:r>
-          </a:p>
-          <a:p>
-            <a:r>
-              <a:rPr lang="en-US" sz="2000"/>
-              <a:t>Drive</a:t>
-            </a:r>
-          </a:p>
-        </p:txBody>
-      </p:sp>
-      <p:sp>
-        <p:nvSpPr>
-          <p:cNvPr id="54" name="TextBox 53"/>
-          <p:cNvSpPr txBox="1"/>
-          <p:nvPr/>
-        </p:nvSpPr>
-        <p:spPr>
-          <a:xfrm>
-            <a:off x="8130473" y="2584419"/>
-            <a:ext cx="675335" cy="400110"/>
-          </a:xfrm>
-          <a:prstGeom prst="rect">
-            <a:avLst/>
-          </a:prstGeom>
-          <a:noFill/>
-        </p:spPr>
-        <p:txBody>
-          <a:bodyPr wrap="none" rtlCol="0">
-            <a:spAutoFit/>
-          </a:bodyPr>
-          <a:lstStyle/>
-          <a:p>
-            <a:r>
-              <a:rPr lang="en-US" sz="2000"/>
-              <a:t>Vout</a:t>
-            </a:r>
-          </a:p>
-        </p:txBody>
-      </p:sp>
-      <p:sp>
-        <p:nvSpPr>
-          <p:cNvPr id="64" name="Rounded Rectangle 63"/>
-          <p:cNvSpPr/>
-          <p:nvPr/>
-        </p:nvSpPr>
-        <p:spPr>
-          <a:xfrm>
-            <a:off x="6762644" y="2522550"/>
-            <a:ext cx="921296" cy="552516"/>
-          </a:xfrm>
-          <a:prstGeom prst="roundRect">
-            <a:avLst/>
-          </a:prstGeom>
-        </p:spPr>
-        <p:style>
-          <a:lnRef idx="1">
-            <a:schemeClr val="accent1"/>
-          </a:lnRef>
-          <a:fillRef idx="3">
-            <a:schemeClr val="accent1"/>
-          </a:fillRef>
-          <a:effectRef idx="2">
-            <a:schemeClr val="accent1"/>
-          </a:effectRef>
-          <a:fontRef idx="minor">
-            <a:schemeClr val="lt1"/>
-          </a:fontRef>
-        </p:style>
-        <p:txBody>
-          <a:bodyPr rtlCol="0" anchor="b"/>
-          <a:lstStyle/>
-          <a:p>
-            <a:pPr algn="ctr"/>
-            <a:r>
-              <a:rPr lang="en-US" sz="3200" b="1">
-                <a:solidFill>
-                  <a:schemeClr val="tx1"/>
-                </a:solidFill>
-              </a:rPr>
-              <a:t>H</a:t>
-            </a:r>
-          </a:p>
-        </p:txBody>
-      </p:sp>
-      <p:cxnSp>
-        <p:nvCxnSpPr>
-          <p:cNvPr id="69" name="Straight Arrow Connector 68"/>
-          <p:cNvCxnSpPr/>
-          <p:nvPr/>
-        </p:nvCxnSpPr>
-        <p:spPr>
-          <a:xfrm rot="10800000">
-            <a:off x="7683940" y="2798832"/>
-            <a:ext cx="446533" cy="1589"/>
-          </a:xfrm>
-          <a:prstGeom prst="straightConnector1">
-            <a:avLst/>
-          </a:prstGeom>
-          <a:ln>
-            <a:tailEnd type="arrow"/>
-          </a:ln>
-        </p:spPr>
-        <p:style>
-          <a:lnRef idx="2">
-            <a:schemeClr val="accent1"/>
-          </a:lnRef>
-          <a:fillRef idx="0">
-            <a:schemeClr val="accent1"/>
-          </a:fillRef>
-          <a:effectRef idx="1">
-            <a:schemeClr val="accent1"/>
-          </a:effectRef>
-          <a:fontRef idx="minor">
-            <a:schemeClr val="tx1"/>
-          </a:fontRef>
-        </p:style>
-      </p:cxnSp>
-      <p:sp>
-        <p:nvSpPr>
-          <p:cNvPr id="70" name="TextBox 69"/>
-          <p:cNvSpPr txBox="1"/>
-          <p:nvPr/>
-        </p:nvSpPr>
-        <p:spPr>
-          <a:xfrm>
-            <a:off x="5708358" y="3936296"/>
-            <a:ext cx="620683" cy="400110"/>
-          </a:xfrm>
-          <a:prstGeom prst="rect">
-            <a:avLst/>
-          </a:prstGeom>
-          <a:noFill/>
-        </p:spPr>
-        <p:txBody>
-          <a:bodyPr wrap="none" rtlCol="0">
-            <a:spAutoFit/>
-          </a:bodyPr>
-          <a:lstStyle/>
-          <a:p>
-            <a:r>
-              <a:rPr lang="en-US" sz="2000"/>
-              <a:t>Vref</a:t>
-            </a:r>
-          </a:p>
-        </p:txBody>
-      </p:sp>
+        </p:spPr>
+      </p:pic>
     </p:spTree>
   </p:cSld>
   <p:clrMapOvr>
     <a:masterClrMapping/>
   </p:clrMapOvr>
-  <p:timing>
-    <p:tnLst>
-      <p:par>
-        <p:cTn id="1" dur="indefinite" restart="never" nodeType="tmRoot"/>
-      </p:par>
-    </p:tnLst>
-  </p:timing>
 </p:sld>
 </file>
 
@@ -7364,7 +6534,7 @@
           <p:nvPr/>
         </p:nvPicPr>
         <p:blipFill>
-          <a:blip r:embed="rId2"/>
+          <a:blip r:embed="rId3"/>
           <a:stretch>
             <a:fillRect/>
           </a:stretch>
@@ -7417,35 +6587,996 @@
                 <a:latin typeface="Helvetica Neue"/>
                 <a:cs typeface="Helvetica Neue"/>
               </a:rPr>
-              <a:t>PID: Great Results, But Too Large</a:t>
-            </a:r>
-          </a:p>
-        </p:txBody>
-      </p:sp>
-      <p:pic>
-        <p:nvPicPr>
-          <p:cNvPr id="5" name="Picture 4" descr="pid_big.png"/>
-          <p:cNvPicPr>
-            <a:picLocks noChangeAspect="1"/>
-          </p:cNvPicPr>
-          <p:nvPr/>
-        </p:nvPicPr>
-        <p:blipFill>
-          <a:blip r:embed="rId3"/>
-          <a:stretch>
-            <a:fillRect/>
-          </a:stretch>
-        </p:blipFill>
-        <p:spPr>
-          <a:xfrm>
-            <a:off x="482721" y="950427"/>
-            <a:ext cx="8287346" cy="4494734"/>
+              <a:t>First Control System Attempt: PID</a:t>
+            </a:r>
+          </a:p>
+        </p:txBody>
+      </p:sp>
+      <p:cxnSp>
+        <p:nvCxnSpPr>
+          <p:cNvPr id="6" name="Straight Arrow Connector 5"/>
+          <p:cNvCxnSpPr/>
+          <p:nvPr/>
+        </p:nvCxnSpPr>
+        <p:spPr>
+          <a:xfrm rot="10800000">
+            <a:off x="6316111" y="2797243"/>
+            <a:ext cx="446533" cy="1589"/>
+          </a:xfrm>
+          <a:prstGeom prst="straightConnector1">
+            <a:avLst/>
+          </a:prstGeom>
+          <a:ln>
+            <a:tailEnd type="arrow"/>
+          </a:ln>
+        </p:spPr>
+        <p:style>
+          <a:lnRef idx="2">
+            <a:schemeClr val="accent1"/>
+          </a:lnRef>
+          <a:fillRef idx="0">
+            <a:schemeClr val="accent1"/>
+          </a:fillRef>
+          <a:effectRef idx="1">
+            <a:schemeClr val="accent1"/>
+          </a:effectRef>
+          <a:fontRef idx="minor">
+            <a:schemeClr val="tx1"/>
+          </a:fontRef>
+        </p:style>
+      </p:cxnSp>
+      <p:sp>
+        <p:nvSpPr>
+          <p:cNvPr id="7" name="Oval 6"/>
+          <p:cNvSpPr/>
+          <p:nvPr/>
+        </p:nvSpPr>
+        <p:spPr>
+          <a:xfrm>
+            <a:off x="5648091" y="2464821"/>
+            <a:ext cx="668017" cy="668017"/>
+          </a:xfrm>
+          <a:prstGeom prst="ellipse">
+            <a:avLst/>
+          </a:prstGeom>
+        </p:spPr>
+        <p:style>
+          <a:lnRef idx="1">
+            <a:schemeClr val="accent1"/>
+          </a:lnRef>
+          <a:fillRef idx="3">
+            <a:schemeClr val="accent1"/>
+          </a:fillRef>
+          <a:effectRef idx="2">
+            <a:schemeClr val="accent1"/>
+          </a:effectRef>
+          <a:fontRef idx="minor">
+            <a:schemeClr val="lt1"/>
+          </a:fontRef>
+        </p:style>
+        <p:txBody>
+          <a:bodyPr rtlCol="0" anchor="ctr"/>
+          <a:lstStyle/>
+          <a:p>
+            <a:pPr algn="ctr"/>
+            <a:endParaRPr lang="en-US"/>
+          </a:p>
+        </p:txBody>
+      </p:sp>
+      <p:cxnSp>
+        <p:nvCxnSpPr>
+          <p:cNvPr id="10" name="Straight Arrow Connector 9"/>
+          <p:cNvCxnSpPr/>
+          <p:nvPr/>
+        </p:nvCxnSpPr>
+        <p:spPr>
+          <a:xfrm rot="5400000" flipH="1" flipV="1">
+            <a:off x="5572642" y="3538172"/>
+            <a:ext cx="810668" cy="1588"/>
+          </a:xfrm>
+          <a:prstGeom prst="straightConnector1">
+            <a:avLst/>
+          </a:prstGeom>
+          <a:ln>
+            <a:tailEnd type="arrow"/>
+          </a:ln>
+        </p:spPr>
+        <p:style>
+          <a:lnRef idx="2">
+            <a:schemeClr val="accent1"/>
+          </a:lnRef>
+          <a:fillRef idx="0">
+            <a:schemeClr val="accent1"/>
+          </a:fillRef>
+          <a:effectRef idx="1">
+            <a:schemeClr val="accent1"/>
+          </a:effectRef>
+          <a:fontRef idx="minor">
+            <a:schemeClr val="tx1"/>
+          </a:fontRef>
+        </p:style>
+      </p:cxnSp>
+      <p:cxnSp>
+        <p:nvCxnSpPr>
+          <p:cNvPr id="12" name="Straight Arrow Connector 11"/>
+          <p:cNvCxnSpPr/>
+          <p:nvPr/>
+        </p:nvCxnSpPr>
+        <p:spPr>
+          <a:xfrm rot="10800000" flipV="1">
+            <a:off x="4426646" y="2789238"/>
+            <a:ext cx="1221446" cy="9592"/>
+          </a:xfrm>
+          <a:prstGeom prst="straightConnector1">
+            <a:avLst/>
+          </a:prstGeom>
+          <a:ln>
+            <a:tailEnd type="arrow"/>
+          </a:ln>
+        </p:spPr>
+        <p:style>
+          <a:lnRef idx="2">
+            <a:schemeClr val="accent1"/>
+          </a:lnRef>
+          <a:fillRef idx="0">
+            <a:schemeClr val="accent1"/>
+          </a:fillRef>
+          <a:effectRef idx="1">
+            <a:schemeClr val="accent1"/>
+          </a:effectRef>
+          <a:fontRef idx="minor">
+            <a:schemeClr val="tx1"/>
+          </a:fontRef>
+        </p:style>
+      </p:cxnSp>
+      <p:cxnSp>
+        <p:nvCxnSpPr>
+          <p:cNvPr id="15" name="Straight Connector 14"/>
+          <p:cNvCxnSpPr/>
+          <p:nvPr/>
+        </p:nvCxnSpPr>
+        <p:spPr>
+          <a:xfrm rot="5400000">
+            <a:off x="4753554" y="2365038"/>
+            <a:ext cx="856049" cy="1588"/>
+          </a:xfrm>
+          <a:prstGeom prst="line">
+            <a:avLst/>
+          </a:prstGeom>
+        </p:spPr>
+        <p:style>
+          <a:lnRef idx="2">
+            <a:schemeClr val="accent1"/>
+          </a:lnRef>
+          <a:fillRef idx="0">
+            <a:schemeClr val="accent1"/>
+          </a:fillRef>
+          <a:effectRef idx="1">
+            <a:schemeClr val="accent1"/>
+          </a:effectRef>
+          <a:fontRef idx="minor">
+            <a:schemeClr val="tx1"/>
+          </a:fontRef>
+        </p:style>
+      </p:cxnSp>
+      <p:cxnSp>
+        <p:nvCxnSpPr>
+          <p:cNvPr id="18" name="Straight Connector 17"/>
+          <p:cNvCxnSpPr/>
+          <p:nvPr/>
+        </p:nvCxnSpPr>
+        <p:spPr>
+          <a:xfrm rot="5400000">
+            <a:off x="4751965" y="3220294"/>
+            <a:ext cx="856049" cy="1588"/>
+          </a:xfrm>
+          <a:prstGeom prst="line">
+            <a:avLst/>
+          </a:prstGeom>
+        </p:spPr>
+        <p:style>
+          <a:lnRef idx="2">
+            <a:schemeClr val="accent1"/>
+          </a:lnRef>
+          <a:fillRef idx="0">
+            <a:schemeClr val="accent1"/>
+          </a:fillRef>
+          <a:effectRef idx="1">
+            <a:schemeClr val="accent1"/>
+          </a:effectRef>
+          <a:fontRef idx="minor">
+            <a:schemeClr val="tx1"/>
+          </a:fontRef>
+        </p:style>
+      </p:cxnSp>
+      <p:cxnSp>
+        <p:nvCxnSpPr>
+          <p:cNvPr id="19" name="Straight Arrow Connector 18"/>
+          <p:cNvCxnSpPr/>
+          <p:nvPr/>
+        </p:nvCxnSpPr>
+        <p:spPr>
+          <a:xfrm rot="10800000" flipV="1">
+            <a:off x="4426647" y="1926040"/>
+            <a:ext cx="752551" cy="15946"/>
+          </a:xfrm>
+          <a:prstGeom prst="straightConnector1">
+            <a:avLst/>
+          </a:prstGeom>
+          <a:ln>
+            <a:tailEnd type="arrow"/>
+          </a:ln>
+        </p:spPr>
+        <p:style>
+          <a:lnRef idx="2">
+            <a:schemeClr val="accent1"/>
+          </a:lnRef>
+          <a:fillRef idx="0">
+            <a:schemeClr val="accent1"/>
+          </a:fillRef>
+          <a:effectRef idx="1">
+            <a:schemeClr val="accent1"/>
+          </a:effectRef>
+          <a:fontRef idx="minor">
+            <a:schemeClr val="tx1"/>
+          </a:fontRef>
+        </p:style>
+      </p:cxnSp>
+      <p:cxnSp>
+        <p:nvCxnSpPr>
+          <p:cNvPr id="20" name="Straight Arrow Connector 19"/>
+          <p:cNvCxnSpPr/>
+          <p:nvPr/>
+        </p:nvCxnSpPr>
+        <p:spPr>
+          <a:xfrm rot="10800000">
+            <a:off x="4426648" y="3645290"/>
+            <a:ext cx="752549" cy="1"/>
+          </a:xfrm>
+          <a:prstGeom prst="straightConnector1">
+            <a:avLst/>
+          </a:prstGeom>
+          <a:ln>
+            <a:tailEnd type="arrow"/>
+          </a:ln>
+        </p:spPr>
+        <p:style>
+          <a:lnRef idx="2">
+            <a:schemeClr val="accent1"/>
+          </a:lnRef>
+          <a:fillRef idx="0">
+            <a:schemeClr val="accent1"/>
+          </a:fillRef>
+          <a:effectRef idx="1">
+            <a:schemeClr val="accent1"/>
+          </a:effectRef>
+          <a:fontRef idx="minor">
+            <a:schemeClr val="tx1"/>
+          </a:fontRef>
+        </p:style>
+      </p:cxnSp>
+      <p:sp>
+        <p:nvSpPr>
+          <p:cNvPr id="21" name="Rounded Rectangle 20"/>
+          <p:cNvSpPr/>
+          <p:nvPr/>
+        </p:nvSpPr>
+        <p:spPr>
+          <a:xfrm>
+            <a:off x="3677027" y="1656136"/>
+            <a:ext cx="749619" cy="552516"/>
+          </a:xfrm>
+          <a:prstGeom prst="roundRect">
+            <a:avLst/>
+          </a:prstGeom>
+        </p:spPr>
+        <p:style>
+          <a:lnRef idx="1">
+            <a:schemeClr val="accent1"/>
+          </a:lnRef>
+          <a:fillRef idx="3">
+            <a:schemeClr val="accent1"/>
+          </a:fillRef>
+          <a:effectRef idx="2">
+            <a:schemeClr val="accent1"/>
+          </a:effectRef>
+          <a:fontRef idx="minor">
+            <a:schemeClr val="lt1"/>
+          </a:fontRef>
+        </p:style>
+        <p:txBody>
+          <a:bodyPr rtlCol="0" anchor="b"/>
+          <a:lstStyle/>
+          <a:p>
+            <a:pPr algn="ctr"/>
+            <a:r>
+              <a:rPr lang="en-US" sz="3200" b="1">
+                <a:solidFill>
+                  <a:schemeClr val="tx1"/>
+                </a:solidFill>
+              </a:rPr>
+              <a:t>K</a:t>
+            </a:r>
+            <a:r>
+              <a:rPr lang="en-US" sz="3200" b="1" baseline="-25000">
+                <a:solidFill>
+                  <a:schemeClr val="tx1"/>
+                </a:solidFill>
+              </a:rPr>
+              <a:t>P</a:t>
+            </a:r>
+            <a:endParaRPr lang="en-US" sz="3200" b="1">
+              <a:solidFill>
+                <a:schemeClr val="tx1"/>
+              </a:solidFill>
+            </a:endParaRPr>
+          </a:p>
+        </p:txBody>
+      </p:sp>
+      <p:cxnSp>
+        <p:nvCxnSpPr>
+          <p:cNvPr id="29" name="Straight Arrow Connector 28"/>
+          <p:cNvCxnSpPr/>
+          <p:nvPr/>
+        </p:nvCxnSpPr>
+        <p:spPr>
+          <a:xfrm rot="10800000">
+            <a:off x="2629642" y="2786062"/>
+            <a:ext cx="1047386" cy="1588"/>
+          </a:xfrm>
+          <a:prstGeom prst="straightConnector1">
+            <a:avLst/>
+          </a:prstGeom>
+          <a:ln>
+            <a:tailEnd type="arrow"/>
+          </a:ln>
+        </p:spPr>
+        <p:style>
+          <a:lnRef idx="2">
+            <a:schemeClr val="accent1"/>
+          </a:lnRef>
+          <a:fillRef idx="0">
+            <a:schemeClr val="accent1"/>
+          </a:fillRef>
+          <a:effectRef idx="1">
+            <a:schemeClr val="accent1"/>
+          </a:effectRef>
+          <a:fontRef idx="minor">
+            <a:schemeClr val="tx1"/>
+          </a:fontRef>
+        </p:style>
+      </p:cxnSp>
+      <p:cxnSp>
+        <p:nvCxnSpPr>
+          <p:cNvPr id="30" name="Straight Arrow Connector 29"/>
+          <p:cNvCxnSpPr/>
+          <p:nvPr/>
+        </p:nvCxnSpPr>
+        <p:spPr>
+          <a:xfrm rot="16200000" flipH="1">
+            <a:off x="2029300" y="2189839"/>
+            <a:ext cx="524423" cy="2"/>
+          </a:xfrm>
+          <a:prstGeom prst="straightConnector1">
+            <a:avLst/>
+          </a:prstGeom>
+          <a:ln>
+            <a:tailEnd type="arrow"/>
+          </a:ln>
+        </p:spPr>
+        <p:style>
+          <a:lnRef idx="2">
+            <a:schemeClr val="accent1"/>
+          </a:lnRef>
+          <a:fillRef idx="0">
+            <a:schemeClr val="accent1"/>
+          </a:fillRef>
+          <a:effectRef idx="1">
+            <a:schemeClr val="accent1"/>
+          </a:effectRef>
+          <a:fontRef idx="minor">
+            <a:schemeClr val="tx1"/>
+          </a:fontRef>
+        </p:style>
+      </p:cxnSp>
+      <p:cxnSp>
+        <p:nvCxnSpPr>
+          <p:cNvPr id="31" name="Straight Arrow Connector 30"/>
+          <p:cNvCxnSpPr>
+            <a:endCxn id="38" idx="4"/>
+          </p:cNvCxnSpPr>
+          <p:nvPr/>
+        </p:nvCxnSpPr>
+        <p:spPr>
+          <a:xfrm rot="5400000" flipH="1" flipV="1">
+            <a:off x="2032229" y="3381091"/>
+            <a:ext cx="522042" cy="1588"/>
+          </a:xfrm>
+          <a:prstGeom prst="straightConnector1">
+            <a:avLst/>
+          </a:prstGeom>
+          <a:ln>
+            <a:tailEnd type="arrow"/>
+          </a:ln>
+        </p:spPr>
+        <p:style>
+          <a:lnRef idx="2">
+            <a:schemeClr val="accent1"/>
+          </a:lnRef>
+          <a:fillRef idx="0">
+            <a:schemeClr val="accent1"/>
+          </a:fillRef>
+          <a:effectRef idx="1">
+            <a:schemeClr val="accent1"/>
+          </a:effectRef>
+          <a:fontRef idx="minor">
+            <a:schemeClr val="tx1"/>
+          </a:fontRef>
+        </p:style>
+      </p:cxnSp>
+      <p:sp>
+        <p:nvSpPr>
+          <p:cNvPr id="38" name="Oval 37"/>
+          <p:cNvSpPr/>
+          <p:nvPr/>
+        </p:nvSpPr>
+        <p:spPr>
+          <a:xfrm>
+            <a:off x="1959241" y="2452053"/>
+            <a:ext cx="668017" cy="668017"/>
+          </a:xfrm>
+          <a:prstGeom prst="ellipse">
+            <a:avLst/>
+          </a:prstGeom>
+        </p:spPr>
+        <p:style>
+          <a:lnRef idx="1">
+            <a:schemeClr val="accent1"/>
+          </a:lnRef>
+          <a:fillRef idx="3">
+            <a:schemeClr val="accent1"/>
+          </a:fillRef>
+          <a:effectRef idx="2">
+            <a:schemeClr val="accent1"/>
+          </a:effectRef>
+          <a:fontRef idx="minor">
+            <a:schemeClr val="lt1"/>
+          </a:fontRef>
+        </p:style>
+        <p:txBody>
+          <a:bodyPr rtlCol="0" anchor="ctr"/>
+          <a:lstStyle/>
+          <a:p>
+            <a:pPr algn="ctr"/>
+            <a:endParaRPr lang="en-US"/>
+          </a:p>
+        </p:txBody>
+      </p:sp>
+      <p:cxnSp>
+        <p:nvCxnSpPr>
+          <p:cNvPr id="39" name="Straight Connector 38"/>
+          <p:cNvCxnSpPr/>
+          <p:nvPr/>
+        </p:nvCxnSpPr>
+        <p:spPr>
+          <a:xfrm>
+            <a:off x="2291510" y="1926040"/>
+            <a:ext cx="1387900" cy="1588"/>
+          </a:xfrm>
+          <a:prstGeom prst="line">
+            <a:avLst/>
+          </a:prstGeom>
+        </p:spPr>
+        <p:style>
+          <a:lnRef idx="2">
+            <a:schemeClr val="accent1"/>
+          </a:lnRef>
+          <a:fillRef idx="0">
+            <a:schemeClr val="accent1"/>
+          </a:fillRef>
+          <a:effectRef idx="1">
+            <a:schemeClr val="accent1"/>
+          </a:effectRef>
+          <a:fontRef idx="minor">
+            <a:schemeClr val="tx1"/>
+          </a:fontRef>
+        </p:style>
+      </p:cxnSp>
+      <p:cxnSp>
+        <p:nvCxnSpPr>
+          <p:cNvPr id="43" name="Straight Connector 42"/>
+          <p:cNvCxnSpPr/>
+          <p:nvPr/>
+        </p:nvCxnSpPr>
+        <p:spPr>
+          <a:xfrm>
+            <a:off x="2289127" y="3643701"/>
+            <a:ext cx="1387900" cy="1588"/>
+          </a:xfrm>
+          <a:prstGeom prst="line">
+            <a:avLst/>
+          </a:prstGeom>
+        </p:spPr>
+        <p:style>
+          <a:lnRef idx="2">
+            <a:schemeClr val="accent1"/>
+          </a:lnRef>
+          <a:fillRef idx="0">
+            <a:schemeClr val="accent1"/>
+          </a:fillRef>
+          <a:effectRef idx="1">
+            <a:schemeClr val="accent1"/>
+          </a:effectRef>
+          <a:fontRef idx="minor">
+            <a:schemeClr val="tx1"/>
+          </a:fontRef>
+        </p:style>
+      </p:cxnSp>
+      <p:cxnSp>
+        <p:nvCxnSpPr>
+          <p:cNvPr id="44" name="Straight Arrow Connector 43"/>
+          <p:cNvCxnSpPr/>
+          <p:nvPr/>
+        </p:nvCxnSpPr>
+        <p:spPr>
+          <a:xfrm rot="10800000">
+            <a:off x="911855" y="2784474"/>
+            <a:ext cx="1047386" cy="1588"/>
+          </a:xfrm>
+          <a:prstGeom prst="straightConnector1">
+            <a:avLst/>
+          </a:prstGeom>
+          <a:ln>
+            <a:tailEnd type="arrow"/>
+          </a:ln>
+        </p:spPr>
+        <p:style>
+          <a:lnRef idx="2">
+            <a:schemeClr val="accent1"/>
+          </a:lnRef>
+          <a:fillRef idx="0">
+            <a:schemeClr val="accent1"/>
+          </a:fillRef>
+          <a:effectRef idx="1">
+            <a:schemeClr val="accent1"/>
+          </a:effectRef>
+          <a:fontRef idx="minor">
+            <a:schemeClr val="tx1"/>
+          </a:fontRef>
+        </p:style>
+      </p:cxnSp>
+      <p:sp>
+        <p:nvSpPr>
+          <p:cNvPr id="45" name="Rounded Rectangle 44"/>
+          <p:cNvSpPr/>
+          <p:nvPr/>
+        </p:nvSpPr>
+        <p:spPr>
+          <a:xfrm>
+            <a:off x="3677027" y="2508216"/>
+            <a:ext cx="749619" cy="552516"/>
+          </a:xfrm>
+          <a:prstGeom prst="roundRect">
+            <a:avLst/>
+          </a:prstGeom>
+        </p:spPr>
+        <p:style>
+          <a:lnRef idx="1">
+            <a:schemeClr val="accent1"/>
+          </a:lnRef>
+          <a:fillRef idx="3">
+            <a:schemeClr val="accent1"/>
+          </a:fillRef>
+          <a:effectRef idx="2">
+            <a:schemeClr val="accent1"/>
+          </a:effectRef>
+          <a:fontRef idx="minor">
+            <a:schemeClr val="lt1"/>
+          </a:fontRef>
+        </p:style>
+        <p:txBody>
+          <a:bodyPr rtlCol="0" anchor="b"/>
+          <a:lstStyle/>
+          <a:p>
+            <a:pPr algn="ctr"/>
+            <a:endParaRPr lang="en-US" sz="3200" b="1"/>
+          </a:p>
+        </p:txBody>
+      </p:sp>
+      <p:sp>
+        <p:nvSpPr>
+          <p:cNvPr id="46" name="Rounded Rectangle 45"/>
+          <p:cNvSpPr/>
+          <p:nvPr/>
+        </p:nvSpPr>
+        <p:spPr>
+          <a:xfrm>
+            <a:off x="3679410" y="3383780"/>
+            <a:ext cx="747236" cy="552516"/>
+          </a:xfrm>
+          <a:prstGeom prst="roundRect">
+            <a:avLst/>
+          </a:prstGeom>
+        </p:spPr>
+        <p:style>
+          <a:lnRef idx="1">
+            <a:schemeClr val="accent1"/>
+          </a:lnRef>
+          <a:fillRef idx="3">
+            <a:schemeClr val="accent1"/>
+          </a:fillRef>
+          <a:effectRef idx="2">
+            <a:schemeClr val="accent1"/>
+          </a:effectRef>
+          <a:fontRef idx="minor">
+            <a:schemeClr val="lt1"/>
+          </a:fontRef>
+        </p:style>
+        <p:txBody>
+          <a:bodyPr rtlCol="0" anchor="b"/>
+          <a:lstStyle/>
+          <a:p>
+            <a:pPr algn="ctr"/>
+            <a:endParaRPr lang="en-US" sz="3200" b="1"/>
+          </a:p>
+        </p:txBody>
+      </p:sp>
+      <p:graphicFrame>
+        <p:nvGraphicFramePr>
+          <p:cNvPr id="47" name="Object 46"/>
+          <p:cNvGraphicFramePr>
+            <a:graphicFrameLocks noChangeAspect="1"/>
+          </p:cNvGraphicFramePr>
+          <p:nvPr/>
+        </p:nvGraphicFramePr>
+        <p:xfrm>
+          <a:off x="3903210" y="2508216"/>
+          <a:ext cx="523436" cy="552516"/>
+        </p:xfrm>
+        <a:graphic>
+          <a:graphicData uri="http://schemas.openxmlformats.org/presentationml/2006/ole">
+            <p:oleObj spid="_x0000_s17410" name="Equation" r:id="rId4" imgW="228600" imgH="241300" progId="Equation.3">
+              <p:embed/>
+            </p:oleObj>
+          </a:graphicData>
+        </a:graphic>
+      </p:graphicFrame>
+      <p:graphicFrame>
+        <p:nvGraphicFramePr>
+          <p:cNvPr id="17411" name="Object 3"/>
+          <p:cNvGraphicFramePr>
+            <a:graphicFrameLocks noChangeAspect="1"/>
+          </p:cNvGraphicFramePr>
+          <p:nvPr/>
+        </p:nvGraphicFramePr>
+        <p:xfrm>
+          <a:off x="3903210" y="3382860"/>
+          <a:ext cx="299872" cy="561440"/>
+        </p:xfrm>
+        <a:graphic>
+          <a:graphicData uri="http://schemas.openxmlformats.org/presentationml/2006/ole">
+            <p:oleObj spid="_x0000_s17411" name="Equation" r:id="rId5" imgW="190500" imgH="355600" progId="Equation.3">
+              <p:embed/>
+            </p:oleObj>
+          </a:graphicData>
+        </a:graphic>
+      </p:graphicFrame>
+      <p:sp>
+        <p:nvSpPr>
+          <p:cNvPr id="48" name="TextBox 47"/>
+          <p:cNvSpPr txBox="1"/>
+          <p:nvPr/>
+        </p:nvSpPr>
+        <p:spPr>
+          <a:xfrm>
+            <a:off x="5765356" y="2608998"/>
+            <a:ext cx="440145" cy="707886"/>
           </a:xfrm>
           <a:prstGeom prst="rect">
             <a:avLst/>
           </a:prstGeom>
-        </p:spPr>
-      </p:pic>
+          <a:noFill/>
+        </p:spPr>
+        <p:txBody>
+          <a:bodyPr wrap="none" rtlCol="0">
+            <a:spAutoFit/>
+          </a:bodyPr>
+          <a:lstStyle/>
+          <a:p>
+            <a:r>
+              <a:rPr lang="en-US" sz="4000"/>
+              <a:t>+</a:t>
+            </a:r>
+          </a:p>
+        </p:txBody>
+      </p:sp>
+      <p:sp>
+        <p:nvSpPr>
+          <p:cNvPr id="49" name="TextBox 48"/>
+          <p:cNvSpPr txBox="1"/>
+          <p:nvPr/>
+        </p:nvSpPr>
+        <p:spPr>
+          <a:xfrm>
+            <a:off x="5987017" y="2253355"/>
+            <a:ext cx="396676" cy="923330"/>
+          </a:xfrm>
+          <a:prstGeom prst="rect">
+            <a:avLst/>
+          </a:prstGeom>
+          <a:noFill/>
+        </p:spPr>
+        <p:txBody>
+          <a:bodyPr wrap="none" rtlCol="0">
+            <a:spAutoFit/>
+          </a:bodyPr>
+          <a:lstStyle/>
+          <a:p>
+            <a:r>
+              <a:rPr lang="en-US" sz="5400"/>
+              <a:t>-</a:t>
+            </a:r>
+          </a:p>
+        </p:txBody>
+      </p:sp>
+      <p:sp>
+        <p:nvSpPr>
+          <p:cNvPr id="50" name="TextBox 49"/>
+          <p:cNvSpPr txBox="1"/>
+          <p:nvPr/>
+        </p:nvSpPr>
+        <p:spPr>
+          <a:xfrm>
+            <a:off x="2085548" y="2587336"/>
+            <a:ext cx="440145" cy="707886"/>
+          </a:xfrm>
+          <a:prstGeom prst="rect">
+            <a:avLst/>
+          </a:prstGeom>
+          <a:noFill/>
+        </p:spPr>
+        <p:txBody>
+          <a:bodyPr wrap="none" rtlCol="0">
+            <a:spAutoFit/>
+          </a:bodyPr>
+          <a:lstStyle/>
+          <a:p>
+            <a:r>
+              <a:rPr lang="en-US" sz="4000"/>
+              <a:t>+</a:t>
+            </a:r>
+          </a:p>
+        </p:txBody>
+      </p:sp>
+      <p:sp>
+        <p:nvSpPr>
+          <p:cNvPr id="51" name="TextBox 50"/>
+          <p:cNvSpPr txBox="1"/>
+          <p:nvPr/>
+        </p:nvSpPr>
+        <p:spPr>
+          <a:xfrm>
+            <a:off x="2294044" y="2352846"/>
+            <a:ext cx="440145" cy="707886"/>
+          </a:xfrm>
+          <a:prstGeom prst="rect">
+            <a:avLst/>
+          </a:prstGeom>
+          <a:noFill/>
+        </p:spPr>
+        <p:txBody>
+          <a:bodyPr wrap="none" rtlCol="0">
+            <a:spAutoFit/>
+          </a:bodyPr>
+          <a:lstStyle/>
+          <a:p>
+            <a:r>
+              <a:rPr lang="en-US" sz="4000"/>
+              <a:t>+</a:t>
+            </a:r>
+          </a:p>
+        </p:txBody>
+      </p:sp>
+      <p:sp>
+        <p:nvSpPr>
+          <p:cNvPr id="52" name="TextBox 51"/>
+          <p:cNvSpPr txBox="1"/>
+          <p:nvPr/>
+        </p:nvSpPr>
+        <p:spPr>
+          <a:xfrm>
+            <a:off x="2069054" y="2154273"/>
+            <a:ext cx="440145" cy="707886"/>
+          </a:xfrm>
+          <a:prstGeom prst="rect">
+            <a:avLst/>
+          </a:prstGeom>
+          <a:noFill/>
+        </p:spPr>
+        <p:txBody>
+          <a:bodyPr wrap="none" rtlCol="0">
+            <a:spAutoFit/>
+          </a:bodyPr>
+          <a:lstStyle/>
+          <a:p>
+            <a:r>
+              <a:rPr lang="en-US" sz="4000"/>
+              <a:t>+</a:t>
+            </a:r>
+          </a:p>
+        </p:txBody>
+      </p:sp>
+      <p:sp>
+        <p:nvSpPr>
+          <p:cNvPr id="53" name="TextBox 52"/>
+          <p:cNvSpPr txBox="1"/>
+          <p:nvPr/>
+        </p:nvSpPr>
+        <p:spPr>
+          <a:xfrm>
+            <a:off x="272156" y="2414401"/>
+            <a:ext cx="731691" cy="707886"/>
+          </a:xfrm>
+          <a:prstGeom prst="rect">
+            <a:avLst/>
+          </a:prstGeom>
+          <a:noFill/>
+        </p:spPr>
+        <p:txBody>
+          <a:bodyPr wrap="none" rtlCol="0">
+            <a:spAutoFit/>
+          </a:bodyPr>
+          <a:lstStyle/>
+          <a:p>
+            <a:r>
+              <a:rPr lang="en-US" sz="2000"/>
+              <a:t>Gate</a:t>
+            </a:r>
+          </a:p>
+          <a:p>
+            <a:r>
+              <a:rPr lang="en-US" sz="2000"/>
+              <a:t>Drive</a:t>
+            </a:r>
+          </a:p>
+        </p:txBody>
+      </p:sp>
+      <p:sp>
+        <p:nvSpPr>
+          <p:cNvPr id="54" name="TextBox 53"/>
+          <p:cNvSpPr txBox="1"/>
+          <p:nvPr/>
+        </p:nvSpPr>
+        <p:spPr>
+          <a:xfrm>
+            <a:off x="8130473" y="2584419"/>
+            <a:ext cx="675335" cy="400110"/>
+          </a:xfrm>
+          <a:prstGeom prst="rect">
+            <a:avLst/>
+          </a:prstGeom>
+          <a:noFill/>
+        </p:spPr>
+        <p:txBody>
+          <a:bodyPr wrap="none" rtlCol="0">
+            <a:spAutoFit/>
+          </a:bodyPr>
+          <a:lstStyle/>
+          <a:p>
+            <a:r>
+              <a:rPr lang="en-US" sz="2000"/>
+              <a:t>Vout</a:t>
+            </a:r>
+          </a:p>
+        </p:txBody>
+      </p:sp>
+      <p:sp>
+        <p:nvSpPr>
+          <p:cNvPr id="64" name="Rounded Rectangle 63"/>
+          <p:cNvSpPr/>
+          <p:nvPr/>
+        </p:nvSpPr>
+        <p:spPr>
+          <a:xfrm>
+            <a:off x="6762644" y="2522550"/>
+            <a:ext cx="921296" cy="552516"/>
+          </a:xfrm>
+          <a:prstGeom prst="roundRect">
+            <a:avLst/>
+          </a:prstGeom>
+        </p:spPr>
+        <p:style>
+          <a:lnRef idx="1">
+            <a:schemeClr val="accent1"/>
+          </a:lnRef>
+          <a:fillRef idx="3">
+            <a:schemeClr val="accent1"/>
+          </a:fillRef>
+          <a:effectRef idx="2">
+            <a:schemeClr val="accent1"/>
+          </a:effectRef>
+          <a:fontRef idx="minor">
+            <a:schemeClr val="lt1"/>
+          </a:fontRef>
+        </p:style>
+        <p:txBody>
+          <a:bodyPr rtlCol="0" anchor="b"/>
+          <a:lstStyle/>
+          <a:p>
+            <a:pPr algn="ctr"/>
+            <a:r>
+              <a:rPr lang="en-US" sz="3200" b="1">
+                <a:solidFill>
+                  <a:schemeClr val="tx1"/>
+                </a:solidFill>
+              </a:rPr>
+              <a:t>H</a:t>
+            </a:r>
+          </a:p>
+        </p:txBody>
+      </p:sp>
+      <p:cxnSp>
+        <p:nvCxnSpPr>
+          <p:cNvPr id="69" name="Straight Arrow Connector 68"/>
+          <p:cNvCxnSpPr/>
+          <p:nvPr/>
+        </p:nvCxnSpPr>
+        <p:spPr>
+          <a:xfrm rot="10800000">
+            <a:off x="7683940" y="2798832"/>
+            <a:ext cx="446533" cy="1589"/>
+          </a:xfrm>
+          <a:prstGeom prst="straightConnector1">
+            <a:avLst/>
+          </a:prstGeom>
+          <a:ln>
+            <a:tailEnd type="arrow"/>
+          </a:ln>
+        </p:spPr>
+        <p:style>
+          <a:lnRef idx="2">
+            <a:schemeClr val="accent1"/>
+          </a:lnRef>
+          <a:fillRef idx="0">
+            <a:schemeClr val="accent1"/>
+          </a:fillRef>
+          <a:effectRef idx="1">
+            <a:schemeClr val="accent1"/>
+          </a:effectRef>
+          <a:fontRef idx="minor">
+            <a:schemeClr val="tx1"/>
+          </a:fontRef>
+        </p:style>
+      </p:cxnSp>
+      <p:sp>
+        <p:nvSpPr>
+          <p:cNvPr id="70" name="TextBox 69"/>
+          <p:cNvSpPr txBox="1"/>
+          <p:nvPr/>
+        </p:nvSpPr>
+        <p:spPr>
+          <a:xfrm>
+            <a:off x="5708358" y="3936296"/>
+            <a:ext cx="620683" cy="400110"/>
+          </a:xfrm>
+          <a:prstGeom prst="rect">
+            <a:avLst/>
+          </a:prstGeom>
+          <a:noFill/>
+        </p:spPr>
+        <p:txBody>
+          <a:bodyPr wrap="none" rtlCol="0">
+            <a:spAutoFit/>
+          </a:bodyPr>
+          <a:lstStyle/>
+          <a:p>
+            <a:r>
+              <a:rPr lang="en-US" sz="2000"/>
+              <a:t>Vref</a:t>
+            </a:r>
+          </a:p>
+        </p:txBody>
+      </p:sp>
     </p:spTree>
   </p:cSld>
   <p:clrMapOvr>
@@ -7540,14 +7671,14 @@
                 <a:latin typeface="Helvetica Neue"/>
                 <a:cs typeface="Helvetica Neue"/>
               </a:rPr>
-              <a:t>Reduce to P: Small Enough to Fab</a:t>
+              <a:t>PID: Great Results, But Too Large</a:t>
             </a:r>
           </a:p>
         </p:txBody>
       </p:sp>
       <p:pic>
         <p:nvPicPr>
-          <p:cNvPr id="5" name="Picture 4" descr="Screen Shot 2013-04-09 at 6.13.05 PM.png"/>
+          <p:cNvPr id="5" name="Picture 4" descr="pid_big.png"/>
           <p:cNvPicPr>
             <a:picLocks noChangeAspect="1"/>
           </p:cNvPicPr>
@@ -7561,8 +7692,8 @@
         </p:blipFill>
         <p:spPr>
           <a:xfrm>
-            <a:off x="336408" y="1576783"/>
-            <a:ext cx="8454108" cy="3132130"/>
+            <a:off x="482721" y="950427"/>
+            <a:ext cx="8287346" cy="4494734"/>
           </a:xfrm>
           <a:prstGeom prst="rect">
             <a:avLst/>
@@ -7601,121 +7732,40 @@
           <a:chExt cx="0" cy="0"/>
         </a:xfrm>
       </p:grpSpPr>
-      <p:sp>
-        <p:nvSpPr>
-          <p:cNvPr id="7" name="Rounded Rectangle 6"/>
-          <p:cNvSpPr/>
-          <p:nvPr/>
-        </p:nvSpPr>
-        <p:spPr>
-          <a:xfrm>
-            <a:off x="2793825" y="1299432"/>
-            <a:ext cx="3051436" cy="1490519"/>
-          </a:xfrm>
-          <a:prstGeom prst="roundRect">
-            <a:avLst>
-              <a:gd name="adj" fmla="val 7488"/>
-            </a:avLst>
-          </a:prstGeom>
-          <a:solidFill>
-            <a:schemeClr val="tx1"/>
-          </a:solidFill>
-          <a:ln>
-            <a:solidFill>
-              <a:schemeClr val="tx1"/>
-            </a:solidFill>
-          </a:ln>
-          <a:effectLst>
-            <a:outerShdw blurRad="40005" dist="22987" dir="5400000" algn="tl" rotWithShape="0">
-              <a:srgbClr val="000000">
-                <a:alpha val="35000"/>
-              </a:srgbClr>
-            </a:outerShdw>
-          </a:effectLst>
-        </p:spPr>
-        <p:style>
-          <a:lnRef idx="1">
-            <a:schemeClr val="accent1"/>
-          </a:lnRef>
-          <a:fillRef idx="3">
-            <a:schemeClr val="accent1"/>
-          </a:fillRef>
-          <a:effectRef idx="2">
-            <a:schemeClr val="accent1"/>
-          </a:effectRef>
-          <a:fontRef idx="minor">
-            <a:schemeClr val="lt1"/>
-          </a:fontRef>
-        </p:style>
-        <p:txBody>
-          <a:bodyPr rtlCol="0" anchor="ctr"/>
-          <a:lstStyle/>
-          <a:p>
-            <a:pPr algn="ctr"/>
-            <a:r>
-              <a:rPr lang="en-US" sz="2800"/>
-              <a:t>LDO</a:t>
-            </a:r>
-          </a:p>
-          <a:p>
-            <a:pPr algn="ctr"/>
-            <a:r>
-              <a:rPr lang="en-US" sz="2800"/>
-              <a:t>Regulator</a:t>
-            </a:r>
-          </a:p>
-        </p:txBody>
-      </p:sp>
-      <p:cxnSp>
-        <p:nvCxnSpPr>
-          <p:cNvPr id="10" name="Straight Arrow Connector 9"/>
-          <p:cNvCxnSpPr/>
-          <p:nvPr/>
-        </p:nvCxnSpPr>
-        <p:spPr>
-          <a:xfrm>
-            <a:off x="1536137" y="1772726"/>
-            <a:ext cx="1129856" cy="1588"/>
-          </a:xfrm>
-          <a:prstGeom prst="straightConnector1">
-            <a:avLst/>
-          </a:prstGeom>
-          <a:ln w="85725" cap="flat" cmpd="sng" algn="ctr">
-            <a:solidFill>
-              <a:srgbClr val="FF0000"/>
-            </a:solidFill>
-            <a:prstDash val="solid"/>
-            <a:round/>
-            <a:headEnd type="none" w="med" len="med"/>
-            <a:tailEnd type="arrow" w="med" len="med"/>
-          </a:ln>
-          <a:effectLst/>
-        </p:spPr>
-        <p:style>
-          <a:lnRef idx="2">
-            <a:schemeClr val="accent1"/>
-          </a:lnRef>
-          <a:fillRef idx="0">
-            <a:schemeClr val="accent1"/>
-          </a:fillRef>
-          <a:effectRef idx="1">
-            <a:schemeClr val="accent1"/>
-          </a:effectRef>
-          <a:fontRef idx="minor">
-            <a:schemeClr val="tx1"/>
-          </a:fontRef>
-        </p:style>
-      </p:cxnSp>
-      <p:sp>
-        <p:nvSpPr>
-          <p:cNvPr id="11" name="TextBox 10"/>
+      <p:pic>
+        <p:nvPicPr>
+          <p:cNvPr id="4" name="Picture 3" descr="schematics.png"/>
+          <p:cNvPicPr>
+            <a:picLocks noChangeAspect="1"/>
+          </p:cNvPicPr>
+          <p:nvPr/>
+        </p:nvPicPr>
+        <p:blipFill>
+          <a:blip r:embed="rId2"/>
+          <a:stretch>
+            <a:fillRect/>
+          </a:stretch>
+        </p:blipFill>
+        <p:spPr>
+          <a:xfrm>
+            <a:off x="0" y="0"/>
+            <a:ext cx="9144000" cy="6858000"/>
+          </a:xfrm>
+          <a:prstGeom prst="rect">
+            <a:avLst/>
+          </a:prstGeom>
+        </p:spPr>
+      </p:pic>
+      <p:sp>
+        <p:nvSpPr>
+          <p:cNvPr id="3" name="TextBox 2"/>
           <p:cNvSpPr txBox="1"/>
           <p:nvPr/>
         </p:nvSpPr>
         <p:spPr>
           <a:xfrm>
-            <a:off x="-17825" y="1571566"/>
-            <a:ext cx="1553962" cy="369332"/>
+            <a:off x="-1" y="0"/>
+            <a:ext cx="9144001" cy="646331"/>
           </a:xfrm>
           <a:prstGeom prst="rect">
             <a:avLst/>
@@ -7728,294 +7778,51 @@
           </a:bodyPr>
           <a:lstStyle/>
           <a:p>
-            <a:pPr algn="r"/>
-            <a:r>
-              <a:rPr lang="en-US"/>
-              <a:t>5.0 Volt VIN</a:t>
-            </a:r>
-          </a:p>
-        </p:txBody>
-      </p:sp>
-      <p:cxnSp>
-        <p:nvCxnSpPr>
-          <p:cNvPr id="12" name="Straight Arrow Connector 11"/>
-          <p:cNvCxnSpPr>
-            <a:stCxn id="13" idx="0"/>
-          </p:cNvCxnSpPr>
-          <p:nvPr/>
-        </p:nvCxnSpPr>
-        <p:spPr>
-          <a:xfrm rot="5400000" flipH="1" flipV="1">
-            <a:off x="4122318" y="3029405"/>
-            <a:ext cx="478910" cy="3"/>
-          </a:xfrm>
-          <a:prstGeom prst="straightConnector1">
-            <a:avLst/>
-          </a:prstGeom>
-          <a:ln w="31750" cap="flat" cmpd="sng" algn="ctr">
-            <a:solidFill>
-              <a:srgbClr val="008000"/>
-            </a:solidFill>
-            <a:prstDash val="solid"/>
-            <a:round/>
-            <a:headEnd type="none" w="med" len="med"/>
-            <a:tailEnd type="arrow" w="med" len="med"/>
-          </a:ln>
-          <a:effectLst/>
-        </p:spPr>
-        <p:style>
-          <a:lnRef idx="2">
-            <a:schemeClr val="accent1"/>
-          </a:lnRef>
-          <a:fillRef idx="0">
-            <a:schemeClr val="accent1"/>
-          </a:fillRef>
-          <a:effectRef idx="1">
-            <a:schemeClr val="accent1"/>
-          </a:effectRef>
-          <a:fontRef idx="minor">
-            <a:schemeClr val="tx1"/>
-          </a:fontRef>
-        </p:style>
-      </p:cxnSp>
-      <p:sp>
-        <p:nvSpPr>
-          <p:cNvPr id="13" name="TextBox 12"/>
-          <p:cNvSpPr txBox="1"/>
-          <p:nvPr/>
-        </p:nvSpPr>
-        <p:spPr>
-          <a:xfrm>
-            <a:off x="3584791" y="3268861"/>
-            <a:ext cx="1553962" cy="369332"/>
+            <a:pPr algn="ctr"/>
+            <a:r>
+              <a:rPr lang="en-US" sz="3600" b="1">
+                <a:solidFill>
+                  <a:schemeClr val="bg1"/>
+                </a:solidFill>
+                <a:effectLst>
+                  <a:outerShdw blurRad="50800" dist="38100" dir="2700000">
+                    <a:srgbClr val="000000">
+                      <a:alpha val="43000"/>
+                    </a:srgbClr>
+                  </a:outerShdw>
+                </a:effectLst>
+                <a:latin typeface="Helvetica Neue"/>
+                <a:cs typeface="Helvetica Neue"/>
+              </a:rPr>
+              <a:t>Reduce to P: Small Enough to Fab</a:t>
+            </a:r>
+          </a:p>
+        </p:txBody>
+      </p:sp>
+      <p:pic>
+        <p:nvPicPr>
+          <p:cNvPr id="5" name="Picture 4" descr="Screen Shot 2013-04-09 at 6.13.05 PM.png"/>
+          <p:cNvPicPr>
+            <a:picLocks noChangeAspect="1"/>
+          </p:cNvPicPr>
+          <p:nvPr/>
+        </p:nvPicPr>
+        <p:blipFill>
+          <a:blip r:embed="rId3"/>
+          <a:stretch>
+            <a:fillRect/>
+          </a:stretch>
+        </p:blipFill>
+        <p:spPr>
+          <a:xfrm>
+            <a:off x="336408" y="1576783"/>
+            <a:ext cx="8454108" cy="3132130"/>
           </a:xfrm>
           <a:prstGeom prst="rect">
             <a:avLst/>
           </a:prstGeom>
-          <a:noFill/>
-        </p:spPr>
-        <p:txBody>
-          <a:bodyPr wrap="square" rtlCol="0">
-            <a:spAutoFit/>
-          </a:bodyPr>
-          <a:lstStyle/>
-          <a:p>
-            <a:pPr algn="ctr"/>
-            <a:r>
-              <a:rPr lang="en-US"/>
-              <a:t>1.3 Volt VREF</a:t>
-            </a:r>
-          </a:p>
-        </p:txBody>
-      </p:sp>
-      <p:cxnSp>
-        <p:nvCxnSpPr>
-          <p:cNvPr id="16" name="Straight Arrow Connector 15"/>
-          <p:cNvCxnSpPr/>
-          <p:nvPr/>
-        </p:nvCxnSpPr>
-        <p:spPr>
-          <a:xfrm>
-            <a:off x="1536137" y="2313857"/>
-            <a:ext cx="1129856" cy="1588"/>
-          </a:xfrm>
-          <a:prstGeom prst="straightConnector1">
-            <a:avLst/>
-          </a:prstGeom>
-          <a:ln w="85725" cap="flat" cmpd="sng" algn="ctr">
-            <a:solidFill>
-              <a:srgbClr val="FF0000"/>
-            </a:solidFill>
-            <a:prstDash val="solid"/>
-            <a:round/>
-            <a:headEnd type="none" w="med" len="med"/>
-            <a:tailEnd type="arrow" w="med" len="med"/>
-          </a:ln>
-          <a:effectLst/>
-        </p:spPr>
-        <p:style>
-          <a:lnRef idx="2">
-            <a:schemeClr val="accent1"/>
-          </a:lnRef>
-          <a:fillRef idx="0">
-            <a:schemeClr val="accent1"/>
-          </a:fillRef>
-          <a:effectRef idx="1">
-            <a:schemeClr val="accent1"/>
-          </a:effectRef>
-          <a:fontRef idx="minor">
-            <a:schemeClr val="tx1"/>
-          </a:fontRef>
-        </p:style>
-      </p:cxnSp>
-      <p:sp>
-        <p:nvSpPr>
-          <p:cNvPr id="17" name="TextBox 16"/>
-          <p:cNvSpPr txBox="1"/>
-          <p:nvPr/>
-        </p:nvSpPr>
-        <p:spPr>
-          <a:xfrm>
-            <a:off x="-17825" y="2112697"/>
-            <a:ext cx="1553962" cy="369332"/>
-          </a:xfrm>
-          <a:prstGeom prst="rect">
-            <a:avLst/>
-          </a:prstGeom>
-          <a:noFill/>
-        </p:spPr>
-        <p:txBody>
-          <a:bodyPr wrap="square" rtlCol="0">
-            <a:spAutoFit/>
-          </a:bodyPr>
-          <a:lstStyle/>
-          <a:p>
-            <a:pPr algn="r"/>
-            <a:r>
-              <a:rPr lang="en-US"/>
-              <a:t>GND</a:t>
-            </a:r>
-          </a:p>
-        </p:txBody>
-      </p:sp>
-      <p:cxnSp>
-        <p:nvCxnSpPr>
-          <p:cNvPr id="18" name="Straight Arrow Connector 17"/>
-          <p:cNvCxnSpPr/>
-          <p:nvPr/>
-        </p:nvCxnSpPr>
-        <p:spPr>
-          <a:xfrm>
-            <a:off x="6018020" y="1774314"/>
-            <a:ext cx="1129856" cy="1588"/>
-          </a:xfrm>
-          <a:prstGeom prst="straightConnector1">
-            <a:avLst/>
-          </a:prstGeom>
-          <a:ln w="85725" cap="flat" cmpd="sng" algn="ctr">
-            <a:solidFill>
-              <a:srgbClr val="FF0000"/>
-            </a:solidFill>
-            <a:prstDash val="solid"/>
-            <a:round/>
-            <a:headEnd type="none" w="med" len="med"/>
-            <a:tailEnd type="arrow" w="med" len="med"/>
-          </a:ln>
-          <a:effectLst/>
-        </p:spPr>
-        <p:style>
-          <a:lnRef idx="2">
-            <a:schemeClr val="accent1"/>
-          </a:lnRef>
-          <a:fillRef idx="0">
-            <a:schemeClr val="accent1"/>
-          </a:fillRef>
-          <a:effectRef idx="1">
-            <a:schemeClr val="accent1"/>
-          </a:effectRef>
-          <a:fontRef idx="minor">
-            <a:schemeClr val="tx1"/>
-          </a:fontRef>
-        </p:style>
-      </p:cxnSp>
-      <p:sp>
-        <p:nvSpPr>
-          <p:cNvPr id="19" name="TextBox 18"/>
-          <p:cNvSpPr txBox="1"/>
-          <p:nvPr/>
-        </p:nvSpPr>
-        <p:spPr>
-          <a:xfrm>
-            <a:off x="7147876" y="1571566"/>
-            <a:ext cx="1553962" cy="369332"/>
-          </a:xfrm>
-          <a:prstGeom prst="rect">
-            <a:avLst/>
-          </a:prstGeom>
-          <a:noFill/>
-        </p:spPr>
-        <p:txBody>
-          <a:bodyPr wrap="square" rtlCol="0">
-            <a:spAutoFit/>
-          </a:bodyPr>
-          <a:lstStyle/>
-          <a:p>
-            <a:r>
-              <a:rPr lang="en-US"/>
-              <a:t>VOUT</a:t>
-            </a:r>
-          </a:p>
-        </p:txBody>
-      </p:sp>
-      <p:cxnSp>
-        <p:nvCxnSpPr>
-          <p:cNvPr id="20" name="Straight Arrow Connector 19"/>
-          <p:cNvCxnSpPr/>
-          <p:nvPr/>
-        </p:nvCxnSpPr>
-        <p:spPr>
-          <a:xfrm>
-            <a:off x="6018020" y="2315445"/>
-            <a:ext cx="1129856" cy="1588"/>
-          </a:xfrm>
-          <a:prstGeom prst="straightConnector1">
-            <a:avLst/>
-          </a:prstGeom>
-          <a:ln w="85725" cap="flat" cmpd="sng" algn="ctr">
-            <a:solidFill>
-              <a:srgbClr val="FF0000"/>
-            </a:solidFill>
-            <a:prstDash val="solid"/>
-            <a:round/>
-            <a:headEnd type="none" w="med" len="med"/>
-            <a:tailEnd type="arrow" w="med" len="med"/>
-          </a:ln>
-          <a:effectLst/>
-        </p:spPr>
-        <p:style>
-          <a:lnRef idx="2">
-            <a:schemeClr val="accent1"/>
-          </a:lnRef>
-          <a:fillRef idx="0">
-            <a:schemeClr val="accent1"/>
-          </a:fillRef>
-          <a:effectRef idx="1">
-            <a:schemeClr val="accent1"/>
-          </a:effectRef>
-          <a:fontRef idx="minor">
-            <a:schemeClr val="tx1"/>
-          </a:fontRef>
-        </p:style>
-      </p:cxnSp>
-      <p:sp>
-        <p:nvSpPr>
-          <p:cNvPr id="21" name="TextBox 20"/>
-          <p:cNvSpPr txBox="1"/>
-          <p:nvPr/>
-        </p:nvSpPr>
-        <p:spPr>
-          <a:xfrm>
-            <a:off x="7147876" y="2112697"/>
-            <a:ext cx="1553962" cy="369332"/>
-          </a:xfrm>
-          <a:prstGeom prst="rect">
-            <a:avLst/>
-          </a:prstGeom>
-          <a:noFill/>
-        </p:spPr>
-        <p:txBody>
-          <a:bodyPr wrap="square" rtlCol="0">
-            <a:spAutoFit/>
-          </a:bodyPr>
-          <a:lstStyle/>
-          <a:p>
-            <a:r>
-              <a:rPr lang="en-US"/>
-              <a:t>GND</a:t>
-            </a:r>
-          </a:p>
-        </p:txBody>
-      </p:sp>
+        </p:spPr>
+      </p:pic>
     </p:spTree>
   </p:cSld>
   <p:clrMapOvr>
@@ -8048,87 +7855,37 @@
           <a:chExt cx="0" cy="0"/>
         </a:xfrm>
       </p:grpSpPr>
-      <p:pic>
-        <p:nvPicPr>
-          <p:cNvPr id="4" name="Picture 3" descr="layout.png"/>
-          <p:cNvPicPr>
-            <a:picLocks noChangeAspect="1"/>
-          </p:cNvPicPr>
-          <p:nvPr/>
-        </p:nvPicPr>
-        <p:blipFill>
-          <a:blip r:embed="rId2"/>
-          <a:stretch>
-            <a:fillRect/>
-          </a:stretch>
-        </p:blipFill>
-        <p:spPr>
-          <a:xfrm>
-            <a:off x="0" y="0"/>
-            <a:ext cx="9144000" cy="6858000"/>
-          </a:xfrm>
-          <a:prstGeom prst="rect">
-            <a:avLst/>
-          </a:prstGeom>
-        </p:spPr>
-      </p:pic>
-      <p:sp>
-        <p:nvSpPr>
-          <p:cNvPr id="5" name="TextBox 4"/>
-          <p:cNvSpPr txBox="1"/>
-          <p:nvPr/>
-        </p:nvSpPr>
-        <p:spPr>
-          <a:xfrm>
-            <a:off x="-1" y="0"/>
-            <a:ext cx="9144001" cy="646331"/>
-          </a:xfrm>
-          <a:prstGeom prst="rect">
-            <a:avLst/>
-          </a:prstGeom>
-          <a:noFill/>
-        </p:spPr>
-        <p:txBody>
-          <a:bodyPr wrap="square" rtlCol="0">
-            <a:spAutoFit/>
-          </a:bodyPr>
-          <a:lstStyle/>
-          <a:p>
-            <a:pPr algn="ctr"/>
-            <a:r>
-              <a:rPr lang="en-US" sz="3600" b="1">
-                <a:solidFill>
-                  <a:schemeClr val="bg1"/>
-                </a:solidFill>
-                <a:effectLst>
-                  <a:outerShdw blurRad="50800" dist="38100" dir="2700000">
-                    <a:srgbClr val="000000">
-                      <a:alpha val="43000"/>
-                    </a:srgbClr>
-                  </a:outerShdw>
-                </a:effectLst>
-                <a:latin typeface="Helvetica Neue"/>
-                <a:cs typeface="Helvetica Neue"/>
-              </a:rPr>
-              <a:t>Layout Floorplan</a:t>
-            </a:r>
-          </a:p>
-        </p:txBody>
-      </p:sp>
-      <p:sp>
-        <p:nvSpPr>
-          <p:cNvPr id="6" name="Rectangle 5"/>
+      <p:sp>
+        <p:nvSpPr>
+          <p:cNvPr id="7" name="Rounded Rectangle 6"/>
           <p:cNvSpPr/>
           <p:nvPr/>
         </p:nvSpPr>
         <p:spPr>
           <a:xfrm>
-            <a:off x="2135914" y="1377980"/>
-            <a:ext cx="3232873" cy="230903"/>
-          </a:xfrm>
-          <a:prstGeom prst="rect">
-            <a:avLst/>
-          </a:prstGeom>
+            <a:off x="2793825" y="1299432"/>
+            <a:ext cx="3051436" cy="1490519"/>
+          </a:xfrm>
+          <a:prstGeom prst="roundRect">
+            <a:avLst>
+              <a:gd name="adj" fmla="val 7488"/>
+            </a:avLst>
+          </a:prstGeom>
+          <a:solidFill>
+            <a:schemeClr val="tx1"/>
+          </a:solidFill>
+          <a:ln>
+            <a:solidFill>
+              <a:schemeClr val="tx1"/>
+            </a:solidFill>
+          </a:ln>
+          <a:effectLst>
+            <a:outerShdw blurRad="40005" dist="22987" dir="5400000" algn="tl" rotWithShape="0">
+              <a:srgbClr val="000000">
+                <a:alpha val="35000"/>
+              </a:srgbClr>
+            </a:outerShdw>
+          </a:effectLst>
         </p:spPr>
         <p:style>
           <a:lnRef idx="1">
@@ -8150,306 +7907,41 @@
           <a:p>
             <a:pPr algn="ctr"/>
             <a:r>
-              <a:rPr lang="en-US"/>
-              <a:t>VIN RAIL</a:t>
-            </a:r>
-          </a:p>
-        </p:txBody>
-      </p:sp>
-      <p:sp>
-        <p:nvSpPr>
-          <p:cNvPr id="7" name="Rectangle 6"/>
-          <p:cNvSpPr/>
-          <p:nvPr/>
-        </p:nvSpPr>
-        <p:spPr>
-          <a:xfrm>
-            <a:off x="2135914" y="5055939"/>
-            <a:ext cx="6671924" cy="247396"/>
-          </a:xfrm>
-          <a:prstGeom prst="rect">
-            <a:avLst/>
-          </a:prstGeom>
-        </p:spPr>
-        <p:style>
-          <a:lnRef idx="1">
-            <a:schemeClr val="accent1"/>
-          </a:lnRef>
-          <a:fillRef idx="3">
-            <a:schemeClr val="accent1"/>
-          </a:fillRef>
-          <a:effectRef idx="2">
-            <a:schemeClr val="accent1"/>
-          </a:effectRef>
-          <a:fontRef idx="minor">
-            <a:schemeClr val="lt1"/>
-          </a:fontRef>
-        </p:style>
-        <p:txBody>
-          <a:bodyPr rtlCol="0" anchor="ctr"/>
-          <a:lstStyle/>
+              <a:rPr lang="en-US" sz="2800"/>
+              <a:t>LDO</a:t>
+            </a:r>
+          </a:p>
           <a:p>
             <a:pPr algn="ctr"/>
             <a:r>
-              <a:rPr lang="en-US"/>
-              <a:t>GND RAIL</a:t>
-            </a:r>
-          </a:p>
-        </p:txBody>
-      </p:sp>
-      <p:sp>
-        <p:nvSpPr>
-          <p:cNvPr id="8" name="Rectangle 7"/>
-          <p:cNvSpPr/>
-          <p:nvPr/>
-        </p:nvSpPr>
-        <p:spPr>
-          <a:xfrm>
-            <a:off x="5521187" y="1377980"/>
-            <a:ext cx="3286651" cy="230903"/>
-          </a:xfrm>
-          <a:prstGeom prst="rect">
-            <a:avLst/>
-          </a:prstGeom>
-        </p:spPr>
-        <p:style>
-          <a:lnRef idx="1">
-            <a:schemeClr val="accent1"/>
-          </a:lnRef>
-          <a:fillRef idx="3">
-            <a:schemeClr val="accent1"/>
-          </a:fillRef>
-          <a:effectRef idx="2">
-            <a:schemeClr val="accent1"/>
-          </a:effectRef>
-          <a:fontRef idx="minor">
-            <a:schemeClr val="lt1"/>
-          </a:fontRef>
-        </p:style>
-        <p:txBody>
-          <a:bodyPr rtlCol="0" anchor="ctr"/>
-          <a:lstStyle/>
-          <a:p>
-            <a:pPr algn="ctr"/>
-            <a:r>
-              <a:rPr lang="en-US"/>
-              <a:t>VOUT RAIL</a:t>
-            </a:r>
-          </a:p>
-        </p:txBody>
-      </p:sp>
-      <p:sp>
-        <p:nvSpPr>
-          <p:cNvPr id="9" name="Rectangle 8"/>
-          <p:cNvSpPr/>
-          <p:nvPr/>
-        </p:nvSpPr>
-        <p:spPr>
-          <a:xfrm>
-            <a:off x="2135915" y="1740835"/>
-            <a:ext cx="2366924" cy="3183144"/>
-          </a:xfrm>
-          <a:prstGeom prst="rect">
-            <a:avLst/>
-          </a:prstGeom>
-        </p:spPr>
-        <p:style>
-          <a:lnRef idx="1">
-            <a:schemeClr val="accent2"/>
-          </a:lnRef>
-          <a:fillRef idx="3">
-            <a:schemeClr val="accent2"/>
-          </a:fillRef>
-          <a:effectRef idx="2">
-            <a:schemeClr val="accent2"/>
-          </a:effectRef>
-          <a:fontRef idx="minor">
-            <a:schemeClr val="lt1"/>
-          </a:fontRef>
-        </p:style>
-        <p:txBody>
-          <a:bodyPr rtlCol="0" anchor="ctr"/>
-          <a:lstStyle/>
-          <a:p>
-            <a:pPr algn="ctr"/>
-            <a:r>
-              <a:rPr lang="en-US"/>
-              <a:t>OP AMP 1</a:t>
-            </a:r>
-          </a:p>
-        </p:txBody>
-      </p:sp>
-      <p:sp>
-        <p:nvSpPr>
-          <p:cNvPr id="10" name="Rectangle 9"/>
-          <p:cNvSpPr/>
-          <p:nvPr/>
-        </p:nvSpPr>
-        <p:spPr>
-          <a:xfrm>
-            <a:off x="4655239" y="1740835"/>
-            <a:ext cx="2366924" cy="3183144"/>
-          </a:xfrm>
-          <a:prstGeom prst="rect">
-            <a:avLst/>
-          </a:prstGeom>
-        </p:spPr>
-        <p:style>
-          <a:lnRef idx="1">
-            <a:schemeClr val="accent2"/>
-          </a:lnRef>
-          <a:fillRef idx="3">
-            <a:schemeClr val="accent2"/>
-          </a:fillRef>
-          <a:effectRef idx="2">
-            <a:schemeClr val="accent2"/>
-          </a:effectRef>
-          <a:fontRef idx="minor">
-            <a:schemeClr val="lt1"/>
-          </a:fontRef>
-        </p:style>
-        <p:txBody>
-          <a:bodyPr rtlCol="0" anchor="ctr"/>
-          <a:lstStyle/>
-          <a:p>
-            <a:pPr algn="ctr"/>
-            <a:r>
-              <a:rPr lang="en-US"/>
-              <a:t>OP AMP 2</a:t>
-            </a:r>
-          </a:p>
-        </p:txBody>
-      </p:sp>
-      <p:sp>
-        <p:nvSpPr>
-          <p:cNvPr id="11" name="Rectangle 10"/>
-          <p:cNvSpPr/>
-          <p:nvPr/>
-        </p:nvSpPr>
-        <p:spPr>
-          <a:xfrm>
-            <a:off x="7191402" y="1740835"/>
-            <a:ext cx="1616436" cy="1690526"/>
-          </a:xfrm>
-          <a:prstGeom prst="rect">
-            <a:avLst/>
-          </a:prstGeom>
-        </p:spPr>
-        <p:style>
-          <a:lnRef idx="1">
-            <a:schemeClr val="accent3"/>
-          </a:lnRef>
-          <a:fillRef idx="3">
-            <a:schemeClr val="accent3"/>
-          </a:fillRef>
-          <a:effectRef idx="2">
-            <a:schemeClr val="accent3"/>
-          </a:effectRef>
-          <a:fontRef idx="minor">
-            <a:schemeClr val="lt1"/>
-          </a:fontRef>
-        </p:style>
-        <p:txBody>
-          <a:bodyPr rtlCol="0" anchor="ctr"/>
-          <a:lstStyle/>
-          <a:p>
-            <a:pPr algn="ctr"/>
-            <a:r>
-              <a:rPr lang="en-US"/>
-              <a:t>Power </a:t>
-            </a:r>
-          </a:p>
-          <a:p>
-            <a:pPr algn="ctr"/>
-            <a:r>
-              <a:rPr lang="en-US"/>
-              <a:t>MOSFET</a:t>
-            </a:r>
-          </a:p>
-        </p:txBody>
-      </p:sp>
-      <p:sp>
-        <p:nvSpPr>
-          <p:cNvPr id="12" name="Rectangle 11"/>
-          <p:cNvSpPr/>
-          <p:nvPr/>
-        </p:nvSpPr>
-        <p:spPr>
-          <a:xfrm>
-            <a:off x="7191402" y="3612809"/>
-            <a:ext cx="1616436" cy="1311170"/>
-          </a:xfrm>
-          <a:prstGeom prst="rect">
-            <a:avLst/>
-          </a:prstGeom>
-        </p:spPr>
-        <p:style>
-          <a:lnRef idx="1">
-            <a:schemeClr val="accent4"/>
-          </a:lnRef>
-          <a:fillRef idx="3">
-            <a:schemeClr val="accent4"/>
-          </a:fillRef>
-          <a:effectRef idx="2">
-            <a:schemeClr val="accent4"/>
-          </a:effectRef>
-          <a:fontRef idx="minor">
-            <a:schemeClr val="lt1"/>
-          </a:fontRef>
-        </p:style>
-        <p:txBody>
-          <a:bodyPr rtlCol="0" anchor="ctr"/>
-          <a:lstStyle/>
-          <a:p>
-            <a:pPr algn="ctr"/>
-            <a:r>
-              <a:rPr lang="en-US"/>
-              <a:t>Common </a:t>
-            </a:r>
-          </a:p>
-          <a:p>
-            <a:pPr algn="ctr"/>
-            <a:r>
-              <a:rPr lang="en-US"/>
-              <a:t>Centroid</a:t>
-            </a:r>
-          </a:p>
-          <a:p>
-            <a:pPr algn="ctr"/>
-            <a:r>
-              <a:rPr lang="en-US"/>
-              <a:t>Precision </a:t>
-            </a:r>
-          </a:p>
-          <a:p>
-            <a:pPr algn="ctr"/>
-            <a:r>
-              <a:rPr lang="en-US"/>
-              <a:t>Resistors</a:t>
+              <a:rPr lang="en-US" sz="2800"/>
+              <a:t>Regulator</a:t>
             </a:r>
           </a:p>
         </p:txBody>
       </p:sp>
       <p:cxnSp>
         <p:nvCxnSpPr>
-          <p:cNvPr id="14" name="Straight Arrow Connector 13"/>
+          <p:cNvPr id="10" name="Straight Arrow Connector 9"/>
           <p:cNvCxnSpPr/>
           <p:nvPr/>
         </p:nvCxnSpPr>
         <p:spPr>
-          <a:xfrm rot="5400000">
-            <a:off x="436860" y="3332407"/>
-            <a:ext cx="3183144" cy="1588"/>
+          <a:xfrm>
+            <a:off x="1536137" y="1772726"/>
+            <a:ext cx="1129856" cy="1588"/>
           </a:xfrm>
           <a:prstGeom prst="straightConnector1">
             <a:avLst/>
           </a:prstGeom>
-          <a:ln>
+          <a:ln w="85725" cap="flat" cmpd="sng" algn="ctr">
             <a:solidFill>
-              <a:schemeClr val="tx1"/>
+              <a:srgbClr val="FF0000"/>
             </a:solidFill>
-            <a:headEnd type="arrow"/>
-            <a:tailEnd type="arrow"/>
+            <a:prstDash val="solid"/>
+            <a:round/>
+            <a:headEnd type="none" w="med" len="med"/>
+            <a:tailEnd type="arrow" w="med" len="med"/>
           </a:ln>
           <a:effectLst/>
         </p:spPr>
@@ -8470,14 +7962,14 @@
       </p:cxnSp>
       <p:sp>
         <p:nvSpPr>
-          <p:cNvPr id="15" name="TextBox 14"/>
+          <p:cNvPr id="11" name="TextBox 10"/>
           <p:cNvSpPr txBox="1"/>
           <p:nvPr/>
         </p:nvSpPr>
         <p:spPr>
-          <a:xfrm rot="16200000">
-            <a:off x="1413263" y="3120427"/>
-            <a:ext cx="899142" cy="369332"/>
+          <a:xfrm>
+            <a:off x="-17825" y="1571566"/>
+            <a:ext cx="1553962" cy="369332"/>
           </a:xfrm>
           <a:prstGeom prst="rect">
             <a:avLst/>
@@ -8485,38 +7977,43 @@
           <a:noFill/>
         </p:spPr>
         <p:txBody>
-          <a:bodyPr wrap="none" rtlCol="0">
+          <a:bodyPr wrap="square" rtlCol="0">
             <a:spAutoFit/>
           </a:bodyPr>
           <a:lstStyle/>
           <a:p>
+            <a:pPr algn="r"/>
             <a:r>
               <a:rPr lang="en-US"/>
-              <a:t>250 μm</a:t>
+              <a:t>5.0 Volt VIN</a:t>
             </a:r>
           </a:p>
         </p:txBody>
       </p:sp>
       <p:cxnSp>
         <p:nvCxnSpPr>
-          <p:cNvPr id="16" name="Straight Arrow Connector 15"/>
-          <p:cNvCxnSpPr/>
+          <p:cNvPr id="12" name="Straight Arrow Connector 11"/>
+          <p:cNvCxnSpPr>
+            <a:stCxn id="13" idx="0"/>
+          </p:cNvCxnSpPr>
           <p:nvPr/>
         </p:nvCxnSpPr>
         <p:spPr>
-          <a:xfrm rot="5400000">
-            <a:off x="1864711" y="1488628"/>
-            <a:ext cx="327441" cy="1588"/>
+          <a:xfrm rot="5400000" flipH="1" flipV="1">
+            <a:off x="4122318" y="3029405"/>
+            <a:ext cx="478910" cy="3"/>
           </a:xfrm>
           <a:prstGeom prst="straightConnector1">
             <a:avLst/>
           </a:prstGeom>
-          <a:ln>
+          <a:ln w="31750" cap="flat" cmpd="sng" algn="ctr">
             <a:solidFill>
-              <a:schemeClr val="tx1"/>
+              <a:srgbClr val="008000"/>
             </a:solidFill>
-            <a:headEnd type="arrow"/>
-            <a:tailEnd type="arrow"/>
+            <a:prstDash val="solid"/>
+            <a:round/>
+            <a:headEnd type="none" w="med" len="med"/>
+            <a:tailEnd type="arrow" w="med" len="med"/>
           </a:ln>
           <a:effectLst/>
         </p:spPr>
@@ -8537,14 +8034,14 @@
       </p:cxnSp>
       <p:sp>
         <p:nvSpPr>
-          <p:cNvPr id="17" name="TextBox 16"/>
+          <p:cNvPr id="13" name="TextBox 12"/>
           <p:cNvSpPr txBox="1"/>
           <p:nvPr/>
         </p:nvSpPr>
         <p:spPr>
-          <a:xfrm rot="16200000">
-            <a:off x="1368170" y="1386767"/>
-            <a:ext cx="899142" cy="369332"/>
+          <a:xfrm>
+            <a:off x="3584791" y="3268861"/>
+            <a:ext cx="1553962" cy="369332"/>
           </a:xfrm>
           <a:prstGeom prst="rect">
             <a:avLst/>
@@ -8557,33 +8054,36 @@
           </a:bodyPr>
           <a:lstStyle/>
           <a:p>
+            <a:pPr algn="ctr"/>
             <a:r>
               <a:rPr lang="en-US"/>
-              <a:t>20 μm</a:t>
+              <a:t>1.3 Volt VREF</a:t>
             </a:r>
           </a:p>
         </p:txBody>
       </p:sp>
       <p:cxnSp>
         <p:nvCxnSpPr>
-          <p:cNvPr id="19" name="Straight Arrow Connector 18"/>
+          <p:cNvPr id="16" name="Straight Arrow Connector 15"/>
           <p:cNvCxnSpPr/>
           <p:nvPr/>
         </p:nvCxnSpPr>
         <p:spPr>
-          <a:xfrm rot="5400000">
-            <a:off x="1864710" y="5200231"/>
-            <a:ext cx="327441" cy="1588"/>
+          <a:xfrm>
+            <a:off x="1536137" y="2313857"/>
+            <a:ext cx="1129856" cy="1588"/>
           </a:xfrm>
           <a:prstGeom prst="straightConnector1">
             <a:avLst/>
           </a:prstGeom>
-          <a:ln>
+          <a:ln w="85725" cap="flat" cmpd="sng" algn="ctr">
             <a:solidFill>
-              <a:schemeClr val="tx1"/>
+              <a:srgbClr val="FF0000"/>
             </a:solidFill>
-            <a:headEnd type="arrow"/>
-            <a:tailEnd type="arrow"/>
+            <a:prstDash val="solid"/>
+            <a:round/>
+            <a:headEnd type="none" w="med" len="med"/>
+            <a:tailEnd type="arrow" w="med" len="med"/>
           </a:ln>
           <a:effectLst/>
         </p:spPr>
@@ -8604,14 +8104,14 @@
       </p:cxnSp>
       <p:sp>
         <p:nvSpPr>
-          <p:cNvPr id="20" name="TextBox 19"/>
+          <p:cNvPr id="17" name="TextBox 16"/>
           <p:cNvSpPr txBox="1"/>
           <p:nvPr/>
         </p:nvSpPr>
         <p:spPr>
-          <a:xfrm rot="16200000">
-            <a:off x="1368169" y="4938561"/>
-            <a:ext cx="899142" cy="369332"/>
+          <a:xfrm>
+            <a:off x="-17825" y="2112697"/>
+            <a:ext cx="1553962" cy="369332"/>
           </a:xfrm>
           <a:prstGeom prst="rect">
             <a:avLst/>
@@ -8624,33 +8124,36 @@
           </a:bodyPr>
           <a:lstStyle/>
           <a:p>
+            <a:pPr algn="r"/>
             <a:r>
               <a:rPr lang="en-US"/>
-              <a:t>20 μm</a:t>
+              <a:t>GND</a:t>
             </a:r>
           </a:p>
         </p:txBody>
       </p:sp>
       <p:cxnSp>
         <p:nvCxnSpPr>
-          <p:cNvPr id="21" name="Straight Arrow Connector 20"/>
+          <p:cNvPr id="18" name="Straight Arrow Connector 17"/>
           <p:cNvCxnSpPr/>
           <p:nvPr/>
         </p:nvCxnSpPr>
         <p:spPr>
-          <a:xfrm rot="10800000">
-            <a:off x="2135915" y="2016790"/>
-            <a:ext cx="2366926" cy="1588"/>
+          <a:xfrm>
+            <a:off x="6018020" y="1774314"/>
+            <a:ext cx="1129856" cy="1588"/>
           </a:xfrm>
           <a:prstGeom prst="straightConnector1">
             <a:avLst/>
           </a:prstGeom>
-          <a:ln>
+          <a:ln w="85725" cap="flat" cmpd="sng" algn="ctr">
             <a:solidFill>
-              <a:schemeClr val="tx1"/>
+              <a:srgbClr val="FF0000"/>
             </a:solidFill>
-            <a:headEnd type="arrow"/>
-            <a:tailEnd type="arrow"/>
+            <a:prstDash val="solid"/>
+            <a:round/>
+            <a:headEnd type="none" w="med" len="med"/>
+            <a:tailEnd type="arrow" w="med" len="med"/>
           </a:ln>
           <a:effectLst/>
         </p:spPr>
@@ -8671,14 +8174,14 @@
       </p:cxnSp>
       <p:sp>
         <p:nvSpPr>
-          <p:cNvPr id="22" name="TextBox 21"/>
+          <p:cNvPr id="19" name="TextBox 18"/>
           <p:cNvSpPr txBox="1"/>
           <p:nvPr/>
         </p:nvSpPr>
         <p:spPr>
           <a:xfrm>
-            <a:off x="2821639" y="1676529"/>
-            <a:ext cx="899142" cy="369332"/>
+            <a:off x="7147876" y="1571566"/>
+            <a:ext cx="1553962" cy="369332"/>
           </a:xfrm>
           <a:prstGeom prst="rect">
             <a:avLst/>
@@ -8693,31 +8196,33 @@
           <a:p>
             <a:r>
               <a:rPr lang="en-US"/>
-              <a:t>200 μm</a:t>
+              <a:t>VOUT</a:t>
             </a:r>
           </a:p>
         </p:txBody>
       </p:sp>
       <p:cxnSp>
         <p:nvCxnSpPr>
-          <p:cNvPr id="25" name="Straight Arrow Connector 24"/>
+          <p:cNvPr id="20" name="Straight Arrow Connector 19"/>
           <p:cNvCxnSpPr/>
           <p:nvPr/>
         </p:nvCxnSpPr>
         <p:spPr>
-          <a:xfrm rot="10800000">
-            <a:off x="4655241" y="2018378"/>
-            <a:ext cx="2366926" cy="1588"/>
+          <a:xfrm>
+            <a:off x="6018020" y="2315445"/>
+            <a:ext cx="1129856" cy="1588"/>
           </a:xfrm>
           <a:prstGeom prst="straightConnector1">
             <a:avLst/>
           </a:prstGeom>
-          <a:ln>
+          <a:ln w="85725" cap="flat" cmpd="sng" algn="ctr">
             <a:solidFill>
-              <a:schemeClr val="tx1"/>
+              <a:srgbClr val="FF0000"/>
             </a:solidFill>
-            <a:headEnd type="arrow"/>
-            <a:tailEnd type="arrow"/>
+            <a:prstDash val="solid"/>
+            <a:round/>
+            <a:headEnd type="none" w="med" len="med"/>
+            <a:tailEnd type="arrow" w="med" len="med"/>
           </a:ln>
           <a:effectLst/>
         </p:spPr>
@@ -8738,14 +8243,14 @@
       </p:cxnSp>
       <p:sp>
         <p:nvSpPr>
-          <p:cNvPr id="26" name="TextBox 25"/>
+          <p:cNvPr id="21" name="TextBox 20"/>
           <p:cNvSpPr txBox="1"/>
           <p:nvPr/>
         </p:nvSpPr>
         <p:spPr>
           <a:xfrm>
-            <a:off x="5340965" y="1678117"/>
-            <a:ext cx="899142" cy="369332"/>
+            <a:off x="7147876" y="2112697"/>
+            <a:ext cx="1553962" cy="369332"/>
           </a:xfrm>
           <a:prstGeom prst="rect">
             <a:avLst/>
@@ -8760,212 +8265,7 @@
           <a:p>
             <a:r>
               <a:rPr lang="en-US"/>
-              <a:t>200 μm</a:t>
-            </a:r>
-          </a:p>
-        </p:txBody>
-      </p:sp>
-      <p:cxnSp>
-        <p:nvCxnSpPr>
-          <p:cNvPr id="27" name="Straight Arrow Connector 26"/>
-          <p:cNvCxnSpPr/>
-          <p:nvPr/>
-        </p:nvCxnSpPr>
-        <p:spPr>
-          <a:xfrm rot="10800000">
-            <a:off x="7191402" y="2016790"/>
-            <a:ext cx="1616436" cy="4765"/>
-          </a:xfrm>
-          <a:prstGeom prst="straightConnector1">
-            <a:avLst/>
-          </a:prstGeom>
-          <a:ln>
-            <a:solidFill>
-              <a:schemeClr val="tx1"/>
-            </a:solidFill>
-            <a:headEnd type="arrow"/>
-            <a:tailEnd type="arrow"/>
-          </a:ln>
-          <a:effectLst/>
-        </p:spPr>
-        <p:style>
-          <a:lnRef idx="2">
-            <a:schemeClr val="accent1"/>
-          </a:lnRef>
-          <a:fillRef idx="0">
-            <a:schemeClr val="accent1"/>
-          </a:fillRef>
-          <a:effectRef idx="1">
-            <a:schemeClr val="accent1"/>
-          </a:effectRef>
-          <a:fontRef idx="minor">
-            <a:schemeClr val="tx1"/>
-          </a:fontRef>
-        </p:style>
-      </p:cxnSp>
-      <p:sp>
-        <p:nvSpPr>
-          <p:cNvPr id="28" name="TextBox 27"/>
-          <p:cNvSpPr txBox="1"/>
-          <p:nvPr/>
-        </p:nvSpPr>
-        <p:spPr>
-          <a:xfrm>
-            <a:off x="7576207" y="1679705"/>
-            <a:ext cx="899142" cy="369332"/>
-          </a:xfrm>
-          <a:prstGeom prst="rect">
-            <a:avLst/>
-          </a:prstGeom>
-          <a:noFill/>
-        </p:spPr>
-        <p:txBody>
-          <a:bodyPr wrap="square" rtlCol="0">
-            <a:spAutoFit/>
-          </a:bodyPr>
-          <a:lstStyle/>
-          <a:p>
-            <a:r>
-              <a:rPr lang="en-US"/>
-              <a:t>70 μm</a:t>
-            </a:r>
-          </a:p>
-        </p:txBody>
-      </p:sp>
-      <p:cxnSp>
-        <p:nvCxnSpPr>
-          <p:cNvPr id="30" name="Straight Arrow Connector 29"/>
-          <p:cNvCxnSpPr/>
-          <p:nvPr/>
-        </p:nvCxnSpPr>
-        <p:spPr>
-          <a:xfrm rot="10800000">
-            <a:off x="2135914" y="1187288"/>
-            <a:ext cx="6671926" cy="29073"/>
-          </a:xfrm>
-          <a:prstGeom prst="straightConnector1">
-            <a:avLst/>
-          </a:prstGeom>
-          <a:ln w="76200" cap="flat" cmpd="sng" algn="ctr">
-            <a:solidFill>
-              <a:schemeClr val="tx1"/>
-            </a:solidFill>
-            <a:prstDash val="solid"/>
-            <a:round/>
-            <a:headEnd type="arrow" w="med" len="med"/>
-            <a:tailEnd type="arrow" w="med" len="med"/>
-          </a:ln>
-          <a:effectLst/>
-        </p:spPr>
-        <p:style>
-          <a:lnRef idx="2">
-            <a:schemeClr val="accent1"/>
-          </a:lnRef>
-          <a:fillRef idx="0">
-            <a:schemeClr val="accent1"/>
-          </a:fillRef>
-          <a:effectRef idx="1">
-            <a:schemeClr val="accent1"/>
-          </a:effectRef>
-          <a:fontRef idx="minor">
-            <a:schemeClr val="tx1"/>
-          </a:fontRef>
-        </p:style>
-      </p:cxnSp>
-      <p:sp>
-        <p:nvSpPr>
-          <p:cNvPr id="31" name="TextBox 30"/>
-          <p:cNvSpPr txBox="1"/>
-          <p:nvPr/>
-        </p:nvSpPr>
-        <p:spPr>
-          <a:xfrm>
-            <a:off x="4516167" y="737683"/>
-            <a:ext cx="2010040" cy="523220"/>
-          </a:xfrm>
-          <a:prstGeom prst="rect">
-            <a:avLst/>
-          </a:prstGeom>
-          <a:noFill/>
-        </p:spPr>
-        <p:txBody>
-          <a:bodyPr wrap="square" rtlCol="0">
-            <a:spAutoFit/>
-          </a:bodyPr>
-          <a:lstStyle/>
-          <a:p>
-            <a:r>
-              <a:rPr lang="en-US" sz="2800" b="1"/>
-              <a:t>0.47 mm</a:t>
-            </a:r>
-          </a:p>
-        </p:txBody>
-      </p:sp>
-      <p:cxnSp>
-        <p:nvCxnSpPr>
-          <p:cNvPr id="34" name="Straight Arrow Connector 33"/>
-          <p:cNvCxnSpPr/>
-          <p:nvPr/>
-        </p:nvCxnSpPr>
-        <p:spPr>
-          <a:xfrm rot="5400000" flipH="1" flipV="1">
-            <a:off x="-389177" y="3340659"/>
-            <a:ext cx="3925355" cy="1588"/>
-          </a:xfrm>
-          <a:prstGeom prst="straightConnector1">
-            <a:avLst/>
-          </a:prstGeom>
-          <a:ln w="76200" cap="flat" cmpd="sng" algn="ctr">
-            <a:solidFill>
-              <a:schemeClr val="tx1"/>
-            </a:solidFill>
-            <a:prstDash val="solid"/>
-            <a:round/>
-            <a:headEnd type="arrow" w="med" len="med"/>
-            <a:tailEnd type="arrow" w="med" len="med"/>
-          </a:ln>
-          <a:effectLst/>
-        </p:spPr>
-        <p:style>
-          <a:lnRef idx="2">
-            <a:schemeClr val="accent1"/>
-          </a:lnRef>
-          <a:fillRef idx="0">
-            <a:schemeClr val="accent1"/>
-          </a:fillRef>
-          <a:effectRef idx="1">
-            <a:schemeClr val="accent1"/>
-          </a:effectRef>
-          <a:fontRef idx="minor">
-            <a:schemeClr val="tx1"/>
-          </a:fontRef>
-        </p:style>
-      </p:cxnSp>
-      <p:sp>
-        <p:nvSpPr>
-          <p:cNvPr id="37" name="TextBox 36"/>
-          <p:cNvSpPr txBox="1"/>
-          <p:nvPr/>
-        </p:nvSpPr>
-        <p:spPr>
-          <a:xfrm>
-            <a:off x="151105" y="2733527"/>
-            <a:ext cx="2010040" cy="523220"/>
-          </a:xfrm>
-          <a:prstGeom prst="rect">
-            <a:avLst/>
-          </a:prstGeom>
-          <a:noFill/>
-        </p:spPr>
-        <p:txBody>
-          <a:bodyPr wrap="square" rtlCol="0">
-            <a:spAutoFit/>
-          </a:bodyPr>
-          <a:lstStyle/>
-          <a:p>
-            <a:r>
-              <a:rPr lang="en-US" sz="2800" b="1"/>
-              <a:t>0.29 mm</a:t>
+              <a:t>GND</a:t>
             </a:r>
           </a:p>
         </p:txBody>
@@ -9064,29 +8364,346 @@
                 <a:latin typeface="Helvetica Neue"/>
                 <a:cs typeface="Helvetica Neue"/>
               </a:rPr>
-              <a:t>Common Centroid Plan</a:t>
+              <a:t>Layout Floorplan</a:t>
+            </a:r>
+          </a:p>
+        </p:txBody>
+      </p:sp>
+      <p:sp>
+        <p:nvSpPr>
+          <p:cNvPr id="6" name="Rectangle 5"/>
+          <p:cNvSpPr/>
+          <p:nvPr/>
+        </p:nvSpPr>
+        <p:spPr>
+          <a:xfrm>
+            <a:off x="2135914" y="1377980"/>
+            <a:ext cx="3232873" cy="230903"/>
+          </a:xfrm>
+          <a:prstGeom prst="rect">
+            <a:avLst/>
+          </a:prstGeom>
+        </p:spPr>
+        <p:style>
+          <a:lnRef idx="1">
+            <a:schemeClr val="accent1"/>
+          </a:lnRef>
+          <a:fillRef idx="3">
+            <a:schemeClr val="accent1"/>
+          </a:fillRef>
+          <a:effectRef idx="2">
+            <a:schemeClr val="accent1"/>
+          </a:effectRef>
+          <a:fontRef idx="minor">
+            <a:schemeClr val="lt1"/>
+          </a:fontRef>
+        </p:style>
+        <p:txBody>
+          <a:bodyPr rtlCol="0" anchor="ctr"/>
+          <a:lstStyle/>
+          <a:p>
+            <a:pPr algn="ctr"/>
+            <a:r>
+              <a:rPr lang="en-US"/>
+              <a:t>VIN RAIL</a:t>
+            </a:r>
+          </a:p>
+        </p:txBody>
+      </p:sp>
+      <p:sp>
+        <p:nvSpPr>
+          <p:cNvPr id="7" name="Rectangle 6"/>
+          <p:cNvSpPr/>
+          <p:nvPr/>
+        </p:nvSpPr>
+        <p:spPr>
+          <a:xfrm>
+            <a:off x="2135914" y="5055939"/>
+            <a:ext cx="6671924" cy="247396"/>
+          </a:xfrm>
+          <a:prstGeom prst="rect">
+            <a:avLst/>
+          </a:prstGeom>
+        </p:spPr>
+        <p:style>
+          <a:lnRef idx="1">
+            <a:schemeClr val="accent1"/>
+          </a:lnRef>
+          <a:fillRef idx="3">
+            <a:schemeClr val="accent1"/>
+          </a:fillRef>
+          <a:effectRef idx="2">
+            <a:schemeClr val="accent1"/>
+          </a:effectRef>
+          <a:fontRef idx="minor">
+            <a:schemeClr val="lt1"/>
+          </a:fontRef>
+        </p:style>
+        <p:txBody>
+          <a:bodyPr rtlCol="0" anchor="ctr"/>
+          <a:lstStyle/>
+          <a:p>
+            <a:pPr algn="ctr"/>
+            <a:r>
+              <a:rPr lang="en-US"/>
+              <a:t>GND RAIL</a:t>
+            </a:r>
+          </a:p>
+        </p:txBody>
+      </p:sp>
+      <p:sp>
+        <p:nvSpPr>
+          <p:cNvPr id="8" name="Rectangle 7"/>
+          <p:cNvSpPr/>
+          <p:nvPr/>
+        </p:nvSpPr>
+        <p:spPr>
+          <a:xfrm>
+            <a:off x="5521187" y="1377980"/>
+            <a:ext cx="3286651" cy="230903"/>
+          </a:xfrm>
+          <a:prstGeom prst="rect">
+            <a:avLst/>
+          </a:prstGeom>
+        </p:spPr>
+        <p:style>
+          <a:lnRef idx="1">
+            <a:schemeClr val="accent1"/>
+          </a:lnRef>
+          <a:fillRef idx="3">
+            <a:schemeClr val="accent1"/>
+          </a:fillRef>
+          <a:effectRef idx="2">
+            <a:schemeClr val="accent1"/>
+          </a:effectRef>
+          <a:fontRef idx="minor">
+            <a:schemeClr val="lt1"/>
+          </a:fontRef>
+        </p:style>
+        <p:txBody>
+          <a:bodyPr rtlCol="0" anchor="ctr"/>
+          <a:lstStyle/>
+          <a:p>
+            <a:pPr algn="ctr"/>
+            <a:r>
+              <a:rPr lang="en-US"/>
+              <a:t>VOUT RAIL</a:t>
+            </a:r>
+          </a:p>
+        </p:txBody>
+      </p:sp>
+      <p:sp>
+        <p:nvSpPr>
+          <p:cNvPr id="9" name="Rectangle 8"/>
+          <p:cNvSpPr/>
+          <p:nvPr/>
+        </p:nvSpPr>
+        <p:spPr>
+          <a:xfrm>
+            <a:off x="2135915" y="1740835"/>
+            <a:ext cx="2366924" cy="3183144"/>
+          </a:xfrm>
+          <a:prstGeom prst="rect">
+            <a:avLst/>
+          </a:prstGeom>
+        </p:spPr>
+        <p:style>
+          <a:lnRef idx="1">
+            <a:schemeClr val="accent2"/>
+          </a:lnRef>
+          <a:fillRef idx="3">
+            <a:schemeClr val="accent2"/>
+          </a:fillRef>
+          <a:effectRef idx="2">
+            <a:schemeClr val="accent2"/>
+          </a:effectRef>
+          <a:fontRef idx="minor">
+            <a:schemeClr val="lt1"/>
+          </a:fontRef>
+        </p:style>
+        <p:txBody>
+          <a:bodyPr rtlCol="0" anchor="ctr"/>
+          <a:lstStyle/>
+          <a:p>
+            <a:pPr algn="ctr"/>
+            <a:r>
+              <a:rPr lang="en-US"/>
+              <a:t>OP AMP 1</a:t>
+            </a:r>
+          </a:p>
+        </p:txBody>
+      </p:sp>
+      <p:sp>
+        <p:nvSpPr>
+          <p:cNvPr id="10" name="Rectangle 9"/>
+          <p:cNvSpPr/>
+          <p:nvPr/>
+        </p:nvSpPr>
+        <p:spPr>
+          <a:xfrm>
+            <a:off x="4655239" y="1740835"/>
+            <a:ext cx="2366924" cy="3183144"/>
+          </a:xfrm>
+          <a:prstGeom prst="rect">
+            <a:avLst/>
+          </a:prstGeom>
+        </p:spPr>
+        <p:style>
+          <a:lnRef idx="1">
+            <a:schemeClr val="accent2"/>
+          </a:lnRef>
+          <a:fillRef idx="3">
+            <a:schemeClr val="accent2"/>
+          </a:fillRef>
+          <a:effectRef idx="2">
+            <a:schemeClr val="accent2"/>
+          </a:effectRef>
+          <a:fontRef idx="minor">
+            <a:schemeClr val="lt1"/>
+          </a:fontRef>
+        </p:style>
+        <p:txBody>
+          <a:bodyPr rtlCol="0" anchor="ctr"/>
+          <a:lstStyle/>
+          <a:p>
+            <a:pPr algn="ctr"/>
+            <a:r>
+              <a:rPr lang="en-US"/>
+              <a:t>OP AMP 2</a:t>
+            </a:r>
+          </a:p>
+        </p:txBody>
+      </p:sp>
+      <p:sp>
+        <p:nvSpPr>
+          <p:cNvPr id="11" name="Rectangle 10"/>
+          <p:cNvSpPr/>
+          <p:nvPr/>
+        </p:nvSpPr>
+        <p:spPr>
+          <a:xfrm>
+            <a:off x="7191402" y="1740835"/>
+            <a:ext cx="1616436" cy="1690526"/>
+          </a:xfrm>
+          <a:prstGeom prst="rect">
+            <a:avLst/>
+          </a:prstGeom>
+        </p:spPr>
+        <p:style>
+          <a:lnRef idx="1">
+            <a:schemeClr val="accent3"/>
+          </a:lnRef>
+          <a:fillRef idx="3">
+            <a:schemeClr val="accent3"/>
+          </a:fillRef>
+          <a:effectRef idx="2">
+            <a:schemeClr val="accent3"/>
+          </a:effectRef>
+          <a:fontRef idx="minor">
+            <a:schemeClr val="lt1"/>
+          </a:fontRef>
+        </p:style>
+        <p:txBody>
+          <a:bodyPr rtlCol="0" anchor="ctr"/>
+          <a:lstStyle/>
+          <a:p>
+            <a:pPr algn="ctr"/>
+            <a:r>
+              <a:rPr lang="en-US"/>
+              <a:t>Power </a:t>
+            </a:r>
+          </a:p>
+          <a:p>
+            <a:pPr algn="ctr"/>
+            <a:r>
+              <a:rPr lang="en-US"/>
+              <a:t>MOSFET</a:t>
+            </a:r>
+          </a:p>
+        </p:txBody>
+      </p:sp>
+      <p:sp>
+        <p:nvSpPr>
+          <p:cNvPr id="12" name="Rectangle 11"/>
+          <p:cNvSpPr/>
+          <p:nvPr/>
+        </p:nvSpPr>
+        <p:spPr>
+          <a:xfrm>
+            <a:off x="7191402" y="3612809"/>
+            <a:ext cx="1616436" cy="1311170"/>
+          </a:xfrm>
+          <a:prstGeom prst="rect">
+            <a:avLst/>
+          </a:prstGeom>
+        </p:spPr>
+        <p:style>
+          <a:lnRef idx="1">
+            <a:schemeClr val="accent4"/>
+          </a:lnRef>
+          <a:fillRef idx="3">
+            <a:schemeClr val="accent4"/>
+          </a:fillRef>
+          <a:effectRef idx="2">
+            <a:schemeClr val="accent4"/>
+          </a:effectRef>
+          <a:fontRef idx="minor">
+            <a:schemeClr val="lt1"/>
+          </a:fontRef>
+        </p:style>
+        <p:txBody>
+          <a:bodyPr rtlCol="0" anchor="ctr"/>
+          <a:lstStyle/>
+          <a:p>
+            <a:pPr algn="ctr"/>
+            <a:r>
+              <a:rPr lang="en-US"/>
+              <a:t>Common </a:t>
+            </a:r>
+          </a:p>
+          <a:p>
+            <a:pPr algn="ctr"/>
+            <a:r>
+              <a:rPr lang="en-US"/>
+              <a:t>Centroid</a:t>
+            </a:r>
+          </a:p>
+          <a:p>
+            <a:pPr algn="ctr"/>
+            <a:r>
+              <a:rPr lang="en-US"/>
+              <a:t>Precision </a:t>
+            </a:r>
+          </a:p>
+          <a:p>
+            <a:pPr algn="ctr"/>
+            <a:r>
+              <a:rPr lang="en-US"/>
+              <a:t>Resistors</a:t>
             </a:r>
           </a:p>
         </p:txBody>
       </p:sp>
       <p:cxnSp>
         <p:nvCxnSpPr>
-          <p:cNvPr id="32" name="Straight Connector 31"/>
+          <p:cNvPr id="14" name="Straight Arrow Connector 13"/>
           <p:cNvCxnSpPr/>
           <p:nvPr/>
         </p:nvCxnSpPr>
         <p:spPr>
           <a:xfrm rot="5400000">
-            <a:off x="80100" y="3187274"/>
-            <a:ext cx="4428373" cy="1588"/>
-          </a:xfrm>
-          <a:prstGeom prst="line">
+            <a:off x="436860" y="3332407"/>
+            <a:ext cx="3183144" cy="1588"/>
+          </a:xfrm>
+          <a:prstGeom prst="straightConnector1">
             <a:avLst/>
           </a:prstGeom>
           <a:ln>
             <a:solidFill>
-              <a:srgbClr val="000000"/>
+              <a:schemeClr val="tx1"/>
             </a:solidFill>
+            <a:headEnd type="arrow"/>
+            <a:tailEnd type="arrow"/>
           </a:ln>
           <a:effectLst/>
         </p:spPr>
@@ -9107,14 +8724,14 @@
       </p:cxnSp>
       <p:sp>
         <p:nvSpPr>
-          <p:cNvPr id="33" name="TextBox 32"/>
+          <p:cNvPr id="15" name="TextBox 14"/>
           <p:cNvSpPr txBox="1"/>
           <p:nvPr/>
         </p:nvSpPr>
         <p:spPr>
-          <a:xfrm>
-            <a:off x="428850" y="1352944"/>
-            <a:ext cx="1545215" cy="523220"/>
+          <a:xfrm rot="16200000">
+            <a:off x="1413263" y="3120427"/>
+            <a:ext cx="899142" cy="369332"/>
           </a:xfrm>
           <a:prstGeom prst="rect">
             <a:avLst/>
@@ -9128,135 +8745,32 @@
           <a:lstStyle/>
           <a:p>
             <a:r>
-              <a:rPr lang="en-US" sz="2800" b="1"/>
-              <a:t>Op Amps</a:t>
-            </a:r>
-          </a:p>
-        </p:txBody>
-      </p:sp>
-      <p:sp>
-        <p:nvSpPr>
-          <p:cNvPr id="36" name="TextBox 35"/>
-          <p:cNvSpPr txBox="1"/>
-          <p:nvPr/>
-        </p:nvSpPr>
-        <p:spPr>
-          <a:xfrm>
-            <a:off x="2626534" y="1091334"/>
-            <a:ext cx="1570813" cy="954107"/>
-          </a:xfrm>
-          <a:prstGeom prst="rect">
-            <a:avLst/>
-          </a:prstGeom>
-          <a:noFill/>
-        </p:spPr>
-        <p:txBody>
-          <a:bodyPr wrap="none" rtlCol="0">
-            <a:spAutoFit/>
-          </a:bodyPr>
-          <a:lstStyle/>
-          <a:p>
-            <a:r>
-              <a:rPr lang="en-US" sz="2800" b="1"/>
-              <a:t>Inverting</a:t>
-            </a:r>
-          </a:p>
-          <a:p>
-            <a:r>
-              <a:rPr lang="en-US" sz="2800" b="1"/>
-              <a:t>Amplifier</a:t>
-            </a:r>
-          </a:p>
-        </p:txBody>
-      </p:sp>
-      <p:sp>
-        <p:nvSpPr>
-          <p:cNvPr id="38" name="TextBox 37"/>
-          <p:cNvSpPr txBox="1"/>
-          <p:nvPr/>
-        </p:nvSpPr>
-        <p:spPr>
-          <a:xfrm>
-            <a:off x="4597597" y="1091334"/>
-            <a:ext cx="1862033" cy="954107"/>
-          </a:xfrm>
-          <a:prstGeom prst="rect">
-            <a:avLst/>
-          </a:prstGeom>
-          <a:noFill/>
-        </p:spPr>
-        <p:txBody>
-          <a:bodyPr wrap="none" rtlCol="0">
-            <a:spAutoFit/>
-          </a:bodyPr>
-          <a:lstStyle/>
-          <a:p>
-            <a:r>
-              <a:rPr lang="en-US" sz="2800" b="1"/>
-              <a:t>Differential</a:t>
-            </a:r>
-          </a:p>
-          <a:p>
-            <a:r>
-              <a:rPr lang="en-US" sz="2800" b="1"/>
-              <a:t>Amplifier</a:t>
-            </a:r>
-          </a:p>
-        </p:txBody>
-      </p:sp>
-      <p:sp>
-        <p:nvSpPr>
-          <p:cNvPr id="39" name="TextBox 38"/>
-          <p:cNvSpPr txBox="1"/>
-          <p:nvPr/>
-        </p:nvSpPr>
-        <p:spPr>
-          <a:xfrm>
-            <a:off x="6973052" y="1091334"/>
-            <a:ext cx="1590975" cy="954107"/>
-          </a:xfrm>
-          <a:prstGeom prst="rect">
-            <a:avLst/>
-          </a:prstGeom>
-          <a:noFill/>
-        </p:spPr>
-        <p:txBody>
-          <a:bodyPr wrap="none" rtlCol="0">
-            <a:spAutoFit/>
-          </a:bodyPr>
-          <a:lstStyle/>
-          <a:p>
-            <a:r>
-              <a:rPr lang="en-US" sz="2800" b="1"/>
-              <a:t>Feedback</a:t>
-            </a:r>
-          </a:p>
-          <a:p>
-            <a:r>
-              <a:rPr lang="en-US" sz="2800" b="1"/>
-              <a:t>Divider</a:t>
+              <a:rPr lang="en-US"/>
+              <a:t>250 μm</a:t>
             </a:r>
           </a:p>
         </p:txBody>
       </p:sp>
       <p:cxnSp>
         <p:nvCxnSpPr>
-          <p:cNvPr id="40" name="Straight Connector 39"/>
+          <p:cNvPr id="16" name="Straight Arrow Connector 15"/>
           <p:cNvCxnSpPr/>
           <p:nvPr/>
         </p:nvCxnSpPr>
         <p:spPr>
           <a:xfrm rot="5400000">
-            <a:off x="2273041" y="3187273"/>
-            <a:ext cx="4428373" cy="1588"/>
-          </a:xfrm>
-          <a:prstGeom prst="line">
+            <a:off x="1864711" y="1488628"/>
+            <a:ext cx="327441" cy="1588"/>
+          </a:xfrm>
+          <a:prstGeom prst="straightConnector1">
             <a:avLst/>
           </a:prstGeom>
           <a:ln>
             <a:solidFill>
-              <a:srgbClr val="000000"/>
+              <a:schemeClr val="tx1"/>
             </a:solidFill>
+            <a:headEnd type="arrow"/>
+            <a:tailEnd type="arrow"/>
           </a:ln>
           <a:effectLst/>
         </p:spPr>
@@ -9275,24 +8789,55 @@
           </a:fontRef>
         </p:style>
       </p:cxnSp>
+      <p:sp>
+        <p:nvSpPr>
+          <p:cNvPr id="17" name="TextBox 16"/>
+          <p:cNvSpPr txBox="1"/>
+          <p:nvPr/>
+        </p:nvSpPr>
+        <p:spPr>
+          <a:xfrm rot="16200000">
+            <a:off x="1368170" y="1386767"/>
+            <a:ext cx="899142" cy="369332"/>
+          </a:xfrm>
+          <a:prstGeom prst="rect">
+            <a:avLst/>
+          </a:prstGeom>
+          <a:noFill/>
+        </p:spPr>
+        <p:txBody>
+          <a:bodyPr wrap="square" rtlCol="0">
+            <a:spAutoFit/>
+          </a:bodyPr>
+          <a:lstStyle/>
+          <a:p>
+            <a:r>
+              <a:rPr lang="en-US"/>
+              <a:t>20 μm</a:t>
+            </a:r>
+          </a:p>
+        </p:txBody>
+      </p:sp>
       <p:cxnSp>
         <p:nvCxnSpPr>
-          <p:cNvPr id="41" name="Straight Connector 40"/>
+          <p:cNvPr id="19" name="Straight Arrow Connector 18"/>
           <p:cNvCxnSpPr/>
           <p:nvPr/>
         </p:nvCxnSpPr>
         <p:spPr>
           <a:xfrm rot="5400000">
-            <a:off x="4433787" y="3187277"/>
-            <a:ext cx="4428373" cy="1588"/>
-          </a:xfrm>
-          <a:prstGeom prst="line">
+            <a:off x="1864710" y="5200231"/>
+            <a:ext cx="327441" cy="1588"/>
+          </a:xfrm>
+          <a:prstGeom prst="straightConnector1">
             <a:avLst/>
           </a:prstGeom>
           <a:ln>
             <a:solidFill>
-              <a:srgbClr val="000000"/>
+              <a:schemeClr val="tx1"/>
             </a:solidFill>
+            <a:headEnd type="arrow"/>
+            <a:tailEnd type="arrow"/>
           </a:ln>
           <a:effectLst/>
         </p:spPr>
@@ -9313,14 +8858,14 @@
       </p:cxnSp>
       <p:sp>
         <p:nvSpPr>
-          <p:cNvPr id="42" name="TextBox 41"/>
+          <p:cNvPr id="20" name="TextBox 19"/>
           <p:cNvSpPr txBox="1"/>
           <p:nvPr/>
         </p:nvSpPr>
         <p:spPr>
-          <a:xfrm>
-            <a:off x="354633" y="3051207"/>
-            <a:ext cx="1929660" cy="923330"/>
+          <a:xfrm rot="16200000">
+            <a:off x="1368169" y="4938561"/>
+            <a:ext cx="899142" cy="369332"/>
           </a:xfrm>
           <a:prstGeom prst="rect">
             <a:avLst/>
@@ -9328,43 +8873,66 @@
           <a:noFill/>
         </p:spPr>
         <p:txBody>
-          <a:bodyPr wrap="none" rtlCol="0">
+          <a:bodyPr wrap="square" rtlCol="0">
             <a:spAutoFit/>
           </a:bodyPr>
           <a:lstStyle/>
           <a:p>
-            <a:pPr algn="ctr"/>
             <a:r>
               <a:rPr lang="en-US"/>
-              <a:t>Common centroid</a:t>
-            </a:r>
-          </a:p>
-          <a:p>
-            <a:pPr algn="ctr"/>
-            <a:r>
-              <a:rPr lang="en-US"/>
-              <a:t>already completed</a:t>
-            </a:r>
-          </a:p>
-          <a:p>
-            <a:pPr algn="ctr"/>
-            <a:r>
-              <a:rPr lang="en-US"/>
-              <a:t>in homework 4</a:t>
-            </a:r>
-          </a:p>
-        </p:txBody>
-      </p:sp>
-      <p:sp>
-        <p:nvSpPr>
-          <p:cNvPr id="43" name="TextBox 42"/>
+              <a:t>20 μm</a:t>
+            </a:r>
+          </a:p>
+        </p:txBody>
+      </p:sp>
+      <p:cxnSp>
+        <p:nvCxnSpPr>
+          <p:cNvPr id="21" name="Straight Arrow Connector 20"/>
+          <p:cNvCxnSpPr/>
+          <p:nvPr/>
+        </p:nvCxnSpPr>
+        <p:spPr>
+          <a:xfrm rot="10800000">
+            <a:off x="2135915" y="2016790"/>
+            <a:ext cx="2366926" cy="1588"/>
+          </a:xfrm>
+          <a:prstGeom prst="straightConnector1">
+            <a:avLst/>
+          </a:prstGeom>
+          <a:ln>
+            <a:solidFill>
+              <a:schemeClr val="tx1"/>
+            </a:solidFill>
+            <a:headEnd type="arrow"/>
+            <a:tailEnd type="arrow"/>
+          </a:ln>
+          <a:effectLst/>
+        </p:spPr>
+        <p:style>
+          <a:lnRef idx="2">
+            <a:schemeClr val="accent1"/>
+          </a:lnRef>
+          <a:fillRef idx="0">
+            <a:schemeClr val="accent1"/>
+          </a:fillRef>
+          <a:effectRef idx="1">
+            <a:schemeClr val="accent1"/>
+          </a:effectRef>
+          <a:fontRef idx="minor">
+            <a:schemeClr val="tx1"/>
+          </a:fontRef>
+        </p:style>
+      </p:cxnSp>
+      <p:sp>
+        <p:nvSpPr>
+          <p:cNvPr id="22" name="TextBox 21"/>
           <p:cNvSpPr txBox="1"/>
           <p:nvPr/>
         </p:nvSpPr>
         <p:spPr>
           <a:xfrm>
-            <a:off x="2816478" y="2506938"/>
-            <a:ext cx="1380869" cy="2031325"/>
+            <a:off x="2821639" y="1676529"/>
+            <a:ext cx="899142" cy="369332"/>
           </a:xfrm>
           <a:prstGeom prst="rect">
             <a:avLst/>
@@ -9372,68 +8940,66 @@
           <a:noFill/>
         </p:spPr>
         <p:txBody>
-          <a:bodyPr wrap="none" rtlCol="0">
+          <a:bodyPr wrap="square" rtlCol="0">
             <a:spAutoFit/>
           </a:bodyPr>
           <a:lstStyle/>
           <a:p>
-            <a:pPr algn="ctr"/>
             <a:r>
               <a:rPr lang="en-US"/>
-              <a:t>R1: 1 kΩ</a:t>
-            </a:r>
-          </a:p>
-          <a:p>
-            <a:pPr algn="ctr"/>
-            <a:r>
-              <a:rPr lang="en-US"/>
-              <a:t>R2: 2 kΩ</a:t>
-            </a:r>
-          </a:p>
-          <a:p>
-            <a:pPr algn="ctr"/>
-            <a:endParaRPr lang="en-US"/>
-          </a:p>
-          <a:p>
-            <a:pPr algn="ctr"/>
-            <a:r>
-              <a:rPr lang="en-US"/>
-              <a:t>Unit Resistor</a:t>
-            </a:r>
-          </a:p>
-          <a:p>
-            <a:pPr algn="ctr"/>
-            <a:r>
-              <a:rPr lang="en-US"/>
-              <a:t>for common</a:t>
-            </a:r>
-          </a:p>
-          <a:p>
-            <a:pPr algn="ctr"/>
-            <a:r>
-              <a:rPr lang="en-US"/>
-              <a:t>centroid:</a:t>
-            </a:r>
-          </a:p>
-          <a:p>
-            <a:pPr algn="ctr"/>
-            <a:r>
-              <a:rPr lang="en-US"/>
-              <a:t>1 kΩ</a:t>
-            </a:r>
-          </a:p>
-        </p:txBody>
-      </p:sp>
-      <p:sp>
-        <p:nvSpPr>
-          <p:cNvPr id="44" name="TextBox 43"/>
+              <a:t>200 μm</a:t>
+            </a:r>
+          </a:p>
+        </p:txBody>
+      </p:sp>
+      <p:cxnSp>
+        <p:nvCxnSpPr>
+          <p:cNvPr id="25" name="Straight Arrow Connector 24"/>
+          <p:cNvCxnSpPr/>
+          <p:nvPr/>
+        </p:nvCxnSpPr>
+        <p:spPr>
+          <a:xfrm rot="10800000">
+            <a:off x="4655241" y="2018378"/>
+            <a:ext cx="2366926" cy="1588"/>
+          </a:xfrm>
+          <a:prstGeom prst="straightConnector1">
+            <a:avLst/>
+          </a:prstGeom>
+          <a:ln>
+            <a:solidFill>
+              <a:schemeClr val="tx1"/>
+            </a:solidFill>
+            <a:headEnd type="arrow"/>
+            <a:tailEnd type="arrow"/>
+          </a:ln>
+          <a:effectLst/>
+        </p:spPr>
+        <p:style>
+          <a:lnRef idx="2">
+            <a:schemeClr val="accent1"/>
+          </a:lnRef>
+          <a:fillRef idx="0">
+            <a:schemeClr val="accent1"/>
+          </a:fillRef>
+          <a:effectRef idx="1">
+            <a:schemeClr val="accent1"/>
+          </a:effectRef>
+          <a:fontRef idx="minor">
+            <a:schemeClr val="tx1"/>
+          </a:fontRef>
+        </p:style>
+      </p:cxnSp>
+      <p:sp>
+        <p:nvSpPr>
+          <p:cNvPr id="26" name="TextBox 25"/>
           <p:cNvSpPr txBox="1"/>
           <p:nvPr/>
         </p:nvSpPr>
         <p:spPr>
           <a:xfrm>
-            <a:off x="4873965" y="2506938"/>
-            <a:ext cx="1380869" cy="2585323"/>
+            <a:off x="5340965" y="1678117"/>
+            <a:ext cx="899142" cy="369332"/>
           </a:xfrm>
           <a:prstGeom prst="rect">
             <a:avLst/>
@@ -9441,82 +9007,66 @@
           <a:noFill/>
         </p:spPr>
         <p:txBody>
-          <a:bodyPr wrap="none" rtlCol="0">
+          <a:bodyPr wrap="square" rtlCol="0">
             <a:spAutoFit/>
           </a:bodyPr>
           <a:lstStyle/>
           <a:p>
-            <a:pPr algn="ctr"/>
             <a:r>
               <a:rPr lang="en-US"/>
-              <a:t>R1: 10 kΩ</a:t>
-            </a:r>
-          </a:p>
-          <a:p>
-            <a:pPr algn="ctr"/>
-            <a:r>
-              <a:rPr lang="en-US"/>
-              <a:t>R2: 10 kΩ</a:t>
-            </a:r>
-          </a:p>
-          <a:p>
-            <a:pPr algn="ctr"/>
-            <a:r>
-              <a:rPr lang="en-US"/>
-              <a:t>R3: 10 kΩ</a:t>
-            </a:r>
-          </a:p>
-          <a:p>
-            <a:pPr algn="ctr"/>
-            <a:r>
-              <a:rPr lang="en-US"/>
-              <a:t>R4: 10 kΩ</a:t>
-            </a:r>
-          </a:p>
-          <a:p>
-            <a:pPr algn="ctr"/>
-            <a:endParaRPr lang="en-US"/>
-          </a:p>
-          <a:p>
-            <a:pPr algn="ctr"/>
-            <a:r>
-              <a:rPr lang="en-US"/>
-              <a:t>Unit Resistor</a:t>
-            </a:r>
-          </a:p>
-          <a:p>
-            <a:pPr algn="ctr"/>
-            <a:r>
-              <a:rPr lang="en-US"/>
-              <a:t>for common</a:t>
-            </a:r>
-          </a:p>
-          <a:p>
-            <a:pPr algn="ctr"/>
-            <a:r>
-              <a:rPr lang="en-US"/>
-              <a:t>centroid:</a:t>
-            </a:r>
-          </a:p>
-          <a:p>
-            <a:pPr algn="ctr"/>
-            <a:r>
-              <a:rPr lang="en-US"/>
-              <a:t>5 kΩ</a:t>
-            </a:r>
-          </a:p>
-        </p:txBody>
-      </p:sp>
-      <p:sp>
-        <p:nvSpPr>
-          <p:cNvPr id="45" name="TextBox 44"/>
+              <a:t>200 μm</a:t>
+            </a:r>
+          </a:p>
+        </p:txBody>
+      </p:sp>
+      <p:cxnSp>
+        <p:nvCxnSpPr>
+          <p:cNvPr id="27" name="Straight Arrow Connector 26"/>
+          <p:cNvCxnSpPr/>
+          <p:nvPr/>
+        </p:nvCxnSpPr>
+        <p:spPr>
+          <a:xfrm rot="10800000">
+            <a:off x="7191402" y="2016790"/>
+            <a:ext cx="1616436" cy="4765"/>
+          </a:xfrm>
+          <a:prstGeom prst="straightConnector1">
+            <a:avLst/>
+          </a:prstGeom>
+          <a:ln>
+            <a:solidFill>
+              <a:schemeClr val="tx1"/>
+            </a:solidFill>
+            <a:headEnd type="arrow"/>
+            <a:tailEnd type="arrow"/>
+          </a:ln>
+          <a:effectLst/>
+        </p:spPr>
+        <p:style>
+          <a:lnRef idx="2">
+            <a:schemeClr val="accent1"/>
+          </a:lnRef>
+          <a:fillRef idx="0">
+            <a:schemeClr val="accent1"/>
+          </a:fillRef>
+          <a:effectRef idx="1">
+            <a:schemeClr val="accent1"/>
+          </a:effectRef>
+          <a:fontRef idx="minor">
+            <a:schemeClr val="tx1"/>
+          </a:fontRef>
+        </p:style>
+      </p:cxnSp>
+      <p:sp>
+        <p:nvSpPr>
+          <p:cNvPr id="28" name="TextBox 27"/>
           <p:cNvSpPr txBox="1"/>
           <p:nvPr/>
         </p:nvSpPr>
         <p:spPr>
           <a:xfrm>
-            <a:off x="7067700" y="2506938"/>
-            <a:ext cx="1380869" cy="2031325"/>
+            <a:off x="7576207" y="1679705"/>
+            <a:ext cx="899142" cy="369332"/>
           </a:xfrm>
           <a:prstGeom prst="rect">
             <a:avLst/>
@@ -9524,54 +9074,152 @@
           <a:noFill/>
         </p:spPr>
         <p:txBody>
-          <a:bodyPr wrap="none" rtlCol="0">
+          <a:bodyPr wrap="square" rtlCol="0">
             <a:spAutoFit/>
           </a:bodyPr>
           <a:lstStyle/>
           <a:p>
-            <a:pPr algn="ctr"/>
             <a:r>
               <a:rPr lang="en-US"/>
-              <a:t>R1: 20 kΩ</a:t>
-            </a:r>
-          </a:p>
-          <a:p>
-            <a:pPr algn="ctr"/>
-            <a:r>
-              <a:rPr lang="en-US"/>
-              <a:t>R2: 20 kΩ</a:t>
-            </a:r>
-          </a:p>
-          <a:p>
-            <a:pPr algn="ctr"/>
-            <a:endParaRPr lang="en-US"/>
-          </a:p>
-          <a:p>
-            <a:pPr algn="ctr"/>
-            <a:r>
-              <a:rPr lang="en-US"/>
-              <a:t>Unit Resistor</a:t>
-            </a:r>
-          </a:p>
-          <a:p>
-            <a:pPr algn="ctr"/>
-            <a:r>
-              <a:rPr lang="en-US"/>
-              <a:t>for common</a:t>
-            </a:r>
-          </a:p>
-          <a:p>
-            <a:pPr algn="ctr"/>
-            <a:r>
-              <a:rPr lang="en-US"/>
-              <a:t>centroid:</a:t>
-            </a:r>
-          </a:p>
-          <a:p>
-            <a:pPr algn="ctr"/>
-            <a:r>
-              <a:rPr lang="en-US"/>
-              <a:t>10 kΩ</a:t>
+              <a:t>70 μm</a:t>
+            </a:r>
+          </a:p>
+        </p:txBody>
+      </p:sp>
+      <p:cxnSp>
+        <p:nvCxnSpPr>
+          <p:cNvPr id="30" name="Straight Arrow Connector 29"/>
+          <p:cNvCxnSpPr/>
+          <p:nvPr/>
+        </p:nvCxnSpPr>
+        <p:spPr>
+          <a:xfrm rot="10800000">
+            <a:off x="2135914" y="1187288"/>
+            <a:ext cx="6671926" cy="29073"/>
+          </a:xfrm>
+          <a:prstGeom prst="straightConnector1">
+            <a:avLst/>
+          </a:prstGeom>
+          <a:ln w="76200" cap="flat" cmpd="sng" algn="ctr">
+            <a:solidFill>
+              <a:schemeClr val="tx1"/>
+            </a:solidFill>
+            <a:prstDash val="solid"/>
+            <a:round/>
+            <a:headEnd type="arrow" w="med" len="med"/>
+            <a:tailEnd type="arrow" w="med" len="med"/>
+          </a:ln>
+          <a:effectLst/>
+        </p:spPr>
+        <p:style>
+          <a:lnRef idx="2">
+            <a:schemeClr val="accent1"/>
+          </a:lnRef>
+          <a:fillRef idx="0">
+            <a:schemeClr val="accent1"/>
+          </a:fillRef>
+          <a:effectRef idx="1">
+            <a:schemeClr val="accent1"/>
+          </a:effectRef>
+          <a:fontRef idx="minor">
+            <a:schemeClr val="tx1"/>
+          </a:fontRef>
+        </p:style>
+      </p:cxnSp>
+      <p:sp>
+        <p:nvSpPr>
+          <p:cNvPr id="31" name="TextBox 30"/>
+          <p:cNvSpPr txBox="1"/>
+          <p:nvPr/>
+        </p:nvSpPr>
+        <p:spPr>
+          <a:xfrm>
+            <a:off x="4516167" y="737683"/>
+            <a:ext cx="2010040" cy="523220"/>
+          </a:xfrm>
+          <a:prstGeom prst="rect">
+            <a:avLst/>
+          </a:prstGeom>
+          <a:noFill/>
+        </p:spPr>
+        <p:txBody>
+          <a:bodyPr wrap="square" rtlCol="0">
+            <a:spAutoFit/>
+          </a:bodyPr>
+          <a:lstStyle/>
+          <a:p>
+            <a:r>
+              <a:rPr lang="en-US" sz="2800" b="1"/>
+              <a:t>0.47 mm</a:t>
+            </a:r>
+          </a:p>
+        </p:txBody>
+      </p:sp>
+      <p:cxnSp>
+        <p:nvCxnSpPr>
+          <p:cNvPr id="34" name="Straight Arrow Connector 33"/>
+          <p:cNvCxnSpPr/>
+          <p:nvPr/>
+        </p:nvCxnSpPr>
+        <p:spPr>
+          <a:xfrm rot="5400000" flipH="1" flipV="1">
+            <a:off x="-389177" y="3340659"/>
+            <a:ext cx="3925355" cy="1588"/>
+          </a:xfrm>
+          <a:prstGeom prst="straightConnector1">
+            <a:avLst/>
+          </a:prstGeom>
+          <a:ln w="76200" cap="flat" cmpd="sng" algn="ctr">
+            <a:solidFill>
+              <a:schemeClr val="tx1"/>
+            </a:solidFill>
+            <a:prstDash val="solid"/>
+            <a:round/>
+            <a:headEnd type="arrow" w="med" len="med"/>
+            <a:tailEnd type="arrow" w="med" len="med"/>
+          </a:ln>
+          <a:effectLst/>
+        </p:spPr>
+        <p:style>
+          <a:lnRef idx="2">
+            <a:schemeClr val="accent1"/>
+          </a:lnRef>
+          <a:fillRef idx="0">
+            <a:schemeClr val="accent1"/>
+          </a:fillRef>
+          <a:effectRef idx="1">
+            <a:schemeClr val="accent1"/>
+          </a:effectRef>
+          <a:fontRef idx="minor">
+            <a:schemeClr val="tx1"/>
+          </a:fontRef>
+        </p:style>
+      </p:cxnSp>
+      <p:sp>
+        <p:nvSpPr>
+          <p:cNvPr id="37" name="TextBox 36"/>
+          <p:cNvSpPr txBox="1"/>
+          <p:nvPr/>
+        </p:nvSpPr>
+        <p:spPr>
+          <a:xfrm>
+            <a:off x="151105" y="2733527"/>
+            <a:ext cx="2010040" cy="523220"/>
+          </a:xfrm>
+          <a:prstGeom prst="rect">
+            <a:avLst/>
+          </a:prstGeom>
+          <a:noFill/>
+        </p:spPr>
+        <p:txBody>
+          <a:bodyPr wrap="square" rtlCol="0">
+            <a:spAutoFit/>
+          </a:bodyPr>
+          <a:lstStyle/>
+          <a:p>
+            <a:r>
+              <a:rPr lang="en-US" sz="2800" b="1"/>
+              <a:t>0.29 mm</a:t>
             </a:r>
           </a:p>
         </p:txBody>
@@ -9610,7 +9258,7 @@
       </p:grpSpPr>
       <p:pic>
         <p:nvPicPr>
-          <p:cNvPr id="6" name="Picture 5" descr="Screen Shot 2013-05-02 at 1.38.57 PM.png"/>
+          <p:cNvPr id="4" name="Picture 3" descr="layout.png"/>
           <p:cNvPicPr>
             <a:picLocks noChangeAspect="1"/>
           </p:cNvPicPr>
@@ -9624,81 +9272,77 @@
         </p:blipFill>
         <p:spPr>
           <a:xfrm>
-            <a:off x="2157504" y="115408"/>
-            <a:ext cx="3887639" cy="2103105"/>
+            <a:off x="0" y="0"/>
+            <a:ext cx="9144000" cy="6858000"/>
           </a:xfrm>
           <a:prstGeom prst="rect">
             <a:avLst/>
           </a:prstGeom>
         </p:spPr>
       </p:pic>
-      <p:pic>
-        <p:nvPicPr>
-          <p:cNvPr id="7" name="Picture 6" descr="Screen Shot 2013-05-02 at 1.39.12 PM.png"/>
-          <p:cNvPicPr>
-            <a:picLocks noChangeAspect="1"/>
-          </p:cNvPicPr>
-          <p:nvPr/>
-        </p:nvPicPr>
-        <p:blipFill>
-          <a:blip r:embed="rId3"/>
-          <a:stretch>
-            <a:fillRect/>
-          </a:stretch>
-        </p:blipFill>
-        <p:spPr>
-          <a:xfrm>
-            <a:off x="2157504" y="2270125"/>
-            <a:ext cx="3887639" cy="1950569"/>
+      <p:sp>
+        <p:nvSpPr>
+          <p:cNvPr id="5" name="TextBox 4"/>
+          <p:cNvSpPr txBox="1"/>
+          <p:nvPr/>
+        </p:nvSpPr>
+        <p:spPr>
+          <a:xfrm>
+            <a:off x="-1" y="0"/>
+            <a:ext cx="9144001" cy="646331"/>
           </a:xfrm>
           <a:prstGeom prst="rect">
             <a:avLst/>
           </a:prstGeom>
-        </p:spPr>
-      </p:pic>
-      <p:pic>
-        <p:nvPicPr>
-          <p:cNvPr id="8" name="Picture 7" descr="Screen Shot 2013-05-02 at 1.39.25 PM.png"/>
-          <p:cNvPicPr>
-            <a:picLocks noChangeAspect="1"/>
-          </p:cNvPicPr>
-          <p:nvPr/>
-        </p:nvPicPr>
-        <p:blipFill>
-          <a:blip r:embed="rId4"/>
-          <a:stretch>
-            <a:fillRect/>
-          </a:stretch>
-        </p:blipFill>
-        <p:spPr>
-          <a:xfrm>
-            <a:off x="2157504" y="4356823"/>
-            <a:ext cx="3887639" cy="1950569"/>
-          </a:xfrm>
-          <a:prstGeom prst="rect">
-            <a:avLst/>
-          </a:prstGeom>
-        </p:spPr>
-      </p:pic>
+          <a:noFill/>
+        </p:spPr>
+        <p:txBody>
+          <a:bodyPr wrap="square" rtlCol="0">
+            <a:spAutoFit/>
+          </a:bodyPr>
+          <a:lstStyle/>
+          <a:p>
+            <a:pPr algn="ctr"/>
+            <a:r>
+              <a:rPr lang="en-US" sz="3600" b="1">
+                <a:solidFill>
+                  <a:schemeClr val="bg1"/>
+                </a:solidFill>
+                <a:effectLst>
+                  <a:outerShdw blurRad="50800" dist="38100" dir="2700000">
+                    <a:srgbClr val="000000">
+                      <a:alpha val="43000"/>
+                    </a:srgbClr>
+                  </a:outerShdw>
+                </a:effectLst>
+                <a:latin typeface="Helvetica Neue"/>
+                <a:cs typeface="Helvetica Neue"/>
+              </a:rPr>
+              <a:t>Common Centroid Plan</a:t>
+            </a:r>
+          </a:p>
+        </p:txBody>
+      </p:sp>
       <p:cxnSp>
         <p:nvCxnSpPr>
-          <p:cNvPr id="10" name="Straight Connector 9"/>
+          <p:cNvPr id="32" name="Straight Connector 31"/>
           <p:cNvCxnSpPr/>
           <p:nvPr/>
         </p:nvCxnSpPr>
         <p:spPr>
-          <a:xfrm>
-            <a:off x="3463797" y="2622392"/>
-            <a:ext cx="1088613" cy="1088533"/>
+          <a:xfrm rot="5400000">
+            <a:off x="80100" y="3187274"/>
+            <a:ext cx="4428373" cy="1588"/>
           </a:xfrm>
           <a:prstGeom prst="line">
             <a:avLst/>
           </a:prstGeom>
           <a:ln>
             <a:solidFill>
-              <a:srgbClr val="FF0000"/>
+              <a:srgbClr val="000000"/>
             </a:solidFill>
           </a:ln>
+          <a:effectLst/>
         </p:spPr>
         <p:style>
           <a:lnRef idx="2">
@@ -9715,11 +9359,489 @@
           </a:fontRef>
         </p:style>
       </p:cxnSp>
+      <p:sp>
+        <p:nvSpPr>
+          <p:cNvPr id="33" name="TextBox 32"/>
+          <p:cNvSpPr txBox="1"/>
+          <p:nvPr/>
+        </p:nvSpPr>
+        <p:spPr>
+          <a:xfrm>
+            <a:off x="428850" y="1352944"/>
+            <a:ext cx="1545215" cy="523220"/>
+          </a:xfrm>
+          <a:prstGeom prst="rect">
+            <a:avLst/>
+          </a:prstGeom>
+          <a:noFill/>
+        </p:spPr>
+        <p:txBody>
+          <a:bodyPr wrap="none" rtlCol="0">
+            <a:spAutoFit/>
+          </a:bodyPr>
+          <a:lstStyle/>
+          <a:p>
+            <a:r>
+              <a:rPr lang="en-US" sz="2800" b="1"/>
+              <a:t>Op Amps</a:t>
+            </a:r>
+          </a:p>
+        </p:txBody>
+      </p:sp>
+      <p:sp>
+        <p:nvSpPr>
+          <p:cNvPr id="36" name="TextBox 35"/>
+          <p:cNvSpPr txBox="1"/>
+          <p:nvPr/>
+        </p:nvSpPr>
+        <p:spPr>
+          <a:xfrm>
+            <a:off x="2626534" y="1091334"/>
+            <a:ext cx="1570813" cy="954107"/>
+          </a:xfrm>
+          <a:prstGeom prst="rect">
+            <a:avLst/>
+          </a:prstGeom>
+          <a:noFill/>
+        </p:spPr>
+        <p:txBody>
+          <a:bodyPr wrap="none" rtlCol="0">
+            <a:spAutoFit/>
+          </a:bodyPr>
+          <a:lstStyle/>
+          <a:p>
+            <a:r>
+              <a:rPr lang="en-US" sz="2800" b="1"/>
+              <a:t>Inverting</a:t>
+            </a:r>
+          </a:p>
+          <a:p>
+            <a:r>
+              <a:rPr lang="en-US" sz="2800" b="1"/>
+              <a:t>Amplifier</a:t>
+            </a:r>
+          </a:p>
+        </p:txBody>
+      </p:sp>
+      <p:sp>
+        <p:nvSpPr>
+          <p:cNvPr id="38" name="TextBox 37"/>
+          <p:cNvSpPr txBox="1"/>
+          <p:nvPr/>
+        </p:nvSpPr>
+        <p:spPr>
+          <a:xfrm>
+            <a:off x="4597597" y="1091334"/>
+            <a:ext cx="1862033" cy="954107"/>
+          </a:xfrm>
+          <a:prstGeom prst="rect">
+            <a:avLst/>
+          </a:prstGeom>
+          <a:noFill/>
+        </p:spPr>
+        <p:txBody>
+          <a:bodyPr wrap="none" rtlCol="0">
+            <a:spAutoFit/>
+          </a:bodyPr>
+          <a:lstStyle/>
+          <a:p>
+            <a:r>
+              <a:rPr lang="en-US" sz="2800" b="1"/>
+              <a:t>Differential</a:t>
+            </a:r>
+          </a:p>
+          <a:p>
+            <a:r>
+              <a:rPr lang="en-US" sz="2800" b="1"/>
+              <a:t>Amplifier</a:t>
+            </a:r>
+          </a:p>
+        </p:txBody>
+      </p:sp>
+      <p:sp>
+        <p:nvSpPr>
+          <p:cNvPr id="39" name="TextBox 38"/>
+          <p:cNvSpPr txBox="1"/>
+          <p:nvPr/>
+        </p:nvSpPr>
+        <p:spPr>
+          <a:xfrm>
+            <a:off x="6973052" y="1091334"/>
+            <a:ext cx="1590975" cy="954107"/>
+          </a:xfrm>
+          <a:prstGeom prst="rect">
+            <a:avLst/>
+          </a:prstGeom>
+          <a:noFill/>
+        </p:spPr>
+        <p:txBody>
+          <a:bodyPr wrap="none" rtlCol="0">
+            <a:spAutoFit/>
+          </a:bodyPr>
+          <a:lstStyle/>
+          <a:p>
+            <a:r>
+              <a:rPr lang="en-US" sz="2800" b="1"/>
+              <a:t>Feedback</a:t>
+            </a:r>
+          </a:p>
+          <a:p>
+            <a:r>
+              <a:rPr lang="en-US" sz="2800" b="1"/>
+              <a:t>Divider</a:t>
+            </a:r>
+          </a:p>
+        </p:txBody>
+      </p:sp>
+      <p:cxnSp>
+        <p:nvCxnSpPr>
+          <p:cNvPr id="40" name="Straight Connector 39"/>
+          <p:cNvCxnSpPr/>
+          <p:nvPr/>
+        </p:nvCxnSpPr>
+        <p:spPr>
+          <a:xfrm rot="5400000">
+            <a:off x="2273041" y="3187273"/>
+            <a:ext cx="4428373" cy="1588"/>
+          </a:xfrm>
+          <a:prstGeom prst="line">
+            <a:avLst/>
+          </a:prstGeom>
+          <a:ln>
+            <a:solidFill>
+              <a:srgbClr val="000000"/>
+            </a:solidFill>
+          </a:ln>
+          <a:effectLst/>
+        </p:spPr>
+        <p:style>
+          <a:lnRef idx="2">
+            <a:schemeClr val="accent1"/>
+          </a:lnRef>
+          <a:fillRef idx="0">
+            <a:schemeClr val="accent1"/>
+          </a:fillRef>
+          <a:effectRef idx="1">
+            <a:schemeClr val="accent1"/>
+          </a:effectRef>
+          <a:fontRef idx="minor">
+            <a:schemeClr val="tx1"/>
+          </a:fontRef>
+        </p:style>
+      </p:cxnSp>
+      <p:cxnSp>
+        <p:nvCxnSpPr>
+          <p:cNvPr id="41" name="Straight Connector 40"/>
+          <p:cNvCxnSpPr/>
+          <p:nvPr/>
+        </p:nvCxnSpPr>
+        <p:spPr>
+          <a:xfrm rot="5400000">
+            <a:off x="4433787" y="3187277"/>
+            <a:ext cx="4428373" cy="1588"/>
+          </a:xfrm>
+          <a:prstGeom prst="line">
+            <a:avLst/>
+          </a:prstGeom>
+          <a:ln>
+            <a:solidFill>
+              <a:srgbClr val="000000"/>
+            </a:solidFill>
+          </a:ln>
+          <a:effectLst/>
+        </p:spPr>
+        <p:style>
+          <a:lnRef idx="2">
+            <a:schemeClr val="accent1"/>
+          </a:lnRef>
+          <a:fillRef idx="0">
+            <a:schemeClr val="accent1"/>
+          </a:fillRef>
+          <a:effectRef idx="1">
+            <a:schemeClr val="accent1"/>
+          </a:effectRef>
+          <a:fontRef idx="minor">
+            <a:schemeClr val="tx1"/>
+          </a:fontRef>
+        </p:style>
+      </p:cxnSp>
+      <p:sp>
+        <p:nvSpPr>
+          <p:cNvPr id="42" name="TextBox 41"/>
+          <p:cNvSpPr txBox="1"/>
+          <p:nvPr/>
+        </p:nvSpPr>
+        <p:spPr>
+          <a:xfrm>
+            <a:off x="354633" y="3051207"/>
+            <a:ext cx="1929660" cy="923330"/>
+          </a:xfrm>
+          <a:prstGeom prst="rect">
+            <a:avLst/>
+          </a:prstGeom>
+          <a:noFill/>
+        </p:spPr>
+        <p:txBody>
+          <a:bodyPr wrap="none" rtlCol="0">
+            <a:spAutoFit/>
+          </a:bodyPr>
+          <a:lstStyle/>
+          <a:p>
+            <a:pPr algn="ctr"/>
+            <a:r>
+              <a:rPr lang="en-US"/>
+              <a:t>Common centroid</a:t>
+            </a:r>
+          </a:p>
+          <a:p>
+            <a:pPr algn="ctr"/>
+            <a:r>
+              <a:rPr lang="en-US"/>
+              <a:t>already completed</a:t>
+            </a:r>
+          </a:p>
+          <a:p>
+            <a:pPr algn="ctr"/>
+            <a:r>
+              <a:rPr lang="en-US"/>
+              <a:t>in homework 4</a:t>
+            </a:r>
+          </a:p>
+        </p:txBody>
+      </p:sp>
+      <p:sp>
+        <p:nvSpPr>
+          <p:cNvPr id="43" name="TextBox 42"/>
+          <p:cNvSpPr txBox="1"/>
+          <p:nvPr/>
+        </p:nvSpPr>
+        <p:spPr>
+          <a:xfrm>
+            <a:off x="2816478" y="2506938"/>
+            <a:ext cx="1380869" cy="2031325"/>
+          </a:xfrm>
+          <a:prstGeom prst="rect">
+            <a:avLst/>
+          </a:prstGeom>
+          <a:noFill/>
+        </p:spPr>
+        <p:txBody>
+          <a:bodyPr wrap="none" rtlCol="0">
+            <a:spAutoFit/>
+          </a:bodyPr>
+          <a:lstStyle/>
+          <a:p>
+            <a:pPr algn="ctr"/>
+            <a:r>
+              <a:rPr lang="en-US"/>
+              <a:t>R1: 1 kΩ</a:t>
+            </a:r>
+          </a:p>
+          <a:p>
+            <a:pPr algn="ctr"/>
+            <a:r>
+              <a:rPr lang="en-US"/>
+              <a:t>R2: 2 kΩ</a:t>
+            </a:r>
+          </a:p>
+          <a:p>
+            <a:pPr algn="ctr"/>
+            <a:endParaRPr lang="en-US"/>
+          </a:p>
+          <a:p>
+            <a:pPr algn="ctr"/>
+            <a:r>
+              <a:rPr lang="en-US"/>
+              <a:t>Unit Resistor</a:t>
+            </a:r>
+          </a:p>
+          <a:p>
+            <a:pPr algn="ctr"/>
+            <a:r>
+              <a:rPr lang="en-US"/>
+              <a:t>for common</a:t>
+            </a:r>
+          </a:p>
+          <a:p>
+            <a:pPr algn="ctr"/>
+            <a:r>
+              <a:rPr lang="en-US"/>
+              <a:t>centroid:</a:t>
+            </a:r>
+          </a:p>
+          <a:p>
+            <a:pPr algn="ctr"/>
+            <a:r>
+              <a:rPr lang="en-US"/>
+              <a:t>1 kΩ</a:t>
+            </a:r>
+          </a:p>
+        </p:txBody>
+      </p:sp>
+      <p:sp>
+        <p:nvSpPr>
+          <p:cNvPr id="44" name="TextBox 43"/>
+          <p:cNvSpPr txBox="1"/>
+          <p:nvPr/>
+        </p:nvSpPr>
+        <p:spPr>
+          <a:xfrm>
+            <a:off x="4873965" y="2506938"/>
+            <a:ext cx="1380869" cy="2585323"/>
+          </a:xfrm>
+          <a:prstGeom prst="rect">
+            <a:avLst/>
+          </a:prstGeom>
+          <a:noFill/>
+        </p:spPr>
+        <p:txBody>
+          <a:bodyPr wrap="none" rtlCol="0">
+            <a:spAutoFit/>
+          </a:bodyPr>
+          <a:lstStyle/>
+          <a:p>
+            <a:pPr algn="ctr"/>
+            <a:r>
+              <a:rPr lang="en-US"/>
+              <a:t>R1: 10 kΩ</a:t>
+            </a:r>
+          </a:p>
+          <a:p>
+            <a:pPr algn="ctr"/>
+            <a:r>
+              <a:rPr lang="en-US"/>
+              <a:t>R2: 10 kΩ</a:t>
+            </a:r>
+          </a:p>
+          <a:p>
+            <a:pPr algn="ctr"/>
+            <a:r>
+              <a:rPr lang="en-US"/>
+              <a:t>R3: 10 kΩ</a:t>
+            </a:r>
+          </a:p>
+          <a:p>
+            <a:pPr algn="ctr"/>
+            <a:r>
+              <a:rPr lang="en-US"/>
+              <a:t>R4: 10 kΩ</a:t>
+            </a:r>
+          </a:p>
+          <a:p>
+            <a:pPr algn="ctr"/>
+            <a:endParaRPr lang="en-US"/>
+          </a:p>
+          <a:p>
+            <a:pPr algn="ctr"/>
+            <a:r>
+              <a:rPr lang="en-US"/>
+              <a:t>Unit Resistor</a:t>
+            </a:r>
+          </a:p>
+          <a:p>
+            <a:pPr algn="ctr"/>
+            <a:r>
+              <a:rPr lang="en-US"/>
+              <a:t>for common</a:t>
+            </a:r>
+          </a:p>
+          <a:p>
+            <a:pPr algn="ctr"/>
+            <a:r>
+              <a:rPr lang="en-US"/>
+              <a:t>centroid:</a:t>
+            </a:r>
+          </a:p>
+          <a:p>
+            <a:pPr algn="ctr"/>
+            <a:r>
+              <a:rPr lang="en-US"/>
+              <a:t>5 kΩ</a:t>
+            </a:r>
+          </a:p>
+        </p:txBody>
+      </p:sp>
+      <p:sp>
+        <p:nvSpPr>
+          <p:cNvPr id="45" name="TextBox 44"/>
+          <p:cNvSpPr txBox="1"/>
+          <p:nvPr/>
+        </p:nvSpPr>
+        <p:spPr>
+          <a:xfrm>
+            <a:off x="7067700" y="2506938"/>
+            <a:ext cx="1380869" cy="2031325"/>
+          </a:xfrm>
+          <a:prstGeom prst="rect">
+            <a:avLst/>
+          </a:prstGeom>
+          <a:noFill/>
+        </p:spPr>
+        <p:txBody>
+          <a:bodyPr wrap="none" rtlCol="0">
+            <a:spAutoFit/>
+          </a:bodyPr>
+          <a:lstStyle/>
+          <a:p>
+            <a:pPr algn="ctr"/>
+            <a:r>
+              <a:rPr lang="en-US"/>
+              <a:t>R1: 20 kΩ</a:t>
+            </a:r>
+          </a:p>
+          <a:p>
+            <a:pPr algn="ctr"/>
+            <a:r>
+              <a:rPr lang="en-US"/>
+              <a:t>R2: 20 kΩ</a:t>
+            </a:r>
+          </a:p>
+          <a:p>
+            <a:pPr algn="ctr"/>
+            <a:endParaRPr lang="en-US"/>
+          </a:p>
+          <a:p>
+            <a:pPr algn="ctr"/>
+            <a:r>
+              <a:rPr lang="en-US"/>
+              <a:t>Unit Resistor</a:t>
+            </a:r>
+          </a:p>
+          <a:p>
+            <a:pPr algn="ctr"/>
+            <a:r>
+              <a:rPr lang="en-US"/>
+              <a:t>for common</a:t>
+            </a:r>
+          </a:p>
+          <a:p>
+            <a:pPr algn="ctr"/>
+            <a:r>
+              <a:rPr lang="en-US"/>
+              <a:t>centroid:</a:t>
+            </a:r>
+          </a:p>
+          <a:p>
+            <a:pPr algn="ctr"/>
+            <a:r>
+              <a:rPr lang="en-US"/>
+              <a:t>10 kΩ</a:t>
+            </a:r>
+          </a:p>
+        </p:txBody>
+      </p:sp>
     </p:spTree>
   </p:cSld>
   <p:clrMapOvr>
     <a:masterClrMapping/>
   </p:clrMapOvr>
+  <p:timing>
+    <p:tnLst>
+      <p:par>
+        <p:cTn id="1" dur="indefinite" restart="never" nodeType="tmRoot"/>
+      </p:par>
+    </p:tnLst>
+  </p:timing>
 </p:sld>
 </file>
 
